--- a/figs/makeFig.pptx
+++ b/figs/makeFig.pptx
@@ -5,15 +5,31 @@
     <p:sldMasterId id="2147483648" r:id="rId1"/>
   </p:sldMasterIdLst>
   <p:sldIdLst>
-    <p:sldId id="262" r:id="rId3"/>
-    <p:sldId id="263" r:id="rId4"/>
-    <p:sldId id="264" r:id="rId5"/>
-    <p:sldId id="265" r:id="rId6"/>
-    <p:sldId id="266" r:id="rId7"/>
-    <p:sldId id="267" r:id="rId8"/>
+    <p:sldId id="262" r:id="rId2"/>
+    <p:sldId id="263" r:id="rId3"/>
+    <p:sldId id="266" r:id="rId4"/>
+    <p:sldId id="271" r:id="rId5"/>
+    <p:sldId id="272" r:id="rId6"/>
+    <p:sldId id="273" r:id="rId7"/>
+    <p:sldId id="274" r:id="rId8"/>
+    <p:sldId id="275" r:id="rId9"/>
+    <p:sldId id="278" r:id="rId10"/>
+    <p:sldId id="282" r:id="rId11"/>
+    <p:sldId id="276" r:id="rId12"/>
+    <p:sldId id="283" r:id="rId13"/>
+    <p:sldId id="284" r:id="rId14"/>
+    <p:sldId id="280" r:id="rId15"/>
+    <p:sldId id="281" r:id="rId16"/>
+    <p:sldId id="279" r:id="rId17"/>
+    <p:sldId id="264" r:id="rId18"/>
+    <p:sldId id="265" r:id="rId19"/>
+    <p:sldId id="270" r:id="rId20"/>
+    <p:sldId id="268" r:id="rId21"/>
+    <p:sldId id="269" r:id="rId22"/>
+    <p:sldId id="267" r:id="rId23"/>
   </p:sldIdLst>
   <p:sldSz cx="10080625" cy="7559675"/>
-  <p:notesSz cx="7559675" cy="10691495"/>
+  <p:notesSz cx="7559675" cy="10691813"/>
   <p:defaultTextStyle>
     <a:lvl1pPr marL="0" algn="l" defTabSz="914400" rtl="0" eaLnBrk="1" latinLnBrk="0" hangingPunct="1">
       <a:defRPr sz="1800" kern="1200">
@@ -106,6 +122,11 @@
       </a:defRPr>
     </a:lvl9pPr>
   </p:defaultTextStyle>
+  <p:extLst>
+    <p:ext uri="{EFAFB233-063F-42B5-8137-9DF3F51BA10A}">
+      <p15:sldGuideLst xmlns:p15="http://schemas.microsoft.com/office/powerpoint/2012/main"/>
+    </p:ext>
+  </p:extLst>
 </p:presentation>
 </file>
 
@@ -1662,12 +1683,6 @@
               </a:rPr>
               <a:t>タイトルテキストの書式を編集するにはクリックします。</a:t>
             </a:r>
-            <a:endParaRPr lang="ja-JP" sz="4400" b="0" strike="noStrike" spc="-1">
-              <a:solidFill>
-                <a:srgbClr val="000000"/>
-              </a:solidFill>
-              <a:latin typeface="Arial" panose="020B0604020202020204"/>
-            </a:endParaRPr>
           </a:p>
         </p:txBody>
       </p:sp>
@@ -1716,12 +1731,6 @@
               </a:rPr>
               <a:t>アウトラインテキストの書式を編集するにはクリックします。</a:t>
             </a:r>
-            <a:endParaRPr lang="ja-JP" sz="2800" b="0" strike="noStrike" spc="-1">
-              <a:solidFill>
-                <a:srgbClr val="000000"/>
-              </a:solidFill>
-              <a:latin typeface="Arial" panose="020B0604020202020204"/>
-            </a:endParaRPr>
           </a:p>
           <a:p>
             <a:pPr marL="864235" lvl="1" indent="-323850">
@@ -1744,12 +1753,6 @@
               </a:rPr>
               <a:t>2レベル目のアウトライン</a:t>
             </a:r>
-            <a:endParaRPr lang="ja-JP" sz="2000" b="0" strike="noStrike" spc="-1">
-              <a:solidFill>
-                <a:srgbClr val="000000"/>
-              </a:solidFill>
-              <a:latin typeface="Arial" panose="020B0604020202020204"/>
-            </a:endParaRPr>
           </a:p>
           <a:p>
             <a:pPr marL="1296035" lvl="2" indent="-288290">
@@ -1772,12 +1775,6 @@
               </a:rPr>
               <a:t>3レベル目のアウトライン</a:t>
             </a:r>
-            <a:endParaRPr lang="ja-JP" sz="1800" b="0" strike="noStrike" spc="-1">
-              <a:solidFill>
-                <a:srgbClr val="000000"/>
-              </a:solidFill>
-              <a:latin typeface="Arial" panose="020B0604020202020204"/>
-            </a:endParaRPr>
           </a:p>
           <a:p>
             <a:pPr marL="1727835" lvl="3" indent="-215900">
@@ -1800,12 +1797,6 @@
               </a:rPr>
               <a:t>4レベル目のアウトライン</a:t>
             </a:r>
-            <a:endParaRPr lang="ja-JP" sz="1800" b="0" strike="noStrike" spc="-1">
-              <a:solidFill>
-                <a:srgbClr val="000000"/>
-              </a:solidFill>
-              <a:latin typeface="Arial" panose="020B0604020202020204"/>
-            </a:endParaRPr>
           </a:p>
           <a:p>
             <a:pPr marL="2160270" lvl="4" indent="-215900">
@@ -1828,12 +1819,6 @@
               </a:rPr>
               <a:t>5レベル目のアウトライン</a:t>
             </a:r>
-            <a:endParaRPr lang="ja-JP" sz="2000" b="0" strike="noStrike" spc="-1">
-              <a:solidFill>
-                <a:srgbClr val="000000"/>
-              </a:solidFill>
-              <a:latin typeface="Arial" panose="020B0604020202020204"/>
-            </a:endParaRPr>
           </a:p>
           <a:p>
             <a:pPr marL="2592070" lvl="5" indent="-215900">
@@ -1856,12 +1841,6 @@
               </a:rPr>
               <a:t>6レベル目のアウトライン</a:t>
             </a:r>
-            <a:endParaRPr lang="ja-JP" sz="2000" b="0" strike="noStrike" spc="-1">
-              <a:solidFill>
-                <a:srgbClr val="000000"/>
-              </a:solidFill>
-              <a:latin typeface="Arial" panose="020B0604020202020204"/>
-            </a:endParaRPr>
           </a:p>
           <a:p>
             <a:pPr marL="3023870" lvl="6" indent="-215900">
@@ -1884,12 +1863,6 @@
               </a:rPr>
               <a:t>7レベル目のアウトライン</a:t>
             </a:r>
-            <a:endParaRPr lang="ja-JP" sz="2000" b="0" strike="noStrike" spc="-1">
-              <a:solidFill>
-                <a:srgbClr val="000000"/>
-              </a:solidFill>
-              <a:latin typeface="Arial" panose="020B0604020202020204"/>
-            </a:endParaRPr>
           </a:p>
         </p:txBody>
       </p:sp>
@@ -1944,7 +1917,7 @@
           <p:nvPr/>
         </p:nvPicPr>
         <p:blipFill>
-          <a:blip r:embed="rId1"/>
+          <a:blip r:embed="rId2"/>
           <a:stretch>
             <a:fillRect/>
           </a:stretch>
@@ -1967,7 +1940,3188 @@
 </p:sld>
 </file>
 
+<file path=ppt/slides/slide10.xml><?xml version="1.0" encoding="utf-8"?>
+<p:sld xmlns:a="http://schemas.openxmlformats.org/drawingml/2006/main" xmlns:r="http://schemas.openxmlformats.org/officeDocument/2006/relationships" xmlns:p="http://schemas.openxmlformats.org/presentationml/2006/main">
+  <p:cSld>
+    <p:spTree>
+      <p:nvGrpSpPr>
+        <p:cNvPr id="1" name=""/>
+        <p:cNvGrpSpPr/>
+        <p:nvPr/>
+      </p:nvGrpSpPr>
+      <p:grpSpPr>
+        <a:xfrm>
+          <a:off x="0" y="0"/>
+          <a:ext cx="0" cy="0"/>
+          <a:chOff x="0" y="0"/>
+          <a:chExt cx="0" cy="0"/>
+        </a:xfrm>
+      </p:grpSpPr>
+      <p:pic>
+        <p:nvPicPr>
+          <p:cNvPr id="9" name="図 8">
+            <a:extLst>
+              <a:ext uri="{FF2B5EF4-FFF2-40B4-BE49-F238E27FC236}">
+                <a16:creationId xmlns:a16="http://schemas.microsoft.com/office/drawing/2014/main" id="{A2B7E5AD-6A85-46ED-97AD-BEBAEED4E2EE}"/>
+              </a:ext>
+            </a:extLst>
+          </p:cNvPr>
+          <p:cNvPicPr>
+            <a:picLocks noChangeAspect="1"/>
+          </p:cNvPicPr>
+          <p:nvPr/>
+        </p:nvPicPr>
+        <p:blipFill>
+          <a:blip r:embed="rId2"/>
+          <a:stretch>
+            <a:fillRect/>
+          </a:stretch>
+        </p:blipFill>
+        <p:spPr>
+          <a:xfrm>
+            <a:off x="1623111" y="2528710"/>
+            <a:ext cx="6885203" cy="4889848"/>
+          </a:xfrm>
+          <a:prstGeom prst="rect">
+            <a:avLst/>
+          </a:prstGeom>
+        </p:spPr>
+      </p:pic>
+      <p:pic>
+        <p:nvPicPr>
+          <p:cNvPr id="2" name="図 1">
+            <a:extLst>
+              <a:ext uri="{FF2B5EF4-FFF2-40B4-BE49-F238E27FC236}">
+                <a16:creationId xmlns:a16="http://schemas.microsoft.com/office/drawing/2014/main" id="{23BDE101-283D-4FCE-8019-0D56E67C201C}"/>
+              </a:ext>
+            </a:extLst>
+          </p:cNvPr>
+          <p:cNvPicPr>
+            <a:picLocks noChangeAspect="1"/>
+          </p:cNvPicPr>
+          <p:nvPr/>
+        </p:nvPicPr>
+        <p:blipFill rotWithShape="1">
+          <a:blip r:embed="rId3"/>
+          <a:srcRect l="836" t="4865" r="2573" b="5638"/>
+          <a:stretch/>
+        </p:blipFill>
+        <p:spPr>
+          <a:xfrm>
+            <a:off x="1597710" y="662024"/>
+            <a:ext cx="4309191" cy="1837266"/>
+          </a:xfrm>
+          <a:prstGeom prst="rect">
+            <a:avLst/>
+          </a:prstGeom>
+        </p:spPr>
+      </p:pic>
+      <p:sp>
+        <p:nvSpPr>
+          <p:cNvPr id="3" name="Text Box 9">
+            <a:extLst>
+              <a:ext uri="{FF2B5EF4-FFF2-40B4-BE49-F238E27FC236}">
+                <a16:creationId xmlns:a16="http://schemas.microsoft.com/office/drawing/2014/main" id="{69D525F8-97BF-456B-8600-B75422F592B8}"/>
+              </a:ext>
+            </a:extLst>
+          </p:cNvPr>
+          <p:cNvSpPr txBox="1">
+            <a:spLocks/>
+          </p:cNvSpPr>
+          <p:nvPr/>
+        </p:nvSpPr>
+        <p:spPr>
+          <a:xfrm>
+            <a:off x="5862248" y="1080688"/>
+            <a:ext cx="2647932" cy="1384995"/>
+          </a:xfrm>
+          <a:prstGeom prst="rect">
+            <a:avLst/>
+          </a:prstGeom>
+          <a:noFill/>
+        </p:spPr>
+        <p:txBody>
+          <a:bodyPr wrap="square" rtlCol="0">
+            <a:spAutoFit/>
+          </a:bodyPr>
+          <a:lstStyle/>
+          <a:p>
+            <a:r>
+              <a:rPr lang="en-US" altLang="ja-JP" sz="1400" dirty="0"/>
+              <a:t>P</a:t>
+            </a:r>
+            <a:r>
+              <a:rPr lang="ja-JP" altLang="en-US" sz="1400" dirty="0"/>
+              <a:t>ゲイン：</a:t>
+            </a:r>
+            <a:r>
+              <a:rPr lang="en-US" altLang="ja-JP" sz="1400" dirty="0"/>
+              <a:t>-10</a:t>
+            </a:r>
+          </a:p>
+          <a:p>
+            <a:r>
+              <a:rPr lang="en-US" altLang="ja-JP" sz="1400" dirty="0"/>
+              <a:t>I</a:t>
+            </a:r>
+            <a:r>
+              <a:rPr lang="ja-JP" altLang="en-US" sz="1400" dirty="0"/>
+              <a:t>ゲイン：</a:t>
+            </a:r>
+            <a:r>
+              <a:rPr lang="en-US" altLang="ja-JP" sz="1400" dirty="0"/>
+              <a:t>0</a:t>
+            </a:r>
+          </a:p>
+          <a:p>
+            <a:r>
+              <a:rPr lang="en-US" altLang="ja-JP" sz="1400" dirty="0"/>
+              <a:t>D</a:t>
+            </a:r>
+            <a:r>
+              <a:rPr lang="ja-JP" altLang="en-US" sz="1400" dirty="0"/>
+              <a:t>ゲイン：</a:t>
+            </a:r>
+            <a:r>
+              <a:rPr lang="en-US" altLang="ja-JP" sz="1400" dirty="0"/>
+              <a:t>0</a:t>
+            </a:r>
+          </a:p>
+          <a:p>
+            <a:r>
+              <a:rPr lang="en-US" altLang="ja-JP" sz="1400" dirty="0"/>
+              <a:t>* </a:t>
+            </a:r>
+            <a:r>
+              <a:rPr lang="ja-JP" altLang="en-US" sz="1400" dirty="0"/>
+              <a:t>負の</a:t>
+            </a:r>
+            <a:r>
+              <a:rPr lang="en-US" altLang="ja-JP" sz="1400" dirty="0"/>
+              <a:t>elevator</a:t>
+            </a:r>
+            <a:r>
+              <a:rPr lang="ja-JP" altLang="en-US" sz="1400" dirty="0"/>
+              <a:t>角に対して正のピッチ角応答なので制御ゲインが負</a:t>
+            </a:r>
+            <a:endParaRPr lang="en-US" altLang="ja-JP" sz="1400" dirty="0"/>
+          </a:p>
+        </p:txBody>
+      </p:sp>
+      <p:sp>
+        <p:nvSpPr>
+          <p:cNvPr id="5" name="Text Box 9">
+            <a:extLst>
+              <a:ext uri="{FF2B5EF4-FFF2-40B4-BE49-F238E27FC236}">
+                <a16:creationId xmlns:a16="http://schemas.microsoft.com/office/drawing/2014/main" id="{0274975C-C48C-4A49-8B04-8A6B6A69162B}"/>
+              </a:ext>
+            </a:extLst>
+          </p:cNvPr>
+          <p:cNvSpPr txBox="1"/>
+          <p:nvPr/>
+        </p:nvSpPr>
+        <p:spPr>
+          <a:xfrm>
+            <a:off x="5262348" y="3161996"/>
+            <a:ext cx="1046169" cy="307777"/>
+          </a:xfrm>
+          <a:prstGeom prst="rect">
+            <a:avLst/>
+          </a:prstGeom>
+          <a:noFill/>
+        </p:spPr>
+        <p:txBody>
+          <a:bodyPr wrap="square" rtlCol="0">
+            <a:spAutoFit/>
+          </a:bodyPr>
+          <a:lstStyle/>
+          <a:p>
+            <a:r>
+              <a:rPr lang="ja-JP" altLang="en-US" sz="1400" dirty="0"/>
+              <a:t>ピッチ角</a:t>
+            </a:r>
+          </a:p>
+        </p:txBody>
+      </p:sp>
+      <p:cxnSp>
+        <p:nvCxnSpPr>
+          <p:cNvPr id="6" name="Straight Connector 12">
+            <a:extLst>
+              <a:ext uri="{FF2B5EF4-FFF2-40B4-BE49-F238E27FC236}">
+                <a16:creationId xmlns:a16="http://schemas.microsoft.com/office/drawing/2014/main" id="{09E37266-5A08-4A3C-BB78-078AB6597692}"/>
+              </a:ext>
+            </a:extLst>
+          </p:cNvPr>
+          <p:cNvCxnSpPr>
+            <a:cxnSpLocks/>
+            <a:endCxn id="5" idx="2"/>
+          </p:cNvCxnSpPr>
+          <p:nvPr/>
+        </p:nvCxnSpPr>
+        <p:spPr>
+          <a:xfrm flipH="1" flipV="1">
+            <a:off x="5785433" y="3469773"/>
+            <a:ext cx="121468" cy="620129"/>
+          </a:xfrm>
+          <a:prstGeom prst="line">
+            <a:avLst/>
+          </a:prstGeom>
+          <a:ln w="19050"/>
+        </p:spPr>
+        <p:style>
+          <a:lnRef idx="2">
+            <a:schemeClr val="accent1"/>
+          </a:lnRef>
+          <a:fillRef idx="0">
+            <a:schemeClr val="accent1"/>
+          </a:fillRef>
+          <a:effectRef idx="1">
+            <a:schemeClr val="accent1"/>
+          </a:effectRef>
+          <a:fontRef idx="minor">
+            <a:schemeClr val="tx1"/>
+          </a:fontRef>
+        </p:style>
+      </p:cxnSp>
+      <p:cxnSp>
+        <p:nvCxnSpPr>
+          <p:cNvPr id="7" name="Straight Connector 12">
+            <a:extLst>
+              <a:ext uri="{FF2B5EF4-FFF2-40B4-BE49-F238E27FC236}">
+                <a16:creationId xmlns:a16="http://schemas.microsoft.com/office/drawing/2014/main" id="{71A8577F-3288-4FBF-8638-C6F42D78C187}"/>
+              </a:ext>
+            </a:extLst>
+          </p:cNvPr>
+          <p:cNvCxnSpPr>
+            <a:cxnSpLocks/>
+            <a:endCxn id="8" idx="2"/>
+          </p:cNvCxnSpPr>
+          <p:nvPr/>
+        </p:nvCxnSpPr>
+        <p:spPr>
+          <a:xfrm flipH="1" flipV="1">
+            <a:off x="2534178" y="3839105"/>
+            <a:ext cx="623889" cy="538163"/>
+          </a:xfrm>
+          <a:prstGeom prst="line">
+            <a:avLst/>
+          </a:prstGeom>
+          <a:ln w="19050"/>
+        </p:spPr>
+        <p:style>
+          <a:lnRef idx="2">
+            <a:schemeClr val="accent1"/>
+          </a:lnRef>
+          <a:fillRef idx="0">
+            <a:schemeClr val="accent1"/>
+          </a:fillRef>
+          <a:effectRef idx="1">
+            <a:schemeClr val="accent1"/>
+          </a:effectRef>
+          <a:fontRef idx="minor">
+            <a:schemeClr val="tx1"/>
+          </a:fontRef>
+        </p:style>
+      </p:cxnSp>
+      <p:sp>
+        <p:nvSpPr>
+          <p:cNvPr id="8" name="Text Box 9">
+            <a:extLst>
+              <a:ext uri="{FF2B5EF4-FFF2-40B4-BE49-F238E27FC236}">
+                <a16:creationId xmlns:a16="http://schemas.microsoft.com/office/drawing/2014/main" id="{67BC8DDD-4919-4F17-8413-A7FF56F634B6}"/>
+              </a:ext>
+            </a:extLst>
+          </p:cNvPr>
+          <p:cNvSpPr txBox="1"/>
+          <p:nvPr/>
+        </p:nvSpPr>
+        <p:spPr>
+          <a:xfrm>
+            <a:off x="2011093" y="3315885"/>
+            <a:ext cx="1046169" cy="523220"/>
+          </a:xfrm>
+          <a:prstGeom prst="rect">
+            <a:avLst/>
+          </a:prstGeom>
+          <a:noFill/>
+        </p:spPr>
+        <p:txBody>
+          <a:bodyPr wrap="square" rtlCol="0">
+            <a:spAutoFit/>
+          </a:bodyPr>
+          <a:lstStyle/>
+          <a:p>
+            <a:r>
+              <a:rPr lang="ja-JP" altLang="en-US" sz="1400" dirty="0"/>
+              <a:t>ピッチ角目標値</a:t>
+            </a:r>
+          </a:p>
+        </p:txBody>
+      </p:sp>
+    </p:spTree>
+    <p:extLst>
+      <p:ext uri="{BB962C8B-B14F-4D97-AF65-F5344CB8AC3E}">
+        <p14:creationId xmlns:p14="http://schemas.microsoft.com/office/powerpoint/2010/main" val="1239670395"/>
+      </p:ext>
+    </p:extLst>
+  </p:cSld>
+  <p:clrMapOvr>
+    <a:masterClrMapping/>
+  </p:clrMapOvr>
+</p:sld>
+</file>
+
+<file path=ppt/slides/slide11.xml><?xml version="1.0" encoding="utf-8"?>
+<p:sld xmlns:a="http://schemas.openxmlformats.org/drawingml/2006/main" xmlns:r="http://schemas.openxmlformats.org/officeDocument/2006/relationships" xmlns:p="http://schemas.openxmlformats.org/presentationml/2006/main">
+  <p:cSld>
+    <p:spTree>
+      <p:nvGrpSpPr>
+        <p:cNvPr id="1" name=""/>
+        <p:cNvGrpSpPr/>
+        <p:nvPr/>
+      </p:nvGrpSpPr>
+      <p:grpSpPr>
+        <a:xfrm>
+          <a:off x="0" y="0"/>
+          <a:ext cx="0" cy="0"/>
+          <a:chOff x="0" y="0"/>
+          <a:chExt cx="0" cy="0"/>
+        </a:xfrm>
+      </p:grpSpPr>
+      <p:pic>
+        <p:nvPicPr>
+          <p:cNvPr id="2" name="図 1">
+            <a:extLst>
+              <a:ext uri="{FF2B5EF4-FFF2-40B4-BE49-F238E27FC236}">
+                <a16:creationId xmlns:a16="http://schemas.microsoft.com/office/drawing/2014/main" id="{4C3729C5-B81B-4097-8D3E-D812EB3BD806}"/>
+              </a:ext>
+            </a:extLst>
+          </p:cNvPr>
+          <p:cNvPicPr>
+            <a:picLocks noChangeAspect="1"/>
+          </p:cNvPicPr>
+          <p:nvPr/>
+        </p:nvPicPr>
+        <p:blipFill>
+          <a:blip r:embed="rId2"/>
+          <a:stretch>
+            <a:fillRect/>
+          </a:stretch>
+        </p:blipFill>
+        <p:spPr>
+          <a:xfrm>
+            <a:off x="1597710" y="2484075"/>
+            <a:ext cx="6885203" cy="4877532"/>
+          </a:xfrm>
+          <a:prstGeom prst="rect">
+            <a:avLst/>
+          </a:prstGeom>
+        </p:spPr>
+      </p:pic>
+      <p:sp>
+        <p:nvSpPr>
+          <p:cNvPr id="3" name="Text Box 9">
+            <a:extLst>
+              <a:ext uri="{FF2B5EF4-FFF2-40B4-BE49-F238E27FC236}">
+                <a16:creationId xmlns:a16="http://schemas.microsoft.com/office/drawing/2014/main" id="{A2945A37-F30C-4E4D-A6DF-DC3BF1814907}"/>
+              </a:ext>
+            </a:extLst>
+          </p:cNvPr>
+          <p:cNvSpPr txBox="1"/>
+          <p:nvPr/>
+        </p:nvSpPr>
+        <p:spPr>
+          <a:xfrm>
+            <a:off x="4644226" y="3052364"/>
+            <a:ext cx="1046169" cy="307777"/>
+          </a:xfrm>
+          <a:prstGeom prst="rect">
+            <a:avLst/>
+          </a:prstGeom>
+          <a:noFill/>
+        </p:spPr>
+        <p:txBody>
+          <a:bodyPr wrap="square" rtlCol="0">
+            <a:spAutoFit/>
+          </a:bodyPr>
+          <a:lstStyle/>
+          <a:p>
+            <a:r>
+              <a:rPr lang="ja-JP" altLang="en-US" sz="1400" dirty="0"/>
+              <a:t>ピッチ角</a:t>
+            </a:r>
+          </a:p>
+        </p:txBody>
+      </p:sp>
+      <p:cxnSp>
+        <p:nvCxnSpPr>
+          <p:cNvPr id="4" name="Straight Connector 12">
+            <a:extLst>
+              <a:ext uri="{FF2B5EF4-FFF2-40B4-BE49-F238E27FC236}">
+                <a16:creationId xmlns:a16="http://schemas.microsoft.com/office/drawing/2014/main" id="{C0D790B8-7620-4835-A3D6-88FAE7FE5CD0}"/>
+              </a:ext>
+            </a:extLst>
+          </p:cNvPr>
+          <p:cNvCxnSpPr>
+            <a:cxnSpLocks/>
+            <a:endCxn id="3" idx="2"/>
+          </p:cNvCxnSpPr>
+          <p:nvPr/>
+        </p:nvCxnSpPr>
+        <p:spPr>
+          <a:xfrm flipH="1" flipV="1">
+            <a:off x="5167311" y="3360141"/>
+            <a:ext cx="217488" cy="534528"/>
+          </a:xfrm>
+          <a:prstGeom prst="line">
+            <a:avLst/>
+          </a:prstGeom>
+          <a:ln w="19050"/>
+        </p:spPr>
+        <p:style>
+          <a:lnRef idx="2">
+            <a:schemeClr val="accent1"/>
+          </a:lnRef>
+          <a:fillRef idx="0">
+            <a:schemeClr val="accent1"/>
+          </a:fillRef>
+          <a:effectRef idx="1">
+            <a:schemeClr val="accent1"/>
+          </a:effectRef>
+          <a:fontRef idx="minor">
+            <a:schemeClr val="tx1"/>
+          </a:fontRef>
+        </p:style>
+      </p:cxnSp>
+      <p:cxnSp>
+        <p:nvCxnSpPr>
+          <p:cNvPr id="7" name="Straight Connector 12">
+            <a:extLst>
+              <a:ext uri="{FF2B5EF4-FFF2-40B4-BE49-F238E27FC236}">
+                <a16:creationId xmlns:a16="http://schemas.microsoft.com/office/drawing/2014/main" id="{03DFB120-956D-492C-B2AE-E07F68CF1EF8}"/>
+              </a:ext>
+            </a:extLst>
+          </p:cNvPr>
+          <p:cNvCxnSpPr>
+            <a:cxnSpLocks/>
+            <a:endCxn id="8" idx="2"/>
+          </p:cNvCxnSpPr>
+          <p:nvPr/>
+        </p:nvCxnSpPr>
+        <p:spPr>
+          <a:xfrm flipH="1" flipV="1">
+            <a:off x="2424111" y="4601105"/>
+            <a:ext cx="623889" cy="538163"/>
+          </a:xfrm>
+          <a:prstGeom prst="line">
+            <a:avLst/>
+          </a:prstGeom>
+          <a:ln w="19050"/>
+        </p:spPr>
+        <p:style>
+          <a:lnRef idx="2">
+            <a:schemeClr val="accent1"/>
+          </a:lnRef>
+          <a:fillRef idx="0">
+            <a:schemeClr val="accent1"/>
+          </a:fillRef>
+          <a:effectRef idx="1">
+            <a:schemeClr val="accent1"/>
+          </a:effectRef>
+          <a:fontRef idx="minor">
+            <a:schemeClr val="tx1"/>
+          </a:fontRef>
+        </p:style>
+      </p:cxnSp>
+      <p:sp>
+        <p:nvSpPr>
+          <p:cNvPr id="8" name="Text Box 9">
+            <a:extLst>
+              <a:ext uri="{FF2B5EF4-FFF2-40B4-BE49-F238E27FC236}">
+                <a16:creationId xmlns:a16="http://schemas.microsoft.com/office/drawing/2014/main" id="{276FD6B5-8657-49D8-906F-B0228807677A}"/>
+              </a:ext>
+            </a:extLst>
+          </p:cNvPr>
+          <p:cNvSpPr txBox="1"/>
+          <p:nvPr/>
+        </p:nvSpPr>
+        <p:spPr>
+          <a:xfrm>
+            <a:off x="1901026" y="4077885"/>
+            <a:ext cx="1046169" cy="523220"/>
+          </a:xfrm>
+          <a:prstGeom prst="rect">
+            <a:avLst/>
+          </a:prstGeom>
+          <a:noFill/>
+        </p:spPr>
+        <p:txBody>
+          <a:bodyPr wrap="square" rtlCol="0">
+            <a:spAutoFit/>
+          </a:bodyPr>
+          <a:lstStyle/>
+          <a:p>
+            <a:r>
+              <a:rPr lang="ja-JP" altLang="en-US" sz="1400" dirty="0"/>
+              <a:t>ピッチ角目標値</a:t>
+            </a:r>
+          </a:p>
+        </p:txBody>
+      </p:sp>
+      <p:pic>
+        <p:nvPicPr>
+          <p:cNvPr id="13" name="図 12">
+            <a:extLst>
+              <a:ext uri="{FF2B5EF4-FFF2-40B4-BE49-F238E27FC236}">
+                <a16:creationId xmlns:a16="http://schemas.microsoft.com/office/drawing/2014/main" id="{FF0A03B2-DAEA-41FB-B935-B2C022D69B83}"/>
+              </a:ext>
+            </a:extLst>
+          </p:cNvPr>
+          <p:cNvPicPr>
+            <a:picLocks noChangeAspect="1"/>
+          </p:cNvPicPr>
+          <p:nvPr/>
+        </p:nvPicPr>
+        <p:blipFill rotWithShape="1">
+          <a:blip r:embed="rId3"/>
+          <a:srcRect l="836" t="4865" r="2573" b="5638"/>
+          <a:stretch/>
+        </p:blipFill>
+        <p:spPr>
+          <a:xfrm>
+            <a:off x="1597710" y="662024"/>
+            <a:ext cx="4309191" cy="1837266"/>
+          </a:xfrm>
+          <a:prstGeom prst="rect">
+            <a:avLst/>
+          </a:prstGeom>
+        </p:spPr>
+      </p:pic>
+      <p:sp>
+        <p:nvSpPr>
+          <p:cNvPr id="15" name="Text Box 9">
+            <a:extLst>
+              <a:ext uri="{FF2B5EF4-FFF2-40B4-BE49-F238E27FC236}">
+                <a16:creationId xmlns:a16="http://schemas.microsoft.com/office/drawing/2014/main" id="{A81983F5-1BF0-4649-B3AD-318B36F5AD73}"/>
+              </a:ext>
+            </a:extLst>
+          </p:cNvPr>
+          <p:cNvSpPr txBox="1">
+            <a:spLocks/>
+          </p:cNvSpPr>
+          <p:nvPr/>
+        </p:nvSpPr>
+        <p:spPr>
+          <a:xfrm>
+            <a:off x="5862248" y="1080688"/>
+            <a:ext cx="2647932" cy="1384995"/>
+          </a:xfrm>
+          <a:prstGeom prst="rect">
+            <a:avLst/>
+          </a:prstGeom>
+          <a:noFill/>
+        </p:spPr>
+        <p:txBody>
+          <a:bodyPr wrap="square" rtlCol="0">
+            <a:spAutoFit/>
+          </a:bodyPr>
+          <a:lstStyle/>
+          <a:p>
+            <a:r>
+              <a:rPr lang="en-US" altLang="ja-JP" sz="1400" dirty="0"/>
+              <a:t>P</a:t>
+            </a:r>
+            <a:r>
+              <a:rPr lang="ja-JP" altLang="en-US" sz="1400" dirty="0"/>
+              <a:t>ゲイン：</a:t>
+            </a:r>
+            <a:r>
+              <a:rPr lang="en-US" altLang="ja-JP" sz="1400" dirty="0"/>
+              <a:t>-10</a:t>
+            </a:r>
+          </a:p>
+          <a:p>
+            <a:r>
+              <a:rPr lang="en-US" altLang="ja-JP" sz="1400" dirty="0"/>
+              <a:t>I</a:t>
+            </a:r>
+            <a:r>
+              <a:rPr lang="ja-JP" altLang="en-US" sz="1400" dirty="0"/>
+              <a:t>ゲイン：</a:t>
+            </a:r>
+            <a:r>
+              <a:rPr lang="en-US" altLang="ja-JP" sz="1400" dirty="0"/>
+              <a:t>-1</a:t>
+            </a:r>
+          </a:p>
+          <a:p>
+            <a:r>
+              <a:rPr lang="en-US" altLang="ja-JP" sz="1400" dirty="0"/>
+              <a:t>D</a:t>
+            </a:r>
+            <a:r>
+              <a:rPr lang="ja-JP" altLang="en-US" sz="1400" dirty="0"/>
+              <a:t>ゲイン：</a:t>
+            </a:r>
+            <a:r>
+              <a:rPr lang="en-US" altLang="ja-JP" sz="1400" dirty="0"/>
+              <a:t>0</a:t>
+            </a:r>
+          </a:p>
+          <a:p>
+            <a:r>
+              <a:rPr lang="en-US" altLang="ja-JP" sz="1400" dirty="0"/>
+              <a:t>* </a:t>
+            </a:r>
+            <a:r>
+              <a:rPr lang="ja-JP" altLang="en-US" sz="1400" dirty="0"/>
+              <a:t>負の</a:t>
+            </a:r>
+            <a:r>
+              <a:rPr lang="en-US" altLang="ja-JP" sz="1400" dirty="0"/>
+              <a:t>elevator</a:t>
+            </a:r>
+            <a:r>
+              <a:rPr lang="ja-JP" altLang="en-US" sz="1400" dirty="0"/>
+              <a:t>角に対して正のピッチ角応答なので制御ゲインが負</a:t>
+            </a:r>
+            <a:endParaRPr lang="en-US" altLang="ja-JP" sz="1400" dirty="0"/>
+          </a:p>
+        </p:txBody>
+      </p:sp>
+    </p:spTree>
+    <p:extLst>
+      <p:ext uri="{BB962C8B-B14F-4D97-AF65-F5344CB8AC3E}">
+        <p14:creationId xmlns:p14="http://schemas.microsoft.com/office/powerpoint/2010/main" val="2166180632"/>
+      </p:ext>
+    </p:extLst>
+  </p:cSld>
+  <p:clrMapOvr>
+    <a:masterClrMapping/>
+  </p:clrMapOvr>
+</p:sld>
+</file>
+
+<file path=ppt/slides/slide12.xml><?xml version="1.0" encoding="utf-8"?>
+<p:sld xmlns:a="http://schemas.openxmlformats.org/drawingml/2006/main" xmlns:r="http://schemas.openxmlformats.org/officeDocument/2006/relationships" xmlns:p="http://schemas.openxmlformats.org/presentationml/2006/main">
+  <p:cSld>
+    <p:spTree>
+      <p:nvGrpSpPr>
+        <p:cNvPr id="1" name=""/>
+        <p:cNvGrpSpPr/>
+        <p:nvPr/>
+      </p:nvGrpSpPr>
+      <p:grpSpPr>
+        <a:xfrm>
+          <a:off x="0" y="0"/>
+          <a:ext cx="0" cy="0"/>
+          <a:chOff x="0" y="0"/>
+          <a:chExt cx="0" cy="0"/>
+        </a:xfrm>
+      </p:grpSpPr>
+      <p:pic>
+        <p:nvPicPr>
+          <p:cNvPr id="5" name="図 4">
+            <a:extLst>
+              <a:ext uri="{FF2B5EF4-FFF2-40B4-BE49-F238E27FC236}">
+                <a16:creationId xmlns:a16="http://schemas.microsoft.com/office/drawing/2014/main" id="{7DAA2BE0-F4DF-4065-B4F5-817269BA927E}"/>
+              </a:ext>
+            </a:extLst>
+          </p:cNvPr>
+          <p:cNvPicPr>
+            <a:picLocks noChangeAspect="1"/>
+          </p:cNvPicPr>
+          <p:nvPr/>
+        </p:nvPicPr>
+        <p:blipFill>
+          <a:blip r:embed="rId2"/>
+          <a:stretch>
+            <a:fillRect/>
+          </a:stretch>
+        </p:blipFill>
+        <p:spPr>
+          <a:xfrm>
+            <a:off x="1529977" y="2535397"/>
+            <a:ext cx="6885203" cy="4893412"/>
+          </a:xfrm>
+          <a:prstGeom prst="rect">
+            <a:avLst/>
+          </a:prstGeom>
+        </p:spPr>
+      </p:pic>
+      <p:sp>
+        <p:nvSpPr>
+          <p:cNvPr id="3" name="Text Box 9">
+            <a:extLst>
+              <a:ext uri="{FF2B5EF4-FFF2-40B4-BE49-F238E27FC236}">
+                <a16:creationId xmlns:a16="http://schemas.microsoft.com/office/drawing/2014/main" id="{A2945A37-F30C-4E4D-A6DF-DC3BF1814907}"/>
+              </a:ext>
+            </a:extLst>
+          </p:cNvPr>
+          <p:cNvSpPr txBox="1"/>
+          <p:nvPr/>
+        </p:nvSpPr>
+        <p:spPr>
+          <a:xfrm>
+            <a:off x="4622318" y="2798364"/>
+            <a:ext cx="1046169" cy="307777"/>
+          </a:xfrm>
+          <a:prstGeom prst="rect">
+            <a:avLst/>
+          </a:prstGeom>
+          <a:noFill/>
+        </p:spPr>
+        <p:txBody>
+          <a:bodyPr wrap="square" rtlCol="0">
+            <a:spAutoFit/>
+          </a:bodyPr>
+          <a:lstStyle/>
+          <a:p>
+            <a:r>
+              <a:rPr lang="ja-JP" altLang="en-US" sz="1400" dirty="0"/>
+              <a:t>ピッチ角</a:t>
+            </a:r>
+          </a:p>
+        </p:txBody>
+      </p:sp>
+      <p:cxnSp>
+        <p:nvCxnSpPr>
+          <p:cNvPr id="4" name="Straight Connector 12">
+            <a:extLst>
+              <a:ext uri="{FF2B5EF4-FFF2-40B4-BE49-F238E27FC236}">
+                <a16:creationId xmlns:a16="http://schemas.microsoft.com/office/drawing/2014/main" id="{C0D790B8-7620-4835-A3D6-88FAE7FE5CD0}"/>
+              </a:ext>
+            </a:extLst>
+          </p:cNvPr>
+          <p:cNvCxnSpPr>
+            <a:cxnSpLocks/>
+            <a:endCxn id="3" idx="2"/>
+          </p:cNvCxnSpPr>
+          <p:nvPr/>
+        </p:nvCxnSpPr>
+        <p:spPr>
+          <a:xfrm flipH="1" flipV="1">
+            <a:off x="5145403" y="3106141"/>
+            <a:ext cx="197064" cy="412086"/>
+          </a:xfrm>
+          <a:prstGeom prst="line">
+            <a:avLst/>
+          </a:prstGeom>
+          <a:ln w="19050"/>
+        </p:spPr>
+        <p:style>
+          <a:lnRef idx="2">
+            <a:schemeClr val="accent1"/>
+          </a:lnRef>
+          <a:fillRef idx="0">
+            <a:schemeClr val="accent1"/>
+          </a:fillRef>
+          <a:effectRef idx="1">
+            <a:schemeClr val="accent1"/>
+          </a:effectRef>
+          <a:fontRef idx="minor">
+            <a:schemeClr val="tx1"/>
+          </a:fontRef>
+        </p:style>
+      </p:cxnSp>
+      <p:cxnSp>
+        <p:nvCxnSpPr>
+          <p:cNvPr id="7" name="Straight Connector 12">
+            <a:extLst>
+              <a:ext uri="{FF2B5EF4-FFF2-40B4-BE49-F238E27FC236}">
+                <a16:creationId xmlns:a16="http://schemas.microsoft.com/office/drawing/2014/main" id="{03DFB120-956D-492C-B2AE-E07F68CF1EF8}"/>
+              </a:ext>
+            </a:extLst>
+          </p:cNvPr>
+          <p:cNvCxnSpPr>
+            <a:cxnSpLocks/>
+            <a:endCxn id="8" idx="2"/>
+          </p:cNvCxnSpPr>
+          <p:nvPr/>
+        </p:nvCxnSpPr>
+        <p:spPr>
+          <a:xfrm flipH="1" flipV="1">
+            <a:off x="2398711" y="4041447"/>
+            <a:ext cx="623889" cy="538163"/>
+          </a:xfrm>
+          <a:prstGeom prst="line">
+            <a:avLst/>
+          </a:prstGeom>
+          <a:ln w="19050"/>
+        </p:spPr>
+        <p:style>
+          <a:lnRef idx="2">
+            <a:schemeClr val="accent1"/>
+          </a:lnRef>
+          <a:fillRef idx="0">
+            <a:schemeClr val="accent1"/>
+          </a:fillRef>
+          <a:effectRef idx="1">
+            <a:schemeClr val="accent1"/>
+          </a:effectRef>
+          <a:fontRef idx="minor">
+            <a:schemeClr val="tx1"/>
+          </a:fontRef>
+        </p:style>
+      </p:cxnSp>
+      <p:sp>
+        <p:nvSpPr>
+          <p:cNvPr id="8" name="Text Box 9">
+            <a:extLst>
+              <a:ext uri="{FF2B5EF4-FFF2-40B4-BE49-F238E27FC236}">
+                <a16:creationId xmlns:a16="http://schemas.microsoft.com/office/drawing/2014/main" id="{276FD6B5-8657-49D8-906F-B0228807677A}"/>
+              </a:ext>
+            </a:extLst>
+          </p:cNvPr>
+          <p:cNvSpPr txBox="1"/>
+          <p:nvPr/>
+        </p:nvSpPr>
+        <p:spPr>
+          <a:xfrm>
+            <a:off x="1875626" y="3518227"/>
+            <a:ext cx="1046169" cy="523220"/>
+          </a:xfrm>
+          <a:prstGeom prst="rect">
+            <a:avLst/>
+          </a:prstGeom>
+          <a:noFill/>
+        </p:spPr>
+        <p:txBody>
+          <a:bodyPr wrap="square" rtlCol="0">
+            <a:spAutoFit/>
+          </a:bodyPr>
+          <a:lstStyle/>
+          <a:p>
+            <a:r>
+              <a:rPr lang="ja-JP" altLang="en-US" sz="1400" dirty="0"/>
+              <a:t>ピッチ角目標値</a:t>
+            </a:r>
+          </a:p>
+        </p:txBody>
+      </p:sp>
+      <p:pic>
+        <p:nvPicPr>
+          <p:cNvPr id="13" name="図 12">
+            <a:extLst>
+              <a:ext uri="{FF2B5EF4-FFF2-40B4-BE49-F238E27FC236}">
+                <a16:creationId xmlns:a16="http://schemas.microsoft.com/office/drawing/2014/main" id="{FF0A03B2-DAEA-41FB-B935-B2C022D69B83}"/>
+              </a:ext>
+            </a:extLst>
+          </p:cNvPr>
+          <p:cNvPicPr>
+            <a:picLocks noChangeAspect="1"/>
+          </p:cNvPicPr>
+          <p:nvPr/>
+        </p:nvPicPr>
+        <p:blipFill rotWithShape="1">
+          <a:blip r:embed="rId3"/>
+          <a:srcRect l="836" t="4865" r="2573" b="5638"/>
+          <a:stretch/>
+        </p:blipFill>
+        <p:spPr>
+          <a:xfrm>
+            <a:off x="1597710" y="662024"/>
+            <a:ext cx="4309191" cy="1837266"/>
+          </a:xfrm>
+          <a:prstGeom prst="rect">
+            <a:avLst/>
+          </a:prstGeom>
+        </p:spPr>
+      </p:pic>
+      <p:sp>
+        <p:nvSpPr>
+          <p:cNvPr id="15" name="Text Box 9">
+            <a:extLst>
+              <a:ext uri="{FF2B5EF4-FFF2-40B4-BE49-F238E27FC236}">
+                <a16:creationId xmlns:a16="http://schemas.microsoft.com/office/drawing/2014/main" id="{A81983F5-1BF0-4649-B3AD-318B36F5AD73}"/>
+              </a:ext>
+            </a:extLst>
+          </p:cNvPr>
+          <p:cNvSpPr txBox="1">
+            <a:spLocks/>
+          </p:cNvSpPr>
+          <p:nvPr/>
+        </p:nvSpPr>
+        <p:spPr>
+          <a:xfrm>
+            <a:off x="5862248" y="1080688"/>
+            <a:ext cx="2647932" cy="1384995"/>
+          </a:xfrm>
+          <a:prstGeom prst="rect">
+            <a:avLst/>
+          </a:prstGeom>
+          <a:noFill/>
+        </p:spPr>
+        <p:txBody>
+          <a:bodyPr wrap="square" rtlCol="0">
+            <a:spAutoFit/>
+          </a:bodyPr>
+          <a:lstStyle/>
+          <a:p>
+            <a:r>
+              <a:rPr lang="en-US" altLang="ja-JP" sz="1400" dirty="0"/>
+              <a:t>P</a:t>
+            </a:r>
+            <a:r>
+              <a:rPr lang="ja-JP" altLang="en-US" sz="1400" dirty="0"/>
+              <a:t>ゲイン：</a:t>
+            </a:r>
+            <a:r>
+              <a:rPr lang="en-US" altLang="ja-JP" sz="1400" dirty="0"/>
+              <a:t>-10</a:t>
+            </a:r>
+          </a:p>
+          <a:p>
+            <a:r>
+              <a:rPr lang="en-US" altLang="ja-JP" sz="1400" dirty="0"/>
+              <a:t>I</a:t>
+            </a:r>
+            <a:r>
+              <a:rPr lang="ja-JP" altLang="en-US" sz="1400" dirty="0"/>
+              <a:t>ゲイン：</a:t>
+            </a:r>
+            <a:r>
+              <a:rPr lang="en-US" altLang="ja-JP" sz="1400" dirty="0"/>
+              <a:t>-1</a:t>
+            </a:r>
+          </a:p>
+          <a:p>
+            <a:r>
+              <a:rPr lang="en-US" altLang="ja-JP" sz="1400" dirty="0"/>
+              <a:t>D</a:t>
+            </a:r>
+            <a:r>
+              <a:rPr lang="ja-JP" altLang="en-US" sz="1400" dirty="0"/>
+              <a:t>ゲイン：</a:t>
+            </a:r>
+            <a:r>
+              <a:rPr lang="en-US" altLang="ja-JP" sz="1400" dirty="0"/>
+              <a:t>-0.5</a:t>
+            </a:r>
+          </a:p>
+          <a:p>
+            <a:r>
+              <a:rPr lang="en-US" altLang="ja-JP" sz="1400" dirty="0"/>
+              <a:t>* </a:t>
+            </a:r>
+            <a:r>
+              <a:rPr lang="ja-JP" altLang="en-US" sz="1400" dirty="0"/>
+              <a:t>負の</a:t>
+            </a:r>
+            <a:r>
+              <a:rPr lang="en-US" altLang="ja-JP" sz="1400" dirty="0"/>
+              <a:t>elevator</a:t>
+            </a:r>
+            <a:r>
+              <a:rPr lang="ja-JP" altLang="en-US" sz="1400" dirty="0"/>
+              <a:t>角に対して正のピッチ角応答なので制御ゲインが負</a:t>
+            </a:r>
+            <a:endParaRPr lang="en-US" altLang="ja-JP" sz="1400" dirty="0"/>
+          </a:p>
+        </p:txBody>
+      </p:sp>
+    </p:spTree>
+    <p:extLst>
+      <p:ext uri="{BB962C8B-B14F-4D97-AF65-F5344CB8AC3E}">
+        <p14:creationId xmlns:p14="http://schemas.microsoft.com/office/powerpoint/2010/main" val="2511497470"/>
+      </p:ext>
+    </p:extLst>
+  </p:cSld>
+  <p:clrMapOvr>
+    <a:masterClrMapping/>
+  </p:clrMapOvr>
+</p:sld>
+</file>
+
+<file path=ppt/slides/slide13.xml><?xml version="1.0" encoding="utf-8"?>
+<p:sld xmlns:a="http://schemas.openxmlformats.org/drawingml/2006/main" xmlns:r="http://schemas.openxmlformats.org/officeDocument/2006/relationships" xmlns:p="http://schemas.openxmlformats.org/presentationml/2006/main">
+  <p:cSld>
+    <p:spTree>
+      <p:nvGrpSpPr>
+        <p:cNvPr id="1" name=""/>
+        <p:cNvGrpSpPr/>
+        <p:nvPr/>
+      </p:nvGrpSpPr>
+      <p:grpSpPr>
+        <a:xfrm>
+          <a:off x="0" y="0"/>
+          <a:ext cx="0" cy="0"/>
+          <a:chOff x="0" y="0"/>
+          <a:chExt cx="0" cy="0"/>
+        </a:xfrm>
+      </p:grpSpPr>
+      <p:pic>
+        <p:nvPicPr>
+          <p:cNvPr id="2" name="図 1">
+            <a:extLst>
+              <a:ext uri="{FF2B5EF4-FFF2-40B4-BE49-F238E27FC236}">
+                <a16:creationId xmlns:a16="http://schemas.microsoft.com/office/drawing/2014/main" id="{EBBFEA5C-A8A7-48D0-9ABB-45C0D4B7C8D4}"/>
+              </a:ext>
+            </a:extLst>
+          </p:cNvPr>
+          <p:cNvPicPr>
+            <a:picLocks noChangeAspect="1"/>
+          </p:cNvPicPr>
+          <p:nvPr/>
+        </p:nvPicPr>
+        <p:blipFill>
+          <a:blip r:embed="rId2"/>
+          <a:stretch>
+            <a:fillRect/>
+          </a:stretch>
+        </p:blipFill>
+        <p:spPr>
+          <a:xfrm>
+            <a:off x="1572309" y="2176845"/>
+            <a:ext cx="6885203" cy="4916244"/>
+          </a:xfrm>
+          <a:prstGeom prst="rect">
+            <a:avLst/>
+          </a:prstGeom>
+        </p:spPr>
+      </p:pic>
+      <p:sp>
+        <p:nvSpPr>
+          <p:cNvPr id="3" name="Text Box 9">
+            <a:extLst>
+              <a:ext uri="{FF2B5EF4-FFF2-40B4-BE49-F238E27FC236}">
+                <a16:creationId xmlns:a16="http://schemas.microsoft.com/office/drawing/2014/main" id="{A2945A37-F30C-4E4D-A6DF-DC3BF1814907}"/>
+              </a:ext>
+            </a:extLst>
+          </p:cNvPr>
+          <p:cNvSpPr txBox="1"/>
+          <p:nvPr/>
+        </p:nvSpPr>
+        <p:spPr>
+          <a:xfrm>
+            <a:off x="4622318" y="2442764"/>
+            <a:ext cx="1046169" cy="307777"/>
+          </a:xfrm>
+          <a:prstGeom prst="rect">
+            <a:avLst/>
+          </a:prstGeom>
+          <a:noFill/>
+        </p:spPr>
+        <p:txBody>
+          <a:bodyPr wrap="square" rtlCol="0">
+            <a:spAutoFit/>
+          </a:bodyPr>
+          <a:lstStyle/>
+          <a:p>
+            <a:r>
+              <a:rPr lang="ja-JP" altLang="en-US" sz="1400" dirty="0"/>
+              <a:t>ピッチ角</a:t>
+            </a:r>
+          </a:p>
+        </p:txBody>
+      </p:sp>
+      <p:cxnSp>
+        <p:nvCxnSpPr>
+          <p:cNvPr id="4" name="Straight Connector 12">
+            <a:extLst>
+              <a:ext uri="{FF2B5EF4-FFF2-40B4-BE49-F238E27FC236}">
+                <a16:creationId xmlns:a16="http://schemas.microsoft.com/office/drawing/2014/main" id="{C0D790B8-7620-4835-A3D6-88FAE7FE5CD0}"/>
+              </a:ext>
+            </a:extLst>
+          </p:cNvPr>
+          <p:cNvCxnSpPr>
+            <a:cxnSpLocks/>
+            <a:endCxn id="3" idx="2"/>
+          </p:cNvCxnSpPr>
+          <p:nvPr/>
+        </p:nvCxnSpPr>
+        <p:spPr>
+          <a:xfrm flipH="1" flipV="1">
+            <a:off x="5145403" y="2750541"/>
+            <a:ext cx="188597" cy="822392"/>
+          </a:xfrm>
+          <a:prstGeom prst="line">
+            <a:avLst/>
+          </a:prstGeom>
+          <a:ln w="19050"/>
+        </p:spPr>
+        <p:style>
+          <a:lnRef idx="2">
+            <a:schemeClr val="accent1"/>
+          </a:lnRef>
+          <a:fillRef idx="0">
+            <a:schemeClr val="accent1"/>
+          </a:fillRef>
+          <a:effectRef idx="1">
+            <a:schemeClr val="accent1"/>
+          </a:effectRef>
+          <a:fontRef idx="minor">
+            <a:schemeClr val="tx1"/>
+          </a:fontRef>
+        </p:style>
+      </p:cxnSp>
+      <p:cxnSp>
+        <p:nvCxnSpPr>
+          <p:cNvPr id="7" name="Straight Connector 12">
+            <a:extLst>
+              <a:ext uri="{FF2B5EF4-FFF2-40B4-BE49-F238E27FC236}">
+                <a16:creationId xmlns:a16="http://schemas.microsoft.com/office/drawing/2014/main" id="{03DFB120-956D-492C-B2AE-E07F68CF1EF8}"/>
+              </a:ext>
+            </a:extLst>
+          </p:cNvPr>
+          <p:cNvCxnSpPr>
+            <a:cxnSpLocks/>
+            <a:endCxn id="8" idx="2"/>
+          </p:cNvCxnSpPr>
+          <p:nvPr/>
+        </p:nvCxnSpPr>
+        <p:spPr>
+          <a:xfrm flipH="1" flipV="1">
+            <a:off x="2398711" y="3685847"/>
+            <a:ext cx="623889" cy="538163"/>
+          </a:xfrm>
+          <a:prstGeom prst="line">
+            <a:avLst/>
+          </a:prstGeom>
+          <a:ln w="19050"/>
+        </p:spPr>
+        <p:style>
+          <a:lnRef idx="2">
+            <a:schemeClr val="accent1"/>
+          </a:lnRef>
+          <a:fillRef idx="0">
+            <a:schemeClr val="accent1"/>
+          </a:fillRef>
+          <a:effectRef idx="1">
+            <a:schemeClr val="accent1"/>
+          </a:effectRef>
+          <a:fontRef idx="minor">
+            <a:schemeClr val="tx1"/>
+          </a:fontRef>
+        </p:style>
+      </p:cxnSp>
+      <p:sp>
+        <p:nvSpPr>
+          <p:cNvPr id="8" name="Text Box 9">
+            <a:extLst>
+              <a:ext uri="{FF2B5EF4-FFF2-40B4-BE49-F238E27FC236}">
+                <a16:creationId xmlns:a16="http://schemas.microsoft.com/office/drawing/2014/main" id="{276FD6B5-8657-49D8-906F-B0228807677A}"/>
+              </a:ext>
+            </a:extLst>
+          </p:cNvPr>
+          <p:cNvSpPr txBox="1"/>
+          <p:nvPr/>
+        </p:nvSpPr>
+        <p:spPr>
+          <a:xfrm>
+            <a:off x="1875626" y="3162627"/>
+            <a:ext cx="1046169" cy="523220"/>
+          </a:xfrm>
+          <a:prstGeom prst="rect">
+            <a:avLst/>
+          </a:prstGeom>
+          <a:noFill/>
+        </p:spPr>
+        <p:txBody>
+          <a:bodyPr wrap="square" rtlCol="0">
+            <a:spAutoFit/>
+          </a:bodyPr>
+          <a:lstStyle/>
+          <a:p>
+            <a:r>
+              <a:rPr lang="ja-JP" altLang="en-US" sz="1400" dirty="0"/>
+              <a:t>ピッチ角目標値</a:t>
+            </a:r>
+          </a:p>
+        </p:txBody>
+      </p:sp>
+      <p:pic>
+        <p:nvPicPr>
+          <p:cNvPr id="13" name="図 12">
+            <a:extLst>
+              <a:ext uri="{FF2B5EF4-FFF2-40B4-BE49-F238E27FC236}">
+                <a16:creationId xmlns:a16="http://schemas.microsoft.com/office/drawing/2014/main" id="{FF0A03B2-DAEA-41FB-B935-B2C022D69B83}"/>
+              </a:ext>
+            </a:extLst>
+          </p:cNvPr>
+          <p:cNvPicPr>
+            <a:picLocks noChangeAspect="1"/>
+          </p:cNvPicPr>
+          <p:nvPr/>
+        </p:nvPicPr>
+        <p:blipFill rotWithShape="1">
+          <a:blip r:embed="rId3"/>
+          <a:srcRect l="836" t="4865" r="2573" b="5638"/>
+          <a:stretch/>
+        </p:blipFill>
+        <p:spPr>
+          <a:xfrm>
+            <a:off x="1597710" y="306424"/>
+            <a:ext cx="4309191" cy="1837266"/>
+          </a:xfrm>
+          <a:prstGeom prst="rect">
+            <a:avLst/>
+          </a:prstGeom>
+        </p:spPr>
+      </p:pic>
+      <p:sp>
+        <p:nvSpPr>
+          <p:cNvPr id="15" name="Text Box 9">
+            <a:extLst>
+              <a:ext uri="{FF2B5EF4-FFF2-40B4-BE49-F238E27FC236}">
+                <a16:creationId xmlns:a16="http://schemas.microsoft.com/office/drawing/2014/main" id="{A81983F5-1BF0-4649-B3AD-318B36F5AD73}"/>
+              </a:ext>
+            </a:extLst>
+          </p:cNvPr>
+          <p:cNvSpPr txBox="1">
+            <a:spLocks/>
+          </p:cNvSpPr>
+          <p:nvPr/>
+        </p:nvSpPr>
+        <p:spPr>
+          <a:xfrm>
+            <a:off x="5862248" y="725088"/>
+            <a:ext cx="2647932" cy="1384995"/>
+          </a:xfrm>
+          <a:prstGeom prst="rect">
+            <a:avLst/>
+          </a:prstGeom>
+          <a:noFill/>
+        </p:spPr>
+        <p:txBody>
+          <a:bodyPr wrap="square" rtlCol="0">
+            <a:spAutoFit/>
+          </a:bodyPr>
+          <a:lstStyle/>
+          <a:p>
+            <a:r>
+              <a:rPr lang="en-US" altLang="ja-JP" sz="1400" dirty="0"/>
+              <a:t>P</a:t>
+            </a:r>
+            <a:r>
+              <a:rPr lang="ja-JP" altLang="en-US" sz="1400" dirty="0"/>
+              <a:t>ゲイン：</a:t>
+            </a:r>
+            <a:r>
+              <a:rPr lang="en-US" altLang="ja-JP" sz="1400" dirty="0"/>
+              <a:t>-10</a:t>
+            </a:r>
+          </a:p>
+          <a:p>
+            <a:r>
+              <a:rPr lang="en-US" altLang="ja-JP" sz="1400" dirty="0"/>
+              <a:t>I</a:t>
+            </a:r>
+            <a:r>
+              <a:rPr lang="ja-JP" altLang="en-US" sz="1400" dirty="0"/>
+              <a:t>ゲイン：</a:t>
+            </a:r>
+            <a:r>
+              <a:rPr lang="en-US" altLang="ja-JP" sz="1400" dirty="0"/>
+              <a:t>-1</a:t>
+            </a:r>
+          </a:p>
+          <a:p>
+            <a:r>
+              <a:rPr lang="en-US" altLang="ja-JP" sz="1400" dirty="0"/>
+              <a:t>D</a:t>
+            </a:r>
+            <a:r>
+              <a:rPr lang="ja-JP" altLang="en-US" sz="1400" dirty="0"/>
+              <a:t>ゲイン：</a:t>
+            </a:r>
+            <a:r>
+              <a:rPr lang="en-US" altLang="ja-JP" sz="1400" dirty="0"/>
+              <a:t>-1</a:t>
+            </a:r>
+          </a:p>
+          <a:p>
+            <a:r>
+              <a:rPr lang="en-US" altLang="ja-JP" sz="1400" dirty="0"/>
+              <a:t>* </a:t>
+            </a:r>
+            <a:r>
+              <a:rPr lang="ja-JP" altLang="en-US" sz="1400" dirty="0"/>
+              <a:t>負の</a:t>
+            </a:r>
+            <a:r>
+              <a:rPr lang="en-US" altLang="ja-JP" sz="1400" dirty="0"/>
+              <a:t>elevator</a:t>
+            </a:r>
+            <a:r>
+              <a:rPr lang="ja-JP" altLang="en-US" sz="1400" dirty="0"/>
+              <a:t>角に対して正のピッチ角応答なので制御ゲインが負</a:t>
+            </a:r>
+            <a:endParaRPr lang="en-US" altLang="ja-JP" sz="1400" dirty="0"/>
+          </a:p>
+        </p:txBody>
+      </p:sp>
+    </p:spTree>
+    <p:extLst>
+      <p:ext uri="{BB962C8B-B14F-4D97-AF65-F5344CB8AC3E}">
+        <p14:creationId xmlns:p14="http://schemas.microsoft.com/office/powerpoint/2010/main" val="314798732"/>
+      </p:ext>
+    </p:extLst>
+  </p:cSld>
+  <p:clrMapOvr>
+    <a:masterClrMapping/>
+  </p:clrMapOvr>
+</p:sld>
+</file>
+
+<file path=ppt/slides/slide14.xml><?xml version="1.0" encoding="utf-8"?>
+<p:sld xmlns:a="http://schemas.openxmlformats.org/drawingml/2006/main" xmlns:r="http://schemas.openxmlformats.org/officeDocument/2006/relationships" xmlns:p="http://schemas.openxmlformats.org/presentationml/2006/main">
+  <p:cSld>
+    <p:spTree>
+      <p:nvGrpSpPr>
+        <p:cNvPr id="1" name=""/>
+        <p:cNvGrpSpPr/>
+        <p:nvPr/>
+      </p:nvGrpSpPr>
+      <p:grpSpPr>
+        <a:xfrm>
+          <a:off x="0" y="0"/>
+          <a:ext cx="0" cy="0"/>
+          <a:chOff x="0" y="0"/>
+          <a:chExt cx="0" cy="0"/>
+        </a:xfrm>
+      </p:grpSpPr>
+      <p:pic>
+        <p:nvPicPr>
+          <p:cNvPr id="17" name="図 16">
+            <a:extLst>
+              <a:ext uri="{FF2B5EF4-FFF2-40B4-BE49-F238E27FC236}">
+                <a16:creationId xmlns:a16="http://schemas.microsoft.com/office/drawing/2014/main" id="{6FB4ED58-2909-47CF-AF84-B65C660FE3EC}"/>
+              </a:ext>
+            </a:extLst>
+          </p:cNvPr>
+          <p:cNvPicPr>
+            <a:picLocks noChangeAspect="1"/>
+          </p:cNvPicPr>
+          <p:nvPr/>
+        </p:nvPicPr>
+        <p:blipFill>
+          <a:blip r:embed="rId2"/>
+          <a:stretch>
+            <a:fillRect/>
+          </a:stretch>
+        </p:blipFill>
+        <p:spPr>
+          <a:xfrm>
+            <a:off x="263524" y="1390922"/>
+            <a:ext cx="9401175" cy="3743325"/>
+          </a:xfrm>
+          <a:prstGeom prst="rect">
+            <a:avLst/>
+          </a:prstGeom>
+        </p:spPr>
+      </p:pic>
+      <p:sp>
+        <p:nvSpPr>
+          <p:cNvPr id="4" name="Text Box 9">
+            <a:extLst>
+              <a:ext uri="{FF2B5EF4-FFF2-40B4-BE49-F238E27FC236}">
+                <a16:creationId xmlns:a16="http://schemas.microsoft.com/office/drawing/2014/main" id="{A3B72F4A-B0B3-4DC7-8973-2AD8A52BFF58}"/>
+              </a:ext>
+            </a:extLst>
+          </p:cNvPr>
+          <p:cNvSpPr txBox="1"/>
+          <p:nvPr/>
+        </p:nvSpPr>
+        <p:spPr>
+          <a:xfrm>
+            <a:off x="3392796" y="5034422"/>
+            <a:ext cx="2191747" cy="966571"/>
+          </a:xfrm>
+          <a:prstGeom prst="rect">
+            <a:avLst/>
+          </a:prstGeom>
+          <a:noFill/>
+        </p:spPr>
+        <p:txBody>
+          <a:bodyPr wrap="square" rtlCol="0">
+            <a:spAutoFit/>
+          </a:bodyPr>
+          <a:lstStyle/>
+          <a:p>
+            <a:r>
+              <a:rPr lang="ja-JP" altLang="en-US" sz="1400" dirty="0"/>
+              <a:t>ピッチ角速度フィードバック：</a:t>
+            </a:r>
+            <a:endParaRPr lang="en-US" altLang="ja-JP" sz="1400" dirty="0"/>
+          </a:p>
+          <a:p>
+            <a:r>
+              <a:rPr lang="ja-JP" altLang="en-US" sz="1400" dirty="0"/>
+              <a:t>角速度を抑えるよう</a:t>
+            </a:r>
+            <a:r>
+              <a:rPr lang="en-US" altLang="ja-JP" sz="1400" dirty="0"/>
+              <a:t>elevator</a:t>
+            </a:r>
+            <a:r>
+              <a:rPr lang="ja-JP" altLang="en-US" sz="1400" dirty="0"/>
+              <a:t>を操作</a:t>
+            </a:r>
+          </a:p>
+        </p:txBody>
+      </p:sp>
+      <p:cxnSp>
+        <p:nvCxnSpPr>
+          <p:cNvPr id="5" name="Straight Connector 12">
+            <a:extLst>
+              <a:ext uri="{FF2B5EF4-FFF2-40B4-BE49-F238E27FC236}">
+                <a16:creationId xmlns:a16="http://schemas.microsoft.com/office/drawing/2014/main" id="{76C46FDF-CDC3-4096-8413-3B717F3828AE}"/>
+              </a:ext>
+            </a:extLst>
+          </p:cNvPr>
+          <p:cNvCxnSpPr>
+            <a:cxnSpLocks/>
+            <a:endCxn id="4" idx="0"/>
+          </p:cNvCxnSpPr>
+          <p:nvPr/>
+        </p:nvCxnSpPr>
+        <p:spPr>
+          <a:xfrm flipH="1">
+            <a:off x="4488670" y="4191000"/>
+            <a:ext cx="1158597" cy="843422"/>
+          </a:xfrm>
+          <a:prstGeom prst="line">
+            <a:avLst/>
+          </a:prstGeom>
+          <a:ln w="19050">
+            <a:solidFill>
+              <a:srgbClr val="FF0000"/>
+            </a:solidFill>
+          </a:ln>
+        </p:spPr>
+        <p:style>
+          <a:lnRef idx="2">
+            <a:schemeClr val="accent1"/>
+          </a:lnRef>
+          <a:fillRef idx="0">
+            <a:schemeClr val="accent1"/>
+          </a:fillRef>
+          <a:effectRef idx="1">
+            <a:schemeClr val="accent1"/>
+          </a:effectRef>
+          <a:fontRef idx="minor">
+            <a:schemeClr val="tx1"/>
+          </a:fontRef>
+        </p:style>
+      </p:cxnSp>
+      <p:sp>
+        <p:nvSpPr>
+          <p:cNvPr id="13" name="Text Box 9">
+            <a:extLst>
+              <a:ext uri="{FF2B5EF4-FFF2-40B4-BE49-F238E27FC236}">
+                <a16:creationId xmlns:a16="http://schemas.microsoft.com/office/drawing/2014/main" id="{DE6754BD-44AF-40DF-A8D0-418E3DC56A3F}"/>
+              </a:ext>
+            </a:extLst>
+          </p:cNvPr>
+          <p:cNvSpPr txBox="1"/>
+          <p:nvPr/>
+        </p:nvSpPr>
+        <p:spPr>
+          <a:xfrm>
+            <a:off x="5584543" y="378822"/>
+            <a:ext cx="2145524" cy="966571"/>
+          </a:xfrm>
+          <a:prstGeom prst="rect">
+            <a:avLst/>
+          </a:prstGeom>
+          <a:noFill/>
+        </p:spPr>
+        <p:txBody>
+          <a:bodyPr wrap="square" rtlCol="0">
+            <a:spAutoFit/>
+          </a:bodyPr>
+          <a:lstStyle/>
+          <a:p>
+            <a:r>
+              <a:rPr lang="ja-JP" altLang="en-US" sz="1400" dirty="0"/>
+              <a:t>ピッチ角加速度フィードバック：</a:t>
+            </a:r>
+            <a:endParaRPr lang="en-US" altLang="ja-JP" sz="1400" dirty="0"/>
+          </a:p>
+          <a:p>
+            <a:r>
+              <a:rPr lang="ja-JP" altLang="en-US" sz="1400" dirty="0"/>
+              <a:t>角加速度を抑えるよう</a:t>
+            </a:r>
+            <a:r>
+              <a:rPr lang="en-US" altLang="ja-JP" sz="1400" dirty="0"/>
+              <a:t>elevator</a:t>
+            </a:r>
+            <a:r>
+              <a:rPr lang="ja-JP" altLang="en-US" sz="1400" dirty="0"/>
+              <a:t>を操作</a:t>
+            </a:r>
+          </a:p>
+        </p:txBody>
+      </p:sp>
+      <p:cxnSp>
+        <p:nvCxnSpPr>
+          <p:cNvPr id="14" name="Straight Connector 12">
+            <a:extLst>
+              <a:ext uri="{FF2B5EF4-FFF2-40B4-BE49-F238E27FC236}">
+                <a16:creationId xmlns:a16="http://schemas.microsoft.com/office/drawing/2014/main" id="{5C495188-7766-43FF-B02A-1841BD54058B}"/>
+              </a:ext>
+            </a:extLst>
+          </p:cNvPr>
+          <p:cNvCxnSpPr>
+            <a:cxnSpLocks/>
+            <a:endCxn id="13" idx="2"/>
+          </p:cNvCxnSpPr>
+          <p:nvPr/>
+        </p:nvCxnSpPr>
+        <p:spPr>
+          <a:xfrm flipH="1" flipV="1">
+            <a:off x="6657305" y="1345393"/>
+            <a:ext cx="674828" cy="1802120"/>
+          </a:xfrm>
+          <a:prstGeom prst="line">
+            <a:avLst/>
+          </a:prstGeom>
+          <a:ln w="19050">
+            <a:solidFill>
+              <a:srgbClr val="FF0000"/>
+            </a:solidFill>
+          </a:ln>
+        </p:spPr>
+        <p:style>
+          <a:lnRef idx="2">
+            <a:schemeClr val="accent1"/>
+          </a:lnRef>
+          <a:fillRef idx="0">
+            <a:schemeClr val="accent1"/>
+          </a:fillRef>
+          <a:effectRef idx="1">
+            <a:schemeClr val="accent1"/>
+          </a:effectRef>
+          <a:fontRef idx="minor">
+            <a:schemeClr val="tx1"/>
+          </a:fontRef>
+        </p:style>
+      </p:cxnSp>
+      <p:sp>
+        <p:nvSpPr>
+          <p:cNvPr id="19" name="Text Box 9">
+            <a:extLst>
+              <a:ext uri="{FF2B5EF4-FFF2-40B4-BE49-F238E27FC236}">
+                <a16:creationId xmlns:a16="http://schemas.microsoft.com/office/drawing/2014/main" id="{B38688A3-9ABB-4A55-AF8C-D63762295CD0}"/>
+              </a:ext>
+            </a:extLst>
+          </p:cNvPr>
+          <p:cNvSpPr txBox="1"/>
+          <p:nvPr/>
+        </p:nvSpPr>
+        <p:spPr>
+          <a:xfrm>
+            <a:off x="6146800" y="5129097"/>
+            <a:ext cx="1988547" cy="523220"/>
+          </a:xfrm>
+          <a:prstGeom prst="rect">
+            <a:avLst/>
+          </a:prstGeom>
+          <a:noFill/>
+        </p:spPr>
+        <p:txBody>
+          <a:bodyPr wrap="square" rtlCol="0">
+            <a:spAutoFit/>
+          </a:bodyPr>
+          <a:lstStyle/>
+          <a:p>
+            <a:r>
+              <a:rPr lang="ja-JP" altLang="en-US" sz="1400" dirty="0"/>
+              <a:t>一定以下の角速度・角加速度は無視</a:t>
+            </a:r>
+          </a:p>
+        </p:txBody>
+      </p:sp>
+      <p:cxnSp>
+        <p:nvCxnSpPr>
+          <p:cNvPr id="22" name="Straight Connector 12">
+            <a:extLst>
+              <a:ext uri="{FF2B5EF4-FFF2-40B4-BE49-F238E27FC236}">
+                <a16:creationId xmlns:a16="http://schemas.microsoft.com/office/drawing/2014/main" id="{E83E09BE-F134-49AB-9F8B-F17D9963991E}"/>
+              </a:ext>
+            </a:extLst>
+          </p:cNvPr>
+          <p:cNvCxnSpPr>
+            <a:cxnSpLocks/>
+            <a:stCxn id="19" idx="0"/>
+          </p:cNvCxnSpPr>
+          <p:nvPr/>
+        </p:nvCxnSpPr>
+        <p:spPr>
+          <a:xfrm flipH="1" flipV="1">
+            <a:off x="6842254" y="4123267"/>
+            <a:ext cx="298820" cy="1005830"/>
+          </a:xfrm>
+          <a:prstGeom prst="line">
+            <a:avLst/>
+          </a:prstGeom>
+          <a:ln w="19050">
+            <a:solidFill>
+              <a:srgbClr val="FF0000"/>
+            </a:solidFill>
+          </a:ln>
+        </p:spPr>
+        <p:style>
+          <a:lnRef idx="2">
+            <a:schemeClr val="accent1"/>
+          </a:lnRef>
+          <a:fillRef idx="0">
+            <a:schemeClr val="accent1"/>
+          </a:fillRef>
+          <a:effectRef idx="1">
+            <a:schemeClr val="accent1"/>
+          </a:effectRef>
+          <a:fontRef idx="minor">
+            <a:schemeClr val="tx1"/>
+          </a:fontRef>
+        </p:style>
+      </p:cxnSp>
+      <p:cxnSp>
+        <p:nvCxnSpPr>
+          <p:cNvPr id="28" name="Straight Connector 12">
+            <a:extLst>
+              <a:ext uri="{FF2B5EF4-FFF2-40B4-BE49-F238E27FC236}">
+                <a16:creationId xmlns:a16="http://schemas.microsoft.com/office/drawing/2014/main" id="{93D3C028-B43F-47D8-9B66-81B96059D8F5}"/>
+              </a:ext>
+            </a:extLst>
+          </p:cNvPr>
+          <p:cNvCxnSpPr>
+            <a:cxnSpLocks/>
+            <a:stCxn id="19" idx="0"/>
+          </p:cNvCxnSpPr>
+          <p:nvPr/>
+        </p:nvCxnSpPr>
+        <p:spPr>
+          <a:xfrm flipV="1">
+            <a:off x="7141074" y="3319921"/>
+            <a:ext cx="1112402" cy="1809176"/>
+          </a:xfrm>
+          <a:prstGeom prst="line">
+            <a:avLst/>
+          </a:prstGeom>
+          <a:ln w="19050">
+            <a:solidFill>
+              <a:srgbClr val="FF0000"/>
+            </a:solidFill>
+          </a:ln>
+        </p:spPr>
+        <p:style>
+          <a:lnRef idx="2">
+            <a:schemeClr val="accent1"/>
+          </a:lnRef>
+          <a:fillRef idx="0">
+            <a:schemeClr val="accent1"/>
+          </a:fillRef>
+          <a:effectRef idx="1">
+            <a:schemeClr val="accent1"/>
+          </a:effectRef>
+          <a:fontRef idx="minor">
+            <a:schemeClr val="tx1"/>
+          </a:fontRef>
+        </p:style>
+      </p:cxnSp>
+    </p:spTree>
+    <p:extLst>
+      <p:ext uri="{BB962C8B-B14F-4D97-AF65-F5344CB8AC3E}">
+        <p14:creationId xmlns:p14="http://schemas.microsoft.com/office/powerpoint/2010/main" val="3439000326"/>
+      </p:ext>
+    </p:extLst>
+  </p:cSld>
+  <p:clrMapOvr>
+    <a:masterClrMapping/>
+  </p:clrMapOvr>
+</p:sld>
+</file>
+
+<file path=ppt/slides/slide15.xml><?xml version="1.0" encoding="utf-8"?>
+<p:sld xmlns:a="http://schemas.openxmlformats.org/drawingml/2006/main" xmlns:r="http://schemas.openxmlformats.org/officeDocument/2006/relationships" xmlns:p="http://schemas.openxmlformats.org/presentationml/2006/main">
+  <p:cSld>
+    <p:spTree>
+      <p:nvGrpSpPr>
+        <p:cNvPr id="1" name=""/>
+        <p:cNvGrpSpPr/>
+        <p:nvPr/>
+      </p:nvGrpSpPr>
+      <p:grpSpPr>
+        <a:xfrm>
+          <a:off x="0" y="0"/>
+          <a:ext cx="0" cy="0"/>
+          <a:chOff x="0" y="0"/>
+          <a:chExt cx="0" cy="0"/>
+        </a:xfrm>
+      </p:grpSpPr>
+    </p:spTree>
+    <p:extLst>
+      <p:ext uri="{BB962C8B-B14F-4D97-AF65-F5344CB8AC3E}">
+        <p14:creationId xmlns:p14="http://schemas.microsoft.com/office/powerpoint/2010/main" val="2196295685"/>
+      </p:ext>
+    </p:extLst>
+  </p:cSld>
+  <p:clrMapOvr>
+    <a:masterClrMapping/>
+  </p:clrMapOvr>
+</p:sld>
+</file>
+
+<file path=ppt/slides/slide16.xml><?xml version="1.0" encoding="utf-8"?>
+<p:sld xmlns:a="http://schemas.openxmlformats.org/drawingml/2006/main" xmlns:r="http://schemas.openxmlformats.org/officeDocument/2006/relationships" xmlns:p="http://schemas.openxmlformats.org/presentationml/2006/main">
+  <p:cSld>
+    <p:spTree>
+      <p:nvGrpSpPr>
+        <p:cNvPr id="1" name=""/>
+        <p:cNvGrpSpPr/>
+        <p:nvPr/>
+      </p:nvGrpSpPr>
+      <p:grpSpPr>
+        <a:xfrm>
+          <a:off x="0" y="0"/>
+          <a:ext cx="0" cy="0"/>
+          <a:chOff x="0" y="0"/>
+          <a:chExt cx="0" cy="0"/>
+        </a:xfrm>
+      </p:grpSpPr>
+    </p:spTree>
+    <p:extLst>
+      <p:ext uri="{BB962C8B-B14F-4D97-AF65-F5344CB8AC3E}">
+        <p14:creationId xmlns:p14="http://schemas.microsoft.com/office/powerpoint/2010/main" val="3506895362"/>
+      </p:ext>
+    </p:extLst>
+  </p:cSld>
+  <p:clrMapOvr>
+    <a:masterClrMapping/>
+  </p:clrMapOvr>
+</p:sld>
+</file>
+
+<file path=ppt/slides/slide17.xml><?xml version="1.0" encoding="utf-8"?>
+<p:sld xmlns:a="http://schemas.openxmlformats.org/drawingml/2006/main" xmlns:r="http://schemas.openxmlformats.org/officeDocument/2006/relationships" xmlns:p="http://schemas.openxmlformats.org/presentationml/2006/main">
+  <p:cSld>
+    <p:spTree>
+      <p:nvGrpSpPr>
+        <p:cNvPr id="1" name=""/>
+        <p:cNvGrpSpPr/>
+        <p:nvPr/>
+      </p:nvGrpSpPr>
+      <p:grpSpPr>
+        <a:xfrm>
+          <a:off x="0" y="0"/>
+          <a:ext cx="0" cy="0"/>
+          <a:chOff x="0" y="0"/>
+          <a:chExt cx="0" cy="0"/>
+        </a:xfrm>
+      </p:grpSpPr>
+      <p:pic>
+        <p:nvPicPr>
+          <p:cNvPr id="3" name="Picture 2"/>
+          <p:cNvPicPr>
+            <a:picLocks noChangeAspect="1"/>
+          </p:cNvPicPr>
+          <p:nvPr/>
+        </p:nvPicPr>
+        <p:blipFill>
+          <a:blip r:embed="rId2"/>
+          <a:srcRect l="21514" t="8919" r="33448" b="68057"/>
+          <a:stretch>
+            <a:fillRect/>
+          </a:stretch>
+        </p:blipFill>
+        <p:spPr>
+          <a:xfrm>
+            <a:off x="3556000" y="277495"/>
+            <a:ext cx="2951608" cy="1836000"/>
+          </a:xfrm>
+          <a:prstGeom prst="rect">
+            <a:avLst/>
+          </a:prstGeom>
+        </p:spPr>
+      </p:pic>
+      <p:sp>
+        <p:nvSpPr>
+          <p:cNvPr id="10" name="Text Box 9"/>
+          <p:cNvSpPr txBox="1"/>
+          <p:nvPr/>
+        </p:nvSpPr>
+        <p:spPr>
+          <a:xfrm>
+            <a:off x="1551940" y="934720"/>
+            <a:ext cx="1544320" cy="521970"/>
+          </a:xfrm>
+          <a:prstGeom prst="rect">
+            <a:avLst/>
+          </a:prstGeom>
+          <a:noFill/>
+        </p:spPr>
+        <p:txBody>
+          <a:bodyPr wrap="square" rtlCol="0">
+            <a:spAutoFit/>
+          </a:bodyPr>
+          <a:lstStyle/>
+          <a:p>
+            <a:r>
+              <a:rPr lang="en-US" sz="1400"/>
+              <a:t>input</a:t>
+            </a:r>
+            <a:r>
+              <a:rPr lang="ja-JP" altLang="en-US" sz="1400"/>
+              <a:t>信号のみ異なる</a:t>
+            </a:r>
+          </a:p>
+        </p:txBody>
+      </p:sp>
+      <p:cxnSp>
+        <p:nvCxnSpPr>
+          <p:cNvPr id="13" name="Straight Connector 12"/>
+          <p:cNvCxnSpPr>
+            <a:stCxn id="10" idx="3"/>
+          </p:cNvCxnSpPr>
+          <p:nvPr/>
+        </p:nvCxnSpPr>
+        <p:spPr>
+          <a:xfrm flipV="1">
+            <a:off x="3096260" y="570865"/>
+            <a:ext cx="847090" cy="624840"/>
+          </a:xfrm>
+          <a:prstGeom prst="line">
+            <a:avLst/>
+          </a:prstGeom>
+        </p:spPr>
+        <p:style>
+          <a:lnRef idx="1">
+            <a:schemeClr val="accent1"/>
+          </a:lnRef>
+          <a:fillRef idx="0">
+            <a:schemeClr val="accent1"/>
+          </a:fillRef>
+          <a:effectRef idx="0">
+            <a:schemeClr val="accent1"/>
+          </a:effectRef>
+          <a:fontRef idx="minor">
+            <a:schemeClr val="tx1"/>
+          </a:fontRef>
+        </p:style>
+      </p:cxnSp>
+      <p:cxnSp>
+        <p:nvCxnSpPr>
+          <p:cNvPr id="2" name="Straight Connector 1"/>
+          <p:cNvCxnSpPr>
+            <a:stCxn id="10" idx="3"/>
+          </p:cNvCxnSpPr>
+          <p:nvPr/>
+        </p:nvCxnSpPr>
+        <p:spPr>
+          <a:xfrm>
+            <a:off x="3096260" y="1195705"/>
+            <a:ext cx="774700" cy="466725"/>
+          </a:xfrm>
+          <a:prstGeom prst="line">
+            <a:avLst/>
+          </a:prstGeom>
+        </p:spPr>
+        <p:style>
+          <a:lnRef idx="1">
+            <a:schemeClr val="accent1"/>
+          </a:lnRef>
+          <a:fillRef idx="0">
+            <a:schemeClr val="accent1"/>
+          </a:fillRef>
+          <a:effectRef idx="0">
+            <a:schemeClr val="accent1"/>
+          </a:effectRef>
+          <a:fontRef idx="minor">
+            <a:schemeClr val="tx1"/>
+          </a:fontRef>
+        </p:style>
+      </p:cxnSp>
+      <p:pic>
+        <p:nvPicPr>
+          <p:cNvPr id="4" name="Picture 3"/>
+          <p:cNvPicPr>
+            <a:picLocks noChangeAspect="1"/>
+          </p:cNvPicPr>
+          <p:nvPr/>
+        </p:nvPicPr>
+        <p:blipFill>
+          <a:blip r:embed="rId3"/>
+          <a:stretch>
+            <a:fillRect/>
+          </a:stretch>
+        </p:blipFill>
+        <p:spPr>
+          <a:xfrm>
+            <a:off x="2166620" y="2780665"/>
+            <a:ext cx="5782722" cy="4680000"/>
+          </a:xfrm>
+          <a:prstGeom prst="rect">
+            <a:avLst/>
+          </a:prstGeom>
+        </p:spPr>
+      </p:pic>
+      <p:cxnSp>
+        <p:nvCxnSpPr>
+          <p:cNvPr id="11" name="Straight Connector 10"/>
+          <p:cNvCxnSpPr/>
+          <p:nvPr/>
+        </p:nvCxnSpPr>
+        <p:spPr>
+          <a:xfrm flipH="1">
+            <a:off x="2553335" y="1833880"/>
+            <a:ext cx="2003425" cy="1155700"/>
+          </a:xfrm>
+          <a:prstGeom prst="line">
+            <a:avLst/>
+          </a:prstGeom>
+          <a:ln w="19050">
+            <a:solidFill>
+              <a:schemeClr val="accent1"/>
+            </a:solidFill>
+          </a:ln>
+        </p:spPr>
+        <p:style>
+          <a:lnRef idx="1">
+            <a:schemeClr val="accent1"/>
+          </a:lnRef>
+          <a:fillRef idx="0">
+            <a:schemeClr val="accent1"/>
+          </a:fillRef>
+          <a:effectRef idx="0">
+            <a:schemeClr val="accent1"/>
+          </a:effectRef>
+          <a:fontRef idx="minor">
+            <a:schemeClr val="tx1"/>
+          </a:fontRef>
+        </p:style>
+      </p:cxnSp>
+      <p:cxnSp>
+        <p:nvCxnSpPr>
+          <p:cNvPr id="5" name="Straight Connector 4"/>
+          <p:cNvCxnSpPr/>
+          <p:nvPr/>
+        </p:nvCxnSpPr>
+        <p:spPr>
+          <a:xfrm>
+            <a:off x="5134610" y="1816100"/>
+            <a:ext cx="2445385" cy="1073785"/>
+          </a:xfrm>
+          <a:prstGeom prst="line">
+            <a:avLst/>
+          </a:prstGeom>
+          <a:ln w="19050">
+            <a:solidFill>
+              <a:schemeClr val="accent1"/>
+            </a:solidFill>
+          </a:ln>
+        </p:spPr>
+        <p:style>
+          <a:lnRef idx="1">
+            <a:schemeClr val="accent1"/>
+          </a:lnRef>
+          <a:fillRef idx="0">
+            <a:schemeClr val="accent1"/>
+          </a:fillRef>
+          <a:effectRef idx="0">
+            <a:schemeClr val="accent1"/>
+          </a:effectRef>
+          <a:fontRef idx="minor">
+            <a:schemeClr val="tx1"/>
+          </a:fontRef>
+        </p:style>
+      </p:cxnSp>
+      <p:sp>
+        <p:nvSpPr>
+          <p:cNvPr id="6" name="Text Box 5"/>
+          <p:cNvSpPr txBox="1"/>
+          <p:nvPr/>
+        </p:nvSpPr>
+        <p:spPr>
+          <a:xfrm>
+            <a:off x="2212340" y="3012440"/>
+            <a:ext cx="1859280" cy="521970"/>
+          </a:xfrm>
+          <a:prstGeom prst="rect">
+            <a:avLst/>
+          </a:prstGeom>
+          <a:noFill/>
+        </p:spPr>
+        <p:txBody>
+          <a:bodyPr wrap="square" rtlCol="0">
+            <a:spAutoFit/>
+          </a:bodyPr>
+          <a:lstStyle/>
+          <a:p>
+            <a:r>
+              <a:rPr lang="en-US" sz="1400"/>
+              <a:t>PID</a:t>
+            </a:r>
+            <a:r>
+              <a:rPr lang="ja-JP" altLang="en-US" sz="1400"/>
+              <a:t>による</a:t>
+            </a:r>
+            <a:r>
+              <a:rPr lang="en-US" altLang="ja-JP" sz="1400"/>
+              <a:t>pitch</a:t>
+            </a:r>
+            <a:r>
+              <a:rPr lang="ja-JP" altLang="en-US" sz="1400"/>
+              <a:t>角速度制御</a:t>
+            </a:r>
+          </a:p>
+        </p:txBody>
+      </p:sp>
+      <p:sp>
+        <p:nvSpPr>
+          <p:cNvPr id="7" name="Text Box 6"/>
+          <p:cNvSpPr txBox="1"/>
+          <p:nvPr/>
+        </p:nvSpPr>
+        <p:spPr>
+          <a:xfrm>
+            <a:off x="3556000" y="6180455"/>
+            <a:ext cx="1859280" cy="521970"/>
+          </a:xfrm>
+          <a:prstGeom prst="rect">
+            <a:avLst/>
+          </a:prstGeom>
+          <a:noFill/>
+        </p:spPr>
+        <p:txBody>
+          <a:bodyPr wrap="square" rtlCol="0">
+            <a:spAutoFit/>
+          </a:bodyPr>
+          <a:lstStyle/>
+          <a:p>
+            <a:r>
+              <a:rPr lang="en-US" altLang="ja-JP" sz="1400"/>
+              <a:t>pitch</a:t>
+            </a:r>
+            <a:r>
+              <a:rPr lang="ja-JP" altLang="en-US" sz="1400"/>
+              <a:t>角速度フィードバック信号</a:t>
+            </a:r>
+            <a:r>
+              <a:rPr lang="en-US" altLang="ja-JP" sz="1400"/>
+              <a:t>input</a:t>
+            </a:r>
+          </a:p>
+        </p:txBody>
+      </p:sp>
+      <p:sp>
+        <p:nvSpPr>
+          <p:cNvPr id="8" name="Text Box 7"/>
+          <p:cNvSpPr txBox="1"/>
+          <p:nvPr/>
+        </p:nvSpPr>
+        <p:spPr>
+          <a:xfrm>
+            <a:off x="1236980" y="4637405"/>
+            <a:ext cx="1859280" cy="521970"/>
+          </a:xfrm>
+          <a:prstGeom prst="rect">
+            <a:avLst/>
+          </a:prstGeom>
+          <a:noFill/>
+        </p:spPr>
+        <p:txBody>
+          <a:bodyPr wrap="square" rtlCol="0">
+            <a:spAutoFit/>
+          </a:bodyPr>
+          <a:lstStyle/>
+          <a:p>
+            <a:r>
+              <a:rPr lang="en-US" altLang="ja-JP" sz="1400"/>
+              <a:t>pitch</a:t>
+            </a:r>
+            <a:r>
+              <a:rPr lang="ja-JP" altLang="en-US" sz="1400"/>
+              <a:t>角速度指令信号</a:t>
+            </a:r>
+            <a:r>
+              <a:rPr lang="en-US" altLang="ja-JP" sz="1400"/>
+              <a:t>input</a:t>
+            </a:r>
+          </a:p>
+        </p:txBody>
+      </p:sp>
+    </p:spTree>
+  </p:cSld>
+  <p:clrMapOvr>
+    <a:masterClrMapping/>
+  </p:clrMapOvr>
+</p:sld>
+</file>
+
+<file path=ppt/slides/slide18.xml><?xml version="1.0" encoding="utf-8"?>
+<p:sld xmlns:a="http://schemas.openxmlformats.org/drawingml/2006/main" xmlns:r="http://schemas.openxmlformats.org/officeDocument/2006/relationships" xmlns:p="http://schemas.openxmlformats.org/presentationml/2006/main">
+  <p:cSld>
+    <p:spTree>
+      <p:nvGrpSpPr>
+        <p:cNvPr id="1" name=""/>
+        <p:cNvGrpSpPr/>
+        <p:nvPr/>
+      </p:nvGrpSpPr>
+      <p:grpSpPr>
+        <a:xfrm>
+          <a:off x="0" y="0"/>
+          <a:ext cx="0" cy="0"/>
+          <a:chOff x="0" y="0"/>
+          <a:chExt cx="0" cy="0"/>
+        </a:xfrm>
+      </p:grpSpPr>
+      <p:pic>
+        <p:nvPicPr>
+          <p:cNvPr id="3" name="Picture 2"/>
+          <p:cNvPicPr>
+            <a:picLocks noChangeAspect="1"/>
+          </p:cNvPicPr>
+          <p:nvPr/>
+        </p:nvPicPr>
+        <p:blipFill>
+          <a:blip r:embed="rId2"/>
+          <a:stretch>
+            <a:fillRect/>
+          </a:stretch>
+        </p:blipFill>
+        <p:spPr>
+          <a:xfrm>
+            <a:off x="3810000" y="1318260"/>
+            <a:ext cx="4991100" cy="6073140"/>
+          </a:xfrm>
+          <a:prstGeom prst="rect">
+            <a:avLst/>
+          </a:prstGeom>
+        </p:spPr>
+      </p:pic>
+    </p:spTree>
+  </p:cSld>
+  <p:clrMapOvr>
+    <a:masterClrMapping/>
+  </p:clrMapOvr>
+</p:sld>
+</file>
+
+<file path=ppt/slides/slide19.xml><?xml version="1.0" encoding="utf-8"?>
+<p:sld xmlns:a="http://schemas.openxmlformats.org/drawingml/2006/main" xmlns:r="http://schemas.openxmlformats.org/officeDocument/2006/relationships" xmlns:p="http://schemas.openxmlformats.org/presentationml/2006/main">
+  <p:cSld>
+    <p:spTree>
+      <p:nvGrpSpPr>
+        <p:cNvPr id="1" name=""/>
+        <p:cNvGrpSpPr/>
+        <p:nvPr/>
+      </p:nvGrpSpPr>
+      <p:grpSpPr>
+        <a:xfrm>
+          <a:off x="0" y="0"/>
+          <a:ext cx="0" cy="0"/>
+          <a:chOff x="0" y="0"/>
+          <a:chExt cx="0" cy="0"/>
+        </a:xfrm>
+      </p:grpSpPr>
+      <p:sp>
+        <p:nvSpPr>
+          <p:cNvPr id="2" name="Title 1"/>
+          <p:cNvSpPr>
+            <a:spLocks noGrp="1"/>
+          </p:cNvSpPr>
+          <p:nvPr>
+            <p:ph type="title"/>
+          </p:nvPr>
+        </p:nvSpPr>
+        <p:spPr/>
+        <p:txBody>
+          <a:bodyPr/>
+          <a:lstStyle/>
+          <a:p>
+            <a:endParaRPr lang="en-US"/>
+          </a:p>
+        </p:txBody>
+      </p:sp>
+      <p:sp>
+        <p:nvSpPr>
+          <p:cNvPr id="3" name="Text Placeholder 2"/>
+          <p:cNvSpPr>
+            <a:spLocks noGrp="1"/>
+          </p:cNvSpPr>
+          <p:nvPr>
+            <p:ph type="body"/>
+          </p:nvPr>
+        </p:nvSpPr>
+        <p:spPr/>
+        <p:txBody>
+          <a:bodyPr/>
+          <a:lstStyle/>
+          <a:p>
+            <a:endParaRPr lang="en-US"/>
+          </a:p>
+        </p:txBody>
+      </p:sp>
+    </p:spTree>
+  </p:cSld>
+  <p:clrMapOvr>
+    <a:masterClrMapping/>
+  </p:clrMapOvr>
+</p:sld>
+</file>
+
 <file path=ppt/slides/slide2.xml><?xml version="1.0" encoding="utf-8"?>
+<p:sld xmlns:a="http://schemas.openxmlformats.org/drawingml/2006/main" xmlns:r="http://schemas.openxmlformats.org/officeDocument/2006/relationships" xmlns:p="http://schemas.openxmlformats.org/presentationml/2006/main">
+  <p:cSld>
+    <p:spTree>
+      <p:nvGrpSpPr>
+        <p:cNvPr id="1" name=""/>
+        <p:cNvGrpSpPr/>
+        <p:nvPr/>
+      </p:nvGrpSpPr>
+      <p:grpSpPr>
+        <a:xfrm>
+          <a:off x="0" y="0"/>
+          <a:ext cx="0" cy="0"/>
+          <a:chOff x="0" y="0"/>
+          <a:chExt cx="0" cy="0"/>
+        </a:xfrm>
+      </p:grpSpPr>
+      <p:pic>
+        <p:nvPicPr>
+          <p:cNvPr id="36" name="図 35">
+            <a:extLst>
+              <a:ext uri="{FF2B5EF4-FFF2-40B4-BE49-F238E27FC236}">
+                <a16:creationId xmlns:a16="http://schemas.microsoft.com/office/drawing/2014/main" id="{ED5C861E-74AE-4D9A-BA46-1AB01CAB5658}"/>
+              </a:ext>
+            </a:extLst>
+          </p:cNvPr>
+          <p:cNvPicPr>
+            <a:picLocks noChangeAspect="1"/>
+          </p:cNvPicPr>
+          <p:nvPr/>
+        </p:nvPicPr>
+        <p:blipFill>
+          <a:blip r:embed="rId2"/>
+          <a:stretch>
+            <a:fillRect/>
+          </a:stretch>
+        </p:blipFill>
+        <p:spPr>
+          <a:xfrm>
+            <a:off x="1487630" y="534605"/>
+            <a:ext cx="4276725" cy="1809750"/>
+          </a:xfrm>
+          <a:prstGeom prst="rect">
+            <a:avLst/>
+          </a:prstGeom>
+        </p:spPr>
+      </p:pic>
+      <p:pic>
+        <p:nvPicPr>
+          <p:cNvPr id="3" name="図 2">
+            <a:extLst>
+              <a:ext uri="{FF2B5EF4-FFF2-40B4-BE49-F238E27FC236}">
+                <a16:creationId xmlns:a16="http://schemas.microsoft.com/office/drawing/2014/main" id="{15A6A77A-836C-4502-9C38-BAF0E9A36BEE}"/>
+              </a:ext>
+            </a:extLst>
+          </p:cNvPr>
+          <p:cNvPicPr>
+            <a:picLocks noChangeAspect="1"/>
+          </p:cNvPicPr>
+          <p:nvPr/>
+        </p:nvPicPr>
+        <p:blipFill>
+          <a:blip r:embed="rId3"/>
+          <a:stretch>
+            <a:fillRect/>
+          </a:stretch>
+        </p:blipFill>
+        <p:spPr>
+          <a:xfrm>
+            <a:off x="940745" y="3389606"/>
+            <a:ext cx="8199135" cy="3134199"/>
+          </a:xfrm>
+          <a:prstGeom prst="rect">
+            <a:avLst/>
+          </a:prstGeom>
+        </p:spPr>
+      </p:pic>
+      <p:sp>
+        <p:nvSpPr>
+          <p:cNvPr id="5" name="Text Box 4"/>
+          <p:cNvSpPr txBox="1"/>
+          <p:nvPr/>
+        </p:nvSpPr>
+        <p:spPr>
+          <a:xfrm>
+            <a:off x="1269998" y="3538190"/>
+            <a:ext cx="1861397" cy="523220"/>
+          </a:xfrm>
+          <a:prstGeom prst="rect">
+            <a:avLst/>
+          </a:prstGeom>
+          <a:noFill/>
+        </p:spPr>
+        <p:txBody>
+          <a:bodyPr wrap="square" rtlCol="0">
+            <a:spAutoFit/>
+          </a:bodyPr>
+          <a:lstStyle/>
+          <a:p>
+            <a:r>
+              <a:rPr lang="en-US" sz="1400" dirty="0"/>
+              <a:t>Elevator </a:t>
+            </a:r>
+            <a:r>
+              <a:rPr lang="en-US" altLang="ja-JP" sz="1400" dirty="0"/>
+              <a:t>dynamics</a:t>
+            </a:r>
+            <a:r>
+              <a:rPr lang="ja-JP" altLang="en-US" sz="1400" dirty="0"/>
+              <a:t>：</a:t>
+            </a:r>
+          </a:p>
+          <a:p>
+            <a:r>
+              <a:rPr lang="en-US" altLang="ja-JP" sz="1400" dirty="0"/>
+              <a:t>1</a:t>
+            </a:r>
+            <a:r>
+              <a:rPr lang="ja-JP" altLang="en-US" sz="1400" dirty="0"/>
+              <a:t>次遅れ系</a:t>
+            </a:r>
+          </a:p>
+        </p:txBody>
+      </p:sp>
+      <p:sp>
+        <p:nvSpPr>
+          <p:cNvPr id="6" name="Text Box 5"/>
+          <p:cNvSpPr txBox="1"/>
+          <p:nvPr/>
+        </p:nvSpPr>
+        <p:spPr>
+          <a:xfrm>
+            <a:off x="3882252" y="5482902"/>
+            <a:ext cx="2721748" cy="738664"/>
+          </a:xfrm>
+          <a:prstGeom prst="rect">
+            <a:avLst/>
+          </a:prstGeom>
+          <a:noFill/>
+        </p:spPr>
+        <p:txBody>
+          <a:bodyPr wrap="square" rtlCol="0">
+            <a:spAutoFit/>
+          </a:bodyPr>
+          <a:lstStyle/>
+          <a:p>
+            <a:r>
+              <a:rPr lang="ja-JP" altLang="en-US" sz="1400" dirty="0"/>
+              <a:t>機体縦運動モデル：伝達関数</a:t>
+            </a:r>
+            <a:endParaRPr lang="en-US" altLang="ja-JP" sz="1400" dirty="0"/>
+          </a:p>
+          <a:p>
+            <a:r>
+              <a:rPr lang="en-US" altLang="ja-JP" sz="1400" dirty="0"/>
+              <a:t>elevator input</a:t>
+            </a:r>
+            <a:r>
+              <a:rPr lang="ja-JP" altLang="en-US" sz="1400" dirty="0"/>
+              <a:t>に対する、</a:t>
+            </a:r>
+            <a:r>
+              <a:rPr lang="en-US" altLang="ja-JP" sz="1400" dirty="0"/>
+              <a:t>pitch</a:t>
+            </a:r>
+            <a:r>
+              <a:rPr lang="ja-JP" altLang="en-US" sz="1400" dirty="0"/>
+              <a:t>角の応答</a:t>
+            </a:r>
+          </a:p>
+        </p:txBody>
+      </p:sp>
+      <p:sp>
+        <p:nvSpPr>
+          <p:cNvPr id="8" name="Text Box 7"/>
+          <p:cNvSpPr txBox="1"/>
+          <p:nvPr/>
+        </p:nvSpPr>
+        <p:spPr>
+          <a:xfrm>
+            <a:off x="7846695" y="5039883"/>
+            <a:ext cx="1877695" cy="306705"/>
+          </a:xfrm>
+          <a:prstGeom prst="rect">
+            <a:avLst/>
+          </a:prstGeom>
+          <a:noFill/>
+        </p:spPr>
+        <p:txBody>
+          <a:bodyPr wrap="square" rtlCol="0">
+            <a:spAutoFit/>
+          </a:bodyPr>
+          <a:lstStyle/>
+          <a:p>
+            <a:r>
+              <a:rPr lang="en-US" altLang="ja-JP" sz="1400" dirty="0"/>
+              <a:t>pitch</a:t>
+            </a:r>
+            <a:r>
+              <a:rPr lang="ja-JP" altLang="en-US" sz="1400" dirty="0"/>
+              <a:t>角速度を</a:t>
+            </a:r>
+            <a:r>
+              <a:rPr lang="en-US" altLang="ja-JP" sz="1400" dirty="0"/>
+              <a:t>output</a:t>
+            </a:r>
+          </a:p>
+        </p:txBody>
+      </p:sp>
+      <p:sp>
+        <p:nvSpPr>
+          <p:cNvPr id="9" name="Text Box 8"/>
+          <p:cNvSpPr txBox="1"/>
+          <p:nvPr/>
+        </p:nvSpPr>
+        <p:spPr>
+          <a:xfrm>
+            <a:off x="8058689" y="3862666"/>
+            <a:ext cx="1413574" cy="306705"/>
+          </a:xfrm>
+          <a:prstGeom prst="rect">
+            <a:avLst/>
+          </a:prstGeom>
+          <a:noFill/>
+        </p:spPr>
+        <p:txBody>
+          <a:bodyPr wrap="square" rtlCol="0">
+            <a:spAutoFit/>
+          </a:bodyPr>
+          <a:lstStyle/>
+          <a:p>
+            <a:r>
+              <a:rPr lang="en-US" altLang="ja-JP" sz="1400" dirty="0"/>
+              <a:t>pitch</a:t>
+            </a:r>
+            <a:r>
+              <a:rPr lang="ja-JP" altLang="en-US" sz="1400" dirty="0"/>
+              <a:t>角を</a:t>
+            </a:r>
+            <a:r>
+              <a:rPr lang="en-US" altLang="ja-JP" sz="1400" dirty="0"/>
+              <a:t>output</a:t>
+            </a:r>
+          </a:p>
+        </p:txBody>
+      </p:sp>
+      <p:sp>
+        <p:nvSpPr>
+          <p:cNvPr id="10" name="Text Box 9"/>
+          <p:cNvSpPr txBox="1"/>
+          <p:nvPr/>
+        </p:nvSpPr>
+        <p:spPr>
+          <a:xfrm>
+            <a:off x="1320801" y="294833"/>
+            <a:ext cx="1544320" cy="521970"/>
+          </a:xfrm>
+          <a:prstGeom prst="rect">
+            <a:avLst/>
+          </a:prstGeom>
+          <a:noFill/>
+        </p:spPr>
+        <p:txBody>
+          <a:bodyPr wrap="square" rtlCol="0">
+            <a:spAutoFit/>
+          </a:bodyPr>
+          <a:lstStyle/>
+          <a:p>
+            <a:r>
+              <a:rPr lang="en-US" sz="1400" dirty="0"/>
+              <a:t>elevator(</a:t>
+            </a:r>
+            <a:r>
+              <a:rPr lang="ja-JP" altLang="en-US" sz="1400" dirty="0"/>
+              <a:t>昇降舵</a:t>
+            </a:r>
+            <a:r>
+              <a:rPr lang="en-US" sz="1400" dirty="0"/>
+              <a:t>)</a:t>
+            </a:r>
+            <a:r>
+              <a:rPr lang="ja-JP" altLang="en-US" sz="1400" dirty="0"/>
+              <a:t>角度指令信号</a:t>
+            </a:r>
+          </a:p>
+        </p:txBody>
+      </p:sp>
+      <p:cxnSp>
+        <p:nvCxnSpPr>
+          <p:cNvPr id="11" name="Straight Connector 10"/>
+          <p:cNvCxnSpPr>
+            <a:cxnSpLocks/>
+          </p:cNvCxnSpPr>
+          <p:nvPr/>
+        </p:nvCxnSpPr>
+        <p:spPr>
+          <a:xfrm flipH="1">
+            <a:off x="2092961" y="1829118"/>
+            <a:ext cx="2593833" cy="1672484"/>
+          </a:xfrm>
+          <a:prstGeom prst="line">
+            <a:avLst/>
+          </a:prstGeom>
+          <a:ln w="28575">
+            <a:solidFill>
+              <a:srgbClr val="FF0000"/>
+            </a:solidFill>
+          </a:ln>
+        </p:spPr>
+        <p:style>
+          <a:lnRef idx="1">
+            <a:schemeClr val="accent1"/>
+          </a:lnRef>
+          <a:fillRef idx="0">
+            <a:schemeClr val="accent1"/>
+          </a:fillRef>
+          <a:effectRef idx="0">
+            <a:schemeClr val="accent1"/>
+          </a:effectRef>
+          <a:fontRef idx="minor">
+            <a:schemeClr val="tx1"/>
+          </a:fontRef>
+        </p:style>
+      </p:cxnSp>
+      <p:cxnSp>
+        <p:nvCxnSpPr>
+          <p:cNvPr id="12" name="Straight Connector 11"/>
+          <p:cNvCxnSpPr>
+            <a:cxnSpLocks/>
+          </p:cNvCxnSpPr>
+          <p:nvPr/>
+        </p:nvCxnSpPr>
+        <p:spPr>
+          <a:xfrm>
+            <a:off x="5393832" y="1879370"/>
+            <a:ext cx="2807193" cy="1552278"/>
+          </a:xfrm>
+          <a:prstGeom prst="line">
+            <a:avLst/>
+          </a:prstGeom>
+          <a:ln w="28575">
+            <a:solidFill>
+              <a:srgbClr val="FF0000"/>
+            </a:solidFill>
+          </a:ln>
+        </p:spPr>
+        <p:style>
+          <a:lnRef idx="1">
+            <a:schemeClr val="accent1"/>
+          </a:lnRef>
+          <a:fillRef idx="0">
+            <a:schemeClr val="accent1"/>
+          </a:fillRef>
+          <a:effectRef idx="0">
+            <a:schemeClr val="accent1"/>
+          </a:effectRef>
+          <a:fontRef idx="minor">
+            <a:schemeClr val="tx1"/>
+          </a:fontRef>
+        </p:style>
+      </p:cxnSp>
+      <p:cxnSp>
+        <p:nvCxnSpPr>
+          <p:cNvPr id="13" name="Straight Connector 12"/>
+          <p:cNvCxnSpPr>
+            <a:cxnSpLocks/>
+            <a:stCxn id="5" idx="2"/>
+          </p:cNvCxnSpPr>
+          <p:nvPr/>
+        </p:nvCxnSpPr>
+        <p:spPr>
+          <a:xfrm flipH="1">
+            <a:off x="2133599" y="4061410"/>
+            <a:ext cx="67098" cy="622986"/>
+          </a:xfrm>
+          <a:prstGeom prst="line">
+            <a:avLst/>
+          </a:prstGeom>
+        </p:spPr>
+        <p:style>
+          <a:lnRef idx="2">
+            <a:schemeClr val="accent1"/>
+          </a:lnRef>
+          <a:fillRef idx="0">
+            <a:schemeClr val="accent1"/>
+          </a:fillRef>
+          <a:effectRef idx="1">
+            <a:schemeClr val="accent1"/>
+          </a:effectRef>
+          <a:fontRef idx="minor">
+            <a:schemeClr val="tx1"/>
+          </a:fontRef>
+        </p:style>
+      </p:cxnSp>
+      <p:cxnSp>
+        <p:nvCxnSpPr>
+          <p:cNvPr id="14" name="Straight Connector 13"/>
+          <p:cNvCxnSpPr>
+            <a:cxnSpLocks/>
+            <a:stCxn id="6" idx="0"/>
+          </p:cNvCxnSpPr>
+          <p:nvPr/>
+        </p:nvCxnSpPr>
+        <p:spPr>
+          <a:xfrm flipV="1">
+            <a:off x="5243126" y="5122334"/>
+            <a:ext cx="0" cy="360568"/>
+          </a:xfrm>
+          <a:prstGeom prst="line">
+            <a:avLst/>
+          </a:prstGeom>
+        </p:spPr>
+        <p:style>
+          <a:lnRef idx="2">
+            <a:schemeClr val="accent1"/>
+          </a:lnRef>
+          <a:fillRef idx="0">
+            <a:schemeClr val="accent1"/>
+          </a:fillRef>
+          <a:effectRef idx="1">
+            <a:schemeClr val="accent1"/>
+          </a:effectRef>
+          <a:fontRef idx="minor">
+            <a:schemeClr val="tx1"/>
+          </a:fontRef>
+        </p:style>
+      </p:cxnSp>
+      <p:sp>
+        <p:nvSpPr>
+          <p:cNvPr id="17" name="Text Box 7">
+            <a:extLst>
+              <a:ext uri="{FF2B5EF4-FFF2-40B4-BE49-F238E27FC236}">
+                <a16:creationId xmlns:a16="http://schemas.microsoft.com/office/drawing/2014/main" id="{E81BACAF-4673-4E6D-AD3C-E3A75527DB9E}"/>
+              </a:ext>
+            </a:extLst>
+          </p:cNvPr>
+          <p:cNvSpPr txBox="1"/>
+          <p:nvPr/>
+        </p:nvSpPr>
+        <p:spPr>
+          <a:xfrm>
+            <a:off x="7994395" y="6437009"/>
+            <a:ext cx="1551814" cy="523220"/>
+          </a:xfrm>
+          <a:prstGeom prst="rect">
+            <a:avLst/>
+          </a:prstGeom>
+          <a:noFill/>
+        </p:spPr>
+        <p:txBody>
+          <a:bodyPr wrap="square" rtlCol="0">
+            <a:spAutoFit/>
+          </a:bodyPr>
+          <a:lstStyle/>
+          <a:p>
+            <a:r>
+              <a:rPr lang="en-US" altLang="ja-JP" sz="1400" dirty="0"/>
+              <a:t>pitch</a:t>
+            </a:r>
+            <a:r>
+              <a:rPr lang="ja-JP" altLang="en-US" sz="1400" dirty="0"/>
+              <a:t>角加速度を</a:t>
+            </a:r>
+            <a:r>
+              <a:rPr lang="en-US" altLang="ja-JP" sz="1400" dirty="0"/>
+              <a:t>output</a:t>
+            </a:r>
+          </a:p>
+        </p:txBody>
+      </p:sp>
+      <p:sp>
+        <p:nvSpPr>
+          <p:cNvPr id="21" name="Text Box 4">
+            <a:extLst>
+              <a:ext uri="{FF2B5EF4-FFF2-40B4-BE49-F238E27FC236}">
+                <a16:creationId xmlns:a16="http://schemas.microsoft.com/office/drawing/2014/main" id="{DB2FB15A-4323-44A4-BA86-C2F6E35A0B71}"/>
+              </a:ext>
+            </a:extLst>
+          </p:cNvPr>
+          <p:cNvSpPr txBox="1"/>
+          <p:nvPr/>
+        </p:nvSpPr>
+        <p:spPr>
+          <a:xfrm>
+            <a:off x="3249930" y="3444223"/>
+            <a:ext cx="1703070" cy="523220"/>
+          </a:xfrm>
+          <a:prstGeom prst="rect">
+            <a:avLst/>
+          </a:prstGeom>
+          <a:noFill/>
+        </p:spPr>
+        <p:txBody>
+          <a:bodyPr wrap="square" rtlCol="0">
+            <a:spAutoFit/>
+          </a:bodyPr>
+          <a:lstStyle/>
+          <a:p>
+            <a:r>
+              <a:rPr lang="en-US" sz="1400" dirty="0"/>
+              <a:t>elevator</a:t>
+            </a:r>
+            <a:r>
+              <a:rPr lang="ja-JP" altLang="en-US" sz="1400" dirty="0"/>
+              <a:t>角度制限：</a:t>
+            </a:r>
+          </a:p>
+          <a:p>
+            <a:r>
+              <a:rPr lang="en-US" altLang="ja-JP" sz="1400" dirty="0"/>
+              <a:t>±30 [deg]</a:t>
+            </a:r>
+            <a:endParaRPr lang="ja-JP" altLang="en-US" sz="1400" dirty="0"/>
+          </a:p>
+        </p:txBody>
+      </p:sp>
+      <p:cxnSp>
+        <p:nvCxnSpPr>
+          <p:cNvPr id="22" name="Straight Connector 12">
+            <a:extLst>
+              <a:ext uri="{FF2B5EF4-FFF2-40B4-BE49-F238E27FC236}">
+                <a16:creationId xmlns:a16="http://schemas.microsoft.com/office/drawing/2014/main" id="{3B02F5D4-815A-401F-9D50-F791CE5664B3}"/>
+              </a:ext>
+            </a:extLst>
+          </p:cNvPr>
+          <p:cNvCxnSpPr>
+            <a:cxnSpLocks/>
+            <a:stCxn id="21" idx="2"/>
+          </p:cNvCxnSpPr>
+          <p:nvPr/>
+        </p:nvCxnSpPr>
+        <p:spPr>
+          <a:xfrm flipH="1">
+            <a:off x="3882253" y="3967443"/>
+            <a:ext cx="219212" cy="700019"/>
+          </a:xfrm>
+          <a:prstGeom prst="line">
+            <a:avLst/>
+          </a:prstGeom>
+        </p:spPr>
+        <p:style>
+          <a:lnRef idx="2">
+            <a:schemeClr val="accent1"/>
+          </a:lnRef>
+          <a:fillRef idx="0">
+            <a:schemeClr val="accent1"/>
+          </a:fillRef>
+          <a:effectRef idx="1">
+            <a:schemeClr val="accent1"/>
+          </a:effectRef>
+          <a:fontRef idx="minor">
+            <a:schemeClr val="tx1"/>
+          </a:fontRef>
+        </p:style>
+      </p:cxnSp>
+      <mc:AlternateContent xmlns:mc="http://schemas.openxmlformats.org/markup-compatibility/2006">
+        <mc:Choice xmlns:a14="http://schemas.microsoft.com/office/drawing/2010/main" Requires="a14">
+          <p:sp>
+            <p:nvSpPr>
+              <p:cNvPr id="27" name="テキスト ボックス 26">
+                <a:extLst>
+                  <a:ext uri="{FF2B5EF4-FFF2-40B4-BE49-F238E27FC236}">
+                    <a16:creationId xmlns:a16="http://schemas.microsoft.com/office/drawing/2014/main" id="{2BCE216B-4F6F-4332-A39A-209A514CBCB8}"/>
+                  </a:ext>
+                </a:extLst>
+              </p:cNvPr>
+              <p:cNvSpPr txBox="1"/>
+              <p:nvPr/>
+            </p:nvSpPr>
+            <p:spPr>
+              <a:xfrm>
+                <a:off x="3625993" y="6265122"/>
+                <a:ext cx="3234266" cy="669094"/>
+              </a:xfrm>
+              <a:prstGeom prst="rect">
+                <a:avLst/>
+              </a:prstGeom>
+              <a:noFill/>
+            </p:spPr>
+            <p:txBody>
+              <a:bodyPr wrap="square" rtlCol="0">
+                <a:spAutoFit/>
+              </a:bodyPr>
+              <a:lstStyle/>
+              <a:p>
+                <a14:m>
+                  <m:oMathPara xmlns:m="http://schemas.openxmlformats.org/officeDocument/2006/math">
+                    <m:oMathParaPr>
+                      <m:jc m:val="centerGroup"/>
+                    </m:oMathParaPr>
+                    <m:oMath xmlns:m="http://schemas.openxmlformats.org/officeDocument/2006/math">
+                      <m:f>
+                        <m:fPr>
+                          <m:ctrlPr>
+                            <a:rPr kumimoji="1" lang="en-US" altLang="ja-JP" i="1" smtClean="0">
+                              <a:latin typeface="Cambria Math" panose="02040503050406030204" pitchFamily="18" charset="0"/>
+                            </a:rPr>
+                          </m:ctrlPr>
+                        </m:fPr>
+                        <m:num>
+                          <m:r>
+                            <a:rPr kumimoji="1" lang="ja-JP" altLang="en-US" i="1" smtClean="0">
+                              <a:latin typeface="Cambria Math" panose="02040503050406030204" pitchFamily="18" charset="0"/>
+                            </a:rPr>
+                            <m:t>𝜃</m:t>
+                          </m:r>
+                        </m:num>
+                        <m:den>
+                          <m:r>
+                            <a:rPr kumimoji="1" lang="ja-JP" altLang="en-US" i="1" smtClean="0">
+                              <a:latin typeface="Cambria Math" panose="02040503050406030204" pitchFamily="18" charset="0"/>
+                            </a:rPr>
+                            <m:t>𝛿</m:t>
+                          </m:r>
+                          <m:r>
+                            <a:rPr kumimoji="1" lang="en-US" altLang="ja-JP" b="0" i="1" smtClean="0">
+                              <a:latin typeface="Cambria Math" panose="02040503050406030204" pitchFamily="18" charset="0"/>
+                            </a:rPr>
+                            <m:t>𝑒</m:t>
+                          </m:r>
+                        </m:den>
+                      </m:f>
+                      <m:r>
+                        <a:rPr kumimoji="1" lang="en-US" altLang="ja-JP" b="0" i="1" smtClean="0">
+                          <a:latin typeface="Cambria Math" panose="02040503050406030204" pitchFamily="18" charset="0"/>
+                        </a:rPr>
+                        <m:t>=</m:t>
+                      </m:r>
+                      <m:f>
+                        <m:fPr>
+                          <m:ctrlPr>
+                            <a:rPr kumimoji="1" lang="en-US" altLang="ja-JP" b="0" i="1" smtClean="0">
+                              <a:latin typeface="Cambria Math" panose="02040503050406030204" pitchFamily="18" charset="0"/>
+                            </a:rPr>
+                          </m:ctrlPr>
+                        </m:fPr>
+                        <m:num>
+                          <m:r>
+                            <a:rPr kumimoji="1" lang="en-US" altLang="ja-JP" b="0" i="1" smtClean="0">
+                              <a:latin typeface="Cambria Math" panose="02040503050406030204" pitchFamily="18" charset="0"/>
+                            </a:rPr>
+                            <m:t>−2(</m:t>
+                          </m:r>
+                          <m:r>
+                            <a:rPr kumimoji="1" lang="en-US" altLang="ja-JP" b="0" i="1" smtClean="0">
+                              <a:latin typeface="Cambria Math" panose="02040503050406030204" pitchFamily="18" charset="0"/>
+                            </a:rPr>
+                            <m:t>𝑠</m:t>
+                          </m:r>
+                          <m:r>
+                            <a:rPr kumimoji="1" lang="en-US" altLang="ja-JP" b="0" i="1" smtClean="0">
+                              <a:latin typeface="Cambria Math" panose="02040503050406030204" pitchFamily="18" charset="0"/>
+                            </a:rPr>
+                            <m:t>+0.3)</m:t>
+                          </m:r>
+                        </m:num>
+                        <m:den>
+                          <m:r>
+                            <a:rPr kumimoji="1" lang="en-US" altLang="ja-JP" b="0" i="1" smtClean="0">
+                              <a:latin typeface="Cambria Math" panose="02040503050406030204" pitchFamily="18" charset="0"/>
+                            </a:rPr>
+                            <m:t>𝑠</m:t>
+                          </m:r>
+                          <m:r>
+                            <a:rPr kumimoji="1" lang="en-US" altLang="ja-JP" b="0" i="1" smtClean="0">
+                              <a:latin typeface="Cambria Math" panose="02040503050406030204" pitchFamily="18" charset="0"/>
+                            </a:rPr>
+                            <m:t>(</m:t>
+                          </m:r>
+                          <m:sSup>
+                            <m:sSupPr>
+                              <m:ctrlPr>
+                                <a:rPr kumimoji="1" lang="en-US" altLang="ja-JP" b="0" i="1" smtClean="0">
+                                  <a:latin typeface="Cambria Math" panose="02040503050406030204" pitchFamily="18" charset="0"/>
+                                </a:rPr>
+                              </m:ctrlPr>
+                            </m:sSupPr>
+                            <m:e>
+                              <m:r>
+                                <a:rPr kumimoji="1" lang="en-US" altLang="ja-JP" b="0" i="1" smtClean="0">
+                                  <a:latin typeface="Cambria Math" panose="02040503050406030204" pitchFamily="18" charset="0"/>
+                                </a:rPr>
+                                <m:t>𝑠</m:t>
+                              </m:r>
+                            </m:e>
+                            <m:sup>
+                              <m:r>
+                                <a:rPr kumimoji="1" lang="en-US" altLang="ja-JP" b="0" i="1" smtClean="0">
+                                  <a:latin typeface="Cambria Math" panose="02040503050406030204" pitchFamily="18" charset="0"/>
+                                </a:rPr>
+                                <m:t>2</m:t>
+                              </m:r>
+                            </m:sup>
+                          </m:sSup>
+                          <m:r>
+                            <a:rPr kumimoji="1" lang="en-US" altLang="ja-JP" b="0" i="1" smtClean="0">
+                              <a:latin typeface="Cambria Math" panose="02040503050406030204" pitchFamily="18" charset="0"/>
+                            </a:rPr>
+                            <m:t>+0.65</m:t>
+                          </m:r>
+                          <m:r>
+                            <a:rPr kumimoji="1" lang="en-US" altLang="ja-JP" b="0" i="1" smtClean="0">
+                              <a:latin typeface="Cambria Math" panose="02040503050406030204" pitchFamily="18" charset="0"/>
+                            </a:rPr>
+                            <m:t>𝑠</m:t>
+                          </m:r>
+                          <m:r>
+                            <a:rPr kumimoji="1" lang="en-US" altLang="ja-JP" b="0" i="1" smtClean="0">
+                              <a:latin typeface="Cambria Math" panose="02040503050406030204" pitchFamily="18" charset="0"/>
+                            </a:rPr>
+                            <m:t>+0.15)</m:t>
+                          </m:r>
+                        </m:den>
+                      </m:f>
+                    </m:oMath>
+                  </m:oMathPara>
+                </a14:m>
+                <a:endParaRPr kumimoji="1" lang="ja-JP" altLang="en-US" dirty="0"/>
+              </a:p>
+            </p:txBody>
+          </p:sp>
+        </mc:Choice>
+        <mc:Fallback>
+          <p:sp>
+            <p:nvSpPr>
+              <p:cNvPr id="27" name="テキスト ボックス 26">
+                <a:extLst>
+                  <a:ext uri="{FF2B5EF4-FFF2-40B4-BE49-F238E27FC236}">
+                    <a16:creationId xmlns:a16="http://schemas.microsoft.com/office/drawing/2014/main" id="{2BCE216B-4F6F-4332-A39A-209A514CBCB8}"/>
+                  </a:ext>
+                </a:extLst>
+              </p:cNvPr>
+              <p:cNvSpPr txBox="1">
+                <a:spLocks noRot="1" noChangeAspect="1" noMove="1" noResize="1" noEditPoints="1" noAdjustHandles="1" noChangeArrowheads="1" noChangeShapeType="1" noTextEdit="1"/>
+              </p:cNvSpPr>
+              <p:nvPr/>
+            </p:nvSpPr>
+            <p:spPr>
+              <a:xfrm>
+                <a:off x="3625993" y="6265122"/>
+                <a:ext cx="3234266" cy="669094"/>
+              </a:xfrm>
+              <a:prstGeom prst="rect">
+                <a:avLst/>
+              </a:prstGeom>
+              <a:blipFill>
+                <a:blip r:embed="rId4"/>
+                <a:stretch>
+                  <a:fillRect/>
+                </a:stretch>
+              </a:blipFill>
+            </p:spPr>
+            <p:txBody>
+              <a:bodyPr/>
+              <a:lstStyle/>
+              <a:p>
+                <a:r>
+                  <a:rPr lang="ja-JP" altLang="en-US">
+                    <a:noFill/>
+                  </a:rPr>
+                  <a:t> </a:t>
+                </a:r>
+              </a:p>
+            </p:txBody>
+          </p:sp>
+        </mc:Fallback>
+      </mc:AlternateContent>
+      <p:sp>
+        <p:nvSpPr>
+          <p:cNvPr id="32" name="四角形: 角を丸くする 31">
+            <a:extLst>
+              <a:ext uri="{FF2B5EF4-FFF2-40B4-BE49-F238E27FC236}">
+                <a16:creationId xmlns:a16="http://schemas.microsoft.com/office/drawing/2014/main" id="{2E1685D9-7087-49F9-97A8-C3ADBF23798B}"/>
+              </a:ext>
+            </a:extLst>
+          </p:cNvPr>
+          <p:cNvSpPr/>
+          <p:nvPr/>
+        </p:nvSpPr>
+        <p:spPr>
+          <a:xfrm>
+            <a:off x="4348940" y="816803"/>
+            <a:ext cx="1415415" cy="1104296"/>
+          </a:xfrm>
+          <a:prstGeom prst="roundRect">
+            <a:avLst>
+              <a:gd name="adj" fmla="val 41651"/>
+            </a:avLst>
+          </a:prstGeom>
+          <a:noFill/>
+          <a:ln>
+            <a:solidFill>
+              <a:srgbClr val="FF0000"/>
+            </a:solidFill>
+          </a:ln>
+        </p:spPr>
+        <p:style>
+          <a:lnRef idx="2">
+            <a:schemeClr val="accent1">
+              <a:shade val="50000"/>
+            </a:schemeClr>
+          </a:lnRef>
+          <a:fillRef idx="1">
+            <a:schemeClr val="accent1"/>
+          </a:fillRef>
+          <a:effectRef idx="0">
+            <a:schemeClr val="accent1"/>
+          </a:effectRef>
+          <a:fontRef idx="minor">
+            <a:schemeClr val="lt1"/>
+          </a:fontRef>
+        </p:style>
+        <p:txBody>
+          <a:bodyPr rtlCol="0" anchor="ctr"/>
+          <a:lstStyle/>
+          <a:p>
+            <a:pPr algn="ctr"/>
+            <a:endParaRPr kumimoji="1" lang="ja-JP" altLang="en-US"/>
+          </a:p>
+        </p:txBody>
+      </p:sp>
+      <p:sp>
+        <p:nvSpPr>
+          <p:cNvPr id="39" name="Text Box 9">
+            <a:extLst>
+              <a:ext uri="{FF2B5EF4-FFF2-40B4-BE49-F238E27FC236}">
+                <a16:creationId xmlns:a16="http://schemas.microsoft.com/office/drawing/2014/main" id="{92DDA460-DDA6-41FB-9085-4ACB8C7AE2E8}"/>
+              </a:ext>
+            </a:extLst>
+          </p:cNvPr>
+          <p:cNvSpPr txBox="1"/>
+          <p:nvPr/>
+        </p:nvSpPr>
+        <p:spPr>
+          <a:xfrm>
+            <a:off x="4466327" y="390246"/>
+            <a:ext cx="1359885" cy="307777"/>
+          </a:xfrm>
+          <a:prstGeom prst="rect">
+            <a:avLst/>
+          </a:prstGeom>
+          <a:noFill/>
+        </p:spPr>
+        <p:txBody>
+          <a:bodyPr wrap="square" rtlCol="0">
+            <a:spAutoFit/>
+          </a:bodyPr>
+          <a:lstStyle/>
+          <a:p>
+            <a:r>
+              <a:rPr lang="ja-JP" altLang="en-US" sz="1400" dirty="0"/>
+              <a:t>機体</a:t>
+            </a:r>
+            <a:r>
+              <a:rPr lang="en-US" altLang="ja-JP" sz="1400" dirty="0"/>
+              <a:t>dynamics</a:t>
+            </a:r>
+            <a:endParaRPr lang="ja-JP" altLang="en-US" sz="1400" dirty="0"/>
+          </a:p>
+        </p:txBody>
+      </p:sp>
+      <p:sp>
+        <p:nvSpPr>
+          <p:cNvPr id="40" name="Text Box 9">
+            <a:extLst>
+              <a:ext uri="{FF2B5EF4-FFF2-40B4-BE49-F238E27FC236}">
+                <a16:creationId xmlns:a16="http://schemas.microsoft.com/office/drawing/2014/main" id="{26ED43A1-7F22-4E30-961A-F5B93781DDAC}"/>
+              </a:ext>
+            </a:extLst>
+          </p:cNvPr>
+          <p:cNvSpPr txBox="1"/>
+          <p:nvPr/>
+        </p:nvSpPr>
+        <p:spPr>
+          <a:xfrm>
+            <a:off x="2826418" y="1719709"/>
+            <a:ext cx="1359885" cy="523220"/>
+          </a:xfrm>
+          <a:prstGeom prst="rect">
+            <a:avLst/>
+          </a:prstGeom>
+          <a:noFill/>
+        </p:spPr>
+        <p:txBody>
+          <a:bodyPr wrap="square" rtlCol="0">
+            <a:spAutoFit/>
+          </a:bodyPr>
+          <a:lstStyle/>
+          <a:p>
+            <a:r>
+              <a:rPr lang="en-US" altLang="ja-JP" sz="1400" dirty="0"/>
+              <a:t>Elevator</a:t>
+            </a:r>
+            <a:r>
+              <a:rPr lang="ja-JP" altLang="en-US" sz="1400" dirty="0"/>
+              <a:t>角度レート制限器</a:t>
+            </a:r>
+          </a:p>
+        </p:txBody>
+      </p:sp>
+    </p:spTree>
+  </p:cSld>
+  <p:clrMapOvr>
+    <a:masterClrMapping/>
+  </p:clrMapOvr>
+</p:sld>
+</file>
+
+<file path=ppt/slides/slide20.xml><?xml version="1.0" encoding="utf-8"?>
+<p:sld xmlns:a="http://schemas.openxmlformats.org/drawingml/2006/main" xmlns:r="http://schemas.openxmlformats.org/officeDocument/2006/relationships" xmlns:p="http://schemas.openxmlformats.org/presentationml/2006/main">
+  <p:cSld>
+    <p:spTree>
+      <p:nvGrpSpPr>
+        <p:cNvPr id="1" name=""/>
+        <p:cNvGrpSpPr/>
+        <p:nvPr/>
+      </p:nvGrpSpPr>
+      <p:grpSpPr>
+        <a:xfrm>
+          <a:off x="0" y="0"/>
+          <a:ext cx="0" cy="0"/>
+          <a:chOff x="0" y="0"/>
+          <a:chExt cx="0" cy="0"/>
+        </a:xfrm>
+      </p:grpSpPr>
+    </p:spTree>
+  </p:cSld>
+  <p:clrMapOvr>
+    <a:masterClrMapping/>
+  </p:clrMapOvr>
+</p:sld>
+</file>
+
+<file path=ppt/slides/slide21.xml><?xml version="1.0" encoding="utf-8"?>
+<p:sld xmlns:a="http://schemas.openxmlformats.org/drawingml/2006/main" xmlns:r="http://schemas.openxmlformats.org/officeDocument/2006/relationships" xmlns:p="http://schemas.openxmlformats.org/presentationml/2006/main">
+  <p:cSld>
+    <p:spTree>
+      <p:nvGrpSpPr>
+        <p:cNvPr id="1" name=""/>
+        <p:cNvGrpSpPr/>
+        <p:nvPr/>
+      </p:nvGrpSpPr>
+      <p:grpSpPr>
+        <a:xfrm>
+          <a:off x="0" y="0"/>
+          <a:ext cx="0" cy="0"/>
+          <a:chOff x="0" y="0"/>
+          <a:chExt cx="0" cy="0"/>
+        </a:xfrm>
+      </p:grpSpPr>
+    </p:spTree>
+  </p:cSld>
+  <p:clrMapOvr>
+    <a:masterClrMapping/>
+  </p:clrMapOvr>
+</p:sld>
+</file>
+
+<file path=ppt/slides/slide22.xml><?xml version="1.0" encoding="utf-8"?>
 <p:sld xmlns:a="http://schemas.openxmlformats.org/drawingml/2006/main" xmlns:r="http://schemas.openxmlformats.org/officeDocument/2006/relationships" xmlns:p="http://schemas.openxmlformats.org/presentationml/2006/main">
   <p:cSld>
     <p:spTree>
@@ -2009,6 +5163,445 @@
           <a:chExt cx="0" cy="0"/>
         </a:xfrm>
       </p:grpSpPr>
+      <p:pic>
+        <p:nvPicPr>
+          <p:cNvPr id="2" name="図 1">
+            <a:extLst>
+              <a:ext uri="{FF2B5EF4-FFF2-40B4-BE49-F238E27FC236}">
+                <a16:creationId xmlns:a16="http://schemas.microsoft.com/office/drawing/2014/main" id="{AF8337F5-1E3E-4DA8-A840-88CD5B95D2A0}"/>
+              </a:ext>
+            </a:extLst>
+          </p:cNvPr>
+          <p:cNvPicPr>
+            <a:picLocks noChangeAspect="1"/>
+          </p:cNvPicPr>
+          <p:nvPr/>
+        </p:nvPicPr>
+        <p:blipFill>
+          <a:blip r:embed="rId2"/>
+          <a:stretch>
+            <a:fillRect/>
+          </a:stretch>
+        </p:blipFill>
+        <p:spPr>
+          <a:xfrm>
+            <a:off x="3028574" y="534605"/>
+            <a:ext cx="4276725" cy="1809750"/>
+          </a:xfrm>
+          <a:prstGeom prst="rect">
+            <a:avLst/>
+          </a:prstGeom>
+        </p:spPr>
+      </p:pic>
+      <p:sp>
+        <p:nvSpPr>
+          <p:cNvPr id="4" name="Text Box 9">
+            <a:extLst>
+              <a:ext uri="{FF2B5EF4-FFF2-40B4-BE49-F238E27FC236}">
+                <a16:creationId xmlns:a16="http://schemas.microsoft.com/office/drawing/2014/main" id="{9049975A-DD61-4192-B4F4-72DF30A05482}"/>
+              </a:ext>
+            </a:extLst>
+          </p:cNvPr>
+          <p:cNvSpPr txBox="1"/>
+          <p:nvPr/>
+        </p:nvSpPr>
+        <p:spPr>
+          <a:xfrm>
+            <a:off x="2827873" y="273620"/>
+            <a:ext cx="1544320" cy="521970"/>
+          </a:xfrm>
+          <a:prstGeom prst="rect">
+            <a:avLst/>
+          </a:prstGeom>
+          <a:noFill/>
+        </p:spPr>
+        <p:txBody>
+          <a:bodyPr wrap="square" rtlCol="0">
+            <a:spAutoFit/>
+          </a:bodyPr>
+          <a:lstStyle/>
+          <a:p>
+            <a:r>
+              <a:rPr lang="en-US" sz="1400" dirty="0"/>
+              <a:t>elevator(</a:t>
+            </a:r>
+            <a:r>
+              <a:rPr lang="ja-JP" altLang="en-US" sz="1400" dirty="0"/>
+              <a:t>昇降舵</a:t>
+            </a:r>
+            <a:r>
+              <a:rPr lang="en-US" sz="1400" dirty="0"/>
+              <a:t>)</a:t>
+            </a:r>
+            <a:r>
+              <a:rPr lang="ja-JP" altLang="en-US" sz="1400" dirty="0"/>
+              <a:t>角度指令信号</a:t>
+            </a:r>
+          </a:p>
+        </p:txBody>
+      </p:sp>
+      <p:cxnSp>
+        <p:nvCxnSpPr>
+          <p:cNvPr id="5" name="Straight Connector 10">
+            <a:extLst>
+              <a:ext uri="{FF2B5EF4-FFF2-40B4-BE49-F238E27FC236}">
+                <a16:creationId xmlns:a16="http://schemas.microsoft.com/office/drawing/2014/main" id="{09C922A1-A8C8-414D-9D26-8538BF4B3A58}"/>
+              </a:ext>
+            </a:extLst>
+          </p:cNvPr>
+          <p:cNvCxnSpPr>
+            <a:cxnSpLocks/>
+          </p:cNvCxnSpPr>
+          <p:nvPr/>
+        </p:nvCxnSpPr>
+        <p:spPr>
+          <a:xfrm flipH="1">
+            <a:off x="2092962" y="1676400"/>
+            <a:ext cx="2540045" cy="1825202"/>
+          </a:xfrm>
+          <a:prstGeom prst="line">
+            <a:avLst/>
+          </a:prstGeom>
+          <a:ln w="28575">
+            <a:solidFill>
+              <a:srgbClr val="FF0000"/>
+            </a:solidFill>
+          </a:ln>
+        </p:spPr>
+        <p:style>
+          <a:lnRef idx="1">
+            <a:schemeClr val="accent1"/>
+          </a:lnRef>
+          <a:fillRef idx="0">
+            <a:schemeClr val="accent1"/>
+          </a:fillRef>
+          <a:effectRef idx="0">
+            <a:schemeClr val="accent1"/>
+          </a:effectRef>
+          <a:fontRef idx="minor">
+            <a:schemeClr val="tx1"/>
+          </a:fontRef>
+        </p:style>
+      </p:cxnSp>
+      <p:cxnSp>
+        <p:nvCxnSpPr>
+          <p:cNvPr id="6" name="Straight Connector 11">
+            <a:extLst>
+              <a:ext uri="{FF2B5EF4-FFF2-40B4-BE49-F238E27FC236}">
+                <a16:creationId xmlns:a16="http://schemas.microsoft.com/office/drawing/2014/main" id="{834BD1D8-0309-4A1E-B7DE-8E2438613A26}"/>
+              </a:ext>
+            </a:extLst>
+          </p:cNvPr>
+          <p:cNvCxnSpPr>
+            <a:cxnSpLocks/>
+          </p:cNvCxnSpPr>
+          <p:nvPr/>
+        </p:nvCxnSpPr>
+        <p:spPr>
+          <a:xfrm>
+            <a:off x="5528733" y="1676400"/>
+            <a:ext cx="2672292" cy="1755248"/>
+          </a:xfrm>
+          <a:prstGeom prst="line">
+            <a:avLst/>
+          </a:prstGeom>
+          <a:ln w="28575">
+            <a:solidFill>
+              <a:srgbClr val="FF0000"/>
+            </a:solidFill>
+          </a:ln>
+        </p:spPr>
+        <p:style>
+          <a:lnRef idx="1">
+            <a:schemeClr val="accent1"/>
+          </a:lnRef>
+          <a:fillRef idx="0">
+            <a:schemeClr val="accent1"/>
+          </a:fillRef>
+          <a:effectRef idx="0">
+            <a:schemeClr val="accent1"/>
+          </a:effectRef>
+          <a:fontRef idx="minor">
+            <a:schemeClr val="tx1"/>
+          </a:fontRef>
+        </p:style>
+      </p:cxnSp>
+      <p:sp>
+        <p:nvSpPr>
+          <p:cNvPr id="8" name="四角形: 角を丸くする 7">
+            <a:extLst>
+              <a:ext uri="{FF2B5EF4-FFF2-40B4-BE49-F238E27FC236}">
+                <a16:creationId xmlns:a16="http://schemas.microsoft.com/office/drawing/2014/main" id="{4F3933E4-C8BD-4075-925A-C784658ACCF2}"/>
+              </a:ext>
+            </a:extLst>
+          </p:cNvPr>
+          <p:cNvSpPr/>
+          <p:nvPr/>
+        </p:nvSpPr>
+        <p:spPr>
+          <a:xfrm>
+            <a:off x="4408216" y="698269"/>
+            <a:ext cx="1415415" cy="1104296"/>
+          </a:xfrm>
+          <a:prstGeom prst="roundRect">
+            <a:avLst>
+              <a:gd name="adj" fmla="val 41651"/>
+            </a:avLst>
+          </a:prstGeom>
+          <a:noFill/>
+          <a:ln>
+            <a:solidFill>
+              <a:srgbClr val="FF0000"/>
+            </a:solidFill>
+          </a:ln>
+        </p:spPr>
+        <p:style>
+          <a:lnRef idx="2">
+            <a:schemeClr val="accent1">
+              <a:shade val="50000"/>
+            </a:schemeClr>
+          </a:lnRef>
+          <a:fillRef idx="1">
+            <a:schemeClr val="accent1"/>
+          </a:fillRef>
+          <a:effectRef idx="0">
+            <a:schemeClr val="accent1"/>
+          </a:effectRef>
+          <a:fontRef idx="minor">
+            <a:schemeClr val="lt1"/>
+          </a:fontRef>
+        </p:style>
+        <p:txBody>
+          <a:bodyPr rtlCol="0" anchor="ctr"/>
+          <a:lstStyle/>
+          <a:p>
+            <a:pPr algn="ctr"/>
+            <a:endParaRPr kumimoji="1" lang="ja-JP" altLang="en-US"/>
+          </a:p>
+        </p:txBody>
+      </p:sp>
+      <p:sp>
+        <p:nvSpPr>
+          <p:cNvPr id="9" name="Text Box 9">
+            <a:extLst>
+              <a:ext uri="{FF2B5EF4-FFF2-40B4-BE49-F238E27FC236}">
+                <a16:creationId xmlns:a16="http://schemas.microsoft.com/office/drawing/2014/main" id="{F205ACE4-3569-4401-83CE-A9E4D8D327A2}"/>
+              </a:ext>
+            </a:extLst>
+          </p:cNvPr>
+          <p:cNvSpPr txBox="1"/>
+          <p:nvPr/>
+        </p:nvSpPr>
+        <p:spPr>
+          <a:xfrm>
+            <a:off x="6007271" y="390246"/>
+            <a:ext cx="1359885" cy="307777"/>
+          </a:xfrm>
+          <a:prstGeom prst="rect">
+            <a:avLst/>
+          </a:prstGeom>
+          <a:noFill/>
+        </p:spPr>
+        <p:txBody>
+          <a:bodyPr wrap="square" rtlCol="0">
+            <a:spAutoFit/>
+          </a:bodyPr>
+          <a:lstStyle/>
+          <a:p>
+            <a:r>
+              <a:rPr lang="ja-JP" altLang="en-US" sz="1400" dirty="0"/>
+              <a:t>機体</a:t>
+            </a:r>
+            <a:r>
+              <a:rPr lang="en-US" altLang="ja-JP" sz="1400" dirty="0"/>
+              <a:t>dynamics</a:t>
+            </a:r>
+            <a:endParaRPr lang="ja-JP" altLang="en-US" sz="1400" dirty="0"/>
+          </a:p>
+        </p:txBody>
+      </p:sp>
+      <p:sp>
+        <p:nvSpPr>
+          <p:cNvPr id="10" name="Text Box 9">
+            <a:extLst>
+              <a:ext uri="{FF2B5EF4-FFF2-40B4-BE49-F238E27FC236}">
+                <a16:creationId xmlns:a16="http://schemas.microsoft.com/office/drawing/2014/main" id="{6914FE25-5FED-44DD-AA61-BF265BB7BE35}"/>
+              </a:ext>
+            </a:extLst>
+          </p:cNvPr>
+          <p:cNvSpPr txBox="1"/>
+          <p:nvPr/>
+        </p:nvSpPr>
+        <p:spPr>
+          <a:xfrm>
+            <a:off x="4408216" y="1872176"/>
+            <a:ext cx="1359885" cy="523220"/>
+          </a:xfrm>
+          <a:prstGeom prst="rect">
+            <a:avLst/>
+          </a:prstGeom>
+          <a:noFill/>
+        </p:spPr>
+        <p:txBody>
+          <a:bodyPr wrap="square" rtlCol="0">
+            <a:spAutoFit/>
+          </a:bodyPr>
+          <a:lstStyle/>
+          <a:p>
+            <a:r>
+              <a:rPr lang="en-US" altLang="ja-JP" sz="1400" dirty="0"/>
+              <a:t>Elevator</a:t>
+            </a:r>
+            <a:r>
+              <a:rPr lang="ja-JP" altLang="en-US" sz="1400" dirty="0"/>
+              <a:t>角度レート制限器</a:t>
+            </a:r>
+          </a:p>
+        </p:txBody>
+      </p:sp>
+      <p:pic>
+        <p:nvPicPr>
+          <p:cNvPr id="13" name="図 12">
+            <a:extLst>
+              <a:ext uri="{FF2B5EF4-FFF2-40B4-BE49-F238E27FC236}">
+                <a16:creationId xmlns:a16="http://schemas.microsoft.com/office/drawing/2014/main" id="{1606CB28-7BA9-449D-9FD2-EF7A05ADB7BB}"/>
+              </a:ext>
+            </a:extLst>
+          </p:cNvPr>
+          <p:cNvPicPr>
+            <a:picLocks noChangeAspect="1"/>
+          </p:cNvPicPr>
+          <p:nvPr/>
+        </p:nvPicPr>
+        <p:blipFill>
+          <a:blip r:embed="rId3"/>
+          <a:stretch>
+            <a:fillRect/>
+          </a:stretch>
+        </p:blipFill>
+        <p:spPr>
+          <a:xfrm>
+            <a:off x="1351354" y="3552261"/>
+            <a:ext cx="7818182" cy="1220779"/>
+          </a:xfrm>
+          <a:prstGeom prst="rect">
+            <a:avLst/>
+          </a:prstGeom>
+        </p:spPr>
+      </p:pic>
+      <p:sp>
+        <p:nvSpPr>
+          <p:cNvPr id="14" name="Text Box 9">
+            <a:extLst>
+              <a:ext uri="{FF2B5EF4-FFF2-40B4-BE49-F238E27FC236}">
+                <a16:creationId xmlns:a16="http://schemas.microsoft.com/office/drawing/2014/main" id="{87FA886C-D7DC-4232-8479-9F28BCCE3684}"/>
+              </a:ext>
+            </a:extLst>
+          </p:cNvPr>
+          <p:cNvSpPr txBox="1"/>
+          <p:nvPr/>
+        </p:nvSpPr>
+        <p:spPr>
+          <a:xfrm>
+            <a:off x="2404535" y="3105659"/>
+            <a:ext cx="1551701" cy="523220"/>
+          </a:xfrm>
+          <a:prstGeom prst="rect">
+            <a:avLst/>
+          </a:prstGeom>
+          <a:noFill/>
+        </p:spPr>
+        <p:txBody>
+          <a:bodyPr wrap="square" rtlCol="0">
+            <a:spAutoFit/>
+          </a:bodyPr>
+          <a:lstStyle/>
+          <a:p>
+            <a:r>
+              <a:rPr lang="ja-JP" altLang="en-US" sz="1400" dirty="0"/>
+              <a:t>角度信号⇒角速度信号</a:t>
+            </a:r>
+          </a:p>
+        </p:txBody>
+      </p:sp>
+      <p:sp>
+        <p:nvSpPr>
+          <p:cNvPr id="15" name="Text Box 9">
+            <a:extLst>
+              <a:ext uri="{FF2B5EF4-FFF2-40B4-BE49-F238E27FC236}">
+                <a16:creationId xmlns:a16="http://schemas.microsoft.com/office/drawing/2014/main" id="{D4188B7E-6B10-436E-877D-8A6240536913}"/>
+              </a:ext>
+            </a:extLst>
+          </p:cNvPr>
+          <p:cNvSpPr txBox="1"/>
+          <p:nvPr/>
+        </p:nvSpPr>
+        <p:spPr>
+          <a:xfrm>
+            <a:off x="3557045" y="4656850"/>
+            <a:ext cx="1804296" cy="564640"/>
+          </a:xfrm>
+          <a:prstGeom prst="rect">
+            <a:avLst/>
+          </a:prstGeom>
+          <a:noFill/>
+        </p:spPr>
+        <p:txBody>
+          <a:bodyPr wrap="square" rtlCol="0">
+            <a:spAutoFit/>
+          </a:bodyPr>
+          <a:lstStyle/>
+          <a:p>
+            <a:r>
+              <a:rPr lang="ja-JP" altLang="en-US" sz="1400" dirty="0"/>
+              <a:t>角速度信号に制限：</a:t>
+            </a:r>
+            <a:endParaRPr lang="en-US" altLang="ja-JP" sz="1400" dirty="0"/>
+          </a:p>
+          <a:p>
+            <a:r>
+              <a:rPr lang="en-US" altLang="ja-JP" sz="1400" dirty="0"/>
+              <a:t>±30 [deg/s]</a:t>
+            </a:r>
+            <a:endParaRPr lang="ja-JP" altLang="en-US" sz="1400" dirty="0"/>
+          </a:p>
+        </p:txBody>
+      </p:sp>
+      <p:sp>
+        <p:nvSpPr>
+          <p:cNvPr id="16" name="Text Box 9">
+            <a:extLst>
+              <a:ext uri="{FF2B5EF4-FFF2-40B4-BE49-F238E27FC236}">
+                <a16:creationId xmlns:a16="http://schemas.microsoft.com/office/drawing/2014/main" id="{63DEC55A-1976-4B93-9327-23616C9D00D8}"/>
+              </a:ext>
+            </a:extLst>
+          </p:cNvPr>
+          <p:cNvSpPr txBox="1"/>
+          <p:nvPr/>
+        </p:nvSpPr>
+        <p:spPr>
+          <a:xfrm>
+            <a:off x="5135512" y="3029041"/>
+            <a:ext cx="1551701" cy="523220"/>
+          </a:xfrm>
+          <a:prstGeom prst="rect">
+            <a:avLst/>
+          </a:prstGeom>
+          <a:noFill/>
+        </p:spPr>
+        <p:txBody>
+          <a:bodyPr wrap="square" rtlCol="0">
+            <a:spAutoFit/>
+          </a:bodyPr>
+          <a:lstStyle/>
+          <a:p>
+            <a:r>
+              <a:rPr lang="ja-JP" altLang="en-US" sz="1400" dirty="0"/>
+              <a:t>角速度信号⇒角度信号</a:t>
+            </a:r>
+          </a:p>
+        </p:txBody>
+      </p:sp>
     </p:spTree>
   </p:cSld>
   <p:clrMapOvr>
@@ -2034,7 +5627,233 @@
           <a:chExt cx="0" cy="0"/>
         </a:xfrm>
       </p:grpSpPr>
+      <p:pic>
+        <p:nvPicPr>
+          <p:cNvPr id="3" name="図 2">
+            <a:extLst>
+              <a:ext uri="{FF2B5EF4-FFF2-40B4-BE49-F238E27FC236}">
+                <a16:creationId xmlns:a16="http://schemas.microsoft.com/office/drawing/2014/main" id="{F7220389-F589-40A7-B5E4-70878CA2EF90}"/>
+              </a:ext>
+            </a:extLst>
+          </p:cNvPr>
+          <p:cNvPicPr>
+            <a:picLocks noChangeAspect="1"/>
+          </p:cNvPicPr>
+          <p:nvPr/>
+        </p:nvPicPr>
+        <p:blipFill>
+          <a:blip r:embed="rId2"/>
+          <a:stretch>
+            <a:fillRect/>
+          </a:stretch>
+        </p:blipFill>
+        <p:spPr>
+          <a:xfrm>
+            <a:off x="1405850" y="1493435"/>
+            <a:ext cx="7573723" cy="5385607"/>
+          </a:xfrm>
+          <a:prstGeom prst="rect">
+            <a:avLst/>
+          </a:prstGeom>
+        </p:spPr>
+      </p:pic>
+      <p:sp>
+        <p:nvSpPr>
+          <p:cNvPr id="4" name="Text Box 9">
+            <a:extLst>
+              <a:ext uri="{FF2B5EF4-FFF2-40B4-BE49-F238E27FC236}">
+                <a16:creationId xmlns:a16="http://schemas.microsoft.com/office/drawing/2014/main" id="{F540A037-72C3-417D-A51E-CED3140896A4}"/>
+              </a:ext>
+            </a:extLst>
+          </p:cNvPr>
+          <p:cNvSpPr txBox="1"/>
+          <p:nvPr/>
+        </p:nvSpPr>
+        <p:spPr>
+          <a:xfrm>
+            <a:off x="5201177" y="5289880"/>
+            <a:ext cx="1684866" cy="523220"/>
+          </a:xfrm>
+          <a:prstGeom prst="rect">
+            <a:avLst/>
+          </a:prstGeom>
+          <a:noFill/>
+        </p:spPr>
+        <p:txBody>
+          <a:bodyPr wrap="square" rtlCol="0">
+            <a:spAutoFit/>
+          </a:bodyPr>
+          <a:lstStyle/>
+          <a:p>
+            <a:r>
+              <a:rPr lang="en-US" sz="1400" dirty="0"/>
+              <a:t>elevator(</a:t>
+            </a:r>
+            <a:r>
+              <a:rPr lang="ja-JP" altLang="en-US" sz="1400" dirty="0"/>
+              <a:t>昇降舵</a:t>
+            </a:r>
+            <a:r>
+              <a:rPr lang="en-US" sz="1400" dirty="0"/>
+              <a:t>)</a:t>
+            </a:r>
+            <a:r>
+              <a:rPr lang="ja-JP" altLang="en-US" sz="1400" dirty="0"/>
+              <a:t>指令信号</a:t>
+            </a:r>
+          </a:p>
+        </p:txBody>
+      </p:sp>
+      <p:pic>
+        <p:nvPicPr>
+          <p:cNvPr id="5" name="図 4">
+            <a:extLst>
+              <a:ext uri="{FF2B5EF4-FFF2-40B4-BE49-F238E27FC236}">
+                <a16:creationId xmlns:a16="http://schemas.microsoft.com/office/drawing/2014/main" id="{DCFF6EE8-ED7F-4085-9994-240D0B1AD259}"/>
+              </a:ext>
+            </a:extLst>
+          </p:cNvPr>
+          <p:cNvPicPr>
+            <a:picLocks noChangeAspect="1"/>
+          </p:cNvPicPr>
+          <p:nvPr/>
+        </p:nvPicPr>
+        <p:blipFill rotWithShape="1">
+          <a:blip r:embed="rId3"/>
+          <a:srcRect l="3226" t="13033" r="2737" b="20534"/>
+          <a:stretch/>
+        </p:blipFill>
+        <p:spPr>
+          <a:xfrm>
+            <a:off x="1471609" y="291169"/>
+            <a:ext cx="4021667" cy="1202266"/>
+          </a:xfrm>
+          <a:prstGeom prst="rect">
+            <a:avLst/>
+          </a:prstGeom>
+        </p:spPr>
+      </p:pic>
+      <p:sp>
+        <p:nvSpPr>
+          <p:cNvPr id="6" name="Text Box 9">
+            <a:extLst>
+              <a:ext uri="{FF2B5EF4-FFF2-40B4-BE49-F238E27FC236}">
+                <a16:creationId xmlns:a16="http://schemas.microsoft.com/office/drawing/2014/main" id="{8B9F73ED-848F-423B-A830-92CC7EF81FF3}"/>
+              </a:ext>
+            </a:extLst>
+          </p:cNvPr>
+          <p:cNvSpPr txBox="1"/>
+          <p:nvPr/>
+        </p:nvSpPr>
+        <p:spPr>
+          <a:xfrm>
+            <a:off x="4134718" y="3779837"/>
+            <a:ext cx="1150786" cy="307777"/>
+          </a:xfrm>
+          <a:prstGeom prst="rect">
+            <a:avLst/>
+          </a:prstGeom>
+          <a:noFill/>
+        </p:spPr>
+        <p:txBody>
+          <a:bodyPr wrap="square" rtlCol="0">
+            <a:spAutoFit/>
+          </a:bodyPr>
+          <a:lstStyle/>
+          <a:p>
+            <a:r>
+              <a:rPr lang="ja-JP" altLang="en-US" sz="1400" dirty="0"/>
+              <a:t>ピッチ角度</a:t>
+            </a:r>
+          </a:p>
+        </p:txBody>
+      </p:sp>
+      <p:cxnSp>
+        <p:nvCxnSpPr>
+          <p:cNvPr id="7" name="Straight Connector 12">
+            <a:extLst>
+              <a:ext uri="{FF2B5EF4-FFF2-40B4-BE49-F238E27FC236}">
+                <a16:creationId xmlns:a16="http://schemas.microsoft.com/office/drawing/2014/main" id="{5C14E917-34A2-41DB-9B11-C286AC202853}"/>
+              </a:ext>
+            </a:extLst>
+          </p:cNvPr>
+          <p:cNvCxnSpPr>
+            <a:cxnSpLocks/>
+            <a:stCxn id="6" idx="2"/>
+          </p:cNvCxnSpPr>
+          <p:nvPr/>
+        </p:nvCxnSpPr>
+        <p:spPr>
+          <a:xfrm>
+            <a:off x="4710111" y="4087614"/>
+            <a:ext cx="330200" cy="509786"/>
+          </a:xfrm>
+          <a:prstGeom prst="line">
+            <a:avLst/>
+          </a:prstGeom>
+          <a:ln w="19050"/>
+        </p:spPr>
+        <p:style>
+          <a:lnRef idx="2">
+            <a:schemeClr val="accent1"/>
+          </a:lnRef>
+          <a:fillRef idx="0">
+            <a:schemeClr val="accent1"/>
+          </a:fillRef>
+          <a:effectRef idx="1">
+            <a:schemeClr val="accent1"/>
+          </a:effectRef>
+          <a:fontRef idx="minor">
+            <a:schemeClr val="tx1"/>
+          </a:fontRef>
+        </p:style>
+      </p:cxnSp>
+      <p:cxnSp>
+        <p:nvCxnSpPr>
+          <p:cNvPr id="10" name="Straight Connector 12">
+            <a:extLst>
+              <a:ext uri="{FF2B5EF4-FFF2-40B4-BE49-F238E27FC236}">
+                <a16:creationId xmlns:a16="http://schemas.microsoft.com/office/drawing/2014/main" id="{3AA7E28F-EB8A-4E46-80C4-6535B8CDB3CC}"/>
+              </a:ext>
+            </a:extLst>
+          </p:cNvPr>
+          <p:cNvCxnSpPr>
+            <a:cxnSpLocks/>
+            <a:endCxn id="4" idx="2"/>
+          </p:cNvCxnSpPr>
+          <p:nvPr/>
+        </p:nvCxnSpPr>
+        <p:spPr>
+          <a:xfrm flipV="1">
+            <a:off x="5757333" y="5813100"/>
+            <a:ext cx="286277" cy="441016"/>
+          </a:xfrm>
+          <a:prstGeom prst="line">
+            <a:avLst/>
+          </a:prstGeom>
+          <a:ln w="19050"/>
+        </p:spPr>
+        <p:style>
+          <a:lnRef idx="2">
+            <a:schemeClr val="accent1"/>
+          </a:lnRef>
+          <a:fillRef idx="0">
+            <a:schemeClr val="accent1"/>
+          </a:fillRef>
+          <a:effectRef idx="1">
+            <a:schemeClr val="accent1"/>
+          </a:effectRef>
+          <a:fontRef idx="minor">
+            <a:schemeClr val="tx1"/>
+          </a:fontRef>
+        </p:style>
+      </p:cxnSp>
     </p:spTree>
+    <p:extLst>
+      <p:ext uri="{BB962C8B-B14F-4D97-AF65-F5344CB8AC3E}">
+        <p14:creationId xmlns:p14="http://schemas.microsoft.com/office/powerpoint/2010/main" val="778867789"/>
+      </p:ext>
+    </p:extLst>
   </p:cSld>
   <p:clrMapOvr>
     <a:masterClrMapping/>
@@ -2059,7 +5878,233 @@
           <a:chExt cx="0" cy="0"/>
         </a:xfrm>
       </p:grpSpPr>
+      <p:pic>
+        <p:nvPicPr>
+          <p:cNvPr id="2" name="図 1">
+            <a:extLst>
+              <a:ext uri="{FF2B5EF4-FFF2-40B4-BE49-F238E27FC236}">
+                <a16:creationId xmlns:a16="http://schemas.microsoft.com/office/drawing/2014/main" id="{91E232C7-B911-4DA5-96F2-87E44ADB0290}"/>
+              </a:ext>
+            </a:extLst>
+          </p:cNvPr>
+          <p:cNvPicPr>
+            <a:picLocks noChangeAspect="1"/>
+          </p:cNvPicPr>
+          <p:nvPr/>
+        </p:nvPicPr>
+        <p:blipFill rotWithShape="1">
+          <a:blip r:embed="rId2"/>
+          <a:srcRect l="3226" t="13033" r="2737" b="20534"/>
+          <a:stretch/>
+        </p:blipFill>
+        <p:spPr>
+          <a:xfrm>
+            <a:off x="1253450" y="554056"/>
+            <a:ext cx="4021667" cy="1202266"/>
+          </a:xfrm>
+          <a:prstGeom prst="rect">
+            <a:avLst/>
+          </a:prstGeom>
+        </p:spPr>
+      </p:pic>
+      <p:pic>
+        <p:nvPicPr>
+          <p:cNvPr id="3" name="図 2">
+            <a:extLst>
+              <a:ext uri="{FF2B5EF4-FFF2-40B4-BE49-F238E27FC236}">
+                <a16:creationId xmlns:a16="http://schemas.microsoft.com/office/drawing/2014/main" id="{FC9364EC-CD72-49D0-9F6D-008267D40C00}"/>
+              </a:ext>
+            </a:extLst>
+          </p:cNvPr>
+          <p:cNvPicPr>
+            <a:picLocks noChangeAspect="1"/>
+          </p:cNvPicPr>
+          <p:nvPr/>
+        </p:nvPicPr>
+        <p:blipFill>
+          <a:blip r:embed="rId3"/>
+          <a:stretch>
+            <a:fillRect/>
+          </a:stretch>
+        </p:blipFill>
+        <p:spPr>
+          <a:xfrm>
+            <a:off x="1253450" y="1720095"/>
+            <a:ext cx="7573723" cy="5379908"/>
+          </a:xfrm>
+          <a:prstGeom prst="rect">
+            <a:avLst/>
+          </a:prstGeom>
+        </p:spPr>
+      </p:pic>
+      <p:sp>
+        <p:nvSpPr>
+          <p:cNvPr id="4" name="Text Box 9">
+            <a:extLst>
+              <a:ext uri="{FF2B5EF4-FFF2-40B4-BE49-F238E27FC236}">
+                <a16:creationId xmlns:a16="http://schemas.microsoft.com/office/drawing/2014/main" id="{EF8D9DFC-183A-4CDF-B065-B667C8D8FAD8}"/>
+              </a:ext>
+            </a:extLst>
+          </p:cNvPr>
+          <p:cNvSpPr txBox="1"/>
+          <p:nvPr/>
+        </p:nvSpPr>
+        <p:spPr>
+          <a:xfrm>
+            <a:off x="4887911" y="5239081"/>
+            <a:ext cx="1684866" cy="523220"/>
+          </a:xfrm>
+          <a:prstGeom prst="rect">
+            <a:avLst/>
+          </a:prstGeom>
+          <a:noFill/>
+        </p:spPr>
+        <p:txBody>
+          <a:bodyPr wrap="square" rtlCol="0">
+            <a:spAutoFit/>
+          </a:bodyPr>
+          <a:lstStyle/>
+          <a:p>
+            <a:r>
+              <a:rPr lang="en-US" sz="1400" dirty="0"/>
+              <a:t>elevator(</a:t>
+            </a:r>
+            <a:r>
+              <a:rPr lang="ja-JP" altLang="en-US" sz="1400" dirty="0"/>
+              <a:t>昇降舵</a:t>
+            </a:r>
+            <a:r>
+              <a:rPr lang="en-US" sz="1400" dirty="0"/>
+              <a:t>)</a:t>
+            </a:r>
+            <a:r>
+              <a:rPr lang="ja-JP" altLang="en-US" sz="1400" dirty="0"/>
+              <a:t>指令信号</a:t>
+            </a:r>
+          </a:p>
+        </p:txBody>
+      </p:sp>
+      <p:cxnSp>
+        <p:nvCxnSpPr>
+          <p:cNvPr id="5" name="Straight Connector 12">
+            <a:extLst>
+              <a:ext uri="{FF2B5EF4-FFF2-40B4-BE49-F238E27FC236}">
+                <a16:creationId xmlns:a16="http://schemas.microsoft.com/office/drawing/2014/main" id="{9F3D37C8-FA54-4F35-9EC9-76219BBBACA1}"/>
+              </a:ext>
+            </a:extLst>
+          </p:cNvPr>
+          <p:cNvCxnSpPr>
+            <a:cxnSpLocks/>
+            <a:endCxn id="4" idx="2"/>
+          </p:cNvCxnSpPr>
+          <p:nvPr/>
+        </p:nvCxnSpPr>
+        <p:spPr>
+          <a:xfrm flipV="1">
+            <a:off x="5503334" y="5762301"/>
+            <a:ext cx="227010" cy="587700"/>
+          </a:xfrm>
+          <a:prstGeom prst="line">
+            <a:avLst/>
+          </a:prstGeom>
+          <a:ln w="19050"/>
+        </p:spPr>
+        <p:style>
+          <a:lnRef idx="2">
+            <a:schemeClr val="accent1"/>
+          </a:lnRef>
+          <a:fillRef idx="0">
+            <a:schemeClr val="accent1"/>
+          </a:fillRef>
+          <a:effectRef idx="1">
+            <a:schemeClr val="accent1"/>
+          </a:effectRef>
+          <a:fontRef idx="minor">
+            <a:schemeClr val="tx1"/>
+          </a:fontRef>
+        </p:style>
+      </p:cxnSp>
+      <p:sp>
+        <p:nvSpPr>
+          <p:cNvPr id="7" name="Text Box 9">
+            <a:extLst>
+              <a:ext uri="{FF2B5EF4-FFF2-40B4-BE49-F238E27FC236}">
+                <a16:creationId xmlns:a16="http://schemas.microsoft.com/office/drawing/2014/main" id="{C622F454-80FB-49B8-94AF-84E6FD9C8026}"/>
+              </a:ext>
+            </a:extLst>
+          </p:cNvPr>
+          <p:cNvSpPr txBox="1"/>
+          <p:nvPr/>
+        </p:nvSpPr>
+        <p:spPr>
+          <a:xfrm>
+            <a:off x="4904844" y="2742680"/>
+            <a:ext cx="1684866" cy="307777"/>
+          </a:xfrm>
+          <a:prstGeom prst="rect">
+            <a:avLst/>
+          </a:prstGeom>
+          <a:noFill/>
+        </p:spPr>
+        <p:txBody>
+          <a:bodyPr wrap="square" rtlCol="0">
+            <a:spAutoFit/>
+          </a:bodyPr>
+          <a:lstStyle/>
+          <a:p>
+            <a:r>
+              <a:rPr lang="ja-JP" altLang="en-US" sz="1400" dirty="0"/>
+              <a:t>ピッチ角速度</a:t>
+            </a:r>
+          </a:p>
+        </p:txBody>
+      </p:sp>
+      <p:cxnSp>
+        <p:nvCxnSpPr>
+          <p:cNvPr id="8" name="Straight Connector 12">
+            <a:extLst>
+              <a:ext uri="{FF2B5EF4-FFF2-40B4-BE49-F238E27FC236}">
+                <a16:creationId xmlns:a16="http://schemas.microsoft.com/office/drawing/2014/main" id="{839A8EF7-E7A2-4DB6-9C34-B06BD847DD6B}"/>
+              </a:ext>
+            </a:extLst>
+          </p:cNvPr>
+          <p:cNvCxnSpPr>
+            <a:cxnSpLocks/>
+            <a:endCxn id="7" idx="2"/>
+          </p:cNvCxnSpPr>
+          <p:nvPr/>
+        </p:nvCxnSpPr>
+        <p:spPr>
+          <a:xfrm flipV="1">
+            <a:off x="5359400" y="3050457"/>
+            <a:ext cx="387877" cy="1098211"/>
+          </a:xfrm>
+          <a:prstGeom prst="line">
+            <a:avLst/>
+          </a:prstGeom>
+          <a:ln w="19050"/>
+        </p:spPr>
+        <p:style>
+          <a:lnRef idx="2">
+            <a:schemeClr val="accent1"/>
+          </a:lnRef>
+          <a:fillRef idx="0">
+            <a:schemeClr val="accent1"/>
+          </a:fillRef>
+          <a:effectRef idx="1">
+            <a:schemeClr val="accent1"/>
+          </a:effectRef>
+          <a:fontRef idx="minor">
+            <a:schemeClr val="tx1"/>
+          </a:fontRef>
+        </p:style>
+      </p:cxnSp>
     </p:spTree>
+    <p:extLst>
+      <p:ext uri="{BB962C8B-B14F-4D97-AF65-F5344CB8AC3E}">
+        <p14:creationId xmlns:p14="http://schemas.microsoft.com/office/powerpoint/2010/main" val="3753344542"/>
+      </p:ext>
+    </p:extLst>
   </p:cSld>
   <p:clrMapOvr>
     <a:masterClrMapping/>
@@ -2084,7 +6129,1250 @@
           <a:chExt cx="0" cy="0"/>
         </a:xfrm>
       </p:grpSpPr>
+      <p:pic>
+        <p:nvPicPr>
+          <p:cNvPr id="9" name="図 8">
+            <a:extLst>
+              <a:ext uri="{FF2B5EF4-FFF2-40B4-BE49-F238E27FC236}">
+                <a16:creationId xmlns:a16="http://schemas.microsoft.com/office/drawing/2014/main" id="{78867061-FC33-4637-AFAE-0CD14FA7C0C1}"/>
+              </a:ext>
+            </a:extLst>
+          </p:cNvPr>
+          <p:cNvPicPr>
+            <a:picLocks noChangeAspect="1"/>
+          </p:cNvPicPr>
+          <p:nvPr/>
+        </p:nvPicPr>
+        <p:blipFill>
+          <a:blip r:embed="rId2"/>
+          <a:stretch>
+            <a:fillRect/>
+          </a:stretch>
+        </p:blipFill>
+        <p:spPr>
+          <a:xfrm>
+            <a:off x="863981" y="1828201"/>
+            <a:ext cx="7573723" cy="5393409"/>
+          </a:xfrm>
+          <a:prstGeom prst="rect">
+            <a:avLst/>
+          </a:prstGeom>
+        </p:spPr>
+      </p:pic>
+      <p:pic>
+        <p:nvPicPr>
+          <p:cNvPr id="2" name="図 1">
+            <a:extLst>
+              <a:ext uri="{FF2B5EF4-FFF2-40B4-BE49-F238E27FC236}">
+                <a16:creationId xmlns:a16="http://schemas.microsoft.com/office/drawing/2014/main" id="{7DEA2858-A9EF-4936-833B-F1C9DE651DBB}"/>
+              </a:ext>
+            </a:extLst>
+          </p:cNvPr>
+          <p:cNvPicPr>
+            <a:picLocks noChangeAspect="1"/>
+          </p:cNvPicPr>
+          <p:nvPr/>
+        </p:nvPicPr>
+        <p:blipFill rotWithShape="1">
+          <a:blip r:embed="rId3"/>
+          <a:srcRect l="2773" b="28632"/>
+          <a:stretch/>
+        </p:blipFill>
+        <p:spPr>
+          <a:xfrm>
+            <a:off x="1041399" y="741249"/>
+            <a:ext cx="4275907" cy="1146818"/>
+          </a:xfrm>
+          <a:prstGeom prst="rect">
+            <a:avLst/>
+          </a:prstGeom>
+        </p:spPr>
+      </p:pic>
+      <p:sp>
+        <p:nvSpPr>
+          <p:cNvPr id="4" name="Text Box 9">
+            <a:extLst>
+              <a:ext uri="{FF2B5EF4-FFF2-40B4-BE49-F238E27FC236}">
+                <a16:creationId xmlns:a16="http://schemas.microsoft.com/office/drawing/2014/main" id="{291E0AA1-7583-4E88-9B29-12F11518B3C0}"/>
+              </a:ext>
+            </a:extLst>
+          </p:cNvPr>
+          <p:cNvSpPr txBox="1"/>
+          <p:nvPr/>
+        </p:nvSpPr>
+        <p:spPr>
+          <a:xfrm>
+            <a:off x="1041399" y="587360"/>
+            <a:ext cx="1803401" cy="307777"/>
+          </a:xfrm>
+          <a:prstGeom prst="rect">
+            <a:avLst/>
+          </a:prstGeom>
+          <a:noFill/>
+        </p:spPr>
+        <p:txBody>
+          <a:bodyPr wrap="square" rtlCol="0">
+            <a:spAutoFit/>
+          </a:bodyPr>
+          <a:lstStyle/>
+          <a:p>
+            <a:r>
+              <a:rPr lang="ja-JP" altLang="en-US" sz="1400" dirty="0"/>
+              <a:t>パルス状の指令信号</a:t>
+            </a:r>
+          </a:p>
+        </p:txBody>
+      </p:sp>
+      <p:sp>
+        <p:nvSpPr>
+          <p:cNvPr id="5" name="Text Box 9">
+            <a:extLst>
+              <a:ext uri="{FF2B5EF4-FFF2-40B4-BE49-F238E27FC236}">
+                <a16:creationId xmlns:a16="http://schemas.microsoft.com/office/drawing/2014/main" id="{5392EAFC-8283-4762-A62B-2E3DE0F15235}"/>
+              </a:ext>
+            </a:extLst>
+          </p:cNvPr>
+          <p:cNvSpPr txBox="1"/>
+          <p:nvPr/>
+        </p:nvSpPr>
+        <p:spPr>
+          <a:xfrm>
+            <a:off x="4837111" y="5772480"/>
+            <a:ext cx="1684866" cy="523220"/>
+          </a:xfrm>
+          <a:prstGeom prst="rect">
+            <a:avLst/>
+          </a:prstGeom>
+          <a:noFill/>
+        </p:spPr>
+        <p:txBody>
+          <a:bodyPr wrap="square" rtlCol="0">
+            <a:spAutoFit/>
+          </a:bodyPr>
+          <a:lstStyle/>
+          <a:p>
+            <a:r>
+              <a:rPr lang="en-US" sz="1400" dirty="0"/>
+              <a:t>elevator(</a:t>
+            </a:r>
+            <a:r>
+              <a:rPr lang="ja-JP" altLang="en-US" sz="1400" dirty="0"/>
+              <a:t>昇降舵</a:t>
+            </a:r>
+            <a:r>
+              <a:rPr lang="en-US" sz="1400" dirty="0"/>
+              <a:t>)</a:t>
+            </a:r>
+            <a:r>
+              <a:rPr lang="ja-JP" altLang="en-US" sz="1400" dirty="0"/>
+              <a:t>指令信号</a:t>
+            </a:r>
+          </a:p>
+        </p:txBody>
+      </p:sp>
+      <p:cxnSp>
+        <p:nvCxnSpPr>
+          <p:cNvPr id="6" name="Straight Connector 12">
+            <a:extLst>
+              <a:ext uri="{FF2B5EF4-FFF2-40B4-BE49-F238E27FC236}">
+                <a16:creationId xmlns:a16="http://schemas.microsoft.com/office/drawing/2014/main" id="{8EA5B0C4-BF6B-41AC-859D-A160CBB908F3}"/>
+              </a:ext>
+            </a:extLst>
+          </p:cNvPr>
+          <p:cNvCxnSpPr>
+            <a:cxnSpLocks/>
+            <a:endCxn id="5" idx="1"/>
+          </p:cNvCxnSpPr>
+          <p:nvPr/>
+        </p:nvCxnSpPr>
+        <p:spPr>
+          <a:xfrm>
+            <a:off x="4377267" y="5579532"/>
+            <a:ext cx="459844" cy="454558"/>
+          </a:xfrm>
+          <a:prstGeom prst="line">
+            <a:avLst/>
+          </a:prstGeom>
+          <a:ln w="19050"/>
+        </p:spPr>
+        <p:style>
+          <a:lnRef idx="2">
+            <a:schemeClr val="accent1"/>
+          </a:lnRef>
+          <a:fillRef idx="0">
+            <a:schemeClr val="accent1"/>
+          </a:fillRef>
+          <a:effectRef idx="1">
+            <a:schemeClr val="accent1"/>
+          </a:effectRef>
+          <a:fontRef idx="minor">
+            <a:schemeClr val="tx1"/>
+          </a:fontRef>
+        </p:style>
+      </p:cxnSp>
+      <p:sp>
+        <p:nvSpPr>
+          <p:cNvPr id="10" name="Text Box 9">
+            <a:extLst>
+              <a:ext uri="{FF2B5EF4-FFF2-40B4-BE49-F238E27FC236}">
+                <a16:creationId xmlns:a16="http://schemas.microsoft.com/office/drawing/2014/main" id="{F894DC7C-8CAB-4B6B-9381-81B3602AFF01}"/>
+              </a:ext>
+            </a:extLst>
+          </p:cNvPr>
+          <p:cNvSpPr txBox="1"/>
+          <p:nvPr/>
+        </p:nvSpPr>
+        <p:spPr>
+          <a:xfrm>
+            <a:off x="4517228" y="3983696"/>
+            <a:ext cx="1046169" cy="307777"/>
+          </a:xfrm>
+          <a:prstGeom prst="rect">
+            <a:avLst/>
+          </a:prstGeom>
+          <a:noFill/>
+        </p:spPr>
+        <p:txBody>
+          <a:bodyPr wrap="square" rtlCol="0">
+            <a:spAutoFit/>
+          </a:bodyPr>
+          <a:lstStyle/>
+          <a:p>
+            <a:r>
+              <a:rPr lang="ja-JP" altLang="en-US" sz="1400" dirty="0"/>
+              <a:t>ピッチ角</a:t>
+            </a:r>
+          </a:p>
+        </p:txBody>
+      </p:sp>
+      <p:cxnSp>
+        <p:nvCxnSpPr>
+          <p:cNvPr id="11" name="Straight Connector 12">
+            <a:extLst>
+              <a:ext uri="{FF2B5EF4-FFF2-40B4-BE49-F238E27FC236}">
+                <a16:creationId xmlns:a16="http://schemas.microsoft.com/office/drawing/2014/main" id="{4164B6F3-CEEA-4F02-82E5-DEA1092BA0A9}"/>
+              </a:ext>
+            </a:extLst>
+          </p:cNvPr>
+          <p:cNvCxnSpPr>
+            <a:cxnSpLocks/>
+            <a:endCxn id="10" idx="0"/>
+          </p:cNvCxnSpPr>
+          <p:nvPr/>
+        </p:nvCxnSpPr>
+        <p:spPr>
+          <a:xfrm>
+            <a:off x="4837111" y="3212151"/>
+            <a:ext cx="203202" cy="771545"/>
+          </a:xfrm>
+          <a:prstGeom prst="line">
+            <a:avLst/>
+          </a:prstGeom>
+          <a:ln w="19050"/>
+        </p:spPr>
+        <p:style>
+          <a:lnRef idx="2">
+            <a:schemeClr val="accent1"/>
+          </a:lnRef>
+          <a:fillRef idx="0">
+            <a:schemeClr val="accent1"/>
+          </a:fillRef>
+          <a:effectRef idx="1">
+            <a:schemeClr val="accent1"/>
+          </a:effectRef>
+          <a:fontRef idx="minor">
+            <a:schemeClr val="tx1"/>
+          </a:fontRef>
+        </p:style>
+      </p:cxnSp>
     </p:spTree>
+    <p:extLst>
+      <p:ext uri="{BB962C8B-B14F-4D97-AF65-F5344CB8AC3E}">
+        <p14:creationId xmlns:p14="http://schemas.microsoft.com/office/powerpoint/2010/main" val="525765438"/>
+      </p:ext>
+    </p:extLst>
+  </p:cSld>
+  <p:clrMapOvr>
+    <a:masterClrMapping/>
+  </p:clrMapOvr>
+</p:sld>
+</file>
+
+<file path=ppt/slides/slide7.xml><?xml version="1.0" encoding="utf-8"?>
+<p:sld xmlns:a="http://schemas.openxmlformats.org/drawingml/2006/main" xmlns:r="http://schemas.openxmlformats.org/officeDocument/2006/relationships" xmlns:p="http://schemas.openxmlformats.org/presentationml/2006/main">
+  <p:cSld>
+    <p:spTree>
+      <p:nvGrpSpPr>
+        <p:cNvPr id="1" name=""/>
+        <p:cNvGrpSpPr/>
+        <p:nvPr/>
+      </p:nvGrpSpPr>
+      <p:grpSpPr>
+        <a:xfrm>
+          <a:off x="0" y="0"/>
+          <a:ext cx="0" cy="0"/>
+          <a:chOff x="0" y="0"/>
+          <a:chExt cx="0" cy="0"/>
+        </a:xfrm>
+      </p:grpSpPr>
+      <p:pic>
+        <p:nvPicPr>
+          <p:cNvPr id="2" name="図 1">
+            <a:extLst>
+              <a:ext uri="{FF2B5EF4-FFF2-40B4-BE49-F238E27FC236}">
+                <a16:creationId xmlns:a16="http://schemas.microsoft.com/office/drawing/2014/main" id="{57AC2E26-87B1-4580-B6A2-D1548A09CB4E}"/>
+              </a:ext>
+            </a:extLst>
+          </p:cNvPr>
+          <p:cNvPicPr>
+            <a:picLocks noChangeAspect="1"/>
+          </p:cNvPicPr>
+          <p:nvPr/>
+        </p:nvPicPr>
+        <p:blipFill rotWithShape="1">
+          <a:blip r:embed="rId2"/>
+          <a:srcRect l="2773" b="28632"/>
+          <a:stretch/>
+        </p:blipFill>
+        <p:spPr>
+          <a:xfrm>
+            <a:off x="1041399" y="741249"/>
+            <a:ext cx="4275907" cy="1146818"/>
+          </a:xfrm>
+          <a:prstGeom prst="rect">
+            <a:avLst/>
+          </a:prstGeom>
+        </p:spPr>
+      </p:pic>
+      <p:sp>
+        <p:nvSpPr>
+          <p:cNvPr id="3" name="Text Box 9">
+            <a:extLst>
+              <a:ext uri="{FF2B5EF4-FFF2-40B4-BE49-F238E27FC236}">
+                <a16:creationId xmlns:a16="http://schemas.microsoft.com/office/drawing/2014/main" id="{2C3FBE71-BC07-4B44-9666-72844ACCC085}"/>
+              </a:ext>
+            </a:extLst>
+          </p:cNvPr>
+          <p:cNvSpPr txBox="1"/>
+          <p:nvPr/>
+        </p:nvSpPr>
+        <p:spPr>
+          <a:xfrm>
+            <a:off x="1041399" y="587360"/>
+            <a:ext cx="1803401" cy="307777"/>
+          </a:xfrm>
+          <a:prstGeom prst="rect">
+            <a:avLst/>
+          </a:prstGeom>
+          <a:noFill/>
+        </p:spPr>
+        <p:txBody>
+          <a:bodyPr wrap="square" rtlCol="0">
+            <a:spAutoFit/>
+          </a:bodyPr>
+          <a:lstStyle/>
+          <a:p>
+            <a:r>
+              <a:rPr lang="ja-JP" altLang="en-US" sz="1400" dirty="0"/>
+              <a:t>パルス状の指令信号</a:t>
+            </a:r>
+          </a:p>
+        </p:txBody>
+      </p:sp>
+      <p:pic>
+        <p:nvPicPr>
+          <p:cNvPr id="4" name="図 3">
+            <a:extLst>
+              <a:ext uri="{FF2B5EF4-FFF2-40B4-BE49-F238E27FC236}">
+                <a16:creationId xmlns:a16="http://schemas.microsoft.com/office/drawing/2014/main" id="{2CE1C6E9-DA74-494A-9136-24D55C46575A}"/>
+              </a:ext>
+            </a:extLst>
+          </p:cNvPr>
+          <p:cNvPicPr>
+            <a:picLocks noChangeAspect="1"/>
+          </p:cNvPicPr>
+          <p:nvPr/>
+        </p:nvPicPr>
+        <p:blipFill>
+          <a:blip r:embed="rId3"/>
+          <a:stretch>
+            <a:fillRect/>
+          </a:stretch>
+        </p:blipFill>
+        <p:spPr>
+          <a:xfrm>
+            <a:off x="1041399" y="1888067"/>
+            <a:ext cx="7573723" cy="5391464"/>
+          </a:xfrm>
+          <a:prstGeom prst="rect">
+            <a:avLst/>
+          </a:prstGeom>
+        </p:spPr>
+      </p:pic>
+      <p:sp>
+        <p:nvSpPr>
+          <p:cNvPr id="7" name="Text Box 9">
+            <a:extLst>
+              <a:ext uri="{FF2B5EF4-FFF2-40B4-BE49-F238E27FC236}">
+                <a16:creationId xmlns:a16="http://schemas.microsoft.com/office/drawing/2014/main" id="{6569165F-B1A4-4507-9454-D209807A3DCA}"/>
+              </a:ext>
+            </a:extLst>
+          </p:cNvPr>
+          <p:cNvSpPr txBox="1"/>
+          <p:nvPr/>
+        </p:nvSpPr>
+        <p:spPr>
+          <a:xfrm>
+            <a:off x="3778648" y="2727108"/>
+            <a:ext cx="1392451" cy="307777"/>
+          </a:xfrm>
+          <a:prstGeom prst="rect">
+            <a:avLst/>
+          </a:prstGeom>
+          <a:noFill/>
+        </p:spPr>
+        <p:txBody>
+          <a:bodyPr wrap="square" rtlCol="0">
+            <a:spAutoFit/>
+          </a:bodyPr>
+          <a:lstStyle/>
+          <a:p>
+            <a:r>
+              <a:rPr lang="ja-JP" altLang="en-US" sz="1400" dirty="0"/>
+              <a:t>ピッチ角速度</a:t>
+            </a:r>
+          </a:p>
+        </p:txBody>
+      </p:sp>
+      <p:cxnSp>
+        <p:nvCxnSpPr>
+          <p:cNvPr id="8" name="Straight Connector 12">
+            <a:extLst>
+              <a:ext uri="{FF2B5EF4-FFF2-40B4-BE49-F238E27FC236}">
+                <a16:creationId xmlns:a16="http://schemas.microsoft.com/office/drawing/2014/main" id="{94C98B88-05EB-4004-A4B0-AB3F91DDDE39}"/>
+              </a:ext>
+            </a:extLst>
+          </p:cNvPr>
+          <p:cNvCxnSpPr>
+            <a:cxnSpLocks/>
+            <a:endCxn id="7" idx="2"/>
+          </p:cNvCxnSpPr>
+          <p:nvPr/>
+        </p:nvCxnSpPr>
+        <p:spPr>
+          <a:xfrm flipV="1">
+            <a:off x="4086996" y="3034885"/>
+            <a:ext cx="387878" cy="1098212"/>
+          </a:xfrm>
+          <a:prstGeom prst="line">
+            <a:avLst/>
+          </a:prstGeom>
+          <a:ln w="19050"/>
+        </p:spPr>
+        <p:style>
+          <a:lnRef idx="2">
+            <a:schemeClr val="accent1"/>
+          </a:lnRef>
+          <a:fillRef idx="0">
+            <a:schemeClr val="accent1"/>
+          </a:fillRef>
+          <a:effectRef idx="1">
+            <a:schemeClr val="accent1"/>
+          </a:effectRef>
+          <a:fontRef idx="minor">
+            <a:schemeClr val="tx1"/>
+          </a:fontRef>
+        </p:style>
+      </p:cxnSp>
+      <p:sp>
+        <p:nvSpPr>
+          <p:cNvPr id="9" name="Text Box 9">
+            <a:extLst>
+              <a:ext uri="{FF2B5EF4-FFF2-40B4-BE49-F238E27FC236}">
+                <a16:creationId xmlns:a16="http://schemas.microsoft.com/office/drawing/2014/main" id="{CA1FAD9C-4F1C-4DFB-919A-CF5C115CFE77}"/>
+              </a:ext>
+            </a:extLst>
+          </p:cNvPr>
+          <p:cNvSpPr txBox="1"/>
+          <p:nvPr/>
+        </p:nvSpPr>
+        <p:spPr>
+          <a:xfrm>
+            <a:off x="5074180" y="6221213"/>
+            <a:ext cx="1684866" cy="523220"/>
+          </a:xfrm>
+          <a:prstGeom prst="rect">
+            <a:avLst/>
+          </a:prstGeom>
+          <a:noFill/>
+        </p:spPr>
+        <p:txBody>
+          <a:bodyPr wrap="square" rtlCol="0">
+            <a:spAutoFit/>
+          </a:bodyPr>
+          <a:lstStyle/>
+          <a:p>
+            <a:r>
+              <a:rPr lang="en-US" sz="1400" dirty="0"/>
+              <a:t>elevator(</a:t>
+            </a:r>
+            <a:r>
+              <a:rPr lang="ja-JP" altLang="en-US" sz="1400" dirty="0"/>
+              <a:t>昇降舵</a:t>
+            </a:r>
+            <a:r>
+              <a:rPr lang="en-US" sz="1400" dirty="0"/>
+              <a:t>)</a:t>
+            </a:r>
+            <a:r>
+              <a:rPr lang="ja-JP" altLang="en-US" sz="1400" dirty="0"/>
+              <a:t>指令信号</a:t>
+            </a:r>
+          </a:p>
+        </p:txBody>
+      </p:sp>
+      <p:cxnSp>
+        <p:nvCxnSpPr>
+          <p:cNvPr id="10" name="Straight Connector 12">
+            <a:extLst>
+              <a:ext uri="{FF2B5EF4-FFF2-40B4-BE49-F238E27FC236}">
+                <a16:creationId xmlns:a16="http://schemas.microsoft.com/office/drawing/2014/main" id="{58241A54-510B-420A-9F4F-8D13225F759F}"/>
+              </a:ext>
+            </a:extLst>
+          </p:cNvPr>
+          <p:cNvCxnSpPr>
+            <a:cxnSpLocks/>
+            <a:endCxn id="9" idx="1"/>
+          </p:cNvCxnSpPr>
+          <p:nvPr/>
+        </p:nvCxnSpPr>
+        <p:spPr>
+          <a:xfrm>
+            <a:off x="4508742" y="6282267"/>
+            <a:ext cx="565438" cy="200556"/>
+          </a:xfrm>
+          <a:prstGeom prst="line">
+            <a:avLst/>
+          </a:prstGeom>
+          <a:ln w="19050"/>
+        </p:spPr>
+        <p:style>
+          <a:lnRef idx="2">
+            <a:schemeClr val="accent1"/>
+          </a:lnRef>
+          <a:fillRef idx="0">
+            <a:schemeClr val="accent1"/>
+          </a:fillRef>
+          <a:effectRef idx="1">
+            <a:schemeClr val="accent1"/>
+          </a:effectRef>
+          <a:fontRef idx="minor">
+            <a:schemeClr val="tx1"/>
+          </a:fontRef>
+        </p:style>
+      </p:cxnSp>
+    </p:spTree>
+    <p:extLst>
+      <p:ext uri="{BB962C8B-B14F-4D97-AF65-F5344CB8AC3E}">
+        <p14:creationId xmlns:p14="http://schemas.microsoft.com/office/powerpoint/2010/main" val="1385826245"/>
+      </p:ext>
+    </p:extLst>
+  </p:cSld>
+  <p:clrMapOvr>
+    <a:masterClrMapping/>
+  </p:clrMapOvr>
+</p:sld>
+</file>
+
+<file path=ppt/slides/slide8.xml><?xml version="1.0" encoding="utf-8"?>
+<p:sld xmlns:a="http://schemas.openxmlformats.org/drawingml/2006/main" xmlns:r="http://schemas.openxmlformats.org/officeDocument/2006/relationships" xmlns:p="http://schemas.openxmlformats.org/presentationml/2006/main">
+  <p:cSld>
+    <p:spTree>
+      <p:nvGrpSpPr>
+        <p:cNvPr id="1" name=""/>
+        <p:cNvGrpSpPr/>
+        <p:nvPr/>
+      </p:nvGrpSpPr>
+      <p:grpSpPr>
+        <a:xfrm>
+          <a:off x="0" y="0"/>
+          <a:ext cx="0" cy="0"/>
+          <a:chOff x="0" y="0"/>
+          <a:chExt cx="0" cy="0"/>
+        </a:xfrm>
+      </p:grpSpPr>
+      <p:pic>
+        <p:nvPicPr>
+          <p:cNvPr id="2" name="図 1">
+            <a:extLst>
+              <a:ext uri="{FF2B5EF4-FFF2-40B4-BE49-F238E27FC236}">
+                <a16:creationId xmlns:a16="http://schemas.microsoft.com/office/drawing/2014/main" id="{7D1CA620-6F25-4F45-A302-8C0C71816287}"/>
+              </a:ext>
+            </a:extLst>
+          </p:cNvPr>
+          <p:cNvPicPr>
+            <a:picLocks noChangeAspect="1"/>
+          </p:cNvPicPr>
+          <p:nvPr/>
+        </p:nvPicPr>
+        <p:blipFill rotWithShape="1">
+          <a:blip r:embed="rId2"/>
+          <a:srcRect l="836" r="2573"/>
+          <a:stretch/>
+        </p:blipFill>
+        <p:spPr>
+          <a:xfrm>
+            <a:off x="338666" y="1579562"/>
+            <a:ext cx="9237133" cy="4400550"/>
+          </a:xfrm>
+          <a:prstGeom prst="rect">
+            <a:avLst/>
+          </a:prstGeom>
+        </p:spPr>
+      </p:pic>
+      <p:sp>
+        <p:nvSpPr>
+          <p:cNvPr id="3" name="Text Box 9">
+            <a:extLst>
+              <a:ext uri="{FF2B5EF4-FFF2-40B4-BE49-F238E27FC236}">
+                <a16:creationId xmlns:a16="http://schemas.microsoft.com/office/drawing/2014/main" id="{25098E9B-7007-4B50-942F-6D4D23726220}"/>
+              </a:ext>
+            </a:extLst>
+          </p:cNvPr>
+          <p:cNvSpPr txBox="1"/>
+          <p:nvPr/>
+        </p:nvSpPr>
+        <p:spPr>
+          <a:xfrm>
+            <a:off x="151634" y="1343776"/>
+            <a:ext cx="1054791" cy="545247"/>
+          </a:xfrm>
+          <a:prstGeom prst="rect">
+            <a:avLst/>
+          </a:prstGeom>
+          <a:noFill/>
+        </p:spPr>
+        <p:txBody>
+          <a:bodyPr wrap="square" rtlCol="0">
+            <a:spAutoFit/>
+          </a:bodyPr>
+          <a:lstStyle/>
+          <a:p>
+            <a:r>
+              <a:rPr lang="ja-JP" altLang="en-US" sz="1400" dirty="0"/>
+              <a:t>ピッチ角目標値</a:t>
+            </a:r>
+          </a:p>
+        </p:txBody>
+      </p:sp>
+      <p:sp>
+        <p:nvSpPr>
+          <p:cNvPr id="4" name="正方形/長方形 3">
+            <a:extLst>
+              <a:ext uri="{FF2B5EF4-FFF2-40B4-BE49-F238E27FC236}">
+                <a16:creationId xmlns:a16="http://schemas.microsoft.com/office/drawing/2014/main" id="{384A53EE-6DEE-4D50-8047-D082111FF7D8}"/>
+              </a:ext>
+            </a:extLst>
+          </p:cNvPr>
+          <p:cNvSpPr/>
+          <p:nvPr/>
+        </p:nvSpPr>
+        <p:spPr>
+          <a:xfrm>
+            <a:off x="1617133" y="1693332"/>
+            <a:ext cx="4944534" cy="4114801"/>
+          </a:xfrm>
+          <a:prstGeom prst="rect">
+            <a:avLst/>
+          </a:prstGeom>
+          <a:noFill/>
+          <a:ln>
+            <a:solidFill>
+              <a:srgbClr val="FF0000"/>
+            </a:solidFill>
+            <a:prstDash val="dash"/>
+          </a:ln>
+        </p:spPr>
+        <p:style>
+          <a:lnRef idx="2">
+            <a:schemeClr val="accent1">
+              <a:shade val="50000"/>
+            </a:schemeClr>
+          </a:lnRef>
+          <a:fillRef idx="1">
+            <a:schemeClr val="accent1"/>
+          </a:fillRef>
+          <a:effectRef idx="0">
+            <a:schemeClr val="accent1"/>
+          </a:effectRef>
+          <a:fontRef idx="minor">
+            <a:schemeClr val="lt1"/>
+          </a:fontRef>
+        </p:style>
+        <p:txBody>
+          <a:bodyPr rtlCol="0" anchor="ctr"/>
+          <a:lstStyle/>
+          <a:p>
+            <a:pPr algn="ctr"/>
+            <a:endParaRPr kumimoji="1" lang="ja-JP" altLang="en-US"/>
+          </a:p>
+        </p:txBody>
+      </p:sp>
+      <p:sp>
+        <p:nvSpPr>
+          <p:cNvPr id="5" name="Text Box 9">
+            <a:extLst>
+              <a:ext uri="{FF2B5EF4-FFF2-40B4-BE49-F238E27FC236}">
+                <a16:creationId xmlns:a16="http://schemas.microsoft.com/office/drawing/2014/main" id="{32C8F347-856E-41DE-A449-4697F9CB08E1}"/>
+              </a:ext>
+            </a:extLst>
+          </p:cNvPr>
+          <p:cNvSpPr txBox="1"/>
+          <p:nvPr/>
+        </p:nvSpPr>
+        <p:spPr>
+          <a:xfrm>
+            <a:off x="1718733" y="1018351"/>
+            <a:ext cx="3352800" cy="523220"/>
+          </a:xfrm>
+          <a:prstGeom prst="rect">
+            <a:avLst/>
+          </a:prstGeom>
+          <a:noFill/>
+        </p:spPr>
+        <p:txBody>
+          <a:bodyPr wrap="square" rtlCol="0">
+            <a:spAutoFit/>
+          </a:bodyPr>
+          <a:lstStyle/>
+          <a:p>
+            <a:r>
+              <a:rPr lang="ja-JP" altLang="en-US" sz="1400" dirty="0"/>
+              <a:t>人間の介入による</a:t>
+            </a:r>
+            <a:r>
+              <a:rPr lang="en-US" altLang="ja-JP" sz="1400" dirty="0"/>
+              <a:t>elevator</a:t>
+            </a:r>
+            <a:r>
+              <a:rPr lang="ja-JP" altLang="en-US" sz="1400" dirty="0"/>
+              <a:t>司令値操作：</a:t>
+            </a:r>
+            <a:endParaRPr lang="en-US" altLang="ja-JP" sz="1400" dirty="0"/>
+          </a:p>
+          <a:p>
+            <a:r>
+              <a:rPr lang="ja-JP" altLang="en-US" sz="1400" dirty="0"/>
+              <a:t>ピッチ角フィードバック制御</a:t>
+            </a:r>
+            <a:endParaRPr lang="en-US" altLang="ja-JP" sz="1400" dirty="0"/>
+          </a:p>
+        </p:txBody>
+      </p:sp>
+      <p:sp>
+        <p:nvSpPr>
+          <p:cNvPr id="6" name="Text Box 9">
+            <a:extLst>
+              <a:ext uri="{FF2B5EF4-FFF2-40B4-BE49-F238E27FC236}">
+                <a16:creationId xmlns:a16="http://schemas.microsoft.com/office/drawing/2014/main" id="{449352DE-2AF8-4D24-B5C5-F508635B65E9}"/>
+              </a:ext>
+            </a:extLst>
+          </p:cNvPr>
+          <p:cNvSpPr txBox="1"/>
+          <p:nvPr/>
+        </p:nvSpPr>
+        <p:spPr>
+          <a:xfrm>
+            <a:off x="7167110" y="3907043"/>
+            <a:ext cx="1646692" cy="738664"/>
+          </a:xfrm>
+          <a:prstGeom prst="rect">
+            <a:avLst/>
+          </a:prstGeom>
+          <a:noFill/>
+        </p:spPr>
+        <p:txBody>
+          <a:bodyPr wrap="square" rtlCol="0">
+            <a:spAutoFit/>
+          </a:bodyPr>
+          <a:lstStyle/>
+          <a:p>
+            <a:r>
+              <a:rPr lang="ja-JP" altLang="en-US" sz="1400" dirty="0"/>
+              <a:t>ゲインは適当に設定して値を変えてみる</a:t>
+            </a:r>
+          </a:p>
+        </p:txBody>
+      </p:sp>
+      <p:cxnSp>
+        <p:nvCxnSpPr>
+          <p:cNvPr id="7" name="Straight Connector 12">
+            <a:extLst>
+              <a:ext uri="{FF2B5EF4-FFF2-40B4-BE49-F238E27FC236}">
+                <a16:creationId xmlns:a16="http://schemas.microsoft.com/office/drawing/2014/main" id="{16CDCDDB-A46D-49BB-BD46-60BE51C3EF98}"/>
+              </a:ext>
+            </a:extLst>
+          </p:cNvPr>
+          <p:cNvCxnSpPr>
+            <a:cxnSpLocks/>
+            <a:endCxn id="6" idx="1"/>
+          </p:cNvCxnSpPr>
+          <p:nvPr/>
+        </p:nvCxnSpPr>
+        <p:spPr>
+          <a:xfrm>
+            <a:off x="4436536" y="2819400"/>
+            <a:ext cx="2730574" cy="1456975"/>
+          </a:xfrm>
+          <a:prstGeom prst="line">
+            <a:avLst/>
+          </a:prstGeom>
+          <a:ln w="19050">
+            <a:solidFill>
+              <a:srgbClr val="FF0000"/>
+            </a:solidFill>
+          </a:ln>
+        </p:spPr>
+        <p:style>
+          <a:lnRef idx="2">
+            <a:schemeClr val="accent1"/>
+          </a:lnRef>
+          <a:fillRef idx="0">
+            <a:schemeClr val="accent1"/>
+          </a:fillRef>
+          <a:effectRef idx="1">
+            <a:schemeClr val="accent1"/>
+          </a:effectRef>
+          <a:fontRef idx="minor">
+            <a:schemeClr val="tx1"/>
+          </a:fontRef>
+        </p:style>
+      </p:cxnSp>
+      <p:cxnSp>
+        <p:nvCxnSpPr>
+          <p:cNvPr id="13" name="Straight Connector 12">
+            <a:extLst>
+              <a:ext uri="{FF2B5EF4-FFF2-40B4-BE49-F238E27FC236}">
+                <a16:creationId xmlns:a16="http://schemas.microsoft.com/office/drawing/2014/main" id="{6070306E-23F4-4798-AEF6-86B11FF59E42}"/>
+              </a:ext>
+            </a:extLst>
+          </p:cNvPr>
+          <p:cNvCxnSpPr>
+            <a:cxnSpLocks/>
+            <a:endCxn id="6" idx="1"/>
+          </p:cNvCxnSpPr>
+          <p:nvPr/>
+        </p:nvCxnSpPr>
+        <p:spPr>
+          <a:xfrm>
+            <a:off x="4436536" y="4089400"/>
+            <a:ext cx="2730574" cy="186975"/>
+          </a:xfrm>
+          <a:prstGeom prst="line">
+            <a:avLst/>
+          </a:prstGeom>
+          <a:ln w="19050">
+            <a:solidFill>
+              <a:srgbClr val="FF0000"/>
+            </a:solidFill>
+          </a:ln>
+        </p:spPr>
+        <p:style>
+          <a:lnRef idx="2">
+            <a:schemeClr val="accent1"/>
+          </a:lnRef>
+          <a:fillRef idx="0">
+            <a:schemeClr val="accent1"/>
+          </a:fillRef>
+          <a:effectRef idx="1">
+            <a:schemeClr val="accent1"/>
+          </a:effectRef>
+          <a:fontRef idx="minor">
+            <a:schemeClr val="tx1"/>
+          </a:fontRef>
+        </p:style>
+      </p:cxnSp>
+      <p:cxnSp>
+        <p:nvCxnSpPr>
+          <p:cNvPr id="16" name="Straight Connector 12">
+            <a:extLst>
+              <a:ext uri="{FF2B5EF4-FFF2-40B4-BE49-F238E27FC236}">
+                <a16:creationId xmlns:a16="http://schemas.microsoft.com/office/drawing/2014/main" id="{362CBF1C-CDE0-445B-9D1D-E2BD9393FD64}"/>
+              </a:ext>
+            </a:extLst>
+          </p:cNvPr>
+          <p:cNvCxnSpPr>
+            <a:cxnSpLocks/>
+            <a:endCxn id="6" idx="1"/>
+          </p:cNvCxnSpPr>
+          <p:nvPr/>
+        </p:nvCxnSpPr>
+        <p:spPr>
+          <a:xfrm flipV="1">
+            <a:off x="4436536" y="4276375"/>
+            <a:ext cx="2730574" cy="1032225"/>
+          </a:xfrm>
+          <a:prstGeom prst="line">
+            <a:avLst/>
+          </a:prstGeom>
+          <a:ln w="19050">
+            <a:solidFill>
+              <a:srgbClr val="FF0000"/>
+            </a:solidFill>
+          </a:ln>
+        </p:spPr>
+        <p:style>
+          <a:lnRef idx="2">
+            <a:schemeClr val="accent1"/>
+          </a:lnRef>
+          <a:fillRef idx="0">
+            <a:schemeClr val="accent1"/>
+          </a:fillRef>
+          <a:effectRef idx="1">
+            <a:schemeClr val="accent1"/>
+          </a:effectRef>
+          <a:fontRef idx="minor">
+            <a:schemeClr val="tx1"/>
+          </a:fontRef>
+        </p:style>
+      </p:cxnSp>
+    </p:spTree>
+    <p:extLst>
+      <p:ext uri="{BB962C8B-B14F-4D97-AF65-F5344CB8AC3E}">
+        <p14:creationId xmlns:p14="http://schemas.microsoft.com/office/powerpoint/2010/main" val="299069594"/>
+      </p:ext>
+    </p:extLst>
+  </p:cSld>
+  <p:clrMapOvr>
+    <a:masterClrMapping/>
+  </p:clrMapOvr>
+</p:sld>
+</file>
+
+<file path=ppt/slides/slide9.xml><?xml version="1.0" encoding="utf-8"?>
+<p:sld xmlns:a="http://schemas.openxmlformats.org/drawingml/2006/main" xmlns:r="http://schemas.openxmlformats.org/officeDocument/2006/relationships" xmlns:p="http://schemas.openxmlformats.org/presentationml/2006/main">
+  <p:cSld>
+    <p:spTree>
+      <p:nvGrpSpPr>
+        <p:cNvPr id="1" name=""/>
+        <p:cNvGrpSpPr/>
+        <p:nvPr/>
+      </p:nvGrpSpPr>
+      <p:grpSpPr>
+        <a:xfrm>
+          <a:off x="0" y="0"/>
+          <a:ext cx="0" cy="0"/>
+          <a:chOff x="0" y="0"/>
+          <a:chExt cx="0" cy="0"/>
+        </a:xfrm>
+      </p:grpSpPr>
+      <p:pic>
+        <p:nvPicPr>
+          <p:cNvPr id="2" name="図 1">
+            <a:extLst>
+              <a:ext uri="{FF2B5EF4-FFF2-40B4-BE49-F238E27FC236}">
+                <a16:creationId xmlns:a16="http://schemas.microsoft.com/office/drawing/2014/main" id="{23BDE101-283D-4FCE-8019-0D56E67C201C}"/>
+              </a:ext>
+            </a:extLst>
+          </p:cNvPr>
+          <p:cNvPicPr>
+            <a:picLocks noChangeAspect="1"/>
+          </p:cNvPicPr>
+          <p:nvPr/>
+        </p:nvPicPr>
+        <p:blipFill rotWithShape="1">
+          <a:blip r:embed="rId2"/>
+          <a:srcRect l="836" t="4865" r="2573" b="5638"/>
+          <a:stretch/>
+        </p:blipFill>
+        <p:spPr>
+          <a:xfrm>
+            <a:off x="1597710" y="662024"/>
+            <a:ext cx="4309191" cy="1837266"/>
+          </a:xfrm>
+          <a:prstGeom prst="rect">
+            <a:avLst/>
+          </a:prstGeom>
+        </p:spPr>
+      </p:pic>
+      <p:sp>
+        <p:nvSpPr>
+          <p:cNvPr id="3" name="Text Box 9">
+            <a:extLst>
+              <a:ext uri="{FF2B5EF4-FFF2-40B4-BE49-F238E27FC236}">
+                <a16:creationId xmlns:a16="http://schemas.microsoft.com/office/drawing/2014/main" id="{69D525F8-97BF-456B-8600-B75422F592B8}"/>
+              </a:ext>
+            </a:extLst>
+          </p:cNvPr>
+          <p:cNvSpPr txBox="1">
+            <a:spLocks/>
+          </p:cNvSpPr>
+          <p:nvPr/>
+        </p:nvSpPr>
+        <p:spPr>
+          <a:xfrm>
+            <a:off x="5862248" y="1080688"/>
+            <a:ext cx="2647932" cy="1384995"/>
+          </a:xfrm>
+          <a:prstGeom prst="rect">
+            <a:avLst/>
+          </a:prstGeom>
+          <a:noFill/>
+        </p:spPr>
+        <p:txBody>
+          <a:bodyPr wrap="square" rtlCol="0">
+            <a:spAutoFit/>
+          </a:bodyPr>
+          <a:lstStyle/>
+          <a:p>
+            <a:r>
+              <a:rPr lang="en-US" altLang="ja-JP" sz="1400" dirty="0"/>
+              <a:t>P</a:t>
+            </a:r>
+            <a:r>
+              <a:rPr lang="ja-JP" altLang="en-US" sz="1400" dirty="0"/>
+              <a:t>ゲイン：</a:t>
+            </a:r>
+            <a:r>
+              <a:rPr lang="en-US" altLang="ja-JP" sz="1400" dirty="0"/>
+              <a:t>-1</a:t>
+            </a:r>
+          </a:p>
+          <a:p>
+            <a:r>
+              <a:rPr lang="en-US" altLang="ja-JP" sz="1400" dirty="0"/>
+              <a:t>I</a:t>
+            </a:r>
+            <a:r>
+              <a:rPr lang="ja-JP" altLang="en-US" sz="1400" dirty="0"/>
+              <a:t>ゲイン：</a:t>
+            </a:r>
+            <a:r>
+              <a:rPr lang="en-US" altLang="ja-JP" sz="1400" dirty="0"/>
+              <a:t>0</a:t>
+            </a:r>
+          </a:p>
+          <a:p>
+            <a:r>
+              <a:rPr lang="en-US" altLang="ja-JP" sz="1400" dirty="0"/>
+              <a:t>D</a:t>
+            </a:r>
+            <a:r>
+              <a:rPr lang="ja-JP" altLang="en-US" sz="1400" dirty="0"/>
+              <a:t>ゲイン：</a:t>
+            </a:r>
+            <a:r>
+              <a:rPr lang="en-US" altLang="ja-JP" sz="1400" dirty="0"/>
+              <a:t>0</a:t>
+            </a:r>
+          </a:p>
+          <a:p>
+            <a:r>
+              <a:rPr lang="en-US" altLang="ja-JP" sz="1400" dirty="0"/>
+              <a:t>* </a:t>
+            </a:r>
+            <a:r>
+              <a:rPr lang="ja-JP" altLang="en-US" sz="1400" dirty="0"/>
+              <a:t>負の</a:t>
+            </a:r>
+            <a:r>
+              <a:rPr lang="en-US" altLang="ja-JP" sz="1400" dirty="0"/>
+              <a:t>elevator</a:t>
+            </a:r>
+            <a:r>
+              <a:rPr lang="ja-JP" altLang="en-US" sz="1400" dirty="0"/>
+              <a:t>角に対して正のピッチ角応答なので制御ゲインが負</a:t>
+            </a:r>
+            <a:endParaRPr lang="en-US" altLang="ja-JP" sz="1400" dirty="0"/>
+          </a:p>
+        </p:txBody>
+      </p:sp>
+      <p:pic>
+        <p:nvPicPr>
+          <p:cNvPr id="4" name="図 3">
+            <a:extLst>
+              <a:ext uri="{FF2B5EF4-FFF2-40B4-BE49-F238E27FC236}">
+                <a16:creationId xmlns:a16="http://schemas.microsoft.com/office/drawing/2014/main" id="{98BE73A8-4FA0-47CD-8E3A-DB6A0EFA5F4B}"/>
+              </a:ext>
+            </a:extLst>
+          </p:cNvPr>
+          <p:cNvPicPr>
+            <a:picLocks noChangeAspect="1"/>
+          </p:cNvPicPr>
+          <p:nvPr/>
+        </p:nvPicPr>
+        <p:blipFill>
+          <a:blip r:embed="rId3"/>
+          <a:stretch>
+            <a:fillRect/>
+          </a:stretch>
+        </p:blipFill>
+        <p:spPr>
+          <a:xfrm>
+            <a:off x="1513040" y="2551293"/>
+            <a:ext cx="6885203" cy="4878553"/>
+          </a:xfrm>
+          <a:prstGeom prst="rect">
+            <a:avLst/>
+          </a:prstGeom>
+        </p:spPr>
+      </p:pic>
+      <p:sp>
+        <p:nvSpPr>
+          <p:cNvPr id="5" name="Text Box 9">
+            <a:extLst>
+              <a:ext uri="{FF2B5EF4-FFF2-40B4-BE49-F238E27FC236}">
+                <a16:creationId xmlns:a16="http://schemas.microsoft.com/office/drawing/2014/main" id="{0274975C-C48C-4A49-8B04-8A6B6A69162B}"/>
+              </a:ext>
+            </a:extLst>
+          </p:cNvPr>
+          <p:cNvSpPr txBox="1"/>
+          <p:nvPr/>
+        </p:nvSpPr>
+        <p:spPr>
+          <a:xfrm>
+            <a:off x="4816079" y="4686431"/>
+            <a:ext cx="1046169" cy="307777"/>
+          </a:xfrm>
+          <a:prstGeom prst="rect">
+            <a:avLst/>
+          </a:prstGeom>
+          <a:noFill/>
+        </p:spPr>
+        <p:txBody>
+          <a:bodyPr wrap="square" rtlCol="0">
+            <a:spAutoFit/>
+          </a:bodyPr>
+          <a:lstStyle/>
+          <a:p>
+            <a:r>
+              <a:rPr lang="ja-JP" altLang="en-US" sz="1400" dirty="0"/>
+              <a:t>ピッチ角</a:t>
+            </a:r>
+          </a:p>
+        </p:txBody>
+      </p:sp>
+      <p:cxnSp>
+        <p:nvCxnSpPr>
+          <p:cNvPr id="6" name="Straight Connector 12">
+            <a:extLst>
+              <a:ext uri="{FF2B5EF4-FFF2-40B4-BE49-F238E27FC236}">
+                <a16:creationId xmlns:a16="http://schemas.microsoft.com/office/drawing/2014/main" id="{09E37266-5A08-4A3C-BB78-078AB6597692}"/>
+              </a:ext>
+            </a:extLst>
+          </p:cNvPr>
+          <p:cNvCxnSpPr>
+            <a:cxnSpLocks/>
+            <a:endCxn id="5" idx="2"/>
+          </p:cNvCxnSpPr>
+          <p:nvPr/>
+        </p:nvCxnSpPr>
+        <p:spPr>
+          <a:xfrm flipH="1" flipV="1">
+            <a:off x="5339164" y="4994208"/>
+            <a:ext cx="217488" cy="534528"/>
+          </a:xfrm>
+          <a:prstGeom prst="line">
+            <a:avLst/>
+          </a:prstGeom>
+          <a:ln w="19050"/>
+        </p:spPr>
+        <p:style>
+          <a:lnRef idx="2">
+            <a:schemeClr val="accent1"/>
+          </a:lnRef>
+          <a:fillRef idx="0">
+            <a:schemeClr val="accent1"/>
+          </a:fillRef>
+          <a:effectRef idx="1">
+            <a:schemeClr val="accent1"/>
+          </a:effectRef>
+          <a:fontRef idx="minor">
+            <a:schemeClr val="tx1"/>
+          </a:fontRef>
+        </p:style>
+      </p:cxnSp>
+      <p:cxnSp>
+        <p:nvCxnSpPr>
+          <p:cNvPr id="7" name="Straight Connector 12">
+            <a:extLst>
+              <a:ext uri="{FF2B5EF4-FFF2-40B4-BE49-F238E27FC236}">
+                <a16:creationId xmlns:a16="http://schemas.microsoft.com/office/drawing/2014/main" id="{71A8577F-3288-4FBF-8638-C6F42D78C187}"/>
+              </a:ext>
+            </a:extLst>
+          </p:cNvPr>
+          <p:cNvCxnSpPr>
+            <a:cxnSpLocks/>
+            <a:endCxn id="8" idx="2"/>
+          </p:cNvCxnSpPr>
+          <p:nvPr/>
+        </p:nvCxnSpPr>
+        <p:spPr>
+          <a:xfrm flipH="1" flipV="1">
+            <a:off x="2424111" y="4601105"/>
+            <a:ext cx="623889" cy="538163"/>
+          </a:xfrm>
+          <a:prstGeom prst="line">
+            <a:avLst/>
+          </a:prstGeom>
+          <a:ln w="19050"/>
+        </p:spPr>
+        <p:style>
+          <a:lnRef idx="2">
+            <a:schemeClr val="accent1"/>
+          </a:lnRef>
+          <a:fillRef idx="0">
+            <a:schemeClr val="accent1"/>
+          </a:fillRef>
+          <a:effectRef idx="1">
+            <a:schemeClr val="accent1"/>
+          </a:effectRef>
+          <a:fontRef idx="minor">
+            <a:schemeClr val="tx1"/>
+          </a:fontRef>
+        </p:style>
+      </p:cxnSp>
+      <p:sp>
+        <p:nvSpPr>
+          <p:cNvPr id="8" name="Text Box 9">
+            <a:extLst>
+              <a:ext uri="{FF2B5EF4-FFF2-40B4-BE49-F238E27FC236}">
+                <a16:creationId xmlns:a16="http://schemas.microsoft.com/office/drawing/2014/main" id="{67BC8DDD-4919-4F17-8413-A7FF56F634B6}"/>
+              </a:ext>
+            </a:extLst>
+          </p:cNvPr>
+          <p:cNvSpPr txBox="1"/>
+          <p:nvPr/>
+        </p:nvSpPr>
+        <p:spPr>
+          <a:xfrm>
+            <a:off x="1901026" y="4077885"/>
+            <a:ext cx="1046169" cy="523220"/>
+          </a:xfrm>
+          <a:prstGeom prst="rect">
+            <a:avLst/>
+          </a:prstGeom>
+          <a:noFill/>
+        </p:spPr>
+        <p:txBody>
+          <a:bodyPr wrap="square" rtlCol="0">
+            <a:spAutoFit/>
+          </a:bodyPr>
+          <a:lstStyle/>
+          <a:p>
+            <a:r>
+              <a:rPr lang="ja-JP" altLang="en-US" sz="1400" dirty="0"/>
+              <a:t>ピッチ角目標値</a:t>
+            </a:r>
+          </a:p>
+        </p:txBody>
+      </p:sp>
+    </p:spTree>
+    <p:extLst>
+      <p:ext uri="{BB962C8B-B14F-4D97-AF65-F5344CB8AC3E}">
+        <p14:creationId xmlns:p14="http://schemas.microsoft.com/office/powerpoint/2010/main" val="1247150611"/>
+      </p:ext>
+    </p:extLst>
   </p:cSld>
   <p:clrMapOvr>
     <a:masterClrMapping/>
@@ -2312,6 +7600,8 @@
       </a:bgFillStyleLst>
     </a:fmtScheme>
   </a:themeElements>
+  <a:objectDefaults/>
+  <a:extraClrSchemeLst/>
   <a:extLst>
     <a:ext uri="{05A4C25C-085E-4340-85A3-A5531E510DB2}">
       <thm15:themeFamily xmlns:thm15="http://schemas.microsoft.com/office/thememl/2012/main" name="Office Theme" id="{62F939B6-93AF-4DB8-9C6B-D6C7DFDC589F}" vid="{4A3C46E8-61CC-4603-A589-7422A47A8E4A}"/>

--- a/figs/makeFig.pptx
+++ b/figs/makeFig.pptx
@@ -1987,35 +1987,6 @@
           </a:prstGeom>
         </p:spPr>
       </p:pic>
-      <p:pic>
-        <p:nvPicPr>
-          <p:cNvPr id="2" name="図 1">
-            <a:extLst>
-              <a:ext uri="{FF2B5EF4-FFF2-40B4-BE49-F238E27FC236}">
-                <a16:creationId xmlns:a16="http://schemas.microsoft.com/office/drawing/2014/main" id="{23BDE101-283D-4FCE-8019-0D56E67C201C}"/>
-              </a:ext>
-            </a:extLst>
-          </p:cNvPr>
-          <p:cNvPicPr>
-            <a:picLocks noChangeAspect="1"/>
-          </p:cNvPicPr>
-          <p:nvPr/>
-        </p:nvPicPr>
-        <p:blipFill rotWithShape="1">
-          <a:blip r:embed="rId3"/>
-          <a:srcRect l="836" t="4865" r="2573" b="5638"/>
-          <a:stretch/>
-        </p:blipFill>
-        <p:spPr>
-          <a:xfrm>
-            <a:off x="1597710" y="662024"/>
-            <a:ext cx="4309191" cy="1837266"/>
-          </a:xfrm>
-          <a:prstGeom prst="rect">
-            <a:avLst/>
-          </a:prstGeom>
-        </p:spPr>
-      </p:pic>
       <p:sp>
         <p:nvSpPr>
           <p:cNvPr id="3" name="Text Box 9">
@@ -2258,6 +2229,36 @@
           </a:p>
         </p:txBody>
       </p:sp>
+      <p:pic>
+        <p:nvPicPr>
+          <p:cNvPr id="10" name="図 9">
+            <a:extLst>
+              <a:ext uri="{FF2B5EF4-FFF2-40B4-BE49-F238E27FC236}">
+                <a16:creationId xmlns:a16="http://schemas.microsoft.com/office/drawing/2014/main" id="{052328F3-5E87-4BAB-B2C4-B8C639EE12CB}"/>
+              </a:ext>
+            </a:extLst>
+          </p:cNvPr>
+          <p:cNvPicPr>
+            <a:picLocks noChangeAspect="1"/>
+          </p:cNvPicPr>
+          <p:nvPr/>
+        </p:nvPicPr>
+        <p:blipFill>
+          <a:blip r:embed="rId3"/>
+          <a:stretch>
+            <a:fillRect/>
+          </a:stretch>
+        </p:blipFill>
+        <p:spPr>
+          <a:xfrm>
+            <a:off x="1480327" y="747638"/>
+            <a:ext cx="4275169" cy="1763326"/>
+          </a:xfrm>
+          <a:prstGeom prst="rect">
+            <a:avLst/>
+          </a:prstGeom>
+        </p:spPr>
+      </p:pic>
     </p:spTree>
     <p:extLst>
       <p:ext uri="{BB962C8B-B14F-4D97-AF65-F5344CB8AC3E}">
@@ -2468,12 +2469,104 @@
           </a:p>
         </p:txBody>
       </p:sp>
+      <p:sp>
+        <p:nvSpPr>
+          <p:cNvPr id="15" name="Text Box 9">
+            <a:extLst>
+              <a:ext uri="{FF2B5EF4-FFF2-40B4-BE49-F238E27FC236}">
+                <a16:creationId xmlns:a16="http://schemas.microsoft.com/office/drawing/2014/main" id="{A81983F5-1BF0-4649-B3AD-318B36F5AD73}"/>
+              </a:ext>
+            </a:extLst>
+          </p:cNvPr>
+          <p:cNvSpPr txBox="1">
+            <a:spLocks/>
+          </p:cNvSpPr>
+          <p:nvPr/>
+        </p:nvSpPr>
+        <p:spPr>
+          <a:xfrm>
+            <a:off x="5862248" y="1080688"/>
+            <a:ext cx="2647932" cy="1384995"/>
+          </a:xfrm>
+          <a:prstGeom prst="rect">
+            <a:avLst/>
+          </a:prstGeom>
+          <a:noFill/>
+        </p:spPr>
+        <p:txBody>
+          <a:bodyPr wrap="square" rtlCol="0">
+            <a:spAutoFit/>
+          </a:bodyPr>
+          <a:lstStyle/>
+          <a:p>
+            <a:r>
+              <a:rPr lang="en-US" altLang="ja-JP" sz="1400" dirty="0"/>
+              <a:t>P</a:t>
+            </a:r>
+            <a:r>
+              <a:rPr lang="ja-JP" altLang="en-US" sz="1400" dirty="0"/>
+              <a:t>ゲイン：</a:t>
+            </a:r>
+            <a:r>
+              <a:rPr lang="en-US" altLang="ja-JP" sz="1400" dirty="0"/>
+              <a:t>-10</a:t>
+            </a:r>
+          </a:p>
+          <a:p>
+            <a:r>
+              <a:rPr lang="en-US" altLang="ja-JP" sz="1400" dirty="0"/>
+              <a:t>I</a:t>
+            </a:r>
+            <a:r>
+              <a:rPr lang="ja-JP" altLang="en-US" sz="1400" dirty="0"/>
+              <a:t>ゲイン：</a:t>
+            </a:r>
+            <a:r>
+              <a:rPr lang="en-US" altLang="ja-JP" sz="1400" dirty="0"/>
+              <a:t>-1</a:t>
+            </a:r>
+          </a:p>
+          <a:p>
+            <a:r>
+              <a:rPr lang="en-US" altLang="ja-JP" sz="1400" dirty="0"/>
+              <a:t>D</a:t>
+            </a:r>
+            <a:r>
+              <a:rPr lang="ja-JP" altLang="en-US" sz="1400" dirty="0"/>
+              <a:t>ゲイン：</a:t>
+            </a:r>
+            <a:r>
+              <a:rPr lang="en-US" altLang="ja-JP" sz="1400" dirty="0"/>
+              <a:t>0</a:t>
+            </a:r>
+          </a:p>
+          <a:p>
+            <a:r>
+              <a:rPr lang="en-US" altLang="ja-JP" sz="1400" dirty="0"/>
+              <a:t>* </a:t>
+            </a:r>
+            <a:r>
+              <a:rPr lang="ja-JP" altLang="en-US" sz="1400" dirty="0"/>
+              <a:t>負の</a:t>
+            </a:r>
+            <a:r>
+              <a:rPr lang="en-US" altLang="ja-JP" sz="1400" dirty="0"/>
+              <a:t>elevator</a:t>
+            </a:r>
+            <a:r>
+              <a:rPr lang="ja-JP" altLang="en-US" sz="1400" dirty="0"/>
+              <a:t>角に対して正のピッチ角応答なので制御ゲインが負</a:t>
+            </a:r>
+            <a:endParaRPr lang="en-US" altLang="ja-JP" sz="1400" dirty="0"/>
+          </a:p>
+        </p:txBody>
+      </p:sp>
       <p:pic>
         <p:nvPicPr>
-          <p:cNvPr id="13" name="図 12">
-            <a:extLst>
-              <a:ext uri="{FF2B5EF4-FFF2-40B4-BE49-F238E27FC236}">
-                <a16:creationId xmlns:a16="http://schemas.microsoft.com/office/drawing/2014/main" id="{FF0A03B2-DAEA-41FB-B935-B2C022D69B83}"/>
+          <p:cNvPr id="9" name="図 8">
+            <a:extLst>
+              <a:ext uri="{FF2B5EF4-FFF2-40B4-BE49-F238E27FC236}">
+                <a16:creationId xmlns:a16="http://schemas.microsoft.com/office/drawing/2014/main" id="{7A6C07EF-1F7B-4147-A32A-EE053BE4F8B1}"/>
               </a:ext>
             </a:extLst>
           </p:cNvPr>
@@ -2482,113 +2575,22 @@
           </p:cNvPicPr>
           <p:nvPr/>
         </p:nvPicPr>
-        <p:blipFill rotWithShape="1">
+        <p:blipFill>
           <a:blip r:embed="rId3"/>
-          <a:srcRect l="836" t="4865" r="2573" b="5638"/>
-          <a:stretch/>
+          <a:stretch>
+            <a:fillRect/>
+          </a:stretch>
         </p:blipFill>
         <p:spPr>
           <a:xfrm>
-            <a:off x="1597710" y="662024"/>
-            <a:ext cx="4309191" cy="1837266"/>
+            <a:off x="1480327" y="747638"/>
+            <a:ext cx="4275169" cy="1763326"/>
           </a:xfrm>
           <a:prstGeom prst="rect">
             <a:avLst/>
           </a:prstGeom>
         </p:spPr>
       </p:pic>
-      <p:sp>
-        <p:nvSpPr>
-          <p:cNvPr id="15" name="Text Box 9">
-            <a:extLst>
-              <a:ext uri="{FF2B5EF4-FFF2-40B4-BE49-F238E27FC236}">
-                <a16:creationId xmlns:a16="http://schemas.microsoft.com/office/drawing/2014/main" id="{A81983F5-1BF0-4649-B3AD-318B36F5AD73}"/>
-              </a:ext>
-            </a:extLst>
-          </p:cNvPr>
-          <p:cNvSpPr txBox="1">
-            <a:spLocks/>
-          </p:cNvSpPr>
-          <p:nvPr/>
-        </p:nvSpPr>
-        <p:spPr>
-          <a:xfrm>
-            <a:off x="5862248" y="1080688"/>
-            <a:ext cx="2647932" cy="1384995"/>
-          </a:xfrm>
-          <a:prstGeom prst="rect">
-            <a:avLst/>
-          </a:prstGeom>
-          <a:noFill/>
-        </p:spPr>
-        <p:txBody>
-          <a:bodyPr wrap="square" rtlCol="0">
-            <a:spAutoFit/>
-          </a:bodyPr>
-          <a:lstStyle/>
-          <a:p>
-            <a:r>
-              <a:rPr lang="en-US" altLang="ja-JP" sz="1400" dirty="0"/>
-              <a:t>P</a:t>
-            </a:r>
-            <a:r>
-              <a:rPr lang="ja-JP" altLang="en-US" sz="1400" dirty="0"/>
-              <a:t>ゲイン：</a:t>
-            </a:r>
-            <a:r>
-              <a:rPr lang="en-US" altLang="ja-JP" sz="1400" dirty="0"/>
-              <a:t>-10</a:t>
-            </a:r>
-          </a:p>
-          <a:p>
-            <a:r>
-              <a:rPr lang="en-US" altLang="ja-JP" sz="1400" dirty="0"/>
-              <a:t>I</a:t>
-            </a:r>
-            <a:r>
-              <a:rPr lang="ja-JP" altLang="en-US" sz="1400" dirty="0"/>
-              <a:t>ゲイン：</a:t>
-            </a:r>
-            <a:r>
-              <a:rPr lang="en-US" altLang="ja-JP" sz="1400" dirty="0"/>
-              <a:t>-1</a:t>
-            </a:r>
-          </a:p>
-          <a:p>
-            <a:r>
-              <a:rPr lang="en-US" altLang="ja-JP" sz="1400" dirty="0"/>
-              <a:t>D</a:t>
-            </a:r>
-            <a:r>
-              <a:rPr lang="ja-JP" altLang="en-US" sz="1400" dirty="0"/>
-              <a:t>ゲイン：</a:t>
-            </a:r>
-            <a:r>
-              <a:rPr lang="en-US" altLang="ja-JP" sz="1400" dirty="0"/>
-              <a:t>0</a:t>
-            </a:r>
-          </a:p>
-          <a:p>
-            <a:r>
-              <a:rPr lang="en-US" altLang="ja-JP" sz="1400" dirty="0"/>
-              <a:t>* </a:t>
-            </a:r>
-            <a:r>
-              <a:rPr lang="ja-JP" altLang="en-US" sz="1400" dirty="0"/>
-              <a:t>負の</a:t>
-            </a:r>
-            <a:r>
-              <a:rPr lang="en-US" altLang="ja-JP" sz="1400" dirty="0"/>
-              <a:t>elevator</a:t>
-            </a:r>
-            <a:r>
-              <a:rPr lang="ja-JP" altLang="en-US" sz="1400" dirty="0"/>
-              <a:t>角に対して正のピッチ角応答なので制御ゲインが負</a:t>
-            </a:r>
-            <a:endParaRPr lang="en-US" altLang="ja-JP" sz="1400" dirty="0"/>
-          </a:p>
-        </p:txBody>
-      </p:sp>
     </p:spTree>
     <p:extLst>
       <p:ext uri="{BB962C8B-B14F-4D97-AF65-F5344CB8AC3E}">
@@ -2799,12 +2801,104 @@
           </a:p>
         </p:txBody>
       </p:sp>
+      <p:sp>
+        <p:nvSpPr>
+          <p:cNvPr id="15" name="Text Box 9">
+            <a:extLst>
+              <a:ext uri="{FF2B5EF4-FFF2-40B4-BE49-F238E27FC236}">
+                <a16:creationId xmlns:a16="http://schemas.microsoft.com/office/drawing/2014/main" id="{A81983F5-1BF0-4649-B3AD-318B36F5AD73}"/>
+              </a:ext>
+            </a:extLst>
+          </p:cNvPr>
+          <p:cNvSpPr txBox="1">
+            <a:spLocks/>
+          </p:cNvSpPr>
+          <p:nvPr/>
+        </p:nvSpPr>
+        <p:spPr>
+          <a:xfrm>
+            <a:off x="5862248" y="1080688"/>
+            <a:ext cx="2647932" cy="1384995"/>
+          </a:xfrm>
+          <a:prstGeom prst="rect">
+            <a:avLst/>
+          </a:prstGeom>
+          <a:noFill/>
+        </p:spPr>
+        <p:txBody>
+          <a:bodyPr wrap="square" rtlCol="0">
+            <a:spAutoFit/>
+          </a:bodyPr>
+          <a:lstStyle/>
+          <a:p>
+            <a:r>
+              <a:rPr lang="en-US" altLang="ja-JP" sz="1400" dirty="0"/>
+              <a:t>P</a:t>
+            </a:r>
+            <a:r>
+              <a:rPr lang="ja-JP" altLang="en-US" sz="1400" dirty="0"/>
+              <a:t>ゲイン：</a:t>
+            </a:r>
+            <a:r>
+              <a:rPr lang="en-US" altLang="ja-JP" sz="1400" dirty="0"/>
+              <a:t>-10</a:t>
+            </a:r>
+          </a:p>
+          <a:p>
+            <a:r>
+              <a:rPr lang="en-US" altLang="ja-JP" sz="1400" dirty="0"/>
+              <a:t>I</a:t>
+            </a:r>
+            <a:r>
+              <a:rPr lang="ja-JP" altLang="en-US" sz="1400" dirty="0"/>
+              <a:t>ゲイン：</a:t>
+            </a:r>
+            <a:r>
+              <a:rPr lang="en-US" altLang="ja-JP" sz="1400" dirty="0"/>
+              <a:t>-1</a:t>
+            </a:r>
+          </a:p>
+          <a:p>
+            <a:r>
+              <a:rPr lang="en-US" altLang="ja-JP" sz="1400" dirty="0"/>
+              <a:t>D</a:t>
+            </a:r>
+            <a:r>
+              <a:rPr lang="ja-JP" altLang="en-US" sz="1400" dirty="0"/>
+              <a:t>ゲイン：</a:t>
+            </a:r>
+            <a:r>
+              <a:rPr lang="en-US" altLang="ja-JP" sz="1400" dirty="0"/>
+              <a:t>-0.5</a:t>
+            </a:r>
+          </a:p>
+          <a:p>
+            <a:r>
+              <a:rPr lang="en-US" altLang="ja-JP" sz="1400" dirty="0"/>
+              <a:t>* </a:t>
+            </a:r>
+            <a:r>
+              <a:rPr lang="ja-JP" altLang="en-US" sz="1400" dirty="0"/>
+              <a:t>負の</a:t>
+            </a:r>
+            <a:r>
+              <a:rPr lang="en-US" altLang="ja-JP" sz="1400" dirty="0"/>
+              <a:t>elevator</a:t>
+            </a:r>
+            <a:r>
+              <a:rPr lang="ja-JP" altLang="en-US" sz="1400" dirty="0"/>
+              <a:t>角に対して正のピッチ角応答なので制御ゲインが負</a:t>
+            </a:r>
+            <a:endParaRPr lang="en-US" altLang="ja-JP" sz="1400" dirty="0"/>
+          </a:p>
+        </p:txBody>
+      </p:sp>
       <p:pic>
         <p:nvPicPr>
-          <p:cNvPr id="13" name="図 12">
-            <a:extLst>
-              <a:ext uri="{FF2B5EF4-FFF2-40B4-BE49-F238E27FC236}">
-                <a16:creationId xmlns:a16="http://schemas.microsoft.com/office/drawing/2014/main" id="{FF0A03B2-DAEA-41FB-B935-B2C022D69B83}"/>
+          <p:cNvPr id="9" name="図 8">
+            <a:extLst>
+              <a:ext uri="{FF2B5EF4-FFF2-40B4-BE49-F238E27FC236}">
+                <a16:creationId xmlns:a16="http://schemas.microsoft.com/office/drawing/2014/main" id="{83133867-6691-4D75-84DD-23BF08989AAD}"/>
               </a:ext>
             </a:extLst>
           </p:cNvPr>
@@ -2813,113 +2907,22 @@
           </p:cNvPicPr>
           <p:nvPr/>
         </p:nvPicPr>
-        <p:blipFill rotWithShape="1">
+        <p:blipFill>
           <a:blip r:embed="rId3"/>
-          <a:srcRect l="836" t="4865" r="2573" b="5638"/>
-          <a:stretch/>
+          <a:stretch>
+            <a:fillRect/>
+          </a:stretch>
         </p:blipFill>
         <p:spPr>
           <a:xfrm>
-            <a:off x="1597710" y="662024"/>
-            <a:ext cx="4309191" cy="1837266"/>
+            <a:off x="1480327" y="747638"/>
+            <a:ext cx="4275169" cy="1763326"/>
           </a:xfrm>
           <a:prstGeom prst="rect">
             <a:avLst/>
           </a:prstGeom>
         </p:spPr>
       </p:pic>
-      <p:sp>
-        <p:nvSpPr>
-          <p:cNvPr id="15" name="Text Box 9">
-            <a:extLst>
-              <a:ext uri="{FF2B5EF4-FFF2-40B4-BE49-F238E27FC236}">
-                <a16:creationId xmlns:a16="http://schemas.microsoft.com/office/drawing/2014/main" id="{A81983F5-1BF0-4649-B3AD-318B36F5AD73}"/>
-              </a:ext>
-            </a:extLst>
-          </p:cNvPr>
-          <p:cNvSpPr txBox="1">
-            <a:spLocks/>
-          </p:cNvSpPr>
-          <p:nvPr/>
-        </p:nvSpPr>
-        <p:spPr>
-          <a:xfrm>
-            <a:off x="5862248" y="1080688"/>
-            <a:ext cx="2647932" cy="1384995"/>
-          </a:xfrm>
-          <a:prstGeom prst="rect">
-            <a:avLst/>
-          </a:prstGeom>
-          <a:noFill/>
-        </p:spPr>
-        <p:txBody>
-          <a:bodyPr wrap="square" rtlCol="0">
-            <a:spAutoFit/>
-          </a:bodyPr>
-          <a:lstStyle/>
-          <a:p>
-            <a:r>
-              <a:rPr lang="en-US" altLang="ja-JP" sz="1400" dirty="0"/>
-              <a:t>P</a:t>
-            </a:r>
-            <a:r>
-              <a:rPr lang="ja-JP" altLang="en-US" sz="1400" dirty="0"/>
-              <a:t>ゲイン：</a:t>
-            </a:r>
-            <a:r>
-              <a:rPr lang="en-US" altLang="ja-JP" sz="1400" dirty="0"/>
-              <a:t>-10</a:t>
-            </a:r>
-          </a:p>
-          <a:p>
-            <a:r>
-              <a:rPr lang="en-US" altLang="ja-JP" sz="1400" dirty="0"/>
-              <a:t>I</a:t>
-            </a:r>
-            <a:r>
-              <a:rPr lang="ja-JP" altLang="en-US" sz="1400" dirty="0"/>
-              <a:t>ゲイン：</a:t>
-            </a:r>
-            <a:r>
-              <a:rPr lang="en-US" altLang="ja-JP" sz="1400" dirty="0"/>
-              <a:t>-1</a:t>
-            </a:r>
-          </a:p>
-          <a:p>
-            <a:r>
-              <a:rPr lang="en-US" altLang="ja-JP" sz="1400" dirty="0"/>
-              <a:t>D</a:t>
-            </a:r>
-            <a:r>
-              <a:rPr lang="ja-JP" altLang="en-US" sz="1400" dirty="0"/>
-              <a:t>ゲイン：</a:t>
-            </a:r>
-            <a:r>
-              <a:rPr lang="en-US" altLang="ja-JP" sz="1400" dirty="0"/>
-              <a:t>-0.5</a:t>
-            </a:r>
-          </a:p>
-          <a:p>
-            <a:r>
-              <a:rPr lang="en-US" altLang="ja-JP" sz="1400" dirty="0"/>
-              <a:t>* </a:t>
-            </a:r>
-            <a:r>
-              <a:rPr lang="ja-JP" altLang="en-US" sz="1400" dirty="0"/>
-              <a:t>負の</a:t>
-            </a:r>
-            <a:r>
-              <a:rPr lang="en-US" altLang="ja-JP" sz="1400" dirty="0"/>
-              <a:t>elevator</a:t>
-            </a:r>
-            <a:r>
-              <a:rPr lang="ja-JP" altLang="en-US" sz="1400" dirty="0"/>
-              <a:t>角に対して正のピッチ角応答なので制御ゲインが負</a:t>
-            </a:r>
-            <a:endParaRPr lang="en-US" altLang="ja-JP" sz="1400" dirty="0"/>
-          </a:p>
-        </p:txBody>
-      </p:sp>
     </p:spTree>
     <p:extLst>
       <p:ext uri="{BB962C8B-B14F-4D97-AF65-F5344CB8AC3E}">
@@ -3130,12 +3133,104 @@
           </a:p>
         </p:txBody>
       </p:sp>
+      <p:sp>
+        <p:nvSpPr>
+          <p:cNvPr id="15" name="Text Box 9">
+            <a:extLst>
+              <a:ext uri="{FF2B5EF4-FFF2-40B4-BE49-F238E27FC236}">
+                <a16:creationId xmlns:a16="http://schemas.microsoft.com/office/drawing/2014/main" id="{A81983F5-1BF0-4649-B3AD-318B36F5AD73}"/>
+              </a:ext>
+            </a:extLst>
+          </p:cNvPr>
+          <p:cNvSpPr txBox="1">
+            <a:spLocks/>
+          </p:cNvSpPr>
+          <p:nvPr/>
+        </p:nvSpPr>
+        <p:spPr>
+          <a:xfrm>
+            <a:off x="5862248" y="725088"/>
+            <a:ext cx="2647932" cy="1384995"/>
+          </a:xfrm>
+          <a:prstGeom prst="rect">
+            <a:avLst/>
+          </a:prstGeom>
+          <a:noFill/>
+        </p:spPr>
+        <p:txBody>
+          <a:bodyPr wrap="square" rtlCol="0">
+            <a:spAutoFit/>
+          </a:bodyPr>
+          <a:lstStyle/>
+          <a:p>
+            <a:r>
+              <a:rPr lang="en-US" altLang="ja-JP" sz="1400" dirty="0"/>
+              <a:t>P</a:t>
+            </a:r>
+            <a:r>
+              <a:rPr lang="ja-JP" altLang="en-US" sz="1400" dirty="0"/>
+              <a:t>ゲイン：</a:t>
+            </a:r>
+            <a:r>
+              <a:rPr lang="en-US" altLang="ja-JP" sz="1400" dirty="0"/>
+              <a:t>-10</a:t>
+            </a:r>
+          </a:p>
+          <a:p>
+            <a:r>
+              <a:rPr lang="en-US" altLang="ja-JP" sz="1400" dirty="0"/>
+              <a:t>I</a:t>
+            </a:r>
+            <a:r>
+              <a:rPr lang="ja-JP" altLang="en-US" sz="1400" dirty="0"/>
+              <a:t>ゲイン：</a:t>
+            </a:r>
+            <a:r>
+              <a:rPr lang="en-US" altLang="ja-JP" sz="1400" dirty="0"/>
+              <a:t>-1</a:t>
+            </a:r>
+          </a:p>
+          <a:p>
+            <a:r>
+              <a:rPr lang="en-US" altLang="ja-JP" sz="1400" dirty="0"/>
+              <a:t>D</a:t>
+            </a:r>
+            <a:r>
+              <a:rPr lang="ja-JP" altLang="en-US" sz="1400" dirty="0"/>
+              <a:t>ゲイン：</a:t>
+            </a:r>
+            <a:r>
+              <a:rPr lang="en-US" altLang="ja-JP" sz="1400" dirty="0"/>
+              <a:t>-1</a:t>
+            </a:r>
+          </a:p>
+          <a:p>
+            <a:r>
+              <a:rPr lang="en-US" altLang="ja-JP" sz="1400" dirty="0"/>
+              <a:t>* </a:t>
+            </a:r>
+            <a:r>
+              <a:rPr lang="ja-JP" altLang="en-US" sz="1400" dirty="0"/>
+              <a:t>負の</a:t>
+            </a:r>
+            <a:r>
+              <a:rPr lang="en-US" altLang="ja-JP" sz="1400" dirty="0"/>
+              <a:t>elevator</a:t>
+            </a:r>
+            <a:r>
+              <a:rPr lang="ja-JP" altLang="en-US" sz="1400" dirty="0"/>
+              <a:t>角に対して正のピッチ角応答なので制御ゲインが負</a:t>
+            </a:r>
+            <a:endParaRPr lang="en-US" altLang="ja-JP" sz="1400" dirty="0"/>
+          </a:p>
+        </p:txBody>
+      </p:sp>
       <p:pic>
         <p:nvPicPr>
-          <p:cNvPr id="13" name="図 12">
-            <a:extLst>
-              <a:ext uri="{FF2B5EF4-FFF2-40B4-BE49-F238E27FC236}">
-                <a16:creationId xmlns:a16="http://schemas.microsoft.com/office/drawing/2014/main" id="{FF0A03B2-DAEA-41FB-B935-B2C022D69B83}"/>
+          <p:cNvPr id="9" name="図 8">
+            <a:extLst>
+              <a:ext uri="{FF2B5EF4-FFF2-40B4-BE49-F238E27FC236}">
+                <a16:creationId xmlns:a16="http://schemas.microsoft.com/office/drawing/2014/main" id="{BD48E995-27E1-41D8-8D20-6F78ED6676A4}"/>
               </a:ext>
             </a:extLst>
           </p:cNvPr>
@@ -3144,113 +3239,22 @@
           </p:cNvPicPr>
           <p:nvPr/>
         </p:nvPicPr>
-        <p:blipFill rotWithShape="1">
+        <p:blipFill>
           <a:blip r:embed="rId3"/>
-          <a:srcRect l="836" t="4865" r="2573" b="5638"/>
-          <a:stretch/>
+          <a:stretch>
+            <a:fillRect/>
+          </a:stretch>
         </p:blipFill>
         <p:spPr>
           <a:xfrm>
-            <a:off x="1597710" y="306424"/>
-            <a:ext cx="4309191" cy="1837266"/>
+            <a:off x="1393318" y="417828"/>
+            <a:ext cx="4275169" cy="1763326"/>
           </a:xfrm>
           <a:prstGeom prst="rect">
             <a:avLst/>
           </a:prstGeom>
         </p:spPr>
       </p:pic>
-      <p:sp>
-        <p:nvSpPr>
-          <p:cNvPr id="15" name="Text Box 9">
-            <a:extLst>
-              <a:ext uri="{FF2B5EF4-FFF2-40B4-BE49-F238E27FC236}">
-                <a16:creationId xmlns:a16="http://schemas.microsoft.com/office/drawing/2014/main" id="{A81983F5-1BF0-4649-B3AD-318B36F5AD73}"/>
-              </a:ext>
-            </a:extLst>
-          </p:cNvPr>
-          <p:cNvSpPr txBox="1">
-            <a:spLocks/>
-          </p:cNvSpPr>
-          <p:nvPr/>
-        </p:nvSpPr>
-        <p:spPr>
-          <a:xfrm>
-            <a:off x="5862248" y="725088"/>
-            <a:ext cx="2647932" cy="1384995"/>
-          </a:xfrm>
-          <a:prstGeom prst="rect">
-            <a:avLst/>
-          </a:prstGeom>
-          <a:noFill/>
-        </p:spPr>
-        <p:txBody>
-          <a:bodyPr wrap="square" rtlCol="0">
-            <a:spAutoFit/>
-          </a:bodyPr>
-          <a:lstStyle/>
-          <a:p>
-            <a:r>
-              <a:rPr lang="en-US" altLang="ja-JP" sz="1400" dirty="0"/>
-              <a:t>P</a:t>
-            </a:r>
-            <a:r>
-              <a:rPr lang="ja-JP" altLang="en-US" sz="1400" dirty="0"/>
-              <a:t>ゲイン：</a:t>
-            </a:r>
-            <a:r>
-              <a:rPr lang="en-US" altLang="ja-JP" sz="1400" dirty="0"/>
-              <a:t>-10</a:t>
-            </a:r>
-          </a:p>
-          <a:p>
-            <a:r>
-              <a:rPr lang="en-US" altLang="ja-JP" sz="1400" dirty="0"/>
-              <a:t>I</a:t>
-            </a:r>
-            <a:r>
-              <a:rPr lang="ja-JP" altLang="en-US" sz="1400" dirty="0"/>
-              <a:t>ゲイン：</a:t>
-            </a:r>
-            <a:r>
-              <a:rPr lang="en-US" altLang="ja-JP" sz="1400" dirty="0"/>
-              <a:t>-1</a:t>
-            </a:r>
-          </a:p>
-          <a:p>
-            <a:r>
-              <a:rPr lang="en-US" altLang="ja-JP" sz="1400" dirty="0"/>
-              <a:t>D</a:t>
-            </a:r>
-            <a:r>
-              <a:rPr lang="ja-JP" altLang="en-US" sz="1400" dirty="0"/>
-              <a:t>ゲイン：</a:t>
-            </a:r>
-            <a:r>
-              <a:rPr lang="en-US" altLang="ja-JP" sz="1400" dirty="0"/>
-              <a:t>-1</a:t>
-            </a:r>
-          </a:p>
-          <a:p>
-            <a:r>
-              <a:rPr lang="en-US" altLang="ja-JP" sz="1400" dirty="0"/>
-              <a:t>* </a:t>
-            </a:r>
-            <a:r>
-              <a:rPr lang="ja-JP" altLang="en-US" sz="1400" dirty="0"/>
-              <a:t>負の</a:t>
-            </a:r>
-            <a:r>
-              <a:rPr lang="en-US" altLang="ja-JP" sz="1400" dirty="0"/>
-              <a:t>elevator</a:t>
-            </a:r>
-            <a:r>
-              <a:rPr lang="ja-JP" altLang="en-US" sz="1400" dirty="0"/>
-              <a:t>角に対して正のピッチ角応答なので制御ゲインが負</a:t>
-            </a:r>
-            <a:endParaRPr lang="en-US" altLang="ja-JP" sz="1400" dirty="0"/>
-          </a:p>
-        </p:txBody>
-      </p:sp>
     </p:spTree>
     <p:extLst>
       <p:ext uri="{BB962C8B-B14F-4D97-AF65-F5344CB8AC3E}">
@@ -3283,10 +3287,10 @@
       </p:grpSpPr>
       <p:pic>
         <p:nvPicPr>
-          <p:cNvPr id="17" name="図 16">
-            <a:extLst>
-              <a:ext uri="{FF2B5EF4-FFF2-40B4-BE49-F238E27FC236}">
-                <a16:creationId xmlns:a16="http://schemas.microsoft.com/office/drawing/2014/main" id="{6FB4ED58-2909-47CF-AF84-B65C660FE3EC}"/>
+          <p:cNvPr id="2" name="図 1">
+            <a:extLst>
+              <a:ext uri="{FF2B5EF4-FFF2-40B4-BE49-F238E27FC236}">
+                <a16:creationId xmlns:a16="http://schemas.microsoft.com/office/drawing/2014/main" id="{DD758A26-9259-4A37-838F-84560326FB87}"/>
               </a:ext>
             </a:extLst>
           </p:cNvPr>
@@ -3303,8 +3307,8 @@
         </p:blipFill>
         <p:spPr>
           <a:xfrm>
-            <a:off x="263524" y="1390922"/>
-            <a:ext cx="9401175" cy="3743325"/>
+            <a:off x="257263" y="1365458"/>
+            <a:ext cx="9164205" cy="3743574"/>
           </a:xfrm>
           <a:prstGeom prst="rect">
             <a:avLst/>
@@ -3325,8 +3329,8 @@
         </p:nvSpPr>
         <p:spPr>
           <a:xfrm>
-            <a:off x="3392796" y="5034422"/>
-            <a:ext cx="2191747" cy="966571"/>
+            <a:off x="4007020" y="4865089"/>
+            <a:ext cx="2191747" cy="738664"/>
           </a:xfrm>
           <a:prstGeom prst="rect">
             <a:avLst/>
@@ -3340,24 +3344,25 @@
           <a:lstStyle/>
           <a:p>
             <a:r>
+              <a:rPr lang="en-US" altLang="ja-JP" sz="1400" dirty="0"/>
+              <a:t>Feedback by pitch rate</a:t>
+            </a:r>
+            <a:r>
               <a:rPr lang="ja-JP" altLang="en-US" sz="1400" dirty="0"/>
-              <a:t>ピッチ角速度フィードバック：</a:t>
+              <a:t>：</a:t>
             </a:r>
             <a:endParaRPr lang="en-US" altLang="ja-JP" sz="1400" dirty="0"/>
           </a:p>
           <a:p>
             <a:r>
-              <a:rPr lang="ja-JP" altLang="en-US" sz="1400" dirty="0"/>
-              <a:t>角速度を抑えるよう</a:t>
+              <a:rPr lang="en-US" altLang="ja-JP" sz="1400" dirty="0" err="1"/>
+              <a:t>Atttempt</a:t>
             </a:r>
             <a:r>
               <a:rPr lang="en-US" altLang="ja-JP" sz="1400" dirty="0"/>
-              <a:t>elevator</a:t>
-            </a:r>
-            <a:r>
-              <a:rPr lang="ja-JP" altLang="en-US" sz="1400" dirty="0"/>
-              <a:t>を操作</a:t>
-            </a:r>
+              <a:t> to suppress pitch rate</a:t>
+            </a:r>
+            <a:endParaRPr lang="ja-JP" altLang="en-US" sz="1400" dirty="0"/>
           </a:p>
         </p:txBody>
       </p:sp>
@@ -3378,8 +3383,8 @@
         </p:nvCxnSpPr>
         <p:spPr>
           <a:xfrm flipH="1">
-            <a:off x="4488670" y="4191000"/>
-            <a:ext cx="1158597" cy="843422"/>
+            <a:off x="5102894" y="4021667"/>
+            <a:ext cx="1158598" cy="843422"/>
           </a:xfrm>
           <a:prstGeom prst="line">
             <a:avLst/>
@@ -3420,7 +3425,7 @@
         <p:spPr>
           <a:xfrm>
             <a:off x="5584543" y="378822"/>
-            <a:ext cx="2145524" cy="966571"/>
+            <a:ext cx="2145524" cy="954107"/>
           </a:xfrm>
           <a:prstGeom prst="rect">
             <a:avLst/>
@@ -3434,24 +3439,21 @@
           <a:lstStyle/>
           <a:p>
             <a:r>
+              <a:rPr lang="en-US" altLang="ja-JP" sz="1400" dirty="0"/>
+              <a:t>Feedback by pitch acceleration</a:t>
+            </a:r>
+            <a:r>
               <a:rPr lang="ja-JP" altLang="en-US" sz="1400" dirty="0"/>
-              <a:t>ピッチ角加速度フィードバック：</a:t>
+              <a:t>：</a:t>
             </a:r>
             <a:endParaRPr lang="en-US" altLang="ja-JP" sz="1400" dirty="0"/>
           </a:p>
           <a:p>
             <a:r>
-              <a:rPr lang="ja-JP" altLang="en-US" sz="1400" dirty="0"/>
-              <a:t>角加速度を抑えるよう</a:t>
-            </a:r>
-            <a:r>
               <a:rPr lang="en-US" altLang="ja-JP" sz="1400" dirty="0"/>
-              <a:t>elevator</a:t>
-            </a:r>
-            <a:r>
-              <a:rPr lang="ja-JP" altLang="en-US" sz="1400" dirty="0"/>
-              <a:t>を操作</a:t>
-            </a:r>
+              <a:t>Attempt to suppress pitch acceleration</a:t>
+            </a:r>
+            <a:endParaRPr lang="ja-JP" altLang="en-US" sz="1400" dirty="0"/>
           </a:p>
         </p:txBody>
       </p:sp>
@@ -3472,8 +3474,8 @@
         </p:nvCxnSpPr>
         <p:spPr>
           <a:xfrm flipH="1" flipV="1">
-            <a:off x="6657305" y="1345393"/>
-            <a:ext cx="674828" cy="1802120"/>
+            <a:off x="6657305" y="1332929"/>
+            <a:ext cx="429295" cy="1774338"/>
           </a:xfrm>
           <a:prstGeom prst="line">
             <a:avLst/>
@@ -3513,7 +3515,7 @@
         </p:nvSpPr>
         <p:spPr>
           <a:xfrm>
-            <a:off x="6146800" y="5129097"/>
+            <a:off x="6481029" y="5196830"/>
             <a:ext cx="1988547" cy="523220"/>
           </a:xfrm>
           <a:prstGeom prst="rect">
@@ -3528,9 +3530,10 @@
           <a:lstStyle/>
           <a:p>
             <a:r>
-              <a:rPr lang="ja-JP" altLang="en-US" sz="1400" dirty="0"/>
-              <a:t>一定以下の角速度・角加速度は無視</a:t>
-            </a:r>
+              <a:rPr lang="en-US" altLang="ja-JP" sz="1400" dirty="0"/>
+              <a:t>Ignore when smaller than certain value</a:t>
+            </a:r>
+            <a:endParaRPr lang="ja-JP" altLang="en-US" sz="1400" dirty="0"/>
           </a:p>
         </p:txBody>
       </p:sp>
@@ -3551,7 +3554,7 @@
         </p:nvCxnSpPr>
         <p:spPr>
           <a:xfrm flipH="1" flipV="1">
-            <a:off x="6842254" y="4123267"/>
+            <a:off x="7176483" y="4191000"/>
             <a:ext cx="298820" cy="1005830"/>
           </a:xfrm>
           <a:prstGeom prst="line">
@@ -3595,8 +3598,8 @@
         </p:nvCxnSpPr>
         <p:spPr>
           <a:xfrm flipV="1">
-            <a:off x="7141074" y="3319921"/>
-            <a:ext cx="1112402" cy="1809176"/>
+            <a:off x="7475303" y="3368674"/>
+            <a:ext cx="568030" cy="1828156"/>
           </a:xfrm>
           <a:prstGeom prst="line">
             <a:avLst/>
@@ -4281,9 +4284,14 @@
               <a:t>1</a:t>
             </a:r>
             <a:r>
-              <a:rPr lang="ja-JP" altLang="en-US" sz="1400" dirty="0"/>
-              <a:t>次遅れ系</a:t>
-            </a:r>
+              <a:rPr lang="en-US" altLang="ja-JP" sz="1400" baseline="30000" dirty="0"/>
+              <a:t>st</a:t>
+            </a:r>
+            <a:r>
+              <a:rPr lang="en-US" altLang="ja-JP" sz="1400" dirty="0"/>
+              <a:t> order lag</a:t>
+            </a:r>
+            <a:endParaRPr lang="ja-JP" altLang="en-US" sz="1400" dirty="0"/>
           </a:p>
         </p:txBody>
       </p:sp>
@@ -4295,8 +4303,8 @@
         </p:nvSpPr>
         <p:spPr>
           <a:xfrm>
-            <a:off x="3882252" y="5482902"/>
-            <a:ext cx="2721748" cy="738664"/>
+            <a:off x="3746165" y="5540296"/>
+            <a:ext cx="2993923" cy="788518"/>
           </a:xfrm>
           <a:prstGeom prst="rect">
             <a:avLst/>
@@ -4310,19 +4318,20 @@
           <a:lstStyle/>
           <a:p>
             <a:r>
+              <a:rPr lang="en-US" altLang="ja-JP" sz="1400" dirty="0"/>
+              <a:t>Aircraft longitudinal dynamics model</a:t>
+            </a:r>
+            <a:r>
               <a:rPr lang="ja-JP" altLang="en-US" sz="1400" dirty="0"/>
-              <a:t>機体縦運動モデル：伝達関数</a:t>
-            </a:r>
-            <a:endParaRPr lang="en-US" altLang="ja-JP" sz="1400" dirty="0"/>
-          </a:p>
-          <a:p>
+              <a:t>：</a:t>
+            </a:r>
             <a:r>
               <a:rPr lang="en-US" altLang="ja-JP" sz="1400" dirty="0"/>
-              <a:t>elevator input</a:t>
+              <a:t>Transfer function,</a:t>
             </a:r>
             <a:r>
               <a:rPr lang="ja-JP" altLang="en-US" sz="1400" dirty="0"/>
-              <a:t>に対する、</a:t>
+              <a:t> </a:t>
             </a:r>
             <a:r>
               <a:rPr lang="en-US" altLang="ja-JP" sz="1400" dirty="0"/>
@@ -4330,7 +4339,51 @@
             </a:r>
             <a:r>
               <a:rPr lang="ja-JP" altLang="en-US" sz="1400" dirty="0"/>
-              <a:t>角の応答</a:t>
+              <a:t> </a:t>
+            </a:r>
+            <a:r>
+              <a:rPr lang="en-US" altLang="ja-JP" sz="1400" dirty="0"/>
+              <a:t>angle</a:t>
+            </a:r>
+            <a:r>
+              <a:rPr lang="ja-JP" altLang="en-US" sz="1400" dirty="0"/>
+              <a:t> </a:t>
+            </a:r>
+            <a:r>
+              <a:rPr lang="en-US" altLang="ja-JP" sz="1400" dirty="0"/>
+              <a:t>in</a:t>
+            </a:r>
+            <a:r>
+              <a:rPr lang="ja-JP" altLang="en-US" sz="1400" dirty="0"/>
+              <a:t> </a:t>
+            </a:r>
+            <a:r>
+              <a:rPr lang="en-US" altLang="ja-JP" sz="1400" dirty="0"/>
+              <a:t>response</a:t>
+            </a:r>
+            <a:r>
+              <a:rPr lang="ja-JP" altLang="en-US" sz="1400" dirty="0"/>
+              <a:t> </a:t>
+            </a:r>
+            <a:r>
+              <a:rPr lang="en-US" altLang="ja-JP" sz="1400" dirty="0"/>
+              <a:t>of</a:t>
+            </a:r>
+            <a:r>
+              <a:rPr lang="ja-JP" altLang="en-US" sz="1400" dirty="0"/>
+              <a:t> </a:t>
+            </a:r>
+            <a:r>
+              <a:rPr lang="en-US" altLang="ja-JP" sz="1400" dirty="0"/>
+              <a:t>elevator</a:t>
+            </a:r>
+            <a:r>
+              <a:rPr lang="ja-JP" altLang="en-US" sz="1400" dirty="0"/>
+              <a:t> </a:t>
+            </a:r>
+            <a:r>
+              <a:rPr lang="en-US" altLang="ja-JP" sz="1400" dirty="0"/>
+              <a:t>angle</a:t>
             </a:r>
           </a:p>
         </p:txBody>
@@ -4343,8 +4396,8 @@
         </p:nvSpPr>
         <p:spPr>
           <a:xfrm>
-            <a:off x="7846695" y="5039883"/>
-            <a:ext cx="1877695" cy="306705"/>
+            <a:off x="7846696" y="5039883"/>
+            <a:ext cx="1625568" cy="307777"/>
           </a:xfrm>
           <a:prstGeom prst="rect">
             <a:avLst/>
@@ -4359,15 +4412,7 @@
           <a:p>
             <a:r>
               <a:rPr lang="en-US" altLang="ja-JP" sz="1400" dirty="0"/>
-              <a:t>pitch</a:t>
-            </a:r>
-            <a:r>
-              <a:rPr lang="ja-JP" altLang="en-US" sz="1400" dirty="0"/>
-              <a:t>角速度を</a:t>
-            </a:r>
-            <a:r>
-              <a:rPr lang="en-US" altLang="ja-JP" sz="1400" dirty="0"/>
-              <a:t>output</a:t>
+              <a:t>Output: pitch rate</a:t>
             </a:r>
           </a:p>
         </p:txBody>
@@ -4380,8 +4425,8 @@
         </p:nvSpPr>
         <p:spPr>
           <a:xfrm>
-            <a:off x="8058689" y="3862666"/>
-            <a:ext cx="1413574" cy="306705"/>
+            <a:off x="7772400" y="3862666"/>
+            <a:ext cx="1699863" cy="307777"/>
           </a:xfrm>
           <a:prstGeom prst="rect">
             <a:avLst/>
@@ -4396,15 +4441,7 @@
           <a:p>
             <a:r>
               <a:rPr lang="en-US" altLang="ja-JP" sz="1400" dirty="0"/>
-              <a:t>pitch</a:t>
-            </a:r>
-            <a:r>
-              <a:rPr lang="ja-JP" altLang="en-US" sz="1400" dirty="0"/>
-              <a:t>角を</a:t>
-            </a:r>
-            <a:r>
-              <a:rPr lang="en-US" altLang="ja-JP" sz="1400" dirty="0"/>
-              <a:t>output</a:t>
+              <a:t>Output: pitch angle</a:t>
             </a:r>
           </a:p>
         </p:txBody>
@@ -4418,7 +4455,7 @@
         <p:spPr>
           <a:xfrm>
             <a:off x="1320801" y="294833"/>
-            <a:ext cx="1544320" cy="521970"/>
+            <a:ext cx="1544320" cy="523220"/>
           </a:xfrm>
           <a:prstGeom prst="rect">
             <a:avLst/>
@@ -4433,20 +4470,9 @@
           <a:p>
             <a:r>
               <a:rPr lang="en-US" sz="1400" dirty="0"/>
-              <a:t>elevator(</a:t>
-            </a:r>
-            <a:r>
-              <a:rPr lang="ja-JP" altLang="en-US" sz="1400" dirty="0"/>
-              <a:t>昇降舵</a:t>
-            </a:r>
-            <a:r>
-              <a:rPr lang="en-US" sz="1400" dirty="0"/>
-              <a:t>)</a:t>
-            </a:r>
-            <a:r>
-              <a:rPr lang="ja-JP" altLang="en-US" sz="1400" dirty="0"/>
-              <a:t>角度指令信号</a:t>
-            </a:r>
+              <a:t>Elevator angle command</a:t>
+            </a:r>
+            <a:endParaRPr lang="ja-JP" altLang="en-US" sz="1400" dirty="0"/>
           </a:p>
         </p:txBody>
       </p:sp>
@@ -4568,8 +4594,8 @@
         </p:nvCxnSpPr>
         <p:spPr>
           <a:xfrm flipV="1">
-            <a:off x="5243126" y="5122334"/>
-            <a:ext cx="0" cy="360568"/>
+            <a:off x="5243127" y="5096934"/>
+            <a:ext cx="0" cy="443362"/>
           </a:xfrm>
           <a:prstGeom prst="line">
             <a:avLst/>
@@ -4604,8 +4630,8 @@
         </p:nvSpPr>
         <p:spPr>
           <a:xfrm>
-            <a:off x="7994395" y="6437009"/>
-            <a:ext cx="1551814" cy="523220"/>
+            <a:off x="8100046" y="6437009"/>
+            <a:ext cx="1277132" cy="523220"/>
           </a:xfrm>
           <a:prstGeom prst="rect">
             <a:avLst/>
@@ -4620,15 +4646,7 @@
           <a:p>
             <a:r>
               <a:rPr lang="en-US" altLang="ja-JP" sz="1400" dirty="0"/>
-              <a:t>pitch</a:t>
-            </a:r>
-            <a:r>
-              <a:rPr lang="ja-JP" altLang="en-US" sz="1400" dirty="0"/>
-              <a:t>角加速度を</a:t>
-            </a:r>
-            <a:r>
-              <a:rPr lang="en-US" altLang="ja-JP" sz="1400" dirty="0"/>
-              <a:t>output</a:t>
+              <a:t>Output: pitch acceleration</a:t>
             </a:r>
           </a:p>
         </p:txBody>
@@ -4647,8 +4665,8 @@
         </p:nvSpPr>
         <p:spPr>
           <a:xfrm>
-            <a:off x="3249930" y="3444223"/>
-            <a:ext cx="1703070" cy="523220"/>
+            <a:off x="3164777" y="3561297"/>
+            <a:ext cx="1873377" cy="504517"/>
           </a:xfrm>
           <a:prstGeom prst="rect">
             <a:avLst/>
@@ -4663,11 +4681,19 @@
           <a:p>
             <a:r>
               <a:rPr lang="en-US" sz="1400" dirty="0"/>
-              <a:t>elevator</a:t>
+              <a:t>Elevator</a:t>
             </a:r>
             <a:r>
               <a:rPr lang="ja-JP" altLang="en-US" sz="1400" dirty="0"/>
-              <a:t>角度制限：</a:t>
+              <a:t> </a:t>
+            </a:r>
+            <a:r>
+              <a:rPr lang="en-US" altLang="ja-JP" sz="1400" dirty="0"/>
+              <a:t>angle limit</a:t>
+            </a:r>
+            <a:r>
+              <a:rPr lang="ja-JP" altLang="en-US" sz="1400" dirty="0"/>
+              <a:t>：</a:t>
             </a:r>
           </a:p>
           <a:p>
@@ -4696,8 +4722,8 @@
         </p:nvCxnSpPr>
         <p:spPr>
           <a:xfrm flipH="1">
-            <a:off x="3882253" y="3967443"/>
-            <a:ext cx="219212" cy="700019"/>
+            <a:off x="3882254" y="4065814"/>
+            <a:ext cx="219212" cy="601648"/>
           </a:xfrm>
           <a:prstGeom prst="line">
             <a:avLst/>
@@ -4734,7 +4760,7 @@
             </p:nvSpPr>
             <p:spPr>
               <a:xfrm>
-                <a:off x="3625993" y="6265122"/>
+                <a:off x="3541324" y="6315922"/>
                 <a:ext cx="3234266" cy="669094"/>
               </a:xfrm>
               <a:prstGeom prst="rect">
@@ -4748,6 +4774,7 @@
               </a:bodyPr>
               <a:lstStyle/>
               <a:p>
+                <a:pPr/>
                 <a14:m>
                   <m:oMathPara xmlns:m="http://schemas.openxmlformats.org/officeDocument/2006/math">
                     <m:oMathParaPr>
@@ -4902,7 +4929,7 @@
             </p:nvSpPr>
             <p:spPr>
               <a:xfrm>
-                <a:off x="3625993" y="6265122"/>
+                <a:off x="3541324" y="6315922"/>
                 <a:ext cx="3234266" cy="669094"/>
               </a:xfrm>
               <a:prstGeom prst="rect">
@@ -4998,8 +5025,8 @@
         </p:nvSpPr>
         <p:spPr>
           <a:xfrm>
-            <a:off x="4466327" y="390246"/>
-            <a:ext cx="1359885" cy="307777"/>
+            <a:off x="4323539" y="487250"/>
+            <a:ext cx="1645461" cy="295345"/>
           </a:xfrm>
           <a:prstGeom prst="rect">
             <a:avLst/>
@@ -5013,12 +5040,8 @@
           <a:lstStyle/>
           <a:p>
             <a:r>
-              <a:rPr lang="ja-JP" altLang="en-US" sz="1400" dirty="0"/>
-              <a:t>機体</a:t>
-            </a:r>
-            <a:r>
               <a:rPr lang="en-US" altLang="ja-JP" sz="1400" dirty="0"/>
-              <a:t>dynamics</a:t>
+              <a:t>aircraft dynamics</a:t>
             </a:r>
             <a:endParaRPr lang="ja-JP" altLang="en-US" sz="1400" dirty="0"/>
           </a:p>
@@ -5038,8 +5061,8 @@
         </p:nvSpPr>
         <p:spPr>
           <a:xfrm>
-            <a:off x="2826418" y="1719709"/>
-            <a:ext cx="1359885" cy="523220"/>
+            <a:off x="2758423" y="1692849"/>
+            <a:ext cx="1495874" cy="504517"/>
           </a:xfrm>
           <a:prstGeom prst="rect">
             <a:avLst/>
@@ -5054,12 +5077,13 @@
           <a:p>
             <a:r>
               <a:rPr lang="en-US" altLang="ja-JP" sz="1400" dirty="0"/>
-              <a:t>Elevator</a:t>
-            </a:r>
-            <a:r>
-              <a:rPr lang="ja-JP" altLang="en-US" sz="1400" dirty="0"/>
-              <a:t>角度レート制限器</a:t>
-            </a:r>
+              <a:t>Elevator change rate </a:t>
+            </a:r>
+            <a:r>
+              <a:rPr lang="en-US" altLang="ja-JP" sz="1400" dirty="0" err="1"/>
+              <a:t>limitter</a:t>
+            </a:r>
+            <a:endParaRPr lang="ja-JP" altLang="en-US" sz="1400" dirty="0"/>
           </a:p>
         </p:txBody>
       </p:sp>
@@ -5193,53 +5217,6 @@
           </a:prstGeom>
         </p:spPr>
       </p:pic>
-      <p:sp>
-        <p:nvSpPr>
-          <p:cNvPr id="4" name="Text Box 9">
-            <a:extLst>
-              <a:ext uri="{FF2B5EF4-FFF2-40B4-BE49-F238E27FC236}">
-                <a16:creationId xmlns:a16="http://schemas.microsoft.com/office/drawing/2014/main" id="{9049975A-DD61-4192-B4F4-72DF30A05482}"/>
-              </a:ext>
-            </a:extLst>
-          </p:cNvPr>
-          <p:cNvSpPr txBox="1"/>
-          <p:nvPr/>
-        </p:nvSpPr>
-        <p:spPr>
-          <a:xfrm>
-            <a:off x="2827873" y="273620"/>
-            <a:ext cx="1544320" cy="521970"/>
-          </a:xfrm>
-          <a:prstGeom prst="rect">
-            <a:avLst/>
-          </a:prstGeom>
-          <a:noFill/>
-        </p:spPr>
-        <p:txBody>
-          <a:bodyPr wrap="square" rtlCol="0">
-            <a:spAutoFit/>
-          </a:bodyPr>
-          <a:lstStyle/>
-          <a:p>
-            <a:r>
-              <a:rPr lang="en-US" sz="1400" dirty="0"/>
-              <a:t>elevator(</a:t>
-            </a:r>
-            <a:r>
-              <a:rPr lang="ja-JP" altLang="en-US" sz="1400" dirty="0"/>
-              <a:t>昇降舵</a:t>
-            </a:r>
-            <a:r>
-              <a:rPr lang="en-US" sz="1400" dirty="0"/>
-              <a:t>)</a:t>
-            </a:r>
-            <a:r>
-              <a:rPr lang="ja-JP" altLang="en-US" sz="1400" dirty="0"/>
-              <a:t>角度指令信号</a:t>
-            </a:r>
-          </a:p>
-        </p:txBody>
-      </p:sp>
       <p:cxnSp>
         <p:nvCxnSpPr>
           <p:cNvPr id="5" name="Straight Connector 10">
@@ -5256,8 +5233,8 @@
         </p:nvCxnSpPr>
         <p:spPr>
           <a:xfrm flipH="1">
-            <a:off x="2092962" y="1676400"/>
-            <a:ext cx="2540045" cy="1825202"/>
+            <a:off x="2030821" y="1676400"/>
+            <a:ext cx="2602187" cy="1614251"/>
           </a:xfrm>
           <a:prstGeom prst="line">
             <a:avLst/>
@@ -5300,7 +5277,7 @@
         <p:spPr>
           <a:xfrm>
             <a:off x="5528733" y="1676400"/>
-            <a:ext cx="2672292" cy="1755248"/>
+            <a:ext cx="2774319" cy="1608627"/>
           </a:xfrm>
           <a:prstGeom prst="line">
             <a:avLst/>
@@ -5380,85 +5357,6 @@
           </a:p>
         </p:txBody>
       </p:sp>
-      <p:sp>
-        <p:nvSpPr>
-          <p:cNvPr id="9" name="Text Box 9">
-            <a:extLst>
-              <a:ext uri="{FF2B5EF4-FFF2-40B4-BE49-F238E27FC236}">
-                <a16:creationId xmlns:a16="http://schemas.microsoft.com/office/drawing/2014/main" id="{F205ACE4-3569-4401-83CE-A9E4D8D327A2}"/>
-              </a:ext>
-            </a:extLst>
-          </p:cNvPr>
-          <p:cNvSpPr txBox="1"/>
-          <p:nvPr/>
-        </p:nvSpPr>
-        <p:spPr>
-          <a:xfrm>
-            <a:off x="6007271" y="390246"/>
-            <a:ext cx="1359885" cy="307777"/>
-          </a:xfrm>
-          <a:prstGeom prst="rect">
-            <a:avLst/>
-          </a:prstGeom>
-          <a:noFill/>
-        </p:spPr>
-        <p:txBody>
-          <a:bodyPr wrap="square" rtlCol="0">
-            <a:spAutoFit/>
-          </a:bodyPr>
-          <a:lstStyle/>
-          <a:p>
-            <a:r>
-              <a:rPr lang="ja-JP" altLang="en-US" sz="1400" dirty="0"/>
-              <a:t>機体</a:t>
-            </a:r>
-            <a:r>
-              <a:rPr lang="en-US" altLang="ja-JP" sz="1400" dirty="0"/>
-              <a:t>dynamics</a:t>
-            </a:r>
-            <a:endParaRPr lang="ja-JP" altLang="en-US" sz="1400" dirty="0"/>
-          </a:p>
-        </p:txBody>
-      </p:sp>
-      <p:sp>
-        <p:nvSpPr>
-          <p:cNvPr id="10" name="Text Box 9">
-            <a:extLst>
-              <a:ext uri="{FF2B5EF4-FFF2-40B4-BE49-F238E27FC236}">
-                <a16:creationId xmlns:a16="http://schemas.microsoft.com/office/drawing/2014/main" id="{6914FE25-5FED-44DD-AA61-BF265BB7BE35}"/>
-              </a:ext>
-            </a:extLst>
-          </p:cNvPr>
-          <p:cNvSpPr txBox="1"/>
-          <p:nvPr/>
-        </p:nvSpPr>
-        <p:spPr>
-          <a:xfrm>
-            <a:off x="4408216" y="1872176"/>
-            <a:ext cx="1359885" cy="523220"/>
-          </a:xfrm>
-          <a:prstGeom prst="rect">
-            <a:avLst/>
-          </a:prstGeom>
-          <a:noFill/>
-        </p:spPr>
-        <p:txBody>
-          <a:bodyPr wrap="square" rtlCol="0">
-            <a:spAutoFit/>
-          </a:bodyPr>
-          <a:lstStyle/>
-          <a:p>
-            <a:r>
-              <a:rPr lang="en-US" altLang="ja-JP" sz="1400" dirty="0"/>
-              <a:t>Elevator</a:t>
-            </a:r>
-            <a:r>
-              <a:rPr lang="ja-JP" altLang="en-US" sz="1400" dirty="0"/>
-              <a:t>角度レート制限器</a:t>
-            </a:r>
-          </a:p>
-        </p:txBody>
-      </p:sp>
       <p:pic>
         <p:nvPicPr>
           <p:cNvPr id="13" name="図 12">
@@ -5503,8 +5401,8 @@
         </p:nvSpPr>
         <p:spPr>
           <a:xfrm>
-            <a:off x="2404535" y="3105659"/>
-            <a:ext cx="1551701" cy="523220"/>
+            <a:off x="2030821" y="4632944"/>
+            <a:ext cx="1804296" cy="738664"/>
           </a:xfrm>
           <a:prstGeom prst="rect">
             <a:avLst/>
@@ -5518,9 +5416,16 @@
           <a:lstStyle/>
           <a:p>
             <a:r>
-              <a:rPr lang="ja-JP" altLang="en-US" sz="1400" dirty="0"/>
-              <a:t>角度信号⇒角速度信号</a:t>
-            </a:r>
+              <a:rPr lang="en-US" altLang="ja-JP" sz="1400" dirty="0"/>
+              <a:t>Differentiate:</a:t>
+            </a:r>
+          </a:p>
+          <a:p>
+            <a:r>
+              <a:rPr lang="en-US" altLang="ja-JP" sz="1400" dirty="0"/>
+              <a:t>Signal of pitch angle -&gt; pitch rate</a:t>
+            </a:r>
+            <a:endParaRPr lang="ja-JP" altLang="en-US" sz="1400" dirty="0"/>
           </a:p>
         </p:txBody>
       </p:sp>
@@ -5538,8 +5443,8 @@
         </p:nvSpPr>
         <p:spPr>
           <a:xfrm>
-            <a:off x="3557045" y="4656850"/>
-            <a:ext cx="1804296" cy="564640"/>
+            <a:off x="3739093" y="3113750"/>
+            <a:ext cx="1491155" cy="523220"/>
           </a:xfrm>
           <a:prstGeom prst="rect">
             <a:avLst/>
@@ -5553,8 +5458,16 @@
           <a:lstStyle/>
           <a:p>
             <a:r>
+              <a:rPr lang="en-US" altLang="ja-JP" sz="1400" dirty="0"/>
+              <a:t>Signal </a:t>
+            </a:r>
+            <a:r>
+              <a:rPr lang="en-US" altLang="ja-JP" sz="1400" dirty="0" err="1"/>
+              <a:t>limitter</a:t>
+            </a:r>
+            <a:r>
               <a:rPr lang="ja-JP" altLang="en-US" sz="1400" dirty="0"/>
-              <a:t>角速度信号に制限：</a:t>
+              <a:t>：</a:t>
             </a:r>
             <a:endParaRPr lang="en-US" altLang="ja-JP" sz="1400" dirty="0"/>
           </a:p>
@@ -5581,8 +5494,8 @@
         </p:nvSpPr>
         <p:spPr>
           <a:xfrm>
-            <a:off x="5135512" y="3029041"/>
-            <a:ext cx="1551701" cy="523220"/>
+            <a:off x="5089351" y="4696942"/>
+            <a:ext cx="1706871" cy="716835"/>
           </a:xfrm>
           <a:prstGeom prst="rect">
             <a:avLst/>
@@ -5596,9 +5509,128 @@
           <a:lstStyle/>
           <a:p>
             <a:r>
-              <a:rPr lang="ja-JP" altLang="en-US" sz="1400" dirty="0"/>
-              <a:t>角速度信号⇒角度信号</a:t>
-            </a:r>
+              <a:rPr lang="en-US" altLang="ja-JP" sz="1400" dirty="0"/>
+              <a:t>Integrate:</a:t>
+            </a:r>
+          </a:p>
+          <a:p>
+            <a:r>
+              <a:rPr lang="en-US" altLang="ja-JP" sz="1400" dirty="0"/>
+              <a:t>Pitch rate -&gt; pitch angle signal</a:t>
+            </a:r>
+            <a:endParaRPr lang="ja-JP" altLang="en-US" sz="1400" dirty="0"/>
+          </a:p>
+        </p:txBody>
+      </p:sp>
+      <p:sp>
+        <p:nvSpPr>
+          <p:cNvPr id="17" name="Text Box 9">
+            <a:extLst>
+              <a:ext uri="{FF2B5EF4-FFF2-40B4-BE49-F238E27FC236}">
+                <a16:creationId xmlns:a16="http://schemas.microsoft.com/office/drawing/2014/main" id="{C99B0BDA-BFD1-4101-BFD9-2D7B71761B42}"/>
+              </a:ext>
+            </a:extLst>
+          </p:cNvPr>
+          <p:cNvSpPr txBox="1"/>
+          <p:nvPr/>
+        </p:nvSpPr>
+        <p:spPr>
+          <a:xfrm>
+            <a:off x="2914873" y="327497"/>
+            <a:ext cx="1544320" cy="523220"/>
+          </a:xfrm>
+          <a:prstGeom prst="rect">
+            <a:avLst/>
+          </a:prstGeom>
+          <a:noFill/>
+        </p:spPr>
+        <p:txBody>
+          <a:bodyPr wrap="square" rtlCol="0">
+            <a:spAutoFit/>
+          </a:bodyPr>
+          <a:lstStyle/>
+          <a:p>
+            <a:r>
+              <a:rPr lang="en-US" sz="1400" dirty="0"/>
+              <a:t>Elevator angle command</a:t>
+            </a:r>
+            <a:endParaRPr lang="ja-JP" altLang="en-US" sz="1400" dirty="0"/>
+          </a:p>
+        </p:txBody>
+      </p:sp>
+      <p:sp>
+        <p:nvSpPr>
+          <p:cNvPr id="18" name="Text Box 9">
+            <a:extLst>
+              <a:ext uri="{FF2B5EF4-FFF2-40B4-BE49-F238E27FC236}">
+                <a16:creationId xmlns:a16="http://schemas.microsoft.com/office/drawing/2014/main" id="{56D537F1-8E36-4152-A298-45B1EF71DA2E}"/>
+              </a:ext>
+            </a:extLst>
+          </p:cNvPr>
+          <p:cNvSpPr txBox="1"/>
+          <p:nvPr/>
+        </p:nvSpPr>
+        <p:spPr>
+          <a:xfrm>
+            <a:off x="4367986" y="2010656"/>
+            <a:ext cx="1495874" cy="504517"/>
+          </a:xfrm>
+          <a:prstGeom prst="rect">
+            <a:avLst/>
+          </a:prstGeom>
+          <a:noFill/>
+        </p:spPr>
+        <p:txBody>
+          <a:bodyPr wrap="square" rtlCol="0">
+            <a:spAutoFit/>
+          </a:bodyPr>
+          <a:lstStyle/>
+          <a:p>
+            <a:r>
+              <a:rPr lang="en-US" altLang="ja-JP" sz="1400" dirty="0"/>
+              <a:t>Elevator change rate </a:t>
+            </a:r>
+            <a:r>
+              <a:rPr lang="en-US" altLang="ja-JP" sz="1400" dirty="0" err="1"/>
+              <a:t>limitter</a:t>
+            </a:r>
+            <a:endParaRPr lang="ja-JP" altLang="en-US" sz="1400" dirty="0"/>
+          </a:p>
+        </p:txBody>
+      </p:sp>
+      <p:sp>
+        <p:nvSpPr>
+          <p:cNvPr id="19" name="Text Box 9">
+            <a:extLst>
+              <a:ext uri="{FF2B5EF4-FFF2-40B4-BE49-F238E27FC236}">
+                <a16:creationId xmlns:a16="http://schemas.microsoft.com/office/drawing/2014/main" id="{2E989213-236C-493D-BF6C-3AA97BC1DE4E}"/>
+              </a:ext>
+            </a:extLst>
+          </p:cNvPr>
+          <p:cNvSpPr txBox="1"/>
+          <p:nvPr/>
+        </p:nvSpPr>
+        <p:spPr>
+          <a:xfrm>
+            <a:off x="5838835" y="538070"/>
+            <a:ext cx="1645461" cy="295345"/>
+          </a:xfrm>
+          <a:prstGeom prst="rect">
+            <a:avLst/>
+          </a:prstGeom>
+          <a:noFill/>
+        </p:spPr>
+        <p:txBody>
+          <a:bodyPr wrap="square" rtlCol="0">
+            <a:spAutoFit/>
+          </a:bodyPr>
+          <a:lstStyle/>
+          <a:p>
+            <a:r>
+              <a:rPr lang="en-US" altLang="ja-JP" sz="1400" dirty="0"/>
+              <a:t>aircraft dynamics</a:t>
+            </a:r>
+            <a:endParaRPr lang="ja-JP" altLang="en-US" sz="1400" dirty="0"/>
           </a:p>
         </p:txBody>
       </p:sp>
@@ -6703,10 +6735,10 @@
       </p:grpSpPr>
       <p:pic>
         <p:nvPicPr>
-          <p:cNvPr id="2" name="図 1">
-            <a:extLst>
-              <a:ext uri="{FF2B5EF4-FFF2-40B4-BE49-F238E27FC236}">
-                <a16:creationId xmlns:a16="http://schemas.microsoft.com/office/drawing/2014/main" id="{7D1CA620-6F25-4F45-A302-8C0C71816287}"/>
+          <p:cNvPr id="8" name="図 7">
+            <a:extLst>
+              <a:ext uri="{FF2B5EF4-FFF2-40B4-BE49-F238E27FC236}">
+                <a16:creationId xmlns:a16="http://schemas.microsoft.com/office/drawing/2014/main" id="{29B83053-B038-43F6-BC8A-7D028011CE5A}"/>
               </a:ext>
             </a:extLst>
           </p:cNvPr>
@@ -6715,15 +6747,16 @@
           </p:cNvPicPr>
           <p:nvPr/>
         </p:nvPicPr>
-        <p:blipFill rotWithShape="1">
+        <p:blipFill>
           <a:blip r:embed="rId2"/>
-          <a:srcRect l="836" r="2573"/>
-          <a:stretch/>
+          <a:stretch>
+            <a:fillRect/>
+          </a:stretch>
         </p:blipFill>
         <p:spPr>
           <a:xfrm>
-            <a:off x="338666" y="1579562"/>
-            <a:ext cx="9237133" cy="4400550"/>
+            <a:off x="-1" y="1700920"/>
+            <a:ext cx="10080625" cy="4157834"/>
           </a:xfrm>
           <a:prstGeom prst="rect">
             <a:avLst/>
@@ -6744,8 +6777,8 @@
         </p:nvSpPr>
         <p:spPr>
           <a:xfrm>
-            <a:off x="151634" y="1343776"/>
-            <a:ext cx="1054791" cy="545247"/>
+            <a:off x="490301" y="1390259"/>
+            <a:ext cx="1054791" cy="523220"/>
           </a:xfrm>
           <a:prstGeom prst="rect">
             <a:avLst/>
@@ -6759,9 +6792,10 @@
           <a:lstStyle/>
           <a:p>
             <a:r>
-              <a:rPr lang="ja-JP" altLang="en-US" sz="1400" dirty="0"/>
-              <a:t>ピッチ角目標値</a:t>
-            </a:r>
+              <a:rPr lang="en-US" altLang="ja-JP" sz="1400" dirty="0"/>
+              <a:t>Target of pitch angle</a:t>
+            </a:r>
+            <a:endParaRPr lang="ja-JP" altLang="en-US" sz="1400" dirty="0"/>
           </a:p>
         </p:txBody>
       </p:sp>
@@ -6779,8 +6813,8 @@
         </p:nvSpPr>
         <p:spPr>
           <a:xfrm>
-            <a:off x="1617133" y="1693332"/>
-            <a:ext cx="4944534" cy="4114801"/>
+            <a:off x="1523022" y="1693332"/>
+            <a:ext cx="5487378" cy="4064001"/>
           </a:xfrm>
           <a:prstGeom prst="rect">
             <a:avLst/>
@@ -6832,8 +6866,8 @@
         </p:nvSpPr>
         <p:spPr>
           <a:xfrm>
-            <a:off x="1718733" y="1018351"/>
-            <a:ext cx="3352800" cy="523220"/>
+            <a:off x="2946400" y="906411"/>
+            <a:ext cx="3352800" cy="738664"/>
           </a:xfrm>
           <a:prstGeom prst="rect">
             <a:avLst/>
@@ -6847,25 +6881,15 @@
           <a:lstStyle/>
           <a:p>
             <a:r>
-              <a:rPr lang="ja-JP" altLang="en-US" sz="1400" dirty="0"/>
-              <a:t>人間の介入による</a:t>
-            </a:r>
-            <a:r>
               <a:rPr lang="en-US" altLang="ja-JP" sz="1400" dirty="0"/>
-              <a:t>elevator</a:t>
-            </a:r>
-            <a:r>
-              <a:rPr lang="ja-JP" altLang="en-US" sz="1400" dirty="0"/>
-              <a:t>司令値操作：</a:t>
-            </a:r>
-            <a:endParaRPr lang="en-US" altLang="ja-JP" sz="1400" dirty="0"/>
-          </a:p>
-          <a:p>
-            <a:r>
-              <a:rPr lang="ja-JP" altLang="en-US" sz="1400" dirty="0"/>
-              <a:t>ピッチ角フィードバック制御</a:t>
-            </a:r>
-            <a:endParaRPr lang="en-US" altLang="ja-JP" sz="1400" dirty="0"/>
+              <a:t>Aviator decides elevator angle command </a:t>
+            </a:r>
+          </a:p>
+          <a:p>
+            <a:r>
+              <a:rPr lang="en-US" altLang="ja-JP" sz="1400" dirty="0"/>
+              <a:t>= Feedback control system</a:t>
+            </a:r>
           </a:p>
         </p:txBody>
       </p:sp>
@@ -6883,8 +6907,8 @@
         </p:nvSpPr>
         <p:spPr>
           <a:xfrm>
-            <a:off x="7167110" y="3907043"/>
-            <a:ext cx="1646692" cy="738664"/>
+            <a:off x="7327971" y="3839307"/>
+            <a:ext cx="1646692" cy="523220"/>
           </a:xfrm>
           <a:prstGeom prst="rect">
             <a:avLst/>
@@ -6898,9 +6922,14 @@
           <a:lstStyle/>
           <a:p>
             <a:r>
-              <a:rPr lang="ja-JP" altLang="en-US" sz="1400" dirty="0"/>
-              <a:t>ゲインは適当に設定して値を変えてみる</a:t>
-            </a:r>
+              <a:rPr lang="en-US" altLang="ja-JP" sz="1400" dirty="0"/>
+              <a:t>Set gains by </a:t>
+            </a:r>
+            <a:r>
+              <a:rPr lang="en-US" altLang="ja-JP" sz="1400" dirty="0" err="1"/>
+              <a:t>try&amp;error</a:t>
+            </a:r>
+            <a:endParaRPr lang="ja-JP" altLang="en-US" sz="1400" dirty="0"/>
           </a:p>
         </p:txBody>
       </p:sp>
@@ -6921,8 +6950,8 @@
         </p:nvCxnSpPr>
         <p:spPr>
           <a:xfrm>
-            <a:off x="4436536" y="2819400"/>
-            <a:ext cx="2730574" cy="1456975"/>
+            <a:off x="4597397" y="2751664"/>
+            <a:ext cx="2730574" cy="1349253"/>
           </a:xfrm>
           <a:prstGeom prst="line">
             <a:avLst/>
@@ -6965,8 +6994,8 @@
         </p:nvCxnSpPr>
         <p:spPr>
           <a:xfrm>
-            <a:off x="4436536" y="4089400"/>
-            <a:ext cx="2730574" cy="186975"/>
+            <a:off x="4597397" y="4021664"/>
+            <a:ext cx="2730574" cy="79253"/>
           </a:xfrm>
           <a:prstGeom prst="line">
             <a:avLst/>
@@ -7009,8 +7038,8 @@
         </p:nvCxnSpPr>
         <p:spPr>
           <a:xfrm flipV="1">
-            <a:off x="4436536" y="4276375"/>
-            <a:ext cx="2730574" cy="1032225"/>
+            <a:off x="4597397" y="4100917"/>
+            <a:ext cx="2730574" cy="1139949"/>
           </a:xfrm>
           <a:prstGeom prst="line">
             <a:avLst/>
@@ -7036,6 +7065,42 @@
           </a:fontRef>
         </p:style>
       </p:cxnSp>
+      <p:sp>
+        <p:nvSpPr>
+          <p:cNvPr id="11" name="Text Box 9">
+            <a:extLst>
+              <a:ext uri="{FF2B5EF4-FFF2-40B4-BE49-F238E27FC236}">
+                <a16:creationId xmlns:a16="http://schemas.microsoft.com/office/drawing/2014/main" id="{096C08C9-40B1-4E96-8108-F7F18DC860E9}"/>
+              </a:ext>
+            </a:extLst>
+          </p:cNvPr>
+          <p:cNvSpPr txBox="1"/>
+          <p:nvPr/>
+        </p:nvSpPr>
+        <p:spPr>
+          <a:xfrm>
+            <a:off x="2201921" y="3083593"/>
+            <a:ext cx="1054791" cy="646331"/>
+          </a:xfrm>
+          <a:prstGeom prst="rect">
+            <a:avLst/>
+          </a:prstGeom>
+          <a:noFill/>
+        </p:spPr>
+        <p:txBody>
+          <a:bodyPr wrap="square" rtlCol="0">
+            <a:spAutoFit/>
+          </a:bodyPr>
+          <a:lstStyle/>
+          <a:p>
+            <a:r>
+              <a:rPr lang="en-US" altLang="ja-JP" sz="1200" dirty="0"/>
+              <a:t>Delay of human response</a:t>
+            </a:r>
+            <a:endParaRPr lang="ja-JP" altLang="en-US" sz="1200" dirty="0"/>
+          </a:p>
+        </p:txBody>
+      </p:sp>
     </p:spTree>
     <p:extLst>
       <p:ext uri="{BB962C8B-B14F-4D97-AF65-F5344CB8AC3E}">
@@ -7066,12 +7131,104 @@
           <a:chExt cx="0" cy="0"/>
         </a:xfrm>
       </p:grpSpPr>
+      <p:sp>
+        <p:nvSpPr>
+          <p:cNvPr id="3" name="Text Box 9">
+            <a:extLst>
+              <a:ext uri="{FF2B5EF4-FFF2-40B4-BE49-F238E27FC236}">
+                <a16:creationId xmlns:a16="http://schemas.microsoft.com/office/drawing/2014/main" id="{69D525F8-97BF-456B-8600-B75422F592B8}"/>
+              </a:ext>
+            </a:extLst>
+          </p:cNvPr>
+          <p:cNvSpPr txBox="1">
+            <a:spLocks/>
+          </p:cNvSpPr>
+          <p:nvPr/>
+        </p:nvSpPr>
+        <p:spPr>
+          <a:xfrm>
+            <a:off x="5862248" y="1080688"/>
+            <a:ext cx="2647932" cy="1384995"/>
+          </a:xfrm>
+          <a:prstGeom prst="rect">
+            <a:avLst/>
+          </a:prstGeom>
+          <a:noFill/>
+        </p:spPr>
+        <p:txBody>
+          <a:bodyPr wrap="square" rtlCol="0">
+            <a:spAutoFit/>
+          </a:bodyPr>
+          <a:lstStyle/>
+          <a:p>
+            <a:r>
+              <a:rPr lang="en-US" altLang="ja-JP" sz="1400" dirty="0"/>
+              <a:t>P</a:t>
+            </a:r>
+            <a:r>
+              <a:rPr lang="ja-JP" altLang="en-US" sz="1400" dirty="0"/>
+              <a:t>ゲイン：</a:t>
+            </a:r>
+            <a:r>
+              <a:rPr lang="en-US" altLang="ja-JP" sz="1400" dirty="0"/>
+              <a:t>-1</a:t>
+            </a:r>
+          </a:p>
+          <a:p>
+            <a:r>
+              <a:rPr lang="en-US" altLang="ja-JP" sz="1400" dirty="0"/>
+              <a:t>I</a:t>
+            </a:r>
+            <a:r>
+              <a:rPr lang="ja-JP" altLang="en-US" sz="1400" dirty="0"/>
+              <a:t>ゲイン：</a:t>
+            </a:r>
+            <a:r>
+              <a:rPr lang="en-US" altLang="ja-JP" sz="1400" dirty="0"/>
+              <a:t>0</a:t>
+            </a:r>
+          </a:p>
+          <a:p>
+            <a:r>
+              <a:rPr lang="en-US" altLang="ja-JP" sz="1400" dirty="0"/>
+              <a:t>D</a:t>
+            </a:r>
+            <a:r>
+              <a:rPr lang="ja-JP" altLang="en-US" sz="1400" dirty="0"/>
+              <a:t>ゲイン：</a:t>
+            </a:r>
+            <a:r>
+              <a:rPr lang="en-US" altLang="ja-JP" sz="1400" dirty="0"/>
+              <a:t>0</a:t>
+            </a:r>
+          </a:p>
+          <a:p>
+            <a:r>
+              <a:rPr lang="en-US" altLang="ja-JP" sz="1400" dirty="0"/>
+              <a:t>* </a:t>
+            </a:r>
+            <a:r>
+              <a:rPr lang="ja-JP" altLang="en-US" sz="1400" dirty="0"/>
+              <a:t>負の</a:t>
+            </a:r>
+            <a:r>
+              <a:rPr lang="en-US" altLang="ja-JP" sz="1400" dirty="0"/>
+              <a:t>elevator</a:t>
+            </a:r>
+            <a:r>
+              <a:rPr lang="ja-JP" altLang="en-US" sz="1400" dirty="0"/>
+              <a:t>角に対して正のピッチ角応答なので制御ゲインが負</a:t>
+            </a:r>
+            <a:endParaRPr lang="en-US" altLang="ja-JP" sz="1400" dirty="0"/>
+          </a:p>
+        </p:txBody>
+      </p:sp>
       <p:pic>
         <p:nvPicPr>
-          <p:cNvPr id="2" name="図 1">
-            <a:extLst>
-              <a:ext uri="{FF2B5EF4-FFF2-40B4-BE49-F238E27FC236}">
-                <a16:creationId xmlns:a16="http://schemas.microsoft.com/office/drawing/2014/main" id="{23BDE101-283D-4FCE-8019-0D56E67C201C}"/>
+          <p:cNvPr id="4" name="図 3">
+            <a:extLst>
+              <a:ext uri="{FF2B5EF4-FFF2-40B4-BE49-F238E27FC236}">
+                <a16:creationId xmlns:a16="http://schemas.microsoft.com/office/drawing/2014/main" id="{98BE73A8-4FA0-47CD-8E3A-DB6A0EFA5F4B}"/>
               </a:ext>
             </a:extLst>
           </p:cNvPr>
@@ -7080,129 +7237,8 @@
           </p:cNvPicPr>
           <p:nvPr/>
         </p:nvPicPr>
-        <p:blipFill rotWithShape="1">
+        <p:blipFill>
           <a:blip r:embed="rId2"/>
-          <a:srcRect l="836" t="4865" r="2573" b="5638"/>
-          <a:stretch/>
-        </p:blipFill>
-        <p:spPr>
-          <a:xfrm>
-            <a:off x="1597710" y="662024"/>
-            <a:ext cx="4309191" cy="1837266"/>
-          </a:xfrm>
-          <a:prstGeom prst="rect">
-            <a:avLst/>
-          </a:prstGeom>
-        </p:spPr>
-      </p:pic>
-      <p:sp>
-        <p:nvSpPr>
-          <p:cNvPr id="3" name="Text Box 9">
-            <a:extLst>
-              <a:ext uri="{FF2B5EF4-FFF2-40B4-BE49-F238E27FC236}">
-                <a16:creationId xmlns:a16="http://schemas.microsoft.com/office/drawing/2014/main" id="{69D525F8-97BF-456B-8600-B75422F592B8}"/>
-              </a:ext>
-            </a:extLst>
-          </p:cNvPr>
-          <p:cNvSpPr txBox="1">
-            <a:spLocks/>
-          </p:cNvSpPr>
-          <p:nvPr/>
-        </p:nvSpPr>
-        <p:spPr>
-          <a:xfrm>
-            <a:off x="5862248" y="1080688"/>
-            <a:ext cx="2647932" cy="1384995"/>
-          </a:xfrm>
-          <a:prstGeom prst="rect">
-            <a:avLst/>
-          </a:prstGeom>
-          <a:noFill/>
-        </p:spPr>
-        <p:txBody>
-          <a:bodyPr wrap="square" rtlCol="0">
-            <a:spAutoFit/>
-          </a:bodyPr>
-          <a:lstStyle/>
-          <a:p>
-            <a:r>
-              <a:rPr lang="en-US" altLang="ja-JP" sz="1400" dirty="0"/>
-              <a:t>P</a:t>
-            </a:r>
-            <a:r>
-              <a:rPr lang="ja-JP" altLang="en-US" sz="1400" dirty="0"/>
-              <a:t>ゲイン：</a:t>
-            </a:r>
-            <a:r>
-              <a:rPr lang="en-US" altLang="ja-JP" sz="1400" dirty="0"/>
-              <a:t>-1</a:t>
-            </a:r>
-          </a:p>
-          <a:p>
-            <a:r>
-              <a:rPr lang="en-US" altLang="ja-JP" sz="1400" dirty="0"/>
-              <a:t>I</a:t>
-            </a:r>
-            <a:r>
-              <a:rPr lang="ja-JP" altLang="en-US" sz="1400" dirty="0"/>
-              <a:t>ゲイン：</a:t>
-            </a:r>
-            <a:r>
-              <a:rPr lang="en-US" altLang="ja-JP" sz="1400" dirty="0"/>
-              <a:t>0</a:t>
-            </a:r>
-          </a:p>
-          <a:p>
-            <a:r>
-              <a:rPr lang="en-US" altLang="ja-JP" sz="1400" dirty="0"/>
-              <a:t>D</a:t>
-            </a:r>
-            <a:r>
-              <a:rPr lang="ja-JP" altLang="en-US" sz="1400" dirty="0"/>
-              <a:t>ゲイン：</a:t>
-            </a:r>
-            <a:r>
-              <a:rPr lang="en-US" altLang="ja-JP" sz="1400" dirty="0"/>
-              <a:t>0</a:t>
-            </a:r>
-          </a:p>
-          <a:p>
-            <a:r>
-              <a:rPr lang="en-US" altLang="ja-JP" sz="1400" dirty="0"/>
-              <a:t>* </a:t>
-            </a:r>
-            <a:r>
-              <a:rPr lang="ja-JP" altLang="en-US" sz="1400" dirty="0"/>
-              <a:t>負の</a:t>
-            </a:r>
-            <a:r>
-              <a:rPr lang="en-US" altLang="ja-JP" sz="1400" dirty="0"/>
-              <a:t>elevator</a:t>
-            </a:r>
-            <a:r>
-              <a:rPr lang="ja-JP" altLang="en-US" sz="1400" dirty="0"/>
-              <a:t>角に対して正のピッチ角応答なので制御ゲインが負</a:t>
-            </a:r>
-            <a:endParaRPr lang="en-US" altLang="ja-JP" sz="1400" dirty="0"/>
-          </a:p>
-        </p:txBody>
-      </p:sp>
-      <p:pic>
-        <p:nvPicPr>
-          <p:cNvPr id="4" name="図 3">
-            <a:extLst>
-              <a:ext uri="{FF2B5EF4-FFF2-40B4-BE49-F238E27FC236}">
-                <a16:creationId xmlns:a16="http://schemas.microsoft.com/office/drawing/2014/main" id="{98BE73A8-4FA0-47CD-8E3A-DB6A0EFA5F4B}"/>
-              </a:ext>
-            </a:extLst>
-          </p:cNvPr>
-          <p:cNvPicPr>
-            <a:picLocks noChangeAspect="1"/>
-          </p:cNvPicPr>
-          <p:nvPr/>
-        </p:nvPicPr>
-        <p:blipFill>
-          <a:blip r:embed="rId3"/>
           <a:stretch>
             <a:fillRect/>
           </a:stretch>
@@ -7367,6 +7403,36 @@
           </a:p>
         </p:txBody>
       </p:sp>
+      <p:pic>
+        <p:nvPicPr>
+          <p:cNvPr id="9" name="図 8">
+            <a:extLst>
+              <a:ext uri="{FF2B5EF4-FFF2-40B4-BE49-F238E27FC236}">
+                <a16:creationId xmlns:a16="http://schemas.microsoft.com/office/drawing/2014/main" id="{C8A4EC74-8682-4FB8-A0FB-A01B783302E8}"/>
+              </a:ext>
+            </a:extLst>
+          </p:cNvPr>
+          <p:cNvPicPr>
+            <a:picLocks noChangeAspect="1"/>
+          </p:cNvPicPr>
+          <p:nvPr/>
+        </p:nvPicPr>
+        <p:blipFill>
+          <a:blip r:embed="rId3"/>
+          <a:stretch>
+            <a:fillRect/>
+          </a:stretch>
+        </p:blipFill>
+        <p:spPr>
+          <a:xfrm>
+            <a:off x="1480327" y="747638"/>
+            <a:ext cx="4275169" cy="1763326"/>
+          </a:xfrm>
+          <a:prstGeom prst="rect">
+            <a:avLst/>
+          </a:prstGeom>
+        </p:spPr>
+      </p:pic>
     </p:spTree>
     <p:extLst>
       <p:ext uri="{BB962C8B-B14F-4D97-AF65-F5344CB8AC3E}">

--- a/figs/makeFig.pptx
+++ b/figs/makeFig.pptx
@@ -18,15 +18,17 @@
     <p:sldId id="276" r:id="rId12"/>
     <p:sldId id="283" r:id="rId13"/>
     <p:sldId id="284" r:id="rId14"/>
-    <p:sldId id="280" r:id="rId15"/>
-    <p:sldId id="281" r:id="rId16"/>
-    <p:sldId id="279" r:id="rId17"/>
-    <p:sldId id="264" r:id="rId18"/>
-    <p:sldId id="265" r:id="rId19"/>
-    <p:sldId id="270" r:id="rId20"/>
-    <p:sldId id="268" r:id="rId21"/>
-    <p:sldId id="269" r:id="rId22"/>
-    <p:sldId id="267" r:id="rId23"/>
+    <p:sldId id="285" r:id="rId15"/>
+    <p:sldId id="286" r:id="rId16"/>
+    <p:sldId id="280" r:id="rId17"/>
+    <p:sldId id="287" r:id="rId18"/>
+    <p:sldId id="279" r:id="rId19"/>
+    <p:sldId id="264" r:id="rId20"/>
+    <p:sldId id="265" r:id="rId21"/>
+    <p:sldId id="270" r:id="rId22"/>
+    <p:sldId id="268" r:id="rId23"/>
+    <p:sldId id="269" r:id="rId24"/>
+    <p:sldId id="267" r:id="rId25"/>
   </p:sldIdLst>
   <p:sldSz cx="10080625" cy="7559675"/>
   <p:notesSz cx="7559675" cy="10691813"/>
@@ -1959,13 +1961,7 @@
       </p:grpSpPr>
       <p:pic>
         <p:nvPicPr>
-          <p:cNvPr id="9" name="図 8">
-            <a:extLst>
-              <a:ext uri="{FF2B5EF4-FFF2-40B4-BE49-F238E27FC236}">
-                <a16:creationId xmlns:a16="http://schemas.microsoft.com/office/drawing/2014/main" id="{A2B7E5AD-6A85-46ED-97AD-BEBAEED4E2EE}"/>
-              </a:ext>
-            </a:extLst>
-          </p:cNvPr>
+          <p:cNvPr id="4" name="Picture 3"/>
           <p:cNvPicPr>
             <a:picLocks noChangeAspect="1"/>
           </p:cNvPicPr>
@@ -1979,8 +1975,8 @@
         </p:blipFill>
         <p:spPr>
           <a:xfrm>
-            <a:off x="1623111" y="2528710"/>
-            <a:ext cx="6885203" cy="4889848"/>
+            <a:off x="1440180" y="2516505"/>
+            <a:ext cx="7199630" cy="4904740"/>
           </a:xfrm>
           <a:prstGeom prst="rect">
             <a:avLst/>
@@ -1989,22 +1985,14 @@
       </p:pic>
       <p:sp>
         <p:nvSpPr>
-          <p:cNvPr id="3" name="Text Box 9">
-            <a:extLst>
-              <a:ext uri="{FF2B5EF4-FFF2-40B4-BE49-F238E27FC236}">
-                <a16:creationId xmlns:a16="http://schemas.microsoft.com/office/drawing/2014/main" id="{69D525F8-97BF-456B-8600-B75422F592B8}"/>
-              </a:ext>
-            </a:extLst>
-          </p:cNvPr>
-          <p:cNvSpPr txBox="1">
-            <a:spLocks/>
-          </p:cNvSpPr>
+          <p:cNvPr id="3" name="Text Box 9"/>
+          <p:cNvSpPr txBox="1"/>
           <p:nvPr/>
         </p:nvSpPr>
         <p:spPr>
           <a:xfrm>
             <a:off x="5862248" y="1080688"/>
-            <a:ext cx="2647932" cy="1384995"/>
+            <a:ext cx="2647932" cy="1383665"/>
           </a:xfrm>
           <a:prstGeom prst="rect">
             <a:avLst/>
@@ -2019,25 +2007,25 @@
           <a:p>
             <a:r>
               <a:rPr lang="en-US" altLang="ja-JP" sz="1400" dirty="0"/>
-              <a:t>P</a:t>
+              <a:t>P gain</a:t>
             </a:r>
             <a:r>
               <a:rPr lang="ja-JP" altLang="en-US" sz="1400" dirty="0"/>
-              <a:t>ゲイン：</a:t>
-            </a:r>
-            <a:r>
-              <a:rPr lang="en-US" altLang="ja-JP" sz="1400" dirty="0"/>
-              <a:t>-10</a:t>
-            </a:r>
-          </a:p>
-          <a:p>
-            <a:r>
-              <a:rPr lang="en-US" altLang="ja-JP" sz="1400" dirty="0"/>
-              <a:t>I</a:t>
+              <a:t>：</a:t>
+            </a:r>
+            <a:r>
+              <a:rPr lang="en-US" altLang="ja-JP" sz="1400" dirty="0"/>
+              <a:t>-1</a:t>
+            </a:r>
+          </a:p>
+          <a:p>
+            <a:r>
+              <a:rPr lang="en-US" altLang="ja-JP" sz="1400" dirty="0"/>
+              <a:t>I gain</a:t>
             </a:r>
             <a:r>
               <a:rPr lang="ja-JP" altLang="en-US" sz="1400" dirty="0"/>
-              <a:t>ゲイン：</a:t>
+              <a:t>：</a:t>
             </a:r>
             <a:r>
               <a:rPr lang="en-US" altLang="ja-JP" sz="1400" dirty="0"/>
@@ -2047,11 +2035,11 @@
           <a:p>
             <a:r>
               <a:rPr lang="en-US" altLang="ja-JP" sz="1400" dirty="0"/>
-              <a:t>D</a:t>
+              <a:t>D gain</a:t>
             </a:r>
             <a:r>
               <a:rPr lang="ja-JP" altLang="en-US" sz="1400" dirty="0"/>
-              <a:t>ゲイン：</a:t>
+              <a:t>：</a:t>
             </a:r>
             <a:r>
               <a:rPr lang="en-US" altLang="ja-JP" sz="1400" dirty="0"/>
@@ -2064,16 +2052,10 @@
               <a:t>* </a:t>
             </a:r>
             <a:r>
-              <a:rPr lang="ja-JP" altLang="en-US" sz="1400" dirty="0"/>
-              <a:t>負の</a:t>
-            </a:r>
-            <a:r>
-              <a:rPr lang="en-US" altLang="ja-JP" sz="1400" dirty="0"/>
-              <a:t>elevator</a:t>
-            </a:r>
-            <a:r>
-              <a:rPr lang="ja-JP" altLang="en-US" sz="1400" dirty="0"/>
-              <a:t>角に対して正のピッチ角応答なので制御ゲインが負</a:t>
+              <a:rPr lang="en-US" sz="1400" dirty="0">
+                <a:sym typeface="+mn-ea"/>
+              </a:rPr>
+              <a:t>gains are negative because pitch increases with input of negative elevator angle</a:t>
             </a:r>
             <a:endParaRPr lang="en-US" altLang="ja-JP" sz="1400" dirty="0"/>
           </a:p>
@@ -2081,20 +2063,14 @@
       </p:sp>
       <p:sp>
         <p:nvSpPr>
-          <p:cNvPr id="5" name="Text Box 9">
-            <a:extLst>
-              <a:ext uri="{FF2B5EF4-FFF2-40B4-BE49-F238E27FC236}">
-                <a16:creationId xmlns:a16="http://schemas.microsoft.com/office/drawing/2014/main" id="{0274975C-C48C-4A49-8B04-8A6B6A69162B}"/>
-              </a:ext>
-            </a:extLst>
-          </p:cNvPr>
+          <p:cNvPr id="5" name="Text Box 9"/>
           <p:cNvSpPr txBox="1"/>
           <p:nvPr/>
         </p:nvSpPr>
         <p:spPr>
           <a:xfrm>
-            <a:off x="5262348" y="3161996"/>
-            <a:ext cx="1046169" cy="307777"/>
+            <a:off x="5457928" y="2855926"/>
+            <a:ext cx="1046169" cy="306705"/>
           </a:xfrm>
           <a:prstGeom prst="rect">
             <a:avLst/>
@@ -2108,30 +2084,23 @@
           <a:lstStyle/>
           <a:p>
             <a:r>
-              <a:rPr lang="ja-JP" altLang="en-US" sz="1400" dirty="0"/>
-              <a:t>ピッチ角</a:t>
+              <a:rPr lang="en-US" altLang="ja-JP" sz="1400" dirty="0"/>
+              <a:t>pitch angle</a:t>
             </a:r>
           </a:p>
         </p:txBody>
       </p:sp>
       <p:cxnSp>
         <p:nvCxnSpPr>
-          <p:cNvPr id="6" name="Straight Connector 12">
-            <a:extLst>
-              <a:ext uri="{FF2B5EF4-FFF2-40B4-BE49-F238E27FC236}">
-                <a16:creationId xmlns:a16="http://schemas.microsoft.com/office/drawing/2014/main" id="{09E37266-5A08-4A3C-BB78-078AB6597692}"/>
-              </a:ext>
-            </a:extLst>
-          </p:cNvPr>
+          <p:cNvPr id="6" name="Straight Connector 12"/>
           <p:cNvCxnSpPr>
-            <a:cxnSpLocks/>
             <a:endCxn id="5" idx="2"/>
           </p:cNvCxnSpPr>
           <p:nvPr/>
         </p:nvCxnSpPr>
         <p:spPr>
           <a:xfrm flipH="1" flipV="1">
-            <a:off x="5785433" y="3469773"/>
+            <a:off x="5981013" y="3163068"/>
             <a:ext cx="121468" cy="620129"/>
           </a:xfrm>
           <a:prstGeom prst="line">
@@ -2156,22 +2125,15 @@
       </p:cxnSp>
       <p:cxnSp>
         <p:nvCxnSpPr>
-          <p:cNvPr id="7" name="Straight Connector 12">
-            <a:extLst>
-              <a:ext uri="{FF2B5EF4-FFF2-40B4-BE49-F238E27FC236}">
-                <a16:creationId xmlns:a16="http://schemas.microsoft.com/office/drawing/2014/main" id="{71A8577F-3288-4FBF-8638-C6F42D78C187}"/>
-              </a:ext>
-            </a:extLst>
-          </p:cNvPr>
+          <p:cNvPr id="7" name="Straight Connector 12"/>
           <p:cNvCxnSpPr>
-            <a:cxnSpLocks/>
             <a:endCxn id="8" idx="2"/>
           </p:cNvCxnSpPr>
           <p:nvPr/>
         </p:nvCxnSpPr>
         <p:spPr>
           <a:xfrm flipH="1" flipV="1">
-            <a:off x="2534178" y="3839105"/>
+            <a:off x="2380508" y="3928005"/>
             <a:ext cx="623889" cy="538163"/>
           </a:xfrm>
           <a:prstGeom prst="line">
@@ -2196,20 +2158,14 @@
       </p:cxnSp>
       <p:sp>
         <p:nvSpPr>
-          <p:cNvPr id="8" name="Text Box 9">
-            <a:extLst>
-              <a:ext uri="{FF2B5EF4-FFF2-40B4-BE49-F238E27FC236}">
-                <a16:creationId xmlns:a16="http://schemas.microsoft.com/office/drawing/2014/main" id="{67BC8DDD-4919-4F17-8413-A7FF56F634B6}"/>
-              </a:ext>
-            </a:extLst>
-          </p:cNvPr>
+          <p:cNvPr id="8" name="Text Box 9"/>
           <p:cNvSpPr txBox="1"/>
           <p:nvPr/>
         </p:nvSpPr>
         <p:spPr>
           <a:xfrm>
-            <a:off x="2011093" y="3315885"/>
-            <a:ext cx="1046169" cy="523220"/>
+            <a:off x="1857423" y="3406055"/>
+            <a:ext cx="1046169" cy="521970"/>
           </a:xfrm>
           <a:prstGeom prst="rect">
             <a:avLst/>
@@ -2223,21 +2179,15 @@
           <a:lstStyle/>
           <a:p>
             <a:r>
-              <a:rPr lang="ja-JP" altLang="en-US" sz="1400" dirty="0"/>
-              <a:t>ピッチ角目標値</a:t>
+              <a:rPr lang="en-US" altLang="ja-JP" sz="1400" dirty="0"/>
+              <a:t>target pitch angle</a:t>
             </a:r>
           </a:p>
         </p:txBody>
       </p:sp>
       <p:pic>
         <p:nvPicPr>
-          <p:cNvPr id="10" name="図 9">
-            <a:extLst>
-              <a:ext uri="{FF2B5EF4-FFF2-40B4-BE49-F238E27FC236}">
-                <a16:creationId xmlns:a16="http://schemas.microsoft.com/office/drawing/2014/main" id="{052328F3-5E87-4BAB-B2C4-B8C639EE12CB}"/>
-              </a:ext>
-            </a:extLst>
-          </p:cNvPr>
+          <p:cNvPr id="2" name="Picture 1"/>
           <p:cNvPicPr>
             <a:picLocks noChangeAspect="1"/>
           </p:cNvPicPr>
@@ -2251,20 +2201,77 @@
         </p:blipFill>
         <p:spPr>
           <a:xfrm>
-            <a:off x="1480327" y="747638"/>
-            <a:ext cx="4275169" cy="1763326"/>
+            <a:off x="1450340" y="697865"/>
+            <a:ext cx="4358640" cy="1818640"/>
           </a:xfrm>
           <a:prstGeom prst="rect">
             <a:avLst/>
           </a:prstGeom>
         </p:spPr>
       </p:pic>
+      <p:cxnSp>
+        <p:nvCxnSpPr>
+          <p:cNvPr id="11" name="Straight Connector 12"/>
+          <p:cNvCxnSpPr>
+            <a:endCxn id="12" idx="0"/>
+          </p:cNvCxnSpPr>
+          <p:nvPr/>
+        </p:nvCxnSpPr>
+        <p:spPr>
+          <a:xfrm>
+            <a:off x="5558790" y="5946775"/>
+            <a:ext cx="222885" cy="494665"/>
+          </a:xfrm>
+          <a:prstGeom prst="line">
+            <a:avLst/>
+          </a:prstGeom>
+          <a:ln w="19050"/>
+        </p:spPr>
+        <p:style>
+          <a:lnRef idx="2">
+            <a:schemeClr val="accent1"/>
+          </a:lnRef>
+          <a:fillRef idx="0">
+            <a:schemeClr val="accent1"/>
+          </a:fillRef>
+          <a:effectRef idx="1">
+            <a:schemeClr val="accent1"/>
+          </a:effectRef>
+          <a:fontRef idx="minor">
+            <a:schemeClr val="tx1"/>
+          </a:fontRef>
+        </p:style>
+      </p:cxnSp>
+      <p:sp>
+        <p:nvSpPr>
+          <p:cNvPr id="12" name="Text Box 9"/>
+          <p:cNvSpPr txBox="1"/>
+          <p:nvPr/>
+        </p:nvSpPr>
+        <p:spPr>
+          <a:xfrm>
+            <a:off x="5136515" y="6441440"/>
+            <a:ext cx="1290320" cy="521970"/>
+          </a:xfrm>
+          <a:prstGeom prst="rect">
+            <a:avLst/>
+          </a:prstGeom>
+          <a:noFill/>
+        </p:spPr>
+        <p:txBody>
+          <a:bodyPr wrap="square" rtlCol="0">
+            <a:spAutoFit/>
+          </a:bodyPr>
+          <a:lstStyle/>
+          <a:p>
+            <a:r>
+              <a:rPr lang="en-US" altLang="ja-JP" sz="1400" dirty="0"/>
+              <a:t>elevator command</a:t>
+            </a:r>
+          </a:p>
+        </p:txBody>
+      </p:sp>
     </p:spTree>
-    <p:extLst>
-      <p:ext uri="{BB962C8B-B14F-4D97-AF65-F5344CB8AC3E}">
-        <p14:creationId xmlns:p14="http://schemas.microsoft.com/office/powerpoint/2010/main" val="1239670395"/>
-      </p:ext>
-    </p:extLst>
   </p:cSld>
   <p:clrMapOvr>
     <a:masterClrMapping/>
@@ -2291,13 +2298,7 @@
       </p:grpSpPr>
       <p:pic>
         <p:nvPicPr>
-          <p:cNvPr id="2" name="図 1">
-            <a:extLst>
-              <a:ext uri="{FF2B5EF4-FFF2-40B4-BE49-F238E27FC236}">
-                <a16:creationId xmlns:a16="http://schemas.microsoft.com/office/drawing/2014/main" id="{4C3729C5-B81B-4097-8D3E-D812EB3BD806}"/>
-              </a:ext>
-            </a:extLst>
-          </p:cNvPr>
+          <p:cNvPr id="6" name="Picture 5"/>
           <p:cNvPicPr>
             <a:picLocks noChangeAspect="1"/>
           </p:cNvPicPr>
@@ -2311,8 +2312,8 @@
         </p:blipFill>
         <p:spPr>
           <a:xfrm>
-            <a:off x="1597710" y="2484075"/>
-            <a:ext cx="6885203" cy="4877532"/>
+            <a:off x="1414780" y="2516505"/>
+            <a:ext cx="7108190" cy="4843780"/>
           </a:xfrm>
           <a:prstGeom prst="rect">
             <a:avLst/>
@@ -2321,20 +2322,14 @@
       </p:pic>
       <p:sp>
         <p:nvSpPr>
-          <p:cNvPr id="3" name="Text Box 9">
-            <a:extLst>
-              <a:ext uri="{FF2B5EF4-FFF2-40B4-BE49-F238E27FC236}">
-                <a16:creationId xmlns:a16="http://schemas.microsoft.com/office/drawing/2014/main" id="{A2945A37-F30C-4E4D-A6DF-DC3BF1814907}"/>
-              </a:ext>
-            </a:extLst>
-          </p:cNvPr>
+          <p:cNvPr id="3" name="Text Box 9"/>
           <p:cNvSpPr txBox="1"/>
           <p:nvPr/>
         </p:nvSpPr>
         <p:spPr>
           <a:xfrm>
-            <a:off x="4644226" y="3052364"/>
-            <a:ext cx="1046169" cy="307777"/>
+            <a:off x="2893531" y="3472734"/>
+            <a:ext cx="1046169" cy="306705"/>
           </a:xfrm>
           <a:prstGeom prst="rect">
             <a:avLst/>
@@ -2348,30 +2343,23 @@
           <a:lstStyle/>
           <a:p>
             <a:r>
-              <a:rPr lang="ja-JP" altLang="en-US" sz="1400" dirty="0"/>
-              <a:t>ピッチ角</a:t>
+              <a:rPr lang="en-US" altLang="ja-JP" sz="1400" dirty="0"/>
+              <a:t>pitch angle</a:t>
             </a:r>
           </a:p>
         </p:txBody>
       </p:sp>
       <p:cxnSp>
         <p:nvCxnSpPr>
-          <p:cNvPr id="4" name="Straight Connector 12">
-            <a:extLst>
-              <a:ext uri="{FF2B5EF4-FFF2-40B4-BE49-F238E27FC236}">
-                <a16:creationId xmlns:a16="http://schemas.microsoft.com/office/drawing/2014/main" id="{C0D790B8-7620-4835-A3D6-88FAE7FE5CD0}"/>
-              </a:ext>
-            </a:extLst>
-          </p:cNvPr>
+          <p:cNvPr id="4" name="Straight Connector 12"/>
           <p:cNvCxnSpPr>
-            <a:cxnSpLocks/>
             <a:endCxn id="3" idx="2"/>
           </p:cNvCxnSpPr>
           <p:nvPr/>
         </p:nvCxnSpPr>
         <p:spPr>
           <a:xfrm flipH="1" flipV="1">
-            <a:off x="5167311" y="3360141"/>
+            <a:off x="3417251" y="3779241"/>
             <a:ext cx="217488" cy="534528"/>
           </a:xfrm>
           <a:prstGeom prst="line">
@@ -2396,22 +2384,15 @@
       </p:cxnSp>
       <p:cxnSp>
         <p:nvCxnSpPr>
-          <p:cNvPr id="7" name="Straight Connector 12">
-            <a:extLst>
-              <a:ext uri="{FF2B5EF4-FFF2-40B4-BE49-F238E27FC236}">
-                <a16:creationId xmlns:a16="http://schemas.microsoft.com/office/drawing/2014/main" id="{03DFB120-956D-492C-B2AE-E07F68CF1EF8}"/>
-              </a:ext>
-            </a:extLst>
-          </p:cNvPr>
+          <p:cNvPr id="7" name="Straight Connector 12"/>
           <p:cNvCxnSpPr>
-            <a:cxnSpLocks/>
             <a:endCxn id="8" idx="2"/>
           </p:cNvCxnSpPr>
           <p:nvPr/>
         </p:nvCxnSpPr>
         <p:spPr>
           <a:xfrm flipH="1" flipV="1">
-            <a:off x="2424111" y="4601105"/>
+            <a:off x="2370771" y="4175655"/>
             <a:ext cx="623889" cy="538163"/>
           </a:xfrm>
           <a:prstGeom prst="line">
@@ -2436,20 +2417,14 @@
       </p:cxnSp>
       <p:sp>
         <p:nvSpPr>
-          <p:cNvPr id="8" name="Text Box 9">
-            <a:extLst>
-              <a:ext uri="{FF2B5EF4-FFF2-40B4-BE49-F238E27FC236}">
-                <a16:creationId xmlns:a16="http://schemas.microsoft.com/office/drawing/2014/main" id="{276FD6B5-8657-49D8-906F-B0228807677A}"/>
-              </a:ext>
-            </a:extLst>
-          </p:cNvPr>
+          <p:cNvPr id="8" name="Text Box 9"/>
           <p:cNvSpPr txBox="1"/>
           <p:nvPr/>
         </p:nvSpPr>
         <p:spPr>
           <a:xfrm>
-            <a:off x="1901026" y="4077885"/>
-            <a:ext cx="1046169" cy="523220"/>
+            <a:off x="1847051" y="3653705"/>
+            <a:ext cx="1046169" cy="521970"/>
           </a:xfrm>
           <a:prstGeom prst="rect">
             <a:avLst/>
@@ -2463,30 +2438,22 @@
           <a:lstStyle/>
           <a:p>
             <a:r>
-              <a:rPr lang="ja-JP" altLang="en-US" sz="1400" dirty="0"/>
-              <a:t>ピッチ角目標値</a:t>
-            </a:r>
-          </a:p>
-        </p:txBody>
-      </p:sp>
-      <p:sp>
-        <p:nvSpPr>
-          <p:cNvPr id="15" name="Text Box 9">
-            <a:extLst>
-              <a:ext uri="{FF2B5EF4-FFF2-40B4-BE49-F238E27FC236}">
-                <a16:creationId xmlns:a16="http://schemas.microsoft.com/office/drawing/2014/main" id="{A81983F5-1BF0-4649-B3AD-318B36F5AD73}"/>
-              </a:ext>
-            </a:extLst>
-          </p:cNvPr>
-          <p:cNvSpPr txBox="1">
-            <a:spLocks/>
-          </p:cNvSpPr>
+              <a:rPr lang="en-US" altLang="ja-JP" sz="1400" dirty="0"/>
+              <a:t>target pitch angle</a:t>
+            </a:r>
+          </a:p>
+        </p:txBody>
+      </p:sp>
+      <p:sp>
+        <p:nvSpPr>
+          <p:cNvPr id="15" name="Text Box 9"/>
+          <p:cNvSpPr txBox="1"/>
           <p:nvPr/>
         </p:nvSpPr>
         <p:spPr>
           <a:xfrm>
             <a:off x="5862248" y="1080688"/>
-            <a:ext cx="2647932" cy="1384995"/>
+            <a:ext cx="2647932" cy="1383665"/>
           </a:xfrm>
           <a:prstGeom prst="rect">
             <a:avLst/>
@@ -2501,39 +2468,39 @@
           <a:p>
             <a:r>
               <a:rPr lang="en-US" altLang="ja-JP" sz="1400" dirty="0"/>
-              <a:t>P</a:t>
+              <a:t>P gain</a:t>
             </a:r>
             <a:r>
               <a:rPr lang="ja-JP" altLang="en-US" sz="1400" dirty="0"/>
-              <a:t>ゲイン：</a:t>
-            </a:r>
-            <a:r>
-              <a:rPr lang="en-US" altLang="ja-JP" sz="1400" dirty="0"/>
-              <a:t>-10</a:t>
-            </a:r>
-          </a:p>
-          <a:p>
-            <a:r>
-              <a:rPr lang="en-US" altLang="ja-JP" sz="1400" dirty="0"/>
-              <a:t>I</a:t>
+              <a:t>：</a:t>
+            </a:r>
+            <a:r>
+              <a:rPr lang="en-US" altLang="ja-JP" sz="1400" dirty="0"/>
+              <a:t>-2</a:t>
+            </a:r>
+          </a:p>
+          <a:p>
+            <a:r>
+              <a:rPr lang="en-US" altLang="ja-JP" sz="1400" dirty="0"/>
+              <a:t>I gain</a:t>
             </a:r>
             <a:r>
               <a:rPr lang="ja-JP" altLang="en-US" sz="1400" dirty="0"/>
-              <a:t>ゲイン：</a:t>
-            </a:r>
-            <a:r>
-              <a:rPr lang="en-US" altLang="ja-JP" sz="1400" dirty="0"/>
-              <a:t>-1</a:t>
-            </a:r>
-          </a:p>
-          <a:p>
-            <a:r>
-              <a:rPr lang="en-US" altLang="ja-JP" sz="1400" dirty="0"/>
-              <a:t>D</a:t>
+              <a:t>：</a:t>
+            </a:r>
+            <a:r>
+              <a:rPr lang="en-US" altLang="ja-JP" sz="1400" dirty="0"/>
+              <a:t>0</a:t>
+            </a:r>
+          </a:p>
+          <a:p>
+            <a:r>
+              <a:rPr lang="en-US" altLang="ja-JP" sz="1400" dirty="0"/>
+              <a:t>D gain</a:t>
             </a:r>
             <a:r>
               <a:rPr lang="ja-JP" altLang="en-US" sz="1400" dirty="0"/>
-              <a:t>ゲイン：</a:t>
+              <a:t>：</a:t>
             </a:r>
             <a:r>
               <a:rPr lang="en-US" altLang="ja-JP" sz="1400" dirty="0"/>
@@ -2546,16 +2513,10 @@
               <a:t>* </a:t>
             </a:r>
             <a:r>
-              <a:rPr lang="ja-JP" altLang="en-US" sz="1400" dirty="0"/>
-              <a:t>負の</a:t>
-            </a:r>
-            <a:r>
-              <a:rPr lang="en-US" altLang="ja-JP" sz="1400" dirty="0"/>
-              <a:t>elevator</a:t>
-            </a:r>
-            <a:r>
-              <a:rPr lang="ja-JP" altLang="en-US" sz="1400" dirty="0"/>
-              <a:t>角に対して正のピッチ角応答なので制御ゲインが負</a:t>
+              <a:rPr lang="en-US" sz="1400" dirty="0">
+                <a:sym typeface="+mn-ea"/>
+              </a:rPr>
+              <a:t>gains are negative because pitch increases with input of negative elevator angle</a:t>
             </a:r>
             <a:endParaRPr lang="en-US" altLang="ja-JP" sz="1400" dirty="0"/>
           </a:p>
@@ -2563,13 +2524,7 @@
       </p:sp>
       <p:pic>
         <p:nvPicPr>
-          <p:cNvPr id="9" name="図 8">
-            <a:extLst>
-              <a:ext uri="{FF2B5EF4-FFF2-40B4-BE49-F238E27FC236}">
-                <a16:creationId xmlns:a16="http://schemas.microsoft.com/office/drawing/2014/main" id="{7A6C07EF-1F7B-4147-A32A-EE053BE4F8B1}"/>
-              </a:ext>
-            </a:extLst>
-          </p:cNvPr>
+          <p:cNvPr id="5" name="Picture 4"/>
           <p:cNvPicPr>
             <a:picLocks noChangeAspect="1"/>
           </p:cNvPicPr>
@@ -2583,20 +2538,77 @@
         </p:blipFill>
         <p:spPr>
           <a:xfrm>
-            <a:off x="1480327" y="747638"/>
-            <a:ext cx="4275169" cy="1763326"/>
+            <a:off x="1414780" y="697865"/>
+            <a:ext cx="4358640" cy="1818640"/>
           </a:xfrm>
           <a:prstGeom prst="rect">
             <a:avLst/>
           </a:prstGeom>
         </p:spPr>
       </p:pic>
+      <p:cxnSp>
+        <p:nvCxnSpPr>
+          <p:cNvPr id="11" name="Straight Connector 12"/>
+          <p:cNvCxnSpPr>
+            <a:endCxn id="12" idx="0"/>
+          </p:cNvCxnSpPr>
+          <p:nvPr/>
+        </p:nvCxnSpPr>
+        <p:spPr>
+          <a:xfrm>
+            <a:off x="5422265" y="6072505"/>
+            <a:ext cx="222885" cy="494665"/>
+          </a:xfrm>
+          <a:prstGeom prst="line">
+            <a:avLst/>
+          </a:prstGeom>
+          <a:ln w="19050"/>
+        </p:spPr>
+        <p:style>
+          <a:lnRef idx="2">
+            <a:schemeClr val="accent1"/>
+          </a:lnRef>
+          <a:fillRef idx="0">
+            <a:schemeClr val="accent1"/>
+          </a:fillRef>
+          <a:effectRef idx="1">
+            <a:schemeClr val="accent1"/>
+          </a:effectRef>
+          <a:fontRef idx="minor">
+            <a:schemeClr val="tx1"/>
+          </a:fontRef>
+        </p:style>
+      </p:cxnSp>
+      <p:sp>
+        <p:nvSpPr>
+          <p:cNvPr id="12" name="Text Box 9"/>
+          <p:cNvSpPr txBox="1"/>
+          <p:nvPr/>
+        </p:nvSpPr>
+        <p:spPr>
+          <a:xfrm>
+            <a:off x="4999990" y="6567170"/>
+            <a:ext cx="1290320" cy="521970"/>
+          </a:xfrm>
+          <a:prstGeom prst="rect">
+            <a:avLst/>
+          </a:prstGeom>
+          <a:noFill/>
+        </p:spPr>
+        <p:txBody>
+          <a:bodyPr wrap="square" rtlCol="0">
+            <a:spAutoFit/>
+          </a:bodyPr>
+          <a:lstStyle/>
+          <a:p>
+            <a:r>
+              <a:rPr lang="en-US" altLang="ja-JP" sz="1400" dirty="0"/>
+              <a:t>elevator command</a:t>
+            </a:r>
+          </a:p>
+        </p:txBody>
+      </p:sp>
     </p:spTree>
-    <p:extLst>
-      <p:ext uri="{BB962C8B-B14F-4D97-AF65-F5344CB8AC3E}">
-        <p14:creationId xmlns:p14="http://schemas.microsoft.com/office/powerpoint/2010/main" val="2166180632"/>
-      </p:ext>
-    </p:extLst>
   </p:cSld>
   <p:clrMapOvr>
     <a:masterClrMapping/>
@@ -2626,7 +2638,7 @@
           <p:cNvPr id="5" name="図 4">
             <a:extLst>
               <a:ext uri="{FF2B5EF4-FFF2-40B4-BE49-F238E27FC236}">
-                <a16:creationId xmlns:a16="http://schemas.microsoft.com/office/drawing/2014/main" id="{7DAA2BE0-F4DF-4065-B4F5-817269BA927E}"/>
+                <a16:creationId xmlns:a16="http://schemas.microsoft.com/office/drawing/2014/main" id="{0D6D16B9-1A00-4843-BB35-EE3DC5531E72}"/>
               </a:ext>
             </a:extLst>
           </p:cNvPr>
@@ -2643,8 +2655,8 @@
         </p:blipFill>
         <p:spPr>
           <a:xfrm>
-            <a:off x="1529977" y="2535397"/>
-            <a:ext cx="6885203" cy="4893412"/>
+            <a:off x="1450340" y="2516505"/>
+            <a:ext cx="6885203" cy="4567126"/>
           </a:xfrm>
           <a:prstGeom prst="rect">
             <a:avLst/>
@@ -2653,20 +2665,14 @@
       </p:pic>
       <p:sp>
         <p:nvSpPr>
-          <p:cNvPr id="3" name="Text Box 9">
-            <a:extLst>
-              <a:ext uri="{FF2B5EF4-FFF2-40B4-BE49-F238E27FC236}">
-                <a16:creationId xmlns:a16="http://schemas.microsoft.com/office/drawing/2014/main" id="{A2945A37-F30C-4E4D-A6DF-DC3BF1814907}"/>
-              </a:ext>
-            </a:extLst>
-          </p:cNvPr>
+          <p:cNvPr id="3" name="Text Box 9"/>
           <p:cNvSpPr txBox="1"/>
           <p:nvPr/>
         </p:nvSpPr>
         <p:spPr>
           <a:xfrm>
-            <a:off x="4622318" y="2798364"/>
-            <a:ext cx="1046169" cy="307777"/>
+            <a:off x="2921795" y="3473132"/>
+            <a:ext cx="1046169" cy="306705"/>
           </a:xfrm>
           <a:prstGeom prst="rect">
             <a:avLst/>
@@ -2680,30 +2686,23 @@
           <a:lstStyle/>
           <a:p>
             <a:r>
-              <a:rPr lang="ja-JP" altLang="en-US" sz="1400" dirty="0"/>
-              <a:t>ピッチ角</a:t>
+              <a:rPr lang="en-US" altLang="ja-JP" sz="1400" dirty="0"/>
+              <a:t>pitch angle</a:t>
             </a:r>
           </a:p>
         </p:txBody>
       </p:sp>
       <p:cxnSp>
         <p:nvCxnSpPr>
-          <p:cNvPr id="4" name="Straight Connector 12">
-            <a:extLst>
-              <a:ext uri="{FF2B5EF4-FFF2-40B4-BE49-F238E27FC236}">
-                <a16:creationId xmlns:a16="http://schemas.microsoft.com/office/drawing/2014/main" id="{C0D790B8-7620-4835-A3D6-88FAE7FE5CD0}"/>
-              </a:ext>
-            </a:extLst>
-          </p:cNvPr>
+          <p:cNvPr id="4" name="Straight Connector 12"/>
           <p:cNvCxnSpPr>
-            <a:cxnSpLocks/>
             <a:endCxn id="3" idx="2"/>
           </p:cNvCxnSpPr>
           <p:nvPr/>
         </p:nvCxnSpPr>
         <p:spPr>
           <a:xfrm flipH="1" flipV="1">
-            <a:off x="5145403" y="3106141"/>
+            <a:off x="3444880" y="3779639"/>
             <a:ext cx="197064" cy="412086"/>
           </a:xfrm>
           <a:prstGeom prst="line">
@@ -2728,22 +2727,15 @@
       </p:cxnSp>
       <p:cxnSp>
         <p:nvCxnSpPr>
-          <p:cNvPr id="7" name="Straight Connector 12">
-            <a:extLst>
-              <a:ext uri="{FF2B5EF4-FFF2-40B4-BE49-F238E27FC236}">
-                <a16:creationId xmlns:a16="http://schemas.microsoft.com/office/drawing/2014/main" id="{03DFB120-956D-492C-B2AE-E07F68CF1EF8}"/>
-              </a:ext>
-            </a:extLst>
-          </p:cNvPr>
+          <p:cNvPr id="7" name="Straight Connector 12"/>
           <p:cNvCxnSpPr>
-            <a:cxnSpLocks/>
             <a:endCxn id="8" idx="2"/>
           </p:cNvCxnSpPr>
           <p:nvPr/>
         </p:nvCxnSpPr>
         <p:spPr>
           <a:xfrm flipH="1" flipV="1">
-            <a:off x="2398711" y="4041447"/>
+            <a:off x="2399346" y="4040812"/>
             <a:ext cx="623889" cy="538163"/>
           </a:xfrm>
           <a:prstGeom prst="line">
@@ -2768,20 +2760,14 @@
       </p:cxnSp>
       <p:sp>
         <p:nvSpPr>
-          <p:cNvPr id="8" name="Text Box 9">
-            <a:extLst>
-              <a:ext uri="{FF2B5EF4-FFF2-40B4-BE49-F238E27FC236}">
-                <a16:creationId xmlns:a16="http://schemas.microsoft.com/office/drawing/2014/main" id="{276FD6B5-8657-49D8-906F-B0228807677A}"/>
-              </a:ext>
-            </a:extLst>
-          </p:cNvPr>
+          <p:cNvPr id="8" name="Text Box 9"/>
           <p:cNvSpPr txBox="1"/>
           <p:nvPr/>
         </p:nvSpPr>
         <p:spPr>
           <a:xfrm>
             <a:off x="1875626" y="3518227"/>
-            <a:ext cx="1046169" cy="523220"/>
+            <a:ext cx="1046169" cy="521970"/>
           </a:xfrm>
           <a:prstGeom prst="rect">
             <a:avLst/>
@@ -2795,30 +2781,22 @@
           <a:lstStyle/>
           <a:p>
             <a:r>
-              <a:rPr lang="ja-JP" altLang="en-US" sz="1400" dirty="0"/>
-              <a:t>ピッチ角目標値</a:t>
-            </a:r>
-          </a:p>
-        </p:txBody>
-      </p:sp>
-      <p:sp>
-        <p:nvSpPr>
-          <p:cNvPr id="15" name="Text Box 9">
-            <a:extLst>
-              <a:ext uri="{FF2B5EF4-FFF2-40B4-BE49-F238E27FC236}">
-                <a16:creationId xmlns:a16="http://schemas.microsoft.com/office/drawing/2014/main" id="{A81983F5-1BF0-4649-B3AD-318B36F5AD73}"/>
-              </a:ext>
-            </a:extLst>
-          </p:cNvPr>
-          <p:cNvSpPr txBox="1">
-            <a:spLocks/>
-          </p:cNvSpPr>
+              <a:rPr lang="en-US" altLang="ja-JP" sz="1400" dirty="0"/>
+              <a:t>target pitch angle</a:t>
+            </a:r>
+          </a:p>
+        </p:txBody>
+      </p:sp>
+      <p:sp>
+        <p:nvSpPr>
+          <p:cNvPr id="15" name="Text Box 9"/>
+          <p:cNvSpPr txBox="1"/>
           <p:nvPr/>
         </p:nvSpPr>
         <p:spPr>
           <a:xfrm>
             <a:off x="5862248" y="1080688"/>
-            <a:ext cx="2647932" cy="1384995"/>
+            <a:ext cx="2647932" cy="1383665"/>
           </a:xfrm>
           <a:prstGeom prst="rect">
             <a:avLst/>
@@ -2833,25 +2811,25 @@
           <a:p>
             <a:r>
               <a:rPr lang="en-US" altLang="ja-JP" sz="1400" dirty="0"/>
-              <a:t>P</a:t>
+              <a:t>P gain</a:t>
             </a:r>
             <a:r>
               <a:rPr lang="ja-JP" altLang="en-US" sz="1400" dirty="0"/>
-              <a:t>ゲイン：</a:t>
-            </a:r>
-            <a:r>
-              <a:rPr lang="en-US" altLang="ja-JP" sz="1400" dirty="0"/>
-              <a:t>-10</a:t>
-            </a:r>
-          </a:p>
-          <a:p>
-            <a:r>
-              <a:rPr lang="en-US" altLang="ja-JP" sz="1400" dirty="0"/>
-              <a:t>I</a:t>
+              <a:t>：</a:t>
+            </a:r>
+            <a:r>
+              <a:rPr lang="en-US" altLang="ja-JP" sz="1400" dirty="0"/>
+              <a:t>-2</a:t>
+            </a:r>
+          </a:p>
+          <a:p>
+            <a:r>
+              <a:rPr lang="en-US" altLang="ja-JP" sz="1400" dirty="0"/>
+              <a:t>I gain</a:t>
             </a:r>
             <a:r>
               <a:rPr lang="ja-JP" altLang="en-US" sz="1400" dirty="0"/>
-              <a:t>ゲイン：</a:t>
+              <a:t>：</a:t>
             </a:r>
             <a:r>
               <a:rPr lang="en-US" altLang="ja-JP" sz="1400" dirty="0"/>
@@ -2861,15 +2839,15 @@
           <a:p>
             <a:r>
               <a:rPr lang="en-US" altLang="ja-JP" sz="1400" dirty="0"/>
-              <a:t>D</a:t>
+              <a:t>D gain</a:t>
             </a:r>
             <a:r>
               <a:rPr lang="ja-JP" altLang="en-US" sz="1400" dirty="0"/>
-              <a:t>ゲイン：</a:t>
-            </a:r>
-            <a:r>
-              <a:rPr lang="en-US" altLang="ja-JP" sz="1400" dirty="0"/>
-              <a:t>-0.5</a:t>
+              <a:t>：</a:t>
+            </a:r>
+            <a:r>
+              <a:rPr lang="en-US" altLang="ja-JP" sz="1400" dirty="0"/>
+              <a:t>0</a:t>
             </a:r>
           </a:p>
           <a:p>
@@ -2878,16 +2856,10 @@
               <a:t>* </a:t>
             </a:r>
             <a:r>
-              <a:rPr lang="ja-JP" altLang="en-US" sz="1400" dirty="0"/>
-              <a:t>負の</a:t>
-            </a:r>
-            <a:r>
-              <a:rPr lang="en-US" altLang="ja-JP" sz="1400" dirty="0"/>
-              <a:t>elevator</a:t>
-            </a:r>
-            <a:r>
-              <a:rPr lang="ja-JP" altLang="en-US" sz="1400" dirty="0"/>
-              <a:t>角に対して正のピッチ角応答なので制御ゲインが負</a:t>
+              <a:rPr lang="en-US" sz="1400" dirty="0">
+                <a:sym typeface="+mn-ea"/>
+              </a:rPr>
+              <a:t>gains are negative because pitch increases with input of negative elevator angle</a:t>
             </a:r>
             <a:endParaRPr lang="en-US" altLang="ja-JP" sz="1400" dirty="0"/>
           </a:p>
@@ -2895,13 +2867,7 @@
       </p:sp>
       <p:pic>
         <p:nvPicPr>
-          <p:cNvPr id="9" name="図 8">
-            <a:extLst>
-              <a:ext uri="{FF2B5EF4-FFF2-40B4-BE49-F238E27FC236}">
-                <a16:creationId xmlns:a16="http://schemas.microsoft.com/office/drawing/2014/main" id="{83133867-6691-4D75-84DD-23BF08989AAD}"/>
-              </a:ext>
-            </a:extLst>
-          </p:cNvPr>
+          <p:cNvPr id="2" name="Picture 1"/>
           <p:cNvPicPr>
             <a:picLocks noChangeAspect="1"/>
           </p:cNvPicPr>
@@ -2915,20 +2881,90 @@
         </p:blipFill>
         <p:spPr>
           <a:xfrm>
-            <a:off x="1480327" y="747638"/>
-            <a:ext cx="4275169" cy="1763326"/>
+            <a:off x="1450340" y="697865"/>
+            <a:ext cx="4358640" cy="1818640"/>
           </a:xfrm>
           <a:prstGeom prst="rect">
             <a:avLst/>
           </a:prstGeom>
         </p:spPr>
       </p:pic>
+      <p:sp>
+        <p:nvSpPr>
+          <p:cNvPr id="9" name="Text Box 9">
+            <a:extLst>
+              <a:ext uri="{FF2B5EF4-FFF2-40B4-BE49-F238E27FC236}">
+                <a16:creationId xmlns:a16="http://schemas.microsoft.com/office/drawing/2014/main" id="{1C8929F6-C860-40B5-8758-F115785F7015}"/>
+              </a:ext>
+            </a:extLst>
+          </p:cNvPr>
+          <p:cNvSpPr txBox="1"/>
+          <p:nvPr/>
+        </p:nvSpPr>
+        <p:spPr>
+          <a:xfrm>
+            <a:off x="3983990" y="6245438"/>
+            <a:ext cx="1290320" cy="521970"/>
+          </a:xfrm>
+          <a:prstGeom prst="rect">
+            <a:avLst/>
+          </a:prstGeom>
+          <a:noFill/>
+        </p:spPr>
+        <p:txBody>
+          <a:bodyPr wrap="square" rtlCol="0">
+            <a:spAutoFit/>
+          </a:bodyPr>
+          <a:lstStyle/>
+          <a:p>
+            <a:r>
+              <a:rPr lang="en-US" altLang="ja-JP" sz="1400" dirty="0"/>
+              <a:t>elevator command</a:t>
+            </a:r>
+          </a:p>
+        </p:txBody>
+      </p:sp>
+      <p:cxnSp>
+        <p:nvCxnSpPr>
+          <p:cNvPr id="10" name="Straight Connector 12">
+            <a:extLst>
+              <a:ext uri="{FF2B5EF4-FFF2-40B4-BE49-F238E27FC236}">
+                <a16:creationId xmlns:a16="http://schemas.microsoft.com/office/drawing/2014/main" id="{606DF56A-20D8-4FE9-82A2-354F8405D4E7}"/>
+              </a:ext>
+            </a:extLst>
+          </p:cNvPr>
+          <p:cNvCxnSpPr>
+            <a:cxnSpLocks/>
+            <a:endCxn id="9" idx="0"/>
+          </p:cNvCxnSpPr>
+          <p:nvPr/>
+        </p:nvCxnSpPr>
+        <p:spPr>
+          <a:xfrm>
+            <a:off x="4538133" y="5833533"/>
+            <a:ext cx="91017" cy="411905"/>
+          </a:xfrm>
+          <a:prstGeom prst="line">
+            <a:avLst/>
+          </a:prstGeom>
+          <a:ln w="19050"/>
+        </p:spPr>
+        <p:style>
+          <a:lnRef idx="2">
+            <a:schemeClr val="accent1"/>
+          </a:lnRef>
+          <a:fillRef idx="0">
+            <a:schemeClr val="accent1"/>
+          </a:fillRef>
+          <a:effectRef idx="1">
+            <a:schemeClr val="accent1"/>
+          </a:effectRef>
+          <a:fontRef idx="minor">
+            <a:schemeClr val="tx1"/>
+          </a:fontRef>
+        </p:style>
+      </p:cxnSp>
     </p:spTree>
-    <p:extLst>
-      <p:ext uri="{BB962C8B-B14F-4D97-AF65-F5344CB8AC3E}">
-        <p14:creationId xmlns:p14="http://schemas.microsoft.com/office/powerpoint/2010/main" val="2511497470"/>
-      </p:ext>
-    </p:extLst>
   </p:cSld>
   <p:clrMapOvr>
     <a:masterClrMapping/>
@@ -2958,7 +2994,7 @@
           <p:cNvPr id="2" name="図 1">
             <a:extLst>
               <a:ext uri="{FF2B5EF4-FFF2-40B4-BE49-F238E27FC236}">
-                <a16:creationId xmlns:a16="http://schemas.microsoft.com/office/drawing/2014/main" id="{EBBFEA5C-A8A7-48D0-9ABB-45C0D4B7C8D4}"/>
+                <a16:creationId xmlns:a16="http://schemas.microsoft.com/office/drawing/2014/main" id="{8ED40D28-8A13-4790-AF37-1205C5E06777}"/>
               </a:ext>
             </a:extLst>
           </p:cNvPr>
@@ -2975,8 +3011,8 @@
         </p:blipFill>
         <p:spPr>
           <a:xfrm>
-            <a:off x="1572309" y="2176845"/>
-            <a:ext cx="6885203" cy="4916244"/>
+            <a:off x="1345565" y="2441153"/>
+            <a:ext cx="6885203" cy="4557486"/>
           </a:xfrm>
           <a:prstGeom prst="rect">
             <a:avLst/>
@@ -2985,20 +3021,14 @@
       </p:pic>
       <p:sp>
         <p:nvSpPr>
-          <p:cNvPr id="3" name="Text Box 9">
-            <a:extLst>
-              <a:ext uri="{FF2B5EF4-FFF2-40B4-BE49-F238E27FC236}">
-                <a16:creationId xmlns:a16="http://schemas.microsoft.com/office/drawing/2014/main" id="{A2945A37-F30C-4E4D-A6DF-DC3BF1814907}"/>
-              </a:ext>
-            </a:extLst>
-          </p:cNvPr>
+          <p:cNvPr id="3" name="Text Box 9"/>
           <p:cNvSpPr txBox="1"/>
           <p:nvPr/>
         </p:nvSpPr>
         <p:spPr>
           <a:xfrm>
-            <a:off x="4622318" y="2442764"/>
-            <a:ext cx="1046169" cy="307777"/>
+            <a:off x="4517227" y="2754314"/>
+            <a:ext cx="1046169" cy="306705"/>
           </a:xfrm>
           <a:prstGeom prst="rect">
             <a:avLst/>
@@ -3012,21 +3042,15 @@
           <a:lstStyle/>
           <a:p>
             <a:r>
-              <a:rPr lang="ja-JP" altLang="en-US" sz="1400" dirty="0"/>
-              <a:t>ピッチ角</a:t>
+              <a:rPr lang="en-US" altLang="ja-JP" sz="1400" dirty="0"/>
+              <a:t>pitch angle</a:t>
             </a:r>
           </a:p>
         </p:txBody>
       </p:sp>
       <p:cxnSp>
         <p:nvCxnSpPr>
-          <p:cNvPr id="4" name="Straight Connector 12">
-            <a:extLst>
-              <a:ext uri="{FF2B5EF4-FFF2-40B4-BE49-F238E27FC236}">
-                <a16:creationId xmlns:a16="http://schemas.microsoft.com/office/drawing/2014/main" id="{C0D790B8-7620-4835-A3D6-88FAE7FE5CD0}"/>
-              </a:ext>
-            </a:extLst>
-          </p:cNvPr>
+          <p:cNvPr id="4" name="Straight Connector 12"/>
           <p:cNvCxnSpPr>
             <a:cxnSpLocks/>
             <a:endCxn id="3" idx="2"/>
@@ -3035,8 +3059,8 @@
         </p:nvCxnSpPr>
         <p:spPr>
           <a:xfrm flipH="1" flipV="1">
-            <a:off x="5145403" y="2750541"/>
-            <a:ext cx="188597" cy="822392"/>
+            <a:off x="5040312" y="3061019"/>
+            <a:ext cx="166688" cy="437312"/>
           </a:xfrm>
           <a:prstGeom prst="line">
             <a:avLst/>
@@ -3060,13 +3084,7 @@
       </p:cxnSp>
       <p:cxnSp>
         <p:nvCxnSpPr>
-          <p:cNvPr id="7" name="Straight Connector 12">
-            <a:extLst>
-              <a:ext uri="{FF2B5EF4-FFF2-40B4-BE49-F238E27FC236}">
-                <a16:creationId xmlns:a16="http://schemas.microsoft.com/office/drawing/2014/main" id="{03DFB120-956D-492C-B2AE-E07F68CF1EF8}"/>
-              </a:ext>
-            </a:extLst>
-          </p:cNvPr>
+          <p:cNvPr id="7" name="Straight Connector 12"/>
           <p:cNvCxnSpPr>
             <a:cxnSpLocks/>
             <a:endCxn id="8" idx="2"/>
@@ -3075,8 +3093,8 @@
         </p:nvCxnSpPr>
         <p:spPr>
           <a:xfrm flipH="1" flipV="1">
-            <a:off x="2398711" y="3685847"/>
-            <a:ext cx="623889" cy="538163"/>
+            <a:off x="2372942" y="3498331"/>
+            <a:ext cx="523084" cy="332400"/>
           </a:xfrm>
           <a:prstGeom prst="line">
             <a:avLst/>
@@ -3100,20 +3118,14 @@
       </p:cxnSp>
       <p:sp>
         <p:nvSpPr>
-          <p:cNvPr id="8" name="Text Box 9">
-            <a:extLst>
-              <a:ext uri="{FF2B5EF4-FFF2-40B4-BE49-F238E27FC236}">
-                <a16:creationId xmlns:a16="http://schemas.microsoft.com/office/drawing/2014/main" id="{276FD6B5-8657-49D8-906F-B0228807677A}"/>
-              </a:ext>
-            </a:extLst>
-          </p:cNvPr>
+          <p:cNvPr id="8" name="Text Box 9"/>
           <p:cNvSpPr txBox="1"/>
           <p:nvPr/>
         </p:nvSpPr>
         <p:spPr>
           <a:xfrm>
-            <a:off x="1875626" y="3162627"/>
-            <a:ext cx="1046169" cy="523220"/>
+            <a:off x="1849857" y="2976361"/>
+            <a:ext cx="1046169" cy="521970"/>
           </a:xfrm>
           <a:prstGeom prst="rect">
             <a:avLst/>
@@ -3127,30 +3139,22 @@
           <a:lstStyle/>
           <a:p>
             <a:r>
-              <a:rPr lang="ja-JP" altLang="en-US" sz="1400" dirty="0"/>
-              <a:t>ピッチ角目標値</a:t>
-            </a:r>
-          </a:p>
-        </p:txBody>
-      </p:sp>
-      <p:sp>
-        <p:nvSpPr>
-          <p:cNvPr id="15" name="Text Box 9">
-            <a:extLst>
-              <a:ext uri="{FF2B5EF4-FFF2-40B4-BE49-F238E27FC236}">
-                <a16:creationId xmlns:a16="http://schemas.microsoft.com/office/drawing/2014/main" id="{A81983F5-1BF0-4649-B3AD-318B36F5AD73}"/>
-              </a:ext>
-            </a:extLst>
-          </p:cNvPr>
-          <p:cNvSpPr txBox="1">
-            <a:spLocks/>
-          </p:cNvSpPr>
+              <a:rPr lang="en-US" altLang="ja-JP" sz="1400" dirty="0"/>
+              <a:t>target pitch angle</a:t>
+            </a:r>
+          </a:p>
+        </p:txBody>
+      </p:sp>
+      <p:sp>
+        <p:nvSpPr>
+          <p:cNvPr id="15" name="Text Box 9"/>
+          <p:cNvSpPr txBox="1"/>
           <p:nvPr/>
         </p:nvSpPr>
         <p:spPr>
           <a:xfrm>
             <a:off x="5862248" y="725088"/>
-            <a:ext cx="2647932" cy="1384995"/>
+            <a:ext cx="2647932" cy="1383665"/>
           </a:xfrm>
           <a:prstGeom prst="rect">
             <a:avLst/>
@@ -3165,25 +3169,25 @@
           <a:p>
             <a:r>
               <a:rPr lang="en-US" altLang="ja-JP" sz="1400" dirty="0"/>
-              <a:t>P</a:t>
+              <a:t>P gain</a:t>
             </a:r>
             <a:r>
               <a:rPr lang="ja-JP" altLang="en-US" sz="1400" dirty="0"/>
-              <a:t>ゲイン：</a:t>
-            </a:r>
-            <a:r>
-              <a:rPr lang="en-US" altLang="ja-JP" sz="1400" dirty="0"/>
-              <a:t>-10</a:t>
-            </a:r>
-          </a:p>
-          <a:p>
-            <a:r>
-              <a:rPr lang="en-US" altLang="ja-JP" sz="1400" dirty="0"/>
-              <a:t>I</a:t>
+              <a:t>：</a:t>
+            </a:r>
+            <a:r>
+              <a:rPr lang="en-US" altLang="ja-JP" sz="1400" dirty="0"/>
+              <a:t>-2</a:t>
+            </a:r>
+          </a:p>
+          <a:p>
+            <a:r>
+              <a:rPr lang="en-US" altLang="ja-JP" sz="1400" dirty="0"/>
+              <a:t>I gain</a:t>
             </a:r>
             <a:r>
               <a:rPr lang="ja-JP" altLang="en-US" sz="1400" dirty="0"/>
-              <a:t>ゲイン：</a:t>
+              <a:t>：</a:t>
             </a:r>
             <a:r>
               <a:rPr lang="en-US" altLang="ja-JP" sz="1400" dirty="0"/>
@@ -3193,15 +3197,15 @@
           <a:p>
             <a:r>
               <a:rPr lang="en-US" altLang="ja-JP" sz="1400" dirty="0"/>
-              <a:t>D</a:t>
+              <a:t>D gain</a:t>
             </a:r>
             <a:r>
               <a:rPr lang="ja-JP" altLang="en-US" sz="1400" dirty="0"/>
-              <a:t>ゲイン：</a:t>
-            </a:r>
-            <a:r>
-              <a:rPr lang="en-US" altLang="ja-JP" sz="1400" dirty="0"/>
-              <a:t>-1</a:t>
+              <a:t>：</a:t>
+            </a:r>
+            <a:r>
+              <a:rPr lang="en-US" altLang="ja-JP" sz="1400" dirty="0"/>
+              <a:t>-0.5</a:t>
             </a:r>
           </a:p>
           <a:p>
@@ -3210,16 +3214,10 @@
               <a:t>* </a:t>
             </a:r>
             <a:r>
-              <a:rPr lang="ja-JP" altLang="en-US" sz="1400" dirty="0"/>
-              <a:t>負の</a:t>
-            </a:r>
-            <a:r>
-              <a:rPr lang="en-US" altLang="ja-JP" sz="1400" dirty="0"/>
-              <a:t>elevator</a:t>
-            </a:r>
-            <a:r>
-              <a:rPr lang="ja-JP" altLang="en-US" sz="1400" dirty="0"/>
-              <a:t>角に対して正のピッチ角応答なので制御ゲインが負</a:t>
+              <a:rPr lang="en-US" sz="1400" dirty="0">
+                <a:sym typeface="+mn-ea"/>
+              </a:rPr>
+              <a:t>gains are negative because pitch increases with input of negative elevator angle</a:t>
             </a:r>
             <a:endParaRPr lang="en-US" altLang="ja-JP" sz="1400" dirty="0"/>
           </a:p>
@@ -3227,13 +3225,7 @@
       </p:sp>
       <p:pic>
         <p:nvPicPr>
-          <p:cNvPr id="9" name="図 8">
-            <a:extLst>
-              <a:ext uri="{FF2B5EF4-FFF2-40B4-BE49-F238E27FC236}">
-                <a16:creationId xmlns:a16="http://schemas.microsoft.com/office/drawing/2014/main" id="{BD48E995-27E1-41D8-8D20-6F78ED6676A4}"/>
-              </a:ext>
-            </a:extLst>
-          </p:cNvPr>
+          <p:cNvPr id="5" name="Picture 4"/>
           <p:cNvPicPr>
             <a:picLocks noChangeAspect="1"/>
           </p:cNvPicPr>
@@ -3247,20 +3239,90 @@
         </p:blipFill>
         <p:spPr>
           <a:xfrm>
-            <a:off x="1393318" y="417828"/>
-            <a:ext cx="4275169" cy="1763326"/>
+            <a:off x="1345565" y="526415"/>
+            <a:ext cx="4358640" cy="1818640"/>
           </a:xfrm>
           <a:prstGeom prst="rect">
             <a:avLst/>
           </a:prstGeom>
         </p:spPr>
       </p:pic>
+      <p:sp>
+        <p:nvSpPr>
+          <p:cNvPr id="9" name="Text Box 9">
+            <a:extLst>
+              <a:ext uri="{FF2B5EF4-FFF2-40B4-BE49-F238E27FC236}">
+                <a16:creationId xmlns:a16="http://schemas.microsoft.com/office/drawing/2014/main" id="{B26D8FB6-1148-4585-A64F-86DEE0592DB8}"/>
+              </a:ext>
+            </a:extLst>
+          </p:cNvPr>
+          <p:cNvSpPr txBox="1"/>
+          <p:nvPr/>
+        </p:nvSpPr>
+        <p:spPr>
+          <a:xfrm>
+            <a:off x="3872067" y="5813638"/>
+            <a:ext cx="1290320" cy="521970"/>
+          </a:xfrm>
+          <a:prstGeom prst="rect">
+            <a:avLst/>
+          </a:prstGeom>
+          <a:noFill/>
+        </p:spPr>
+        <p:txBody>
+          <a:bodyPr wrap="square" rtlCol="0">
+            <a:spAutoFit/>
+          </a:bodyPr>
+          <a:lstStyle/>
+          <a:p>
+            <a:r>
+              <a:rPr lang="en-US" altLang="ja-JP" sz="1400" dirty="0"/>
+              <a:t>elevator command</a:t>
+            </a:r>
+          </a:p>
+        </p:txBody>
+      </p:sp>
+      <p:cxnSp>
+        <p:nvCxnSpPr>
+          <p:cNvPr id="10" name="Straight Connector 12">
+            <a:extLst>
+              <a:ext uri="{FF2B5EF4-FFF2-40B4-BE49-F238E27FC236}">
+                <a16:creationId xmlns:a16="http://schemas.microsoft.com/office/drawing/2014/main" id="{65F172DD-1684-4D9C-A259-4934A5ED9783}"/>
+              </a:ext>
+            </a:extLst>
+          </p:cNvPr>
+          <p:cNvCxnSpPr>
+            <a:cxnSpLocks/>
+            <a:endCxn id="9" idx="0"/>
+          </p:cNvCxnSpPr>
+          <p:nvPr/>
+        </p:nvCxnSpPr>
+        <p:spPr>
+          <a:xfrm>
+            <a:off x="4426210" y="5401733"/>
+            <a:ext cx="91017" cy="411905"/>
+          </a:xfrm>
+          <a:prstGeom prst="line">
+            <a:avLst/>
+          </a:prstGeom>
+          <a:ln w="19050"/>
+        </p:spPr>
+        <p:style>
+          <a:lnRef idx="2">
+            <a:schemeClr val="accent1"/>
+          </a:lnRef>
+          <a:fillRef idx="0">
+            <a:schemeClr val="accent1"/>
+          </a:fillRef>
+          <a:effectRef idx="1">
+            <a:schemeClr val="accent1"/>
+          </a:effectRef>
+          <a:fontRef idx="minor">
+            <a:schemeClr val="tx1"/>
+          </a:fontRef>
+        </p:style>
+      </p:cxnSp>
     </p:spTree>
-    <p:extLst>
-      <p:ext uri="{BB962C8B-B14F-4D97-AF65-F5344CB8AC3E}">
-        <p14:creationId xmlns:p14="http://schemas.microsoft.com/office/powerpoint/2010/main" val="314798732"/>
-      </p:ext>
-    </p:extLst>
   </p:cSld>
   <p:clrMapOvr>
     <a:masterClrMapping/>
@@ -3290,7 +3352,7 @@
           <p:cNvPr id="2" name="図 1">
             <a:extLst>
               <a:ext uri="{FF2B5EF4-FFF2-40B4-BE49-F238E27FC236}">
-                <a16:creationId xmlns:a16="http://schemas.microsoft.com/office/drawing/2014/main" id="{DD758A26-9259-4A37-838F-84560326FB87}"/>
+                <a16:creationId xmlns:a16="http://schemas.microsoft.com/office/drawing/2014/main" id="{5F2DA021-3916-43C6-B0CB-F0F02BEE6F58}"/>
               </a:ext>
             </a:extLst>
           </p:cNvPr>
@@ -3307,8 +3369,8 @@
         </p:blipFill>
         <p:spPr>
           <a:xfrm>
-            <a:off x="257263" y="1365458"/>
-            <a:ext cx="9164205" cy="3743574"/>
+            <a:off x="1345565" y="2345055"/>
+            <a:ext cx="6885203" cy="4565188"/>
           </a:xfrm>
           <a:prstGeom prst="rect">
             <a:avLst/>
@@ -3317,20 +3379,14 @@
       </p:pic>
       <p:sp>
         <p:nvSpPr>
-          <p:cNvPr id="4" name="Text Box 9">
-            <a:extLst>
-              <a:ext uri="{FF2B5EF4-FFF2-40B4-BE49-F238E27FC236}">
-                <a16:creationId xmlns:a16="http://schemas.microsoft.com/office/drawing/2014/main" id="{A3B72F4A-B0B3-4DC7-8973-2AD8A52BFF58}"/>
-              </a:ext>
-            </a:extLst>
-          </p:cNvPr>
+          <p:cNvPr id="3" name="Text Box 9"/>
           <p:cNvSpPr txBox="1"/>
           <p:nvPr/>
         </p:nvSpPr>
         <p:spPr>
           <a:xfrm>
-            <a:off x="4007020" y="4865089"/>
-            <a:ext cx="2191747" cy="738664"/>
+            <a:off x="3582981" y="3802444"/>
+            <a:ext cx="1046169" cy="306705"/>
           </a:xfrm>
           <a:prstGeom prst="rect">
             <a:avLst/>
@@ -3345,226 +3401,29 @@
           <a:p>
             <a:r>
               <a:rPr lang="en-US" altLang="ja-JP" sz="1400" dirty="0"/>
-              <a:t>Feedback by pitch rate</a:t>
-            </a:r>
-            <a:r>
-              <a:rPr lang="ja-JP" altLang="en-US" sz="1400" dirty="0"/>
-              <a:t>：</a:t>
-            </a:r>
-            <a:endParaRPr lang="en-US" altLang="ja-JP" sz="1400" dirty="0"/>
-          </a:p>
-          <a:p>
-            <a:r>
-              <a:rPr lang="en-US" altLang="ja-JP" sz="1400" dirty="0" err="1"/>
-              <a:t>Atttempt</a:t>
-            </a:r>
-            <a:r>
-              <a:rPr lang="en-US" altLang="ja-JP" sz="1400" dirty="0"/>
-              <a:t> to suppress pitch rate</a:t>
-            </a:r>
-            <a:endParaRPr lang="ja-JP" altLang="en-US" sz="1400" dirty="0"/>
+              <a:t>pitch angle</a:t>
+            </a:r>
           </a:p>
         </p:txBody>
       </p:sp>
       <p:cxnSp>
         <p:nvCxnSpPr>
-          <p:cNvPr id="5" name="Straight Connector 12">
-            <a:extLst>
-              <a:ext uri="{FF2B5EF4-FFF2-40B4-BE49-F238E27FC236}">
-                <a16:creationId xmlns:a16="http://schemas.microsoft.com/office/drawing/2014/main" id="{76C46FDF-CDC3-4096-8413-3B717F3828AE}"/>
-              </a:ext>
-            </a:extLst>
-          </p:cNvPr>
+          <p:cNvPr id="4" name="Straight Connector 12"/>
           <p:cNvCxnSpPr>
             <a:cxnSpLocks/>
-            <a:endCxn id="4" idx="0"/>
+            <a:endCxn id="3" idx="0"/>
           </p:cNvCxnSpPr>
           <p:nvPr/>
         </p:nvCxnSpPr>
         <p:spPr>
-          <a:xfrm flipH="1">
-            <a:off x="5102894" y="4021667"/>
-            <a:ext cx="1158598" cy="843422"/>
+          <a:xfrm>
+            <a:off x="3776133" y="3337464"/>
+            <a:ext cx="329933" cy="464980"/>
           </a:xfrm>
           <a:prstGeom prst="line">
             <a:avLst/>
           </a:prstGeom>
-          <a:ln w="19050">
-            <a:solidFill>
-              <a:srgbClr val="FF0000"/>
-            </a:solidFill>
-          </a:ln>
-        </p:spPr>
-        <p:style>
-          <a:lnRef idx="2">
-            <a:schemeClr val="accent1"/>
-          </a:lnRef>
-          <a:fillRef idx="0">
-            <a:schemeClr val="accent1"/>
-          </a:fillRef>
-          <a:effectRef idx="1">
-            <a:schemeClr val="accent1"/>
-          </a:effectRef>
-          <a:fontRef idx="minor">
-            <a:schemeClr val="tx1"/>
-          </a:fontRef>
-        </p:style>
-      </p:cxnSp>
-      <p:sp>
-        <p:nvSpPr>
-          <p:cNvPr id="13" name="Text Box 9">
-            <a:extLst>
-              <a:ext uri="{FF2B5EF4-FFF2-40B4-BE49-F238E27FC236}">
-                <a16:creationId xmlns:a16="http://schemas.microsoft.com/office/drawing/2014/main" id="{DE6754BD-44AF-40DF-A8D0-418E3DC56A3F}"/>
-              </a:ext>
-            </a:extLst>
-          </p:cNvPr>
-          <p:cNvSpPr txBox="1"/>
-          <p:nvPr/>
-        </p:nvSpPr>
-        <p:spPr>
-          <a:xfrm>
-            <a:off x="5584543" y="378822"/>
-            <a:ext cx="2145524" cy="954107"/>
-          </a:xfrm>
-          <a:prstGeom prst="rect">
-            <a:avLst/>
-          </a:prstGeom>
-          <a:noFill/>
-        </p:spPr>
-        <p:txBody>
-          <a:bodyPr wrap="square" rtlCol="0">
-            <a:spAutoFit/>
-          </a:bodyPr>
-          <a:lstStyle/>
-          <a:p>
-            <a:r>
-              <a:rPr lang="en-US" altLang="ja-JP" sz="1400" dirty="0"/>
-              <a:t>Feedback by pitch acceleration</a:t>
-            </a:r>
-            <a:r>
-              <a:rPr lang="ja-JP" altLang="en-US" sz="1400" dirty="0"/>
-              <a:t>：</a:t>
-            </a:r>
-            <a:endParaRPr lang="en-US" altLang="ja-JP" sz="1400" dirty="0"/>
-          </a:p>
-          <a:p>
-            <a:r>
-              <a:rPr lang="en-US" altLang="ja-JP" sz="1400" dirty="0"/>
-              <a:t>Attempt to suppress pitch acceleration</a:t>
-            </a:r>
-            <a:endParaRPr lang="ja-JP" altLang="en-US" sz="1400" dirty="0"/>
-          </a:p>
-        </p:txBody>
-      </p:sp>
-      <p:cxnSp>
-        <p:nvCxnSpPr>
-          <p:cNvPr id="14" name="Straight Connector 12">
-            <a:extLst>
-              <a:ext uri="{FF2B5EF4-FFF2-40B4-BE49-F238E27FC236}">
-                <a16:creationId xmlns:a16="http://schemas.microsoft.com/office/drawing/2014/main" id="{5C495188-7766-43FF-B02A-1841BD54058B}"/>
-              </a:ext>
-            </a:extLst>
-          </p:cNvPr>
-          <p:cNvCxnSpPr>
-            <a:cxnSpLocks/>
-            <a:endCxn id="13" idx="2"/>
-          </p:cNvCxnSpPr>
-          <p:nvPr/>
-        </p:nvCxnSpPr>
-        <p:spPr>
-          <a:xfrm flipH="1" flipV="1">
-            <a:off x="6657305" y="1332929"/>
-            <a:ext cx="429295" cy="1774338"/>
-          </a:xfrm>
-          <a:prstGeom prst="line">
-            <a:avLst/>
-          </a:prstGeom>
-          <a:ln w="19050">
-            <a:solidFill>
-              <a:srgbClr val="FF0000"/>
-            </a:solidFill>
-          </a:ln>
-        </p:spPr>
-        <p:style>
-          <a:lnRef idx="2">
-            <a:schemeClr val="accent1"/>
-          </a:lnRef>
-          <a:fillRef idx="0">
-            <a:schemeClr val="accent1"/>
-          </a:fillRef>
-          <a:effectRef idx="1">
-            <a:schemeClr val="accent1"/>
-          </a:effectRef>
-          <a:fontRef idx="minor">
-            <a:schemeClr val="tx1"/>
-          </a:fontRef>
-        </p:style>
-      </p:cxnSp>
-      <p:sp>
-        <p:nvSpPr>
-          <p:cNvPr id="19" name="Text Box 9">
-            <a:extLst>
-              <a:ext uri="{FF2B5EF4-FFF2-40B4-BE49-F238E27FC236}">
-                <a16:creationId xmlns:a16="http://schemas.microsoft.com/office/drawing/2014/main" id="{B38688A3-9ABB-4A55-AF8C-D63762295CD0}"/>
-              </a:ext>
-            </a:extLst>
-          </p:cNvPr>
-          <p:cNvSpPr txBox="1"/>
-          <p:nvPr/>
-        </p:nvSpPr>
-        <p:spPr>
-          <a:xfrm>
-            <a:off x="6481029" y="5196830"/>
-            <a:ext cx="1988547" cy="523220"/>
-          </a:xfrm>
-          <a:prstGeom prst="rect">
-            <a:avLst/>
-          </a:prstGeom>
-          <a:noFill/>
-        </p:spPr>
-        <p:txBody>
-          <a:bodyPr wrap="square" rtlCol="0">
-            <a:spAutoFit/>
-          </a:bodyPr>
-          <a:lstStyle/>
-          <a:p>
-            <a:r>
-              <a:rPr lang="en-US" altLang="ja-JP" sz="1400" dirty="0"/>
-              <a:t>Ignore when smaller than certain value</a:t>
-            </a:r>
-            <a:endParaRPr lang="ja-JP" altLang="en-US" sz="1400" dirty="0"/>
-          </a:p>
-        </p:txBody>
-      </p:sp>
-      <p:cxnSp>
-        <p:nvCxnSpPr>
-          <p:cNvPr id="22" name="Straight Connector 12">
-            <a:extLst>
-              <a:ext uri="{FF2B5EF4-FFF2-40B4-BE49-F238E27FC236}">
-                <a16:creationId xmlns:a16="http://schemas.microsoft.com/office/drawing/2014/main" id="{E83E09BE-F134-49AB-9F8B-F17D9963991E}"/>
-              </a:ext>
-            </a:extLst>
-          </p:cNvPr>
-          <p:cNvCxnSpPr>
-            <a:cxnSpLocks/>
-            <a:stCxn id="19" idx="0"/>
-          </p:cNvCxnSpPr>
-          <p:nvPr/>
-        </p:nvCxnSpPr>
-        <p:spPr>
-          <a:xfrm flipH="1" flipV="1">
-            <a:off x="7176483" y="4191000"/>
-            <a:ext cx="298820" cy="1005830"/>
-          </a:xfrm>
-          <a:prstGeom prst="line">
-            <a:avLst/>
-          </a:prstGeom>
-          <a:ln w="19050">
-            <a:solidFill>
-              <a:srgbClr val="FF0000"/>
-            </a:solidFill>
-          </a:ln>
+          <a:ln w="19050"/>
         </p:spPr>
         <p:style>
           <a:lnRef idx="2">
@@ -3583,32 +3442,228 @@
       </p:cxnSp>
       <p:cxnSp>
         <p:nvCxnSpPr>
-          <p:cNvPr id="28" name="Straight Connector 12">
+          <p:cNvPr id="7" name="Straight Connector 12"/>
+          <p:cNvCxnSpPr>
+            <a:cxnSpLocks/>
+            <a:endCxn id="8" idx="2"/>
+          </p:cNvCxnSpPr>
+          <p:nvPr/>
+        </p:nvCxnSpPr>
+        <p:spPr>
+          <a:xfrm flipH="1" flipV="1">
+            <a:off x="2148596" y="3168131"/>
+            <a:ext cx="713137" cy="334011"/>
+          </a:xfrm>
+          <a:prstGeom prst="line">
+            <a:avLst/>
+          </a:prstGeom>
+          <a:ln w="19050"/>
+        </p:spPr>
+        <p:style>
+          <a:lnRef idx="2">
+            <a:schemeClr val="accent1"/>
+          </a:lnRef>
+          <a:fillRef idx="0">
+            <a:schemeClr val="accent1"/>
+          </a:fillRef>
+          <a:effectRef idx="1">
+            <a:schemeClr val="accent1"/>
+          </a:effectRef>
+          <a:fontRef idx="minor">
+            <a:schemeClr val="tx1"/>
+          </a:fontRef>
+        </p:style>
+      </p:cxnSp>
+      <p:sp>
+        <p:nvSpPr>
+          <p:cNvPr id="8" name="Text Box 9"/>
+          <p:cNvSpPr txBox="1"/>
+          <p:nvPr/>
+        </p:nvSpPr>
+        <p:spPr>
+          <a:xfrm>
+            <a:off x="1625511" y="2646161"/>
+            <a:ext cx="1046169" cy="521970"/>
+          </a:xfrm>
+          <a:prstGeom prst="rect">
+            <a:avLst/>
+          </a:prstGeom>
+          <a:noFill/>
+        </p:spPr>
+        <p:txBody>
+          <a:bodyPr wrap="square" rtlCol="0">
+            <a:spAutoFit/>
+          </a:bodyPr>
+          <a:lstStyle/>
+          <a:p>
+            <a:r>
+              <a:rPr lang="en-US" altLang="ja-JP" sz="1400" dirty="0"/>
+              <a:t>target pitch angle</a:t>
+            </a:r>
+          </a:p>
+        </p:txBody>
+      </p:sp>
+      <p:sp>
+        <p:nvSpPr>
+          <p:cNvPr id="15" name="Text Box 9"/>
+          <p:cNvSpPr txBox="1"/>
+          <p:nvPr/>
+        </p:nvSpPr>
+        <p:spPr>
+          <a:xfrm>
+            <a:off x="5862248" y="725088"/>
+            <a:ext cx="2647932" cy="1383665"/>
+          </a:xfrm>
+          <a:prstGeom prst="rect">
+            <a:avLst/>
+          </a:prstGeom>
+          <a:noFill/>
+        </p:spPr>
+        <p:txBody>
+          <a:bodyPr wrap="square" rtlCol="0">
+            <a:spAutoFit/>
+          </a:bodyPr>
+          <a:lstStyle/>
+          <a:p>
+            <a:r>
+              <a:rPr lang="en-US" altLang="ja-JP" sz="1400" dirty="0"/>
+              <a:t>P gain</a:t>
+            </a:r>
+            <a:r>
+              <a:rPr lang="ja-JP" altLang="en-US" sz="1400" dirty="0"/>
+              <a:t>：</a:t>
+            </a:r>
+            <a:r>
+              <a:rPr lang="en-US" altLang="ja-JP" sz="1400" dirty="0"/>
+              <a:t>-2</a:t>
+            </a:r>
+          </a:p>
+          <a:p>
+            <a:r>
+              <a:rPr lang="en-US" altLang="ja-JP" sz="1400" dirty="0"/>
+              <a:t>I gain</a:t>
+            </a:r>
+            <a:r>
+              <a:rPr lang="ja-JP" altLang="en-US" sz="1400" dirty="0"/>
+              <a:t>：</a:t>
+            </a:r>
+            <a:r>
+              <a:rPr lang="en-US" altLang="ja-JP" sz="1400" dirty="0"/>
+              <a:t>-1</a:t>
+            </a:r>
+          </a:p>
+          <a:p>
+            <a:r>
+              <a:rPr lang="en-US" altLang="ja-JP" sz="1400" dirty="0"/>
+              <a:t>D gain</a:t>
+            </a:r>
+            <a:r>
+              <a:rPr lang="ja-JP" altLang="en-US" sz="1400" dirty="0"/>
+              <a:t>：</a:t>
+            </a:r>
+            <a:r>
+              <a:rPr lang="en-US" altLang="ja-JP" sz="1400" dirty="0"/>
+              <a:t>-1</a:t>
+            </a:r>
+          </a:p>
+          <a:p>
+            <a:r>
+              <a:rPr lang="en-US" altLang="ja-JP" sz="1400" dirty="0"/>
+              <a:t>* </a:t>
+            </a:r>
+            <a:r>
+              <a:rPr lang="en-US" sz="1400" dirty="0">
+                <a:sym typeface="+mn-ea"/>
+              </a:rPr>
+              <a:t>gains are negative because pitch increases with input of negative elevator angle</a:t>
+            </a:r>
+            <a:endParaRPr lang="en-US" altLang="ja-JP" sz="1400" dirty="0"/>
+          </a:p>
+        </p:txBody>
+      </p:sp>
+      <p:pic>
+        <p:nvPicPr>
+          <p:cNvPr id="5" name="Picture 4"/>
+          <p:cNvPicPr>
+            <a:picLocks noChangeAspect="1"/>
+          </p:cNvPicPr>
+          <p:nvPr/>
+        </p:nvPicPr>
+        <p:blipFill>
+          <a:blip r:embed="rId3"/>
+          <a:stretch>
+            <a:fillRect/>
+          </a:stretch>
+        </p:blipFill>
+        <p:spPr>
+          <a:xfrm>
+            <a:off x="1345565" y="526415"/>
+            <a:ext cx="4358640" cy="1818640"/>
+          </a:xfrm>
+          <a:prstGeom prst="rect">
+            <a:avLst/>
+          </a:prstGeom>
+        </p:spPr>
+      </p:pic>
+      <p:sp>
+        <p:nvSpPr>
+          <p:cNvPr id="9" name="Text Box 9">
             <a:extLst>
               <a:ext uri="{FF2B5EF4-FFF2-40B4-BE49-F238E27FC236}">
-                <a16:creationId xmlns:a16="http://schemas.microsoft.com/office/drawing/2014/main" id="{93D3C028-B43F-47D8-9B66-81B96059D8F5}"/>
+                <a16:creationId xmlns:a16="http://schemas.microsoft.com/office/drawing/2014/main" id="{B26D8FB6-1148-4585-A64F-86DEE0592DB8}"/>
+              </a:ext>
+            </a:extLst>
+          </p:cNvPr>
+          <p:cNvSpPr txBox="1"/>
+          <p:nvPr/>
+        </p:nvSpPr>
+        <p:spPr>
+          <a:xfrm>
+            <a:off x="3899323" y="6032989"/>
+            <a:ext cx="1290320" cy="521970"/>
+          </a:xfrm>
+          <a:prstGeom prst="rect">
+            <a:avLst/>
+          </a:prstGeom>
+          <a:noFill/>
+        </p:spPr>
+        <p:txBody>
+          <a:bodyPr wrap="square" rtlCol="0">
+            <a:spAutoFit/>
+          </a:bodyPr>
+          <a:lstStyle/>
+          <a:p>
+            <a:r>
+              <a:rPr lang="en-US" altLang="ja-JP" sz="1400" dirty="0"/>
+              <a:t>elevator command</a:t>
+            </a:r>
+          </a:p>
+        </p:txBody>
+      </p:sp>
+      <p:cxnSp>
+        <p:nvCxnSpPr>
+          <p:cNvPr id="10" name="Straight Connector 12">
+            <a:extLst>
+              <a:ext uri="{FF2B5EF4-FFF2-40B4-BE49-F238E27FC236}">
+                <a16:creationId xmlns:a16="http://schemas.microsoft.com/office/drawing/2014/main" id="{65F172DD-1684-4D9C-A259-4934A5ED9783}"/>
               </a:ext>
             </a:extLst>
           </p:cNvPr>
           <p:cNvCxnSpPr>
             <a:cxnSpLocks/>
-            <a:stCxn id="19" idx="0"/>
+            <a:endCxn id="9" idx="0"/>
           </p:cNvCxnSpPr>
           <p:nvPr/>
         </p:nvCxnSpPr>
         <p:spPr>
-          <a:xfrm flipV="1">
-            <a:off x="7475303" y="3368674"/>
-            <a:ext cx="568030" cy="1828156"/>
+          <a:xfrm>
+            <a:off x="4453466" y="5621084"/>
+            <a:ext cx="91017" cy="411905"/>
           </a:xfrm>
           <a:prstGeom prst="line">
             <a:avLst/>
           </a:prstGeom>
-          <a:ln w="19050">
-            <a:solidFill>
-              <a:srgbClr val="FF0000"/>
-            </a:solidFill>
-          </a:ln>
+          <a:ln w="19050"/>
         </p:spPr>
         <p:style>
           <a:lnRef idx="2">
@@ -3628,7 +3683,7 @@
     </p:spTree>
     <p:extLst>
       <p:ext uri="{BB962C8B-B14F-4D97-AF65-F5344CB8AC3E}">
-        <p14:creationId xmlns:p14="http://schemas.microsoft.com/office/powerpoint/2010/main" val="3439000326"/>
+        <p14:creationId xmlns:p14="http://schemas.microsoft.com/office/powerpoint/2010/main" val="441307867"/>
       </p:ext>
     </p:extLst>
   </p:cSld>
@@ -3655,10 +3710,343 @@
           <a:chExt cx="0" cy="0"/>
         </a:xfrm>
       </p:grpSpPr>
+      <p:pic>
+        <p:nvPicPr>
+          <p:cNvPr id="2" name="図 1">
+            <a:extLst>
+              <a:ext uri="{FF2B5EF4-FFF2-40B4-BE49-F238E27FC236}">
+                <a16:creationId xmlns:a16="http://schemas.microsoft.com/office/drawing/2014/main" id="{C7C85C41-25CD-41A0-889F-3F1C5C5E969A}"/>
+              </a:ext>
+            </a:extLst>
+          </p:cNvPr>
+          <p:cNvPicPr>
+            <a:picLocks noChangeAspect="1"/>
+          </p:cNvPicPr>
+          <p:nvPr/>
+        </p:nvPicPr>
+        <p:blipFill>
+          <a:blip r:embed="rId2"/>
+          <a:stretch>
+            <a:fillRect/>
+          </a:stretch>
+        </p:blipFill>
+        <p:spPr>
+          <a:xfrm>
+            <a:off x="1345565" y="2345055"/>
+            <a:ext cx="6885203" cy="4580532"/>
+          </a:xfrm>
+          <a:prstGeom prst="rect">
+            <a:avLst/>
+          </a:prstGeom>
+        </p:spPr>
+      </p:pic>
+      <p:sp>
+        <p:nvSpPr>
+          <p:cNvPr id="3" name="Text Box 9"/>
+          <p:cNvSpPr txBox="1"/>
+          <p:nvPr/>
+        </p:nvSpPr>
+        <p:spPr>
+          <a:xfrm>
+            <a:off x="3326918" y="3530137"/>
+            <a:ext cx="1046169" cy="306705"/>
+          </a:xfrm>
+          <a:prstGeom prst="rect">
+            <a:avLst/>
+          </a:prstGeom>
+          <a:noFill/>
+        </p:spPr>
+        <p:txBody>
+          <a:bodyPr wrap="square" rtlCol="0">
+            <a:spAutoFit/>
+          </a:bodyPr>
+          <a:lstStyle/>
+          <a:p>
+            <a:r>
+              <a:rPr lang="en-US" altLang="ja-JP" sz="1400" dirty="0"/>
+              <a:t>pitch angle</a:t>
+            </a:r>
+          </a:p>
+        </p:txBody>
+      </p:sp>
+      <p:cxnSp>
+        <p:nvCxnSpPr>
+          <p:cNvPr id="4" name="Straight Connector 12"/>
+          <p:cNvCxnSpPr>
+            <a:cxnSpLocks/>
+            <a:endCxn id="3" idx="0"/>
+          </p:cNvCxnSpPr>
+          <p:nvPr/>
+        </p:nvCxnSpPr>
+        <p:spPr>
+          <a:xfrm>
+            <a:off x="3522133" y="3183467"/>
+            <a:ext cx="327870" cy="346670"/>
+          </a:xfrm>
+          <a:prstGeom prst="line">
+            <a:avLst/>
+          </a:prstGeom>
+          <a:ln w="19050"/>
+        </p:spPr>
+        <p:style>
+          <a:lnRef idx="2">
+            <a:schemeClr val="accent1"/>
+          </a:lnRef>
+          <a:fillRef idx="0">
+            <a:schemeClr val="accent1"/>
+          </a:fillRef>
+          <a:effectRef idx="1">
+            <a:schemeClr val="accent1"/>
+          </a:effectRef>
+          <a:fontRef idx="minor">
+            <a:schemeClr val="tx1"/>
+          </a:fontRef>
+        </p:style>
+      </p:cxnSp>
+      <p:cxnSp>
+        <p:nvCxnSpPr>
+          <p:cNvPr id="7" name="Straight Connector 12"/>
+          <p:cNvCxnSpPr>
+            <a:cxnSpLocks/>
+            <a:endCxn id="8" idx="3"/>
+          </p:cNvCxnSpPr>
+          <p:nvPr/>
+        </p:nvCxnSpPr>
+        <p:spPr>
+          <a:xfrm flipH="1" flipV="1">
+            <a:off x="2583121" y="2984444"/>
+            <a:ext cx="312479" cy="199023"/>
+          </a:xfrm>
+          <a:prstGeom prst="line">
+            <a:avLst/>
+          </a:prstGeom>
+          <a:ln w="19050"/>
+        </p:spPr>
+        <p:style>
+          <a:lnRef idx="2">
+            <a:schemeClr val="accent1"/>
+          </a:lnRef>
+          <a:fillRef idx="0">
+            <a:schemeClr val="accent1"/>
+          </a:fillRef>
+          <a:effectRef idx="1">
+            <a:schemeClr val="accent1"/>
+          </a:effectRef>
+          <a:fontRef idx="minor">
+            <a:schemeClr val="tx1"/>
+          </a:fontRef>
+        </p:style>
+      </p:cxnSp>
+      <p:sp>
+        <p:nvSpPr>
+          <p:cNvPr id="8" name="Text Box 9"/>
+          <p:cNvSpPr txBox="1"/>
+          <p:nvPr/>
+        </p:nvSpPr>
+        <p:spPr>
+          <a:xfrm>
+            <a:off x="1536952" y="2723459"/>
+            <a:ext cx="1046169" cy="521970"/>
+          </a:xfrm>
+          <a:prstGeom prst="rect">
+            <a:avLst/>
+          </a:prstGeom>
+          <a:noFill/>
+        </p:spPr>
+        <p:txBody>
+          <a:bodyPr wrap="square" rtlCol="0">
+            <a:spAutoFit/>
+          </a:bodyPr>
+          <a:lstStyle/>
+          <a:p>
+            <a:r>
+              <a:rPr lang="en-US" altLang="ja-JP" sz="1400" dirty="0"/>
+              <a:t>target pitch angle</a:t>
+            </a:r>
+          </a:p>
+        </p:txBody>
+      </p:sp>
+      <p:sp>
+        <p:nvSpPr>
+          <p:cNvPr id="15" name="Text Box 9"/>
+          <p:cNvSpPr txBox="1"/>
+          <p:nvPr/>
+        </p:nvSpPr>
+        <p:spPr>
+          <a:xfrm>
+            <a:off x="5862248" y="725088"/>
+            <a:ext cx="2647932" cy="1383665"/>
+          </a:xfrm>
+          <a:prstGeom prst="rect">
+            <a:avLst/>
+          </a:prstGeom>
+          <a:noFill/>
+        </p:spPr>
+        <p:txBody>
+          <a:bodyPr wrap="square" rtlCol="0">
+            <a:spAutoFit/>
+          </a:bodyPr>
+          <a:lstStyle/>
+          <a:p>
+            <a:r>
+              <a:rPr lang="en-US" altLang="ja-JP" sz="1400" dirty="0"/>
+              <a:t>P gain</a:t>
+            </a:r>
+            <a:r>
+              <a:rPr lang="ja-JP" altLang="en-US" sz="1400" dirty="0"/>
+              <a:t>：</a:t>
+            </a:r>
+            <a:r>
+              <a:rPr lang="en-US" altLang="ja-JP" sz="1400" dirty="0"/>
+              <a:t>-2</a:t>
+            </a:r>
+          </a:p>
+          <a:p>
+            <a:r>
+              <a:rPr lang="en-US" altLang="ja-JP" sz="1400" dirty="0"/>
+              <a:t>I gain</a:t>
+            </a:r>
+            <a:r>
+              <a:rPr lang="ja-JP" altLang="en-US" sz="1400" dirty="0"/>
+              <a:t>：</a:t>
+            </a:r>
+            <a:r>
+              <a:rPr lang="en-US" altLang="ja-JP" sz="1400" dirty="0"/>
+              <a:t>-1</a:t>
+            </a:r>
+          </a:p>
+          <a:p>
+            <a:r>
+              <a:rPr lang="en-US" altLang="ja-JP" sz="1400" dirty="0"/>
+              <a:t>D gain</a:t>
+            </a:r>
+            <a:r>
+              <a:rPr lang="ja-JP" altLang="en-US" sz="1400" dirty="0"/>
+              <a:t>：</a:t>
+            </a:r>
+            <a:r>
+              <a:rPr lang="en-US" altLang="ja-JP" sz="1400" dirty="0"/>
+              <a:t>-2</a:t>
+            </a:r>
+          </a:p>
+          <a:p>
+            <a:r>
+              <a:rPr lang="en-US" altLang="ja-JP" sz="1400" dirty="0"/>
+              <a:t>* </a:t>
+            </a:r>
+            <a:r>
+              <a:rPr lang="en-US" sz="1400" dirty="0">
+                <a:sym typeface="+mn-ea"/>
+              </a:rPr>
+              <a:t>gains are negative because pitch increases with input of negative elevator angle</a:t>
+            </a:r>
+            <a:endParaRPr lang="en-US" altLang="ja-JP" sz="1400" dirty="0"/>
+          </a:p>
+        </p:txBody>
+      </p:sp>
+      <p:pic>
+        <p:nvPicPr>
+          <p:cNvPr id="5" name="Picture 4"/>
+          <p:cNvPicPr>
+            <a:picLocks noChangeAspect="1"/>
+          </p:cNvPicPr>
+          <p:nvPr/>
+        </p:nvPicPr>
+        <p:blipFill>
+          <a:blip r:embed="rId3"/>
+          <a:stretch>
+            <a:fillRect/>
+          </a:stretch>
+        </p:blipFill>
+        <p:spPr>
+          <a:xfrm>
+            <a:off x="1345565" y="526415"/>
+            <a:ext cx="4358640" cy="1818640"/>
+          </a:xfrm>
+          <a:prstGeom prst="rect">
+            <a:avLst/>
+          </a:prstGeom>
+        </p:spPr>
+      </p:pic>
+      <p:sp>
+        <p:nvSpPr>
+          <p:cNvPr id="9" name="Text Box 9">
+            <a:extLst>
+              <a:ext uri="{FF2B5EF4-FFF2-40B4-BE49-F238E27FC236}">
+                <a16:creationId xmlns:a16="http://schemas.microsoft.com/office/drawing/2014/main" id="{B26D8FB6-1148-4585-A64F-86DEE0592DB8}"/>
+              </a:ext>
+            </a:extLst>
+          </p:cNvPr>
+          <p:cNvSpPr txBox="1"/>
+          <p:nvPr/>
+        </p:nvSpPr>
+        <p:spPr>
+          <a:xfrm>
+            <a:off x="3522133" y="5655482"/>
+            <a:ext cx="1290320" cy="521970"/>
+          </a:xfrm>
+          <a:prstGeom prst="rect">
+            <a:avLst/>
+          </a:prstGeom>
+          <a:noFill/>
+        </p:spPr>
+        <p:txBody>
+          <a:bodyPr wrap="square" rtlCol="0">
+            <a:spAutoFit/>
+          </a:bodyPr>
+          <a:lstStyle/>
+          <a:p>
+            <a:r>
+              <a:rPr lang="en-US" altLang="ja-JP" sz="1400" dirty="0"/>
+              <a:t>elevator command</a:t>
+            </a:r>
+          </a:p>
+        </p:txBody>
+      </p:sp>
+      <p:cxnSp>
+        <p:nvCxnSpPr>
+          <p:cNvPr id="10" name="Straight Connector 12">
+            <a:extLst>
+              <a:ext uri="{FF2B5EF4-FFF2-40B4-BE49-F238E27FC236}">
+                <a16:creationId xmlns:a16="http://schemas.microsoft.com/office/drawing/2014/main" id="{65F172DD-1684-4D9C-A259-4934A5ED9783}"/>
+              </a:ext>
+            </a:extLst>
+          </p:cNvPr>
+          <p:cNvCxnSpPr>
+            <a:cxnSpLocks/>
+            <a:endCxn id="9" idx="0"/>
+          </p:cNvCxnSpPr>
+          <p:nvPr/>
+        </p:nvCxnSpPr>
+        <p:spPr>
+          <a:xfrm>
+            <a:off x="4076276" y="5243577"/>
+            <a:ext cx="91017" cy="411905"/>
+          </a:xfrm>
+          <a:prstGeom prst="line">
+            <a:avLst/>
+          </a:prstGeom>
+          <a:ln w="19050"/>
+        </p:spPr>
+        <p:style>
+          <a:lnRef idx="2">
+            <a:schemeClr val="accent1"/>
+          </a:lnRef>
+          <a:fillRef idx="0">
+            <a:schemeClr val="accent1"/>
+          </a:fillRef>
+          <a:effectRef idx="1">
+            <a:schemeClr val="accent1"/>
+          </a:effectRef>
+          <a:fontRef idx="minor">
+            <a:schemeClr val="tx1"/>
+          </a:fontRef>
+        </p:style>
+      </p:cxnSp>
     </p:spTree>
     <p:extLst>
       <p:ext uri="{BB962C8B-B14F-4D97-AF65-F5344CB8AC3E}">
-        <p14:creationId xmlns:p14="http://schemas.microsoft.com/office/powerpoint/2010/main" val="2196295685"/>
+        <p14:creationId xmlns:p14="http://schemas.microsoft.com/office/powerpoint/2010/main" val="930221878"/>
       </p:ext>
     </p:extLst>
   </p:cSld>
@@ -3685,12 +4073,295 @@
           <a:chExt cx="0" cy="0"/>
         </a:xfrm>
       </p:grpSpPr>
+      <p:pic>
+        <p:nvPicPr>
+          <p:cNvPr id="3" name="Picture 2"/>
+          <p:cNvPicPr>
+            <a:picLocks noChangeAspect="1"/>
+          </p:cNvPicPr>
+          <p:nvPr/>
+        </p:nvPicPr>
+        <p:blipFill>
+          <a:blip r:embed="rId2"/>
+          <a:stretch>
+            <a:fillRect/>
+          </a:stretch>
+        </p:blipFill>
+        <p:spPr>
+          <a:xfrm>
+            <a:off x="196215" y="1355725"/>
+            <a:ext cx="9834245" cy="3787775"/>
+          </a:xfrm>
+          <a:prstGeom prst="rect">
+            <a:avLst/>
+          </a:prstGeom>
+        </p:spPr>
+      </p:pic>
+      <p:sp>
+        <p:nvSpPr>
+          <p:cNvPr id="4" name="Text Box 9"/>
+          <p:cNvSpPr txBox="1"/>
+          <p:nvPr/>
+        </p:nvSpPr>
+        <p:spPr>
+          <a:xfrm>
+            <a:off x="4007020" y="4865089"/>
+            <a:ext cx="2191747" cy="738664"/>
+          </a:xfrm>
+          <a:prstGeom prst="rect">
+            <a:avLst/>
+          </a:prstGeom>
+          <a:noFill/>
+        </p:spPr>
+        <p:txBody>
+          <a:bodyPr wrap="square" rtlCol="0">
+            <a:spAutoFit/>
+          </a:bodyPr>
+          <a:lstStyle/>
+          <a:p>
+            <a:r>
+              <a:rPr lang="en-US" altLang="ja-JP" sz="1400" dirty="0"/>
+              <a:t>Feedback by pitch rate</a:t>
+            </a:r>
+            <a:r>
+              <a:rPr lang="ja-JP" altLang="en-US" sz="1400" dirty="0"/>
+              <a:t>：</a:t>
+            </a:r>
+            <a:endParaRPr lang="en-US" altLang="ja-JP" sz="1400" dirty="0"/>
+          </a:p>
+          <a:p>
+            <a:r>
+              <a:rPr lang="en-US" altLang="ja-JP" sz="1400" dirty="0" err="1"/>
+              <a:t>Atttempt</a:t>
+            </a:r>
+            <a:r>
+              <a:rPr lang="en-US" altLang="ja-JP" sz="1400" dirty="0"/>
+              <a:t> to suppress pitch rate</a:t>
+            </a:r>
+            <a:endParaRPr lang="ja-JP" altLang="en-US" sz="1400" dirty="0"/>
+          </a:p>
+        </p:txBody>
+      </p:sp>
+      <p:cxnSp>
+        <p:nvCxnSpPr>
+          <p:cNvPr id="5" name="Straight Connector 12"/>
+          <p:cNvCxnSpPr>
+            <a:endCxn id="4" idx="0"/>
+          </p:cNvCxnSpPr>
+          <p:nvPr/>
+        </p:nvCxnSpPr>
+        <p:spPr>
+          <a:xfrm flipH="1">
+            <a:off x="5102894" y="4021667"/>
+            <a:ext cx="1158598" cy="843422"/>
+          </a:xfrm>
+          <a:prstGeom prst="line">
+            <a:avLst/>
+          </a:prstGeom>
+          <a:ln w="19050">
+            <a:solidFill>
+              <a:srgbClr val="FF0000"/>
+            </a:solidFill>
+          </a:ln>
+        </p:spPr>
+        <p:style>
+          <a:lnRef idx="2">
+            <a:schemeClr val="accent1"/>
+          </a:lnRef>
+          <a:fillRef idx="0">
+            <a:schemeClr val="accent1"/>
+          </a:fillRef>
+          <a:effectRef idx="1">
+            <a:schemeClr val="accent1"/>
+          </a:effectRef>
+          <a:fontRef idx="minor">
+            <a:schemeClr val="tx1"/>
+          </a:fontRef>
+        </p:style>
+      </p:cxnSp>
+      <p:sp>
+        <p:nvSpPr>
+          <p:cNvPr id="13" name="Text Box 9"/>
+          <p:cNvSpPr txBox="1"/>
+          <p:nvPr/>
+        </p:nvSpPr>
+        <p:spPr>
+          <a:xfrm>
+            <a:off x="5584543" y="378822"/>
+            <a:ext cx="2145524" cy="954107"/>
+          </a:xfrm>
+          <a:prstGeom prst="rect">
+            <a:avLst/>
+          </a:prstGeom>
+          <a:noFill/>
+        </p:spPr>
+        <p:txBody>
+          <a:bodyPr wrap="square" rtlCol="0">
+            <a:spAutoFit/>
+          </a:bodyPr>
+          <a:lstStyle/>
+          <a:p>
+            <a:r>
+              <a:rPr lang="en-US" altLang="ja-JP" sz="1400" dirty="0"/>
+              <a:t>Feedback by pitch acceleration</a:t>
+            </a:r>
+            <a:r>
+              <a:rPr lang="ja-JP" altLang="en-US" sz="1400" dirty="0"/>
+              <a:t>：</a:t>
+            </a:r>
+            <a:endParaRPr lang="en-US" altLang="ja-JP" sz="1400" dirty="0"/>
+          </a:p>
+          <a:p>
+            <a:r>
+              <a:rPr lang="en-US" altLang="ja-JP" sz="1400" dirty="0"/>
+              <a:t>Attempt to suppress pitch acceleration</a:t>
+            </a:r>
+            <a:endParaRPr lang="ja-JP" altLang="en-US" sz="1400" dirty="0"/>
+          </a:p>
+        </p:txBody>
+      </p:sp>
+      <p:cxnSp>
+        <p:nvCxnSpPr>
+          <p:cNvPr id="14" name="Straight Connector 12"/>
+          <p:cNvCxnSpPr>
+            <a:endCxn id="13" idx="2"/>
+          </p:cNvCxnSpPr>
+          <p:nvPr/>
+        </p:nvCxnSpPr>
+        <p:spPr>
+          <a:xfrm flipH="1" flipV="1">
+            <a:off x="6657305" y="1332929"/>
+            <a:ext cx="429295" cy="1774338"/>
+          </a:xfrm>
+          <a:prstGeom prst="line">
+            <a:avLst/>
+          </a:prstGeom>
+          <a:ln w="19050">
+            <a:solidFill>
+              <a:srgbClr val="FF0000"/>
+            </a:solidFill>
+          </a:ln>
+        </p:spPr>
+        <p:style>
+          <a:lnRef idx="2">
+            <a:schemeClr val="accent1"/>
+          </a:lnRef>
+          <a:fillRef idx="0">
+            <a:schemeClr val="accent1"/>
+          </a:fillRef>
+          <a:effectRef idx="1">
+            <a:schemeClr val="accent1"/>
+          </a:effectRef>
+          <a:fontRef idx="minor">
+            <a:schemeClr val="tx1"/>
+          </a:fontRef>
+        </p:style>
+      </p:cxnSp>
+      <p:sp>
+        <p:nvSpPr>
+          <p:cNvPr id="19" name="Text Box 9"/>
+          <p:cNvSpPr txBox="1"/>
+          <p:nvPr/>
+        </p:nvSpPr>
+        <p:spPr>
+          <a:xfrm>
+            <a:off x="6383239" y="5196830"/>
+            <a:ext cx="1988547" cy="523220"/>
+          </a:xfrm>
+          <a:prstGeom prst="rect">
+            <a:avLst/>
+          </a:prstGeom>
+          <a:noFill/>
+        </p:spPr>
+        <p:txBody>
+          <a:bodyPr wrap="square" rtlCol="0">
+            <a:spAutoFit/>
+          </a:bodyPr>
+          <a:lstStyle/>
+          <a:p>
+            <a:r>
+              <a:rPr lang="en-US" altLang="ja-JP" sz="1400" dirty="0"/>
+              <a:t>Ignore when smaller than certain value</a:t>
+            </a:r>
+            <a:endParaRPr lang="ja-JP" altLang="en-US" sz="1400" dirty="0"/>
+          </a:p>
+        </p:txBody>
+      </p:sp>
+      <p:cxnSp>
+        <p:nvCxnSpPr>
+          <p:cNvPr id="22" name="Straight Connector 12"/>
+          <p:cNvCxnSpPr>
+            <a:stCxn id="19" idx="0"/>
+          </p:cNvCxnSpPr>
+          <p:nvPr/>
+        </p:nvCxnSpPr>
+        <p:spPr>
+          <a:xfrm flipH="1" flipV="1">
+            <a:off x="7078693" y="4191000"/>
+            <a:ext cx="298820" cy="1005830"/>
+          </a:xfrm>
+          <a:prstGeom prst="line">
+            <a:avLst/>
+          </a:prstGeom>
+          <a:ln w="19050">
+            <a:solidFill>
+              <a:srgbClr val="FF0000"/>
+            </a:solidFill>
+          </a:ln>
+        </p:spPr>
+        <p:style>
+          <a:lnRef idx="2">
+            <a:schemeClr val="accent1"/>
+          </a:lnRef>
+          <a:fillRef idx="0">
+            <a:schemeClr val="accent1"/>
+          </a:fillRef>
+          <a:effectRef idx="1">
+            <a:schemeClr val="accent1"/>
+          </a:effectRef>
+          <a:fontRef idx="minor">
+            <a:schemeClr val="tx1"/>
+          </a:fontRef>
+        </p:style>
+      </p:cxnSp>
+      <p:cxnSp>
+        <p:nvCxnSpPr>
+          <p:cNvPr id="28" name="Straight Connector 12"/>
+          <p:cNvCxnSpPr>
+            <a:stCxn id="19" idx="0"/>
+          </p:cNvCxnSpPr>
+          <p:nvPr/>
+        </p:nvCxnSpPr>
+        <p:spPr>
+          <a:xfrm flipV="1">
+            <a:off x="7377430" y="3251200"/>
+            <a:ext cx="392430" cy="1945640"/>
+          </a:xfrm>
+          <a:prstGeom prst="line">
+            <a:avLst/>
+          </a:prstGeom>
+          <a:ln w="19050">
+            <a:solidFill>
+              <a:srgbClr val="FF0000"/>
+            </a:solidFill>
+          </a:ln>
+        </p:spPr>
+        <p:style>
+          <a:lnRef idx="2">
+            <a:schemeClr val="accent1"/>
+          </a:lnRef>
+          <a:fillRef idx="0">
+            <a:schemeClr val="accent1"/>
+          </a:fillRef>
+          <a:effectRef idx="1">
+            <a:schemeClr val="accent1"/>
+          </a:effectRef>
+          <a:fontRef idx="minor">
+            <a:schemeClr val="tx1"/>
+          </a:fontRef>
+        </p:style>
+      </p:cxnSp>
     </p:spTree>
-    <p:extLst>
-      <p:ext uri="{BB962C8B-B14F-4D97-AF65-F5344CB8AC3E}">
-        <p14:creationId xmlns:p14="http://schemas.microsoft.com/office/powerpoint/2010/main" val="3506895362"/>
-      </p:ext>
-    </p:extLst>
   </p:cSld>
   <p:clrMapOvr>
     <a:masterClrMapping/>
@@ -3717,7 +4388,13 @@
       </p:grpSpPr>
       <p:pic>
         <p:nvPicPr>
-          <p:cNvPr id="3" name="Picture 2"/>
+          <p:cNvPr id="6" name="図 5">
+            <a:extLst>
+              <a:ext uri="{FF2B5EF4-FFF2-40B4-BE49-F238E27FC236}">
+                <a16:creationId xmlns:a16="http://schemas.microsoft.com/office/drawing/2014/main" id="{C0D24CCC-F2E5-4EAA-8286-CC56D4986A4C}"/>
+              </a:ext>
+            </a:extLst>
+          </p:cNvPr>
           <p:cNvPicPr>
             <a:picLocks noChangeAspect="1"/>
           </p:cNvPicPr>
@@ -3725,15 +4402,14 @@
         </p:nvPicPr>
         <p:blipFill>
           <a:blip r:embed="rId2"/>
-          <a:srcRect l="21514" t="8919" r="33448" b="68057"/>
           <a:stretch>
             <a:fillRect/>
           </a:stretch>
         </p:blipFill>
         <p:spPr>
           <a:xfrm>
-            <a:off x="3556000" y="277495"/>
-            <a:ext cx="2951608" cy="1836000"/>
+            <a:off x="1269275" y="2418075"/>
+            <a:ext cx="6885203" cy="4570945"/>
           </a:xfrm>
           <a:prstGeom prst="rect">
             <a:avLst/>
@@ -3742,14 +4418,14 @@
       </p:pic>
       <p:sp>
         <p:nvSpPr>
-          <p:cNvPr id="10" name="Text Box 9"/>
+          <p:cNvPr id="3" name="Text Box 9"/>
           <p:cNvSpPr txBox="1"/>
           <p:nvPr/>
         </p:nvSpPr>
         <p:spPr>
           <a:xfrm>
-            <a:off x="1551940" y="934720"/>
-            <a:ext cx="1544320" cy="521970"/>
+            <a:off x="2918347" y="3043378"/>
+            <a:ext cx="1507863" cy="954107"/>
           </a:xfrm>
           <a:prstGeom prst="rect">
             <a:avLst/>
@@ -3763,41 +4439,39 @@
           <a:lstStyle/>
           <a:p>
             <a:r>
-              <a:rPr lang="en-US" sz="1400"/>
-              <a:t>input</a:t>
-            </a:r>
-            <a:r>
-              <a:rPr lang="ja-JP" altLang="en-US" sz="1400"/>
-              <a:t>信号のみ異なる</a:t>
+              <a:rPr lang="en-US" altLang="ja-JP" sz="1400" dirty="0"/>
+              <a:t>pitch angle without rate &amp; acceleration feedback</a:t>
             </a:r>
           </a:p>
         </p:txBody>
       </p:sp>
       <p:cxnSp>
         <p:nvCxnSpPr>
-          <p:cNvPr id="13" name="Straight Connector 12"/>
+          <p:cNvPr id="4" name="Straight Connector 12"/>
           <p:cNvCxnSpPr>
-            <a:stCxn id="10" idx="3"/>
+            <a:cxnSpLocks/>
+            <a:endCxn id="3" idx="2"/>
           </p:cNvCxnSpPr>
           <p:nvPr/>
         </p:nvCxnSpPr>
         <p:spPr>
-          <a:xfrm flipV="1">
-            <a:off x="3096260" y="570865"/>
-            <a:ext cx="847090" cy="624840"/>
+          <a:xfrm flipH="1" flipV="1">
+            <a:off x="3672279" y="3997485"/>
+            <a:ext cx="753931" cy="625303"/>
           </a:xfrm>
           <a:prstGeom prst="line">
             <a:avLst/>
           </a:prstGeom>
+          <a:ln w="19050"/>
         </p:spPr>
         <p:style>
-          <a:lnRef idx="1">
+          <a:lnRef idx="2">
             <a:schemeClr val="accent1"/>
           </a:lnRef>
           <a:fillRef idx="0">
             <a:schemeClr val="accent1"/>
           </a:fillRef>
-          <a:effectRef idx="0">
+          <a:effectRef idx="1">
             <a:schemeClr val="accent1"/>
           </a:effectRef>
           <a:fontRef idx="minor">
@@ -3807,29 +4481,213 @@
       </p:cxnSp>
       <p:cxnSp>
         <p:nvCxnSpPr>
-          <p:cNvPr id="2" name="Straight Connector 1"/>
+          <p:cNvPr id="7" name="Straight Connector 12"/>
           <p:cNvCxnSpPr>
-            <a:stCxn id="10" idx="3"/>
+            <a:cxnSpLocks/>
+            <a:endCxn id="8" idx="2"/>
           </p:cNvCxnSpPr>
           <p:nvPr/>
         </p:nvCxnSpPr>
         <p:spPr>
-          <a:xfrm>
-            <a:off x="3096260" y="1195705"/>
-            <a:ext cx="774700" cy="466725"/>
+          <a:xfrm flipH="1" flipV="1">
+            <a:off x="2262876" y="4622788"/>
+            <a:ext cx="523084" cy="332400"/>
           </a:xfrm>
           <a:prstGeom prst="line">
             <a:avLst/>
           </a:prstGeom>
+          <a:ln w="19050"/>
         </p:spPr>
         <p:style>
-          <a:lnRef idx="1">
+          <a:lnRef idx="2">
             <a:schemeClr val="accent1"/>
           </a:lnRef>
           <a:fillRef idx="0">
             <a:schemeClr val="accent1"/>
           </a:fillRef>
-          <a:effectRef idx="0">
+          <a:effectRef idx="1">
+            <a:schemeClr val="accent1"/>
+          </a:effectRef>
+          <a:fontRef idx="minor">
+            <a:schemeClr val="tx1"/>
+          </a:fontRef>
+        </p:style>
+      </p:cxnSp>
+      <p:sp>
+        <p:nvSpPr>
+          <p:cNvPr id="8" name="Text Box 9"/>
+          <p:cNvSpPr txBox="1"/>
+          <p:nvPr/>
+        </p:nvSpPr>
+        <p:spPr>
+          <a:xfrm>
+            <a:off x="1739791" y="4100818"/>
+            <a:ext cx="1046169" cy="521970"/>
+          </a:xfrm>
+          <a:prstGeom prst="rect">
+            <a:avLst/>
+          </a:prstGeom>
+          <a:noFill/>
+        </p:spPr>
+        <p:txBody>
+          <a:bodyPr wrap="square" rtlCol="0">
+            <a:spAutoFit/>
+          </a:bodyPr>
+          <a:lstStyle/>
+          <a:p>
+            <a:r>
+              <a:rPr lang="en-US" altLang="ja-JP" sz="1400" dirty="0"/>
+              <a:t>target pitch angle</a:t>
+            </a:r>
+          </a:p>
+        </p:txBody>
+      </p:sp>
+      <p:sp>
+        <p:nvSpPr>
+          <p:cNvPr id="15" name="Text Box 9"/>
+          <p:cNvSpPr txBox="1"/>
+          <p:nvPr/>
+        </p:nvSpPr>
+        <p:spPr>
+          <a:xfrm>
+            <a:off x="6268649" y="725088"/>
+            <a:ext cx="2647932" cy="1383665"/>
+          </a:xfrm>
+          <a:prstGeom prst="rect">
+            <a:avLst/>
+          </a:prstGeom>
+          <a:noFill/>
+        </p:spPr>
+        <p:txBody>
+          <a:bodyPr wrap="square" rtlCol="0">
+            <a:spAutoFit/>
+          </a:bodyPr>
+          <a:lstStyle/>
+          <a:p>
+            <a:r>
+              <a:rPr lang="en-US" altLang="ja-JP" sz="1400" dirty="0"/>
+              <a:t>P gain</a:t>
+            </a:r>
+            <a:r>
+              <a:rPr lang="ja-JP" altLang="en-US" sz="1400" dirty="0"/>
+              <a:t>：</a:t>
+            </a:r>
+            <a:r>
+              <a:rPr lang="en-US" altLang="ja-JP" sz="1400" dirty="0"/>
+              <a:t>-2</a:t>
+            </a:r>
+          </a:p>
+          <a:p>
+            <a:r>
+              <a:rPr lang="en-US" altLang="ja-JP" sz="1400" dirty="0"/>
+              <a:t>I gain</a:t>
+            </a:r>
+            <a:r>
+              <a:rPr lang="ja-JP" altLang="en-US" sz="1400" dirty="0"/>
+              <a:t>：</a:t>
+            </a:r>
+            <a:r>
+              <a:rPr lang="en-US" altLang="ja-JP" sz="1400" dirty="0"/>
+              <a:t>-1</a:t>
+            </a:r>
+          </a:p>
+          <a:p>
+            <a:r>
+              <a:rPr lang="en-US" altLang="ja-JP" sz="1400" dirty="0"/>
+              <a:t>D gain</a:t>
+            </a:r>
+            <a:r>
+              <a:rPr lang="ja-JP" altLang="en-US" sz="1400" dirty="0"/>
+              <a:t>：</a:t>
+            </a:r>
+            <a:r>
+              <a:rPr lang="en-US" altLang="ja-JP" sz="1400" dirty="0"/>
+              <a:t>-0.5</a:t>
+            </a:r>
+          </a:p>
+          <a:p>
+            <a:r>
+              <a:rPr lang="en-US" altLang="ja-JP" sz="1400" dirty="0"/>
+              <a:t>* </a:t>
+            </a:r>
+            <a:r>
+              <a:rPr lang="en-US" sz="1400" dirty="0">
+                <a:sym typeface="+mn-ea"/>
+              </a:rPr>
+              <a:t>gains are negative because pitch increases with input of negative elevator angle</a:t>
+            </a:r>
+            <a:endParaRPr lang="en-US" altLang="ja-JP" sz="1400" dirty="0"/>
+          </a:p>
+        </p:txBody>
+      </p:sp>
+      <p:sp>
+        <p:nvSpPr>
+          <p:cNvPr id="9" name="Text Box 9">
+            <a:extLst>
+              <a:ext uri="{FF2B5EF4-FFF2-40B4-BE49-F238E27FC236}">
+                <a16:creationId xmlns:a16="http://schemas.microsoft.com/office/drawing/2014/main" id="{B26D8FB6-1148-4585-A64F-86DEE0592DB8}"/>
+              </a:ext>
+            </a:extLst>
+          </p:cNvPr>
+          <p:cNvSpPr txBox="1"/>
+          <p:nvPr/>
+        </p:nvSpPr>
+        <p:spPr>
+          <a:xfrm>
+            <a:off x="2745179" y="5841272"/>
+            <a:ext cx="1854199" cy="738664"/>
+          </a:xfrm>
+          <a:prstGeom prst="rect">
+            <a:avLst/>
+          </a:prstGeom>
+          <a:noFill/>
+        </p:spPr>
+        <p:txBody>
+          <a:bodyPr wrap="square" rtlCol="0">
+            <a:spAutoFit/>
+          </a:bodyPr>
+          <a:lstStyle/>
+          <a:p>
+            <a:r>
+              <a:rPr lang="en-US" altLang="ja-JP" sz="1400" dirty="0"/>
+              <a:t>Pitch angle with rate &amp; acceleration feedback</a:t>
+            </a:r>
+          </a:p>
+        </p:txBody>
+      </p:sp>
+      <p:cxnSp>
+        <p:nvCxnSpPr>
+          <p:cNvPr id="10" name="Straight Connector 12">
+            <a:extLst>
+              <a:ext uri="{FF2B5EF4-FFF2-40B4-BE49-F238E27FC236}">
+                <a16:creationId xmlns:a16="http://schemas.microsoft.com/office/drawing/2014/main" id="{65F172DD-1684-4D9C-A259-4934A5ED9783}"/>
+              </a:ext>
+            </a:extLst>
+          </p:cNvPr>
+          <p:cNvCxnSpPr>
+            <a:cxnSpLocks/>
+            <a:endCxn id="9" idx="0"/>
+          </p:cNvCxnSpPr>
+          <p:nvPr/>
+        </p:nvCxnSpPr>
+        <p:spPr>
+          <a:xfrm flipH="1">
+            <a:off x="3672279" y="5418667"/>
+            <a:ext cx="611854" cy="422605"/>
+          </a:xfrm>
+          <a:prstGeom prst="line">
+            <a:avLst/>
+          </a:prstGeom>
+          <a:ln w="19050"/>
+        </p:spPr>
+        <p:style>
+          <a:lnRef idx="2">
+            <a:schemeClr val="accent1"/>
+          </a:lnRef>
+          <a:fillRef idx="0">
+            <a:schemeClr val="accent1"/>
+          </a:fillRef>
+          <a:effectRef idx="1">
             <a:schemeClr val="accent1"/>
           </a:effectRef>
           <a:fontRef idx="minor">
@@ -3839,7 +4697,13 @@
       </p:cxnSp>
       <p:pic>
         <p:nvPicPr>
-          <p:cNvPr id="4" name="Picture 3"/>
+          <p:cNvPr id="12" name="Picture 2">
+            <a:extLst>
+              <a:ext uri="{FF2B5EF4-FFF2-40B4-BE49-F238E27FC236}">
+                <a16:creationId xmlns:a16="http://schemas.microsoft.com/office/drawing/2014/main" id="{D3C5230E-88E1-4B6D-B32F-BE371828EDC1}"/>
+              </a:ext>
+            </a:extLst>
+          </p:cNvPr>
           <p:cNvPicPr>
             <a:picLocks noChangeAspect="1"/>
           </p:cNvPicPr>
@@ -3853,200 +4717,20 @@
         </p:blipFill>
         <p:spPr>
           <a:xfrm>
-            <a:off x="2166620" y="2780665"/>
-            <a:ext cx="5782722" cy="4680000"/>
+            <a:off x="1269275" y="474347"/>
+            <a:ext cx="5046523" cy="1943728"/>
           </a:xfrm>
           <a:prstGeom prst="rect">
             <a:avLst/>
           </a:prstGeom>
         </p:spPr>
       </p:pic>
-      <p:cxnSp>
-        <p:nvCxnSpPr>
-          <p:cNvPr id="11" name="Straight Connector 10"/>
-          <p:cNvCxnSpPr/>
-          <p:nvPr/>
-        </p:nvCxnSpPr>
-        <p:spPr>
-          <a:xfrm flipH="1">
-            <a:off x="2553335" y="1833880"/>
-            <a:ext cx="2003425" cy="1155700"/>
-          </a:xfrm>
-          <a:prstGeom prst="line">
-            <a:avLst/>
-          </a:prstGeom>
-          <a:ln w="19050">
-            <a:solidFill>
-              <a:schemeClr val="accent1"/>
-            </a:solidFill>
-          </a:ln>
-        </p:spPr>
-        <p:style>
-          <a:lnRef idx="1">
-            <a:schemeClr val="accent1"/>
-          </a:lnRef>
-          <a:fillRef idx="0">
-            <a:schemeClr val="accent1"/>
-          </a:fillRef>
-          <a:effectRef idx="0">
-            <a:schemeClr val="accent1"/>
-          </a:effectRef>
-          <a:fontRef idx="minor">
-            <a:schemeClr val="tx1"/>
-          </a:fontRef>
-        </p:style>
-      </p:cxnSp>
-      <p:cxnSp>
-        <p:nvCxnSpPr>
-          <p:cNvPr id="5" name="Straight Connector 4"/>
-          <p:cNvCxnSpPr/>
-          <p:nvPr/>
-        </p:nvCxnSpPr>
-        <p:spPr>
-          <a:xfrm>
-            <a:off x="5134610" y="1816100"/>
-            <a:ext cx="2445385" cy="1073785"/>
-          </a:xfrm>
-          <a:prstGeom prst="line">
-            <a:avLst/>
-          </a:prstGeom>
-          <a:ln w="19050">
-            <a:solidFill>
-              <a:schemeClr val="accent1"/>
-            </a:solidFill>
-          </a:ln>
-        </p:spPr>
-        <p:style>
-          <a:lnRef idx="1">
-            <a:schemeClr val="accent1"/>
-          </a:lnRef>
-          <a:fillRef idx="0">
-            <a:schemeClr val="accent1"/>
-          </a:fillRef>
-          <a:effectRef idx="0">
-            <a:schemeClr val="accent1"/>
-          </a:effectRef>
-          <a:fontRef idx="minor">
-            <a:schemeClr val="tx1"/>
-          </a:fontRef>
-        </p:style>
-      </p:cxnSp>
-      <p:sp>
-        <p:nvSpPr>
-          <p:cNvPr id="6" name="Text Box 5"/>
-          <p:cNvSpPr txBox="1"/>
-          <p:nvPr/>
-        </p:nvSpPr>
-        <p:spPr>
-          <a:xfrm>
-            <a:off x="2212340" y="3012440"/>
-            <a:ext cx="1859280" cy="521970"/>
-          </a:xfrm>
-          <a:prstGeom prst="rect">
-            <a:avLst/>
-          </a:prstGeom>
-          <a:noFill/>
-        </p:spPr>
-        <p:txBody>
-          <a:bodyPr wrap="square" rtlCol="0">
-            <a:spAutoFit/>
-          </a:bodyPr>
-          <a:lstStyle/>
-          <a:p>
-            <a:r>
-              <a:rPr lang="en-US" sz="1400"/>
-              <a:t>PID</a:t>
-            </a:r>
-            <a:r>
-              <a:rPr lang="ja-JP" altLang="en-US" sz="1400"/>
-              <a:t>による</a:t>
-            </a:r>
-            <a:r>
-              <a:rPr lang="en-US" altLang="ja-JP" sz="1400"/>
-              <a:t>pitch</a:t>
-            </a:r>
-            <a:r>
-              <a:rPr lang="ja-JP" altLang="en-US" sz="1400"/>
-              <a:t>角速度制御</a:t>
-            </a:r>
-          </a:p>
-        </p:txBody>
-      </p:sp>
-      <p:sp>
-        <p:nvSpPr>
-          <p:cNvPr id="7" name="Text Box 6"/>
-          <p:cNvSpPr txBox="1"/>
-          <p:nvPr/>
-        </p:nvSpPr>
-        <p:spPr>
-          <a:xfrm>
-            <a:off x="3556000" y="6180455"/>
-            <a:ext cx="1859280" cy="521970"/>
-          </a:xfrm>
-          <a:prstGeom prst="rect">
-            <a:avLst/>
-          </a:prstGeom>
-          <a:noFill/>
-        </p:spPr>
-        <p:txBody>
-          <a:bodyPr wrap="square" rtlCol="0">
-            <a:spAutoFit/>
-          </a:bodyPr>
-          <a:lstStyle/>
-          <a:p>
-            <a:r>
-              <a:rPr lang="en-US" altLang="ja-JP" sz="1400"/>
-              <a:t>pitch</a:t>
-            </a:r>
-            <a:r>
-              <a:rPr lang="ja-JP" altLang="en-US" sz="1400"/>
-              <a:t>角速度フィードバック信号</a:t>
-            </a:r>
-            <a:r>
-              <a:rPr lang="en-US" altLang="ja-JP" sz="1400"/>
-              <a:t>input</a:t>
-            </a:r>
-          </a:p>
-        </p:txBody>
-      </p:sp>
-      <p:sp>
-        <p:nvSpPr>
-          <p:cNvPr id="8" name="Text Box 7"/>
-          <p:cNvSpPr txBox="1"/>
-          <p:nvPr/>
-        </p:nvSpPr>
-        <p:spPr>
-          <a:xfrm>
-            <a:off x="1236980" y="4637405"/>
-            <a:ext cx="1859280" cy="521970"/>
-          </a:xfrm>
-          <a:prstGeom prst="rect">
-            <a:avLst/>
-          </a:prstGeom>
-          <a:noFill/>
-        </p:spPr>
-        <p:txBody>
-          <a:bodyPr wrap="square" rtlCol="0">
-            <a:spAutoFit/>
-          </a:bodyPr>
-          <a:lstStyle/>
-          <a:p>
-            <a:r>
-              <a:rPr lang="en-US" altLang="ja-JP" sz="1400"/>
-              <a:t>pitch</a:t>
-            </a:r>
-            <a:r>
-              <a:rPr lang="ja-JP" altLang="en-US" sz="1400"/>
-              <a:t>角速度指令信号</a:t>
-            </a:r>
-            <a:r>
-              <a:rPr lang="en-US" altLang="ja-JP" sz="1400"/>
-              <a:t>input</a:t>
-            </a:r>
-          </a:p>
-        </p:txBody>
-      </p:sp>
     </p:spTree>
+    <p:extLst>
+      <p:ext uri="{BB962C8B-B14F-4D97-AF65-F5344CB8AC3E}">
+        <p14:creationId xmlns:p14="http://schemas.microsoft.com/office/powerpoint/2010/main" val="2889692125"/>
+      </p:ext>
+    </p:extLst>
   </p:cSld>
   <p:clrMapOvr>
     <a:masterClrMapping/>
@@ -4071,30 +4755,6 @@
           <a:chExt cx="0" cy="0"/>
         </a:xfrm>
       </p:grpSpPr>
-      <p:pic>
-        <p:nvPicPr>
-          <p:cNvPr id="3" name="Picture 2"/>
-          <p:cNvPicPr>
-            <a:picLocks noChangeAspect="1"/>
-          </p:cNvPicPr>
-          <p:nvPr/>
-        </p:nvPicPr>
-        <p:blipFill>
-          <a:blip r:embed="rId2"/>
-          <a:stretch>
-            <a:fillRect/>
-          </a:stretch>
-        </p:blipFill>
-        <p:spPr>
-          <a:xfrm>
-            <a:off x="3810000" y="1318260"/>
-            <a:ext cx="4991100" cy="6073140"/>
-          </a:xfrm>
-          <a:prstGeom prst="rect">
-            <a:avLst/>
-          </a:prstGeom>
-        </p:spPr>
-      </p:pic>
     </p:spTree>
   </p:cSld>
   <p:clrMapOvr>
@@ -4120,41 +4780,334 @@
           <a:chExt cx="0" cy="0"/>
         </a:xfrm>
       </p:grpSpPr>
-      <p:sp>
-        <p:nvSpPr>
-          <p:cNvPr id="2" name="Title 1"/>
-          <p:cNvSpPr>
-            <a:spLocks noGrp="1"/>
-          </p:cNvSpPr>
-          <p:nvPr>
-            <p:ph type="title"/>
-          </p:nvPr>
-        </p:nvSpPr>
-        <p:spPr/>
-        <p:txBody>
-          <a:bodyPr/>
-          <a:lstStyle/>
-          <a:p>
-            <a:endParaRPr lang="en-US"/>
-          </a:p>
-        </p:txBody>
-      </p:sp>
-      <p:sp>
-        <p:nvSpPr>
-          <p:cNvPr id="3" name="Text Placeholder 2"/>
-          <p:cNvSpPr>
-            <a:spLocks noGrp="1"/>
-          </p:cNvSpPr>
-          <p:nvPr>
-            <p:ph type="body"/>
-          </p:nvPr>
-        </p:nvSpPr>
-        <p:spPr/>
-        <p:txBody>
-          <a:bodyPr/>
-          <a:lstStyle/>
-          <a:p>
-            <a:endParaRPr lang="en-US"/>
+      <p:pic>
+        <p:nvPicPr>
+          <p:cNvPr id="3" name="Picture 2"/>
+          <p:cNvPicPr>
+            <a:picLocks noChangeAspect="1"/>
+          </p:cNvPicPr>
+          <p:nvPr/>
+        </p:nvPicPr>
+        <p:blipFill>
+          <a:blip r:embed="rId2"/>
+          <a:srcRect l="21514" t="8919" r="33448" b="68057"/>
+          <a:stretch>
+            <a:fillRect/>
+          </a:stretch>
+        </p:blipFill>
+        <p:spPr>
+          <a:xfrm>
+            <a:off x="3556000" y="277495"/>
+            <a:ext cx="2951608" cy="1836000"/>
+          </a:xfrm>
+          <a:prstGeom prst="rect">
+            <a:avLst/>
+          </a:prstGeom>
+        </p:spPr>
+      </p:pic>
+      <p:sp>
+        <p:nvSpPr>
+          <p:cNvPr id="10" name="Text Box 9"/>
+          <p:cNvSpPr txBox="1"/>
+          <p:nvPr/>
+        </p:nvSpPr>
+        <p:spPr>
+          <a:xfrm>
+            <a:off x="1551940" y="934720"/>
+            <a:ext cx="1544320" cy="521970"/>
+          </a:xfrm>
+          <a:prstGeom prst="rect">
+            <a:avLst/>
+          </a:prstGeom>
+          <a:noFill/>
+        </p:spPr>
+        <p:txBody>
+          <a:bodyPr wrap="square" rtlCol="0">
+            <a:spAutoFit/>
+          </a:bodyPr>
+          <a:lstStyle/>
+          <a:p>
+            <a:r>
+              <a:rPr lang="en-US" sz="1400"/>
+              <a:t>input</a:t>
+            </a:r>
+            <a:r>
+              <a:rPr lang="ja-JP" altLang="en-US" sz="1400"/>
+              <a:t>信号のみ異なる</a:t>
+            </a:r>
+          </a:p>
+        </p:txBody>
+      </p:sp>
+      <p:cxnSp>
+        <p:nvCxnSpPr>
+          <p:cNvPr id="13" name="Straight Connector 12"/>
+          <p:cNvCxnSpPr>
+            <a:stCxn id="10" idx="3"/>
+          </p:cNvCxnSpPr>
+          <p:nvPr/>
+        </p:nvCxnSpPr>
+        <p:spPr>
+          <a:xfrm flipV="1">
+            <a:off x="3096260" y="570865"/>
+            <a:ext cx="847090" cy="624840"/>
+          </a:xfrm>
+          <a:prstGeom prst="line">
+            <a:avLst/>
+          </a:prstGeom>
+        </p:spPr>
+        <p:style>
+          <a:lnRef idx="1">
+            <a:schemeClr val="accent1"/>
+          </a:lnRef>
+          <a:fillRef idx="0">
+            <a:schemeClr val="accent1"/>
+          </a:fillRef>
+          <a:effectRef idx="0">
+            <a:schemeClr val="accent1"/>
+          </a:effectRef>
+          <a:fontRef idx="minor">
+            <a:schemeClr val="tx1"/>
+          </a:fontRef>
+        </p:style>
+      </p:cxnSp>
+      <p:cxnSp>
+        <p:nvCxnSpPr>
+          <p:cNvPr id="2" name="Straight Connector 1"/>
+          <p:cNvCxnSpPr>
+            <a:stCxn id="10" idx="3"/>
+          </p:cNvCxnSpPr>
+          <p:nvPr/>
+        </p:nvCxnSpPr>
+        <p:spPr>
+          <a:xfrm>
+            <a:off x="3096260" y="1195705"/>
+            <a:ext cx="774700" cy="466725"/>
+          </a:xfrm>
+          <a:prstGeom prst="line">
+            <a:avLst/>
+          </a:prstGeom>
+        </p:spPr>
+        <p:style>
+          <a:lnRef idx="1">
+            <a:schemeClr val="accent1"/>
+          </a:lnRef>
+          <a:fillRef idx="0">
+            <a:schemeClr val="accent1"/>
+          </a:fillRef>
+          <a:effectRef idx="0">
+            <a:schemeClr val="accent1"/>
+          </a:effectRef>
+          <a:fontRef idx="minor">
+            <a:schemeClr val="tx1"/>
+          </a:fontRef>
+        </p:style>
+      </p:cxnSp>
+      <p:pic>
+        <p:nvPicPr>
+          <p:cNvPr id="4" name="Picture 3"/>
+          <p:cNvPicPr>
+            <a:picLocks noChangeAspect="1"/>
+          </p:cNvPicPr>
+          <p:nvPr/>
+        </p:nvPicPr>
+        <p:blipFill>
+          <a:blip r:embed="rId3"/>
+          <a:stretch>
+            <a:fillRect/>
+          </a:stretch>
+        </p:blipFill>
+        <p:spPr>
+          <a:xfrm>
+            <a:off x="2166620" y="2780665"/>
+            <a:ext cx="5782722" cy="4680000"/>
+          </a:xfrm>
+          <a:prstGeom prst="rect">
+            <a:avLst/>
+          </a:prstGeom>
+        </p:spPr>
+      </p:pic>
+      <p:cxnSp>
+        <p:nvCxnSpPr>
+          <p:cNvPr id="11" name="Straight Connector 10"/>
+          <p:cNvCxnSpPr/>
+          <p:nvPr/>
+        </p:nvCxnSpPr>
+        <p:spPr>
+          <a:xfrm flipH="1">
+            <a:off x="2553335" y="1833880"/>
+            <a:ext cx="2003425" cy="1155700"/>
+          </a:xfrm>
+          <a:prstGeom prst="line">
+            <a:avLst/>
+          </a:prstGeom>
+          <a:ln w="19050">
+            <a:solidFill>
+              <a:schemeClr val="accent1"/>
+            </a:solidFill>
+          </a:ln>
+        </p:spPr>
+        <p:style>
+          <a:lnRef idx="1">
+            <a:schemeClr val="accent1"/>
+          </a:lnRef>
+          <a:fillRef idx="0">
+            <a:schemeClr val="accent1"/>
+          </a:fillRef>
+          <a:effectRef idx="0">
+            <a:schemeClr val="accent1"/>
+          </a:effectRef>
+          <a:fontRef idx="minor">
+            <a:schemeClr val="tx1"/>
+          </a:fontRef>
+        </p:style>
+      </p:cxnSp>
+      <p:cxnSp>
+        <p:nvCxnSpPr>
+          <p:cNvPr id="5" name="Straight Connector 4"/>
+          <p:cNvCxnSpPr/>
+          <p:nvPr/>
+        </p:nvCxnSpPr>
+        <p:spPr>
+          <a:xfrm>
+            <a:off x="5134610" y="1816100"/>
+            <a:ext cx="2445385" cy="1073785"/>
+          </a:xfrm>
+          <a:prstGeom prst="line">
+            <a:avLst/>
+          </a:prstGeom>
+          <a:ln w="19050">
+            <a:solidFill>
+              <a:schemeClr val="accent1"/>
+            </a:solidFill>
+          </a:ln>
+        </p:spPr>
+        <p:style>
+          <a:lnRef idx="1">
+            <a:schemeClr val="accent1"/>
+          </a:lnRef>
+          <a:fillRef idx="0">
+            <a:schemeClr val="accent1"/>
+          </a:fillRef>
+          <a:effectRef idx="0">
+            <a:schemeClr val="accent1"/>
+          </a:effectRef>
+          <a:fontRef idx="minor">
+            <a:schemeClr val="tx1"/>
+          </a:fontRef>
+        </p:style>
+      </p:cxnSp>
+      <p:sp>
+        <p:nvSpPr>
+          <p:cNvPr id="6" name="Text Box 5"/>
+          <p:cNvSpPr txBox="1"/>
+          <p:nvPr/>
+        </p:nvSpPr>
+        <p:spPr>
+          <a:xfrm>
+            <a:off x="2212340" y="3012440"/>
+            <a:ext cx="1859280" cy="521970"/>
+          </a:xfrm>
+          <a:prstGeom prst="rect">
+            <a:avLst/>
+          </a:prstGeom>
+          <a:noFill/>
+        </p:spPr>
+        <p:txBody>
+          <a:bodyPr wrap="square" rtlCol="0">
+            <a:spAutoFit/>
+          </a:bodyPr>
+          <a:lstStyle/>
+          <a:p>
+            <a:r>
+              <a:rPr lang="en-US" sz="1400"/>
+              <a:t>PID</a:t>
+            </a:r>
+            <a:r>
+              <a:rPr lang="ja-JP" altLang="en-US" sz="1400"/>
+              <a:t>による</a:t>
+            </a:r>
+            <a:r>
+              <a:rPr lang="en-US" altLang="ja-JP" sz="1400"/>
+              <a:t>pitch</a:t>
+            </a:r>
+            <a:r>
+              <a:rPr lang="ja-JP" altLang="en-US" sz="1400"/>
+              <a:t>角速度制御</a:t>
+            </a:r>
+          </a:p>
+        </p:txBody>
+      </p:sp>
+      <p:sp>
+        <p:nvSpPr>
+          <p:cNvPr id="7" name="Text Box 6"/>
+          <p:cNvSpPr txBox="1"/>
+          <p:nvPr/>
+        </p:nvSpPr>
+        <p:spPr>
+          <a:xfrm>
+            <a:off x="3556000" y="6180455"/>
+            <a:ext cx="1859280" cy="521970"/>
+          </a:xfrm>
+          <a:prstGeom prst="rect">
+            <a:avLst/>
+          </a:prstGeom>
+          <a:noFill/>
+        </p:spPr>
+        <p:txBody>
+          <a:bodyPr wrap="square" rtlCol="0">
+            <a:spAutoFit/>
+          </a:bodyPr>
+          <a:lstStyle/>
+          <a:p>
+            <a:r>
+              <a:rPr lang="en-US" altLang="ja-JP" sz="1400"/>
+              <a:t>pitch</a:t>
+            </a:r>
+            <a:r>
+              <a:rPr lang="ja-JP" altLang="en-US" sz="1400"/>
+              <a:t>角速度フィードバック信号</a:t>
+            </a:r>
+            <a:r>
+              <a:rPr lang="en-US" altLang="ja-JP" sz="1400"/>
+              <a:t>input</a:t>
+            </a:r>
+          </a:p>
+        </p:txBody>
+      </p:sp>
+      <p:sp>
+        <p:nvSpPr>
+          <p:cNvPr id="8" name="Text Box 7"/>
+          <p:cNvSpPr txBox="1"/>
+          <p:nvPr/>
+        </p:nvSpPr>
+        <p:spPr>
+          <a:xfrm>
+            <a:off x="1236980" y="4637405"/>
+            <a:ext cx="1859280" cy="521970"/>
+          </a:xfrm>
+          <a:prstGeom prst="rect">
+            <a:avLst/>
+          </a:prstGeom>
+          <a:noFill/>
+        </p:spPr>
+        <p:txBody>
+          <a:bodyPr wrap="square" rtlCol="0">
+            <a:spAutoFit/>
+          </a:bodyPr>
+          <a:lstStyle/>
+          <a:p>
+            <a:r>
+              <a:rPr lang="en-US" altLang="ja-JP" sz="1400"/>
+              <a:t>pitch</a:t>
+            </a:r>
+            <a:r>
+              <a:rPr lang="ja-JP" altLang="en-US" sz="1400"/>
+              <a:t>角速度指令信号</a:t>
+            </a:r>
+            <a:r>
+              <a:rPr lang="en-US" altLang="ja-JP" sz="1400"/>
+              <a:t>input</a:t>
+            </a:r>
           </a:p>
         </p:txBody>
       </p:sp>
@@ -4185,13 +5138,7 @@
       </p:grpSpPr>
       <p:pic>
         <p:nvPicPr>
-          <p:cNvPr id="36" name="図 35">
-            <a:extLst>
-              <a:ext uri="{FF2B5EF4-FFF2-40B4-BE49-F238E27FC236}">
-                <a16:creationId xmlns:a16="http://schemas.microsoft.com/office/drawing/2014/main" id="{ED5C861E-74AE-4D9A-BA46-1AB01CAB5658}"/>
-              </a:ext>
-            </a:extLst>
-          </p:cNvPr>
+          <p:cNvPr id="36" name="図 35"/>
           <p:cNvPicPr>
             <a:picLocks noChangeAspect="1"/>
           </p:cNvPicPr>
@@ -4215,13 +5162,7 @@
       </p:pic>
       <p:pic>
         <p:nvPicPr>
-          <p:cNvPr id="3" name="図 2">
-            <a:extLst>
-              <a:ext uri="{FF2B5EF4-FFF2-40B4-BE49-F238E27FC236}">
-                <a16:creationId xmlns:a16="http://schemas.microsoft.com/office/drawing/2014/main" id="{15A6A77A-836C-4502-9C38-BAF0E9A36BEE}"/>
-              </a:ext>
-            </a:extLst>
-          </p:cNvPr>
+          <p:cNvPr id="3" name="図 2"/>
           <p:cNvPicPr>
             <a:picLocks noChangeAspect="1"/>
           </p:cNvPicPr>
@@ -4479,9 +5420,7 @@
       <p:cxnSp>
         <p:nvCxnSpPr>
           <p:cNvPr id="11" name="Straight Connector 10"/>
-          <p:cNvCxnSpPr>
-            <a:cxnSpLocks/>
-          </p:cNvCxnSpPr>
+          <p:cNvCxnSpPr/>
           <p:nvPr/>
         </p:nvCxnSpPr>
         <p:spPr>
@@ -4516,9 +5455,7 @@
       <p:cxnSp>
         <p:nvCxnSpPr>
           <p:cNvPr id="12" name="Straight Connector 11"/>
-          <p:cNvCxnSpPr>
-            <a:cxnSpLocks/>
-          </p:cNvCxnSpPr>
+          <p:cNvCxnSpPr/>
           <p:nvPr/>
         </p:nvCxnSpPr>
         <p:spPr>
@@ -4554,7 +5491,6 @@
         <p:nvCxnSpPr>
           <p:cNvPr id="13" name="Straight Connector 12"/>
           <p:cNvCxnSpPr>
-            <a:cxnSpLocks/>
             <a:stCxn id="5" idx="2"/>
           </p:cNvCxnSpPr>
           <p:nvPr/>
@@ -4587,7 +5523,6 @@
         <p:nvCxnSpPr>
           <p:cNvPr id="14" name="Straight Connector 13"/>
           <p:cNvCxnSpPr>
-            <a:cxnSpLocks/>
             <a:stCxn id="6" idx="0"/>
           </p:cNvCxnSpPr>
           <p:nvPr/>
@@ -4618,13 +5553,7 @@
       </p:cxnSp>
       <p:sp>
         <p:nvSpPr>
-          <p:cNvPr id="17" name="Text Box 7">
-            <a:extLst>
-              <a:ext uri="{FF2B5EF4-FFF2-40B4-BE49-F238E27FC236}">
-                <a16:creationId xmlns:a16="http://schemas.microsoft.com/office/drawing/2014/main" id="{E81BACAF-4673-4E6D-AD3C-E3A75527DB9E}"/>
-              </a:ext>
-            </a:extLst>
-          </p:cNvPr>
+          <p:cNvPr id="17" name="Text Box 7"/>
           <p:cNvSpPr txBox="1"/>
           <p:nvPr/>
         </p:nvSpPr>
@@ -4653,13 +5582,7 @@
       </p:sp>
       <p:sp>
         <p:nvSpPr>
-          <p:cNvPr id="21" name="Text Box 4">
-            <a:extLst>
-              <a:ext uri="{FF2B5EF4-FFF2-40B4-BE49-F238E27FC236}">
-                <a16:creationId xmlns:a16="http://schemas.microsoft.com/office/drawing/2014/main" id="{DB2FB15A-4323-44A4-BA86-C2F6E35A0B71}"/>
-              </a:ext>
-            </a:extLst>
-          </p:cNvPr>
+          <p:cNvPr id="21" name="Text Box 4"/>
           <p:cNvSpPr txBox="1"/>
           <p:nvPr/>
         </p:nvSpPr>
@@ -4707,15 +5630,8 @@
       </p:sp>
       <p:cxnSp>
         <p:nvCxnSpPr>
-          <p:cNvPr id="22" name="Straight Connector 12">
-            <a:extLst>
-              <a:ext uri="{FF2B5EF4-FFF2-40B4-BE49-F238E27FC236}">
-                <a16:creationId xmlns:a16="http://schemas.microsoft.com/office/drawing/2014/main" id="{3B02F5D4-815A-401F-9D50-F791CE5664B3}"/>
-              </a:ext>
-            </a:extLst>
-          </p:cNvPr>
+          <p:cNvPr id="22" name="Straight Connector 12"/>
           <p:cNvCxnSpPr>
-            <a:cxnSpLocks/>
             <a:stCxn id="21" idx="2"/>
           </p:cNvCxnSpPr>
           <p:nvPr/>
@@ -4744,17 +5660,11 @@
           </a:fontRef>
         </p:style>
       </p:cxnSp>
-      <mc:AlternateContent xmlns:mc="http://schemas.openxmlformats.org/markup-compatibility/2006">
-        <mc:Choice xmlns:a14="http://schemas.microsoft.com/office/drawing/2010/main" Requires="a14">
+      <mc:AlternateContent xmlns:mc="http://schemas.openxmlformats.org/markup-compatibility/2006" xmlns:a14="http://schemas.microsoft.com/office/drawing/2010/main">
+        <mc:Choice Requires="a14">
           <p:sp>
             <p:nvSpPr>
-              <p:cNvPr id="27" name="テキスト ボックス 26">
-                <a:extLst>
-                  <a:ext uri="{FF2B5EF4-FFF2-40B4-BE49-F238E27FC236}">
-                    <a16:creationId xmlns:a16="http://schemas.microsoft.com/office/drawing/2014/main" id="{2BCE216B-4F6F-4332-A39A-209A514CBCB8}"/>
-                  </a:ext>
-                </a:extLst>
-              </p:cNvPr>
+              <p:cNvPr id="27" name="テキスト ボックス 26"/>
               <p:cNvSpPr txBox="1"/>
               <p:nvPr/>
             </p:nvSpPr>
@@ -4912,16 +5822,10 @@
             </p:txBody>
           </p:sp>
         </mc:Choice>
-        <mc:Fallback>
+        <mc:Fallback xmlns="">
           <p:sp>
             <p:nvSpPr>
-              <p:cNvPr id="27" name="テキスト ボックス 26">
-                <a:extLst>
-                  <a:ext uri="{FF2B5EF4-FFF2-40B4-BE49-F238E27FC236}">
-                    <a16:creationId xmlns:a16="http://schemas.microsoft.com/office/drawing/2014/main" id="{2BCE216B-4F6F-4332-A39A-209A514CBCB8}"/>
-                  </a:ext>
-                </a:extLst>
-              </p:cNvPr>
+              <p:cNvPr id="27" name="テキスト ボックス 26"/>
               <p:cNvSpPr txBox="1">
                 <a:spLocks noRot="1" noChangeAspect="1" noMove="1" noResize="1" noEditPoints="1" noAdjustHandles="1" noChangeArrowheads="1" noChangeShapeType="1" noTextEdit="1"/>
               </p:cNvSpPr>
@@ -4935,7 +5839,7 @@
               <a:prstGeom prst="rect">
                 <a:avLst/>
               </a:prstGeom>
-              <a:blipFill>
+              <a:blipFill rotWithShape="1">
                 <a:blip r:embed="rId4"/>
                 <a:stretch>
                   <a:fillRect/>
@@ -4952,6 +5856,9 @@
                   </a:rPr>
                   <a:t> </a:t>
                 </a:r>
+                <a:endParaRPr lang="ja-JP" altLang="en-US">
+                  <a:noFill/>
+                </a:endParaRPr>
               </a:p>
             </p:txBody>
           </p:sp>
@@ -4959,13 +5866,7 @@
       </mc:AlternateContent>
       <p:sp>
         <p:nvSpPr>
-          <p:cNvPr id="32" name="四角形: 角を丸くする 31">
-            <a:extLst>
-              <a:ext uri="{FF2B5EF4-FFF2-40B4-BE49-F238E27FC236}">
-                <a16:creationId xmlns:a16="http://schemas.microsoft.com/office/drawing/2014/main" id="{2E1685D9-7087-49F9-97A8-C3ADBF23798B}"/>
-              </a:ext>
-            </a:extLst>
-          </p:cNvPr>
+          <p:cNvPr id="32" name="四角形: 角を丸くする 31"/>
           <p:cNvSpPr/>
           <p:nvPr/>
         </p:nvSpPr>
@@ -5013,13 +5914,7 @@
       </p:sp>
       <p:sp>
         <p:nvSpPr>
-          <p:cNvPr id="39" name="Text Box 9">
-            <a:extLst>
-              <a:ext uri="{FF2B5EF4-FFF2-40B4-BE49-F238E27FC236}">
-                <a16:creationId xmlns:a16="http://schemas.microsoft.com/office/drawing/2014/main" id="{92DDA460-DDA6-41FB-9085-4ACB8C7AE2E8}"/>
-              </a:ext>
-            </a:extLst>
-          </p:cNvPr>
+          <p:cNvPr id="39" name="Text Box 9"/>
           <p:cNvSpPr txBox="1"/>
           <p:nvPr/>
         </p:nvSpPr>
@@ -5049,13 +5944,7 @@
       </p:sp>
       <p:sp>
         <p:nvSpPr>
-          <p:cNvPr id="40" name="Text Box 9">
-            <a:extLst>
-              <a:ext uri="{FF2B5EF4-FFF2-40B4-BE49-F238E27FC236}">
-                <a16:creationId xmlns:a16="http://schemas.microsoft.com/office/drawing/2014/main" id="{26ED43A1-7F22-4E30-961A-F5B93781DDAC}"/>
-              </a:ext>
-            </a:extLst>
-          </p:cNvPr>
+          <p:cNvPr id="40" name="Text Box 9"/>
           <p:cNvSpPr txBox="1"/>
           <p:nvPr/>
         </p:nvSpPr>
@@ -5112,6 +6001,30 @@
           <a:chExt cx="0" cy="0"/>
         </a:xfrm>
       </p:grpSpPr>
+      <p:pic>
+        <p:nvPicPr>
+          <p:cNvPr id="3" name="Picture 2"/>
+          <p:cNvPicPr>
+            <a:picLocks noChangeAspect="1"/>
+          </p:cNvPicPr>
+          <p:nvPr/>
+        </p:nvPicPr>
+        <p:blipFill>
+          <a:blip r:embed="rId2"/>
+          <a:stretch>
+            <a:fillRect/>
+          </a:stretch>
+        </p:blipFill>
+        <p:spPr>
+          <a:xfrm>
+            <a:off x="3810000" y="1318260"/>
+            <a:ext cx="4991100" cy="6073140"/>
+          </a:xfrm>
+          <a:prstGeom prst="rect">
+            <a:avLst/>
+          </a:prstGeom>
+        </p:spPr>
+      </p:pic>
     </p:spTree>
   </p:cSld>
   <p:clrMapOvr>
@@ -5137,6 +6050,44 @@
           <a:chExt cx="0" cy="0"/>
         </a:xfrm>
       </p:grpSpPr>
+      <p:sp>
+        <p:nvSpPr>
+          <p:cNvPr id="2" name="Title 1"/>
+          <p:cNvSpPr>
+            <a:spLocks noGrp="1"/>
+          </p:cNvSpPr>
+          <p:nvPr>
+            <p:ph type="title"/>
+          </p:nvPr>
+        </p:nvSpPr>
+        <p:spPr/>
+        <p:txBody>
+          <a:bodyPr/>
+          <a:lstStyle/>
+          <a:p>
+            <a:endParaRPr lang="en-US"/>
+          </a:p>
+        </p:txBody>
+      </p:sp>
+      <p:sp>
+        <p:nvSpPr>
+          <p:cNvPr id="3" name="Text Placeholder 2"/>
+          <p:cNvSpPr>
+            <a:spLocks noGrp="1"/>
+          </p:cNvSpPr>
+          <p:nvPr>
+            <p:ph type="body"/>
+          </p:nvPr>
+        </p:nvSpPr>
+        <p:spPr/>
+        <p:txBody>
+          <a:bodyPr/>
+          <a:lstStyle/>
+          <a:p>
+            <a:endParaRPr lang="en-US"/>
+          </a:p>
+        </p:txBody>
+      </p:sp>
     </p:spTree>
   </p:cSld>
   <p:clrMapOvr>
@@ -5146,6 +6097,56 @@
 </file>
 
 <file path=ppt/slides/slide22.xml><?xml version="1.0" encoding="utf-8"?>
+<p:sld xmlns:a="http://schemas.openxmlformats.org/drawingml/2006/main" xmlns:r="http://schemas.openxmlformats.org/officeDocument/2006/relationships" xmlns:p="http://schemas.openxmlformats.org/presentationml/2006/main">
+  <p:cSld>
+    <p:spTree>
+      <p:nvGrpSpPr>
+        <p:cNvPr id="1" name=""/>
+        <p:cNvGrpSpPr/>
+        <p:nvPr/>
+      </p:nvGrpSpPr>
+      <p:grpSpPr>
+        <a:xfrm>
+          <a:off x="0" y="0"/>
+          <a:ext cx="0" cy="0"/>
+          <a:chOff x="0" y="0"/>
+          <a:chExt cx="0" cy="0"/>
+        </a:xfrm>
+      </p:grpSpPr>
+    </p:spTree>
+  </p:cSld>
+  <p:clrMapOvr>
+    <a:masterClrMapping/>
+  </p:clrMapOvr>
+</p:sld>
+</file>
+
+<file path=ppt/slides/slide23.xml><?xml version="1.0" encoding="utf-8"?>
+<p:sld xmlns:a="http://schemas.openxmlformats.org/drawingml/2006/main" xmlns:r="http://schemas.openxmlformats.org/officeDocument/2006/relationships" xmlns:p="http://schemas.openxmlformats.org/presentationml/2006/main">
+  <p:cSld>
+    <p:spTree>
+      <p:nvGrpSpPr>
+        <p:cNvPr id="1" name=""/>
+        <p:cNvGrpSpPr/>
+        <p:nvPr/>
+      </p:nvGrpSpPr>
+      <p:grpSpPr>
+        <a:xfrm>
+          <a:off x="0" y="0"/>
+          <a:ext cx="0" cy="0"/>
+          <a:chOff x="0" y="0"/>
+          <a:chExt cx="0" cy="0"/>
+        </a:xfrm>
+      </p:grpSpPr>
+    </p:spTree>
+  </p:cSld>
+  <p:clrMapOvr>
+    <a:masterClrMapping/>
+  </p:clrMapOvr>
+</p:sld>
+</file>
+
+<file path=ppt/slides/slide24.xml><?xml version="1.0" encoding="utf-8"?>
 <p:sld xmlns:a="http://schemas.openxmlformats.org/drawingml/2006/main" xmlns:r="http://schemas.openxmlformats.org/officeDocument/2006/relationships" xmlns:p="http://schemas.openxmlformats.org/presentationml/2006/main">
   <p:cSld>
     <p:spTree>
@@ -5189,13 +6190,7 @@
       </p:grpSpPr>
       <p:pic>
         <p:nvPicPr>
-          <p:cNvPr id="2" name="図 1">
-            <a:extLst>
-              <a:ext uri="{FF2B5EF4-FFF2-40B4-BE49-F238E27FC236}">
-                <a16:creationId xmlns:a16="http://schemas.microsoft.com/office/drawing/2014/main" id="{AF8337F5-1E3E-4DA8-A840-88CD5B95D2A0}"/>
-              </a:ext>
-            </a:extLst>
-          </p:cNvPr>
+          <p:cNvPr id="2" name="図 1"/>
           <p:cNvPicPr>
             <a:picLocks noChangeAspect="1"/>
           </p:cNvPicPr>
@@ -5219,16 +6214,8 @@
       </p:pic>
       <p:cxnSp>
         <p:nvCxnSpPr>
-          <p:cNvPr id="5" name="Straight Connector 10">
-            <a:extLst>
-              <a:ext uri="{FF2B5EF4-FFF2-40B4-BE49-F238E27FC236}">
-                <a16:creationId xmlns:a16="http://schemas.microsoft.com/office/drawing/2014/main" id="{09C922A1-A8C8-414D-9D26-8538BF4B3A58}"/>
-              </a:ext>
-            </a:extLst>
-          </p:cNvPr>
-          <p:cNvCxnSpPr>
-            <a:cxnSpLocks/>
-          </p:cNvCxnSpPr>
+          <p:cNvPr id="5" name="Straight Connector 10"/>
+          <p:cNvCxnSpPr/>
           <p:nvPr/>
         </p:nvCxnSpPr>
         <p:spPr>
@@ -5262,16 +6249,8 @@
       </p:cxnSp>
       <p:cxnSp>
         <p:nvCxnSpPr>
-          <p:cNvPr id="6" name="Straight Connector 11">
-            <a:extLst>
-              <a:ext uri="{FF2B5EF4-FFF2-40B4-BE49-F238E27FC236}">
-                <a16:creationId xmlns:a16="http://schemas.microsoft.com/office/drawing/2014/main" id="{834BD1D8-0309-4A1E-B7DE-8E2438613A26}"/>
-              </a:ext>
-            </a:extLst>
-          </p:cNvPr>
-          <p:cNvCxnSpPr>
-            <a:cxnSpLocks/>
-          </p:cNvCxnSpPr>
+          <p:cNvPr id="6" name="Straight Connector 11"/>
+          <p:cNvCxnSpPr/>
           <p:nvPr/>
         </p:nvCxnSpPr>
         <p:spPr>
@@ -5305,13 +6284,7 @@
       </p:cxnSp>
       <p:sp>
         <p:nvSpPr>
-          <p:cNvPr id="8" name="四角形: 角を丸くする 7">
-            <a:extLst>
-              <a:ext uri="{FF2B5EF4-FFF2-40B4-BE49-F238E27FC236}">
-                <a16:creationId xmlns:a16="http://schemas.microsoft.com/office/drawing/2014/main" id="{4F3933E4-C8BD-4075-925A-C784658ACCF2}"/>
-              </a:ext>
-            </a:extLst>
-          </p:cNvPr>
+          <p:cNvPr id="8" name="四角形: 角を丸くする 7"/>
           <p:cNvSpPr/>
           <p:nvPr/>
         </p:nvSpPr>
@@ -5359,13 +6332,7 @@
       </p:sp>
       <p:pic>
         <p:nvPicPr>
-          <p:cNvPr id="13" name="図 12">
-            <a:extLst>
-              <a:ext uri="{FF2B5EF4-FFF2-40B4-BE49-F238E27FC236}">
-                <a16:creationId xmlns:a16="http://schemas.microsoft.com/office/drawing/2014/main" id="{1606CB28-7BA9-449D-9FD2-EF7A05ADB7BB}"/>
-              </a:ext>
-            </a:extLst>
-          </p:cNvPr>
+          <p:cNvPr id="13" name="図 12"/>
           <p:cNvPicPr>
             <a:picLocks noChangeAspect="1"/>
           </p:cNvPicPr>
@@ -5389,13 +6356,7 @@
       </p:pic>
       <p:sp>
         <p:nvSpPr>
-          <p:cNvPr id="14" name="Text Box 9">
-            <a:extLst>
-              <a:ext uri="{FF2B5EF4-FFF2-40B4-BE49-F238E27FC236}">
-                <a16:creationId xmlns:a16="http://schemas.microsoft.com/office/drawing/2014/main" id="{87FA886C-D7DC-4232-8479-9F28BCCE3684}"/>
-              </a:ext>
-            </a:extLst>
-          </p:cNvPr>
+          <p:cNvPr id="14" name="Text Box 9"/>
           <p:cNvSpPr txBox="1"/>
           <p:nvPr/>
         </p:nvSpPr>
@@ -5431,13 +6392,7 @@
       </p:sp>
       <p:sp>
         <p:nvSpPr>
-          <p:cNvPr id="15" name="Text Box 9">
-            <a:extLst>
-              <a:ext uri="{FF2B5EF4-FFF2-40B4-BE49-F238E27FC236}">
-                <a16:creationId xmlns:a16="http://schemas.microsoft.com/office/drawing/2014/main" id="{D4188B7E-6B10-436E-877D-8A6240536913}"/>
-              </a:ext>
-            </a:extLst>
-          </p:cNvPr>
+          <p:cNvPr id="15" name="Text Box 9"/>
           <p:cNvSpPr txBox="1"/>
           <p:nvPr/>
         </p:nvSpPr>
@@ -5482,13 +6437,7 @@
       </p:sp>
       <p:sp>
         <p:nvSpPr>
-          <p:cNvPr id="16" name="Text Box 9">
-            <a:extLst>
-              <a:ext uri="{FF2B5EF4-FFF2-40B4-BE49-F238E27FC236}">
-                <a16:creationId xmlns:a16="http://schemas.microsoft.com/office/drawing/2014/main" id="{63DEC55A-1976-4B93-9327-23616C9D00D8}"/>
-              </a:ext>
-            </a:extLst>
-          </p:cNvPr>
+          <p:cNvPr id="16" name="Text Box 9"/>
           <p:cNvSpPr txBox="1"/>
           <p:nvPr/>
         </p:nvSpPr>
@@ -5524,13 +6473,7 @@
       </p:sp>
       <p:sp>
         <p:nvSpPr>
-          <p:cNvPr id="17" name="Text Box 9">
-            <a:extLst>
-              <a:ext uri="{FF2B5EF4-FFF2-40B4-BE49-F238E27FC236}">
-                <a16:creationId xmlns:a16="http://schemas.microsoft.com/office/drawing/2014/main" id="{C99B0BDA-BFD1-4101-BFD9-2D7B71761B42}"/>
-              </a:ext>
-            </a:extLst>
-          </p:cNvPr>
+          <p:cNvPr id="17" name="Text Box 9"/>
           <p:cNvSpPr txBox="1"/>
           <p:nvPr/>
         </p:nvSpPr>
@@ -5560,13 +6503,7 @@
       </p:sp>
       <p:sp>
         <p:nvSpPr>
-          <p:cNvPr id="18" name="Text Box 9">
-            <a:extLst>
-              <a:ext uri="{FF2B5EF4-FFF2-40B4-BE49-F238E27FC236}">
-                <a16:creationId xmlns:a16="http://schemas.microsoft.com/office/drawing/2014/main" id="{56D537F1-8E36-4152-A298-45B1EF71DA2E}"/>
-              </a:ext>
-            </a:extLst>
-          </p:cNvPr>
+          <p:cNvPr id="18" name="Text Box 9"/>
           <p:cNvSpPr txBox="1"/>
           <p:nvPr/>
         </p:nvSpPr>
@@ -5600,13 +6537,7 @@
       </p:sp>
       <p:sp>
         <p:nvSpPr>
-          <p:cNvPr id="19" name="Text Box 9">
-            <a:extLst>
-              <a:ext uri="{FF2B5EF4-FFF2-40B4-BE49-F238E27FC236}">
-                <a16:creationId xmlns:a16="http://schemas.microsoft.com/office/drawing/2014/main" id="{2E989213-236C-493D-BF6C-3AA97BC1DE4E}"/>
-              </a:ext>
-            </a:extLst>
-          </p:cNvPr>
+          <p:cNvPr id="19" name="Text Box 9"/>
           <p:cNvSpPr txBox="1"/>
           <p:nvPr/>
         </p:nvSpPr>
@@ -5661,13 +6592,7 @@
       </p:grpSpPr>
       <p:pic>
         <p:nvPicPr>
-          <p:cNvPr id="3" name="図 2">
-            <a:extLst>
-              <a:ext uri="{FF2B5EF4-FFF2-40B4-BE49-F238E27FC236}">
-                <a16:creationId xmlns:a16="http://schemas.microsoft.com/office/drawing/2014/main" id="{F7220389-F589-40A7-B5E4-70878CA2EF90}"/>
-              </a:ext>
-            </a:extLst>
-          </p:cNvPr>
+          <p:cNvPr id="3" name="図 2"/>
           <p:cNvPicPr>
             <a:picLocks noChangeAspect="1"/>
           </p:cNvPicPr>
@@ -5681,7 +6606,7 @@
         </p:blipFill>
         <p:spPr>
           <a:xfrm>
-            <a:off x="1405850" y="1493435"/>
+            <a:off x="1397595" y="1493435"/>
             <a:ext cx="7573723" cy="5385607"/>
           </a:xfrm>
           <a:prstGeom prst="rect">
@@ -5691,20 +6616,14 @@
       </p:pic>
       <p:sp>
         <p:nvSpPr>
-          <p:cNvPr id="4" name="Text Box 9">
-            <a:extLst>
-              <a:ext uri="{FF2B5EF4-FFF2-40B4-BE49-F238E27FC236}">
-                <a16:creationId xmlns:a16="http://schemas.microsoft.com/office/drawing/2014/main" id="{F540A037-72C3-417D-A51E-CED3140896A4}"/>
-              </a:ext>
-            </a:extLst>
-          </p:cNvPr>
+          <p:cNvPr id="4" name="Text Box 9"/>
           <p:cNvSpPr txBox="1"/>
           <p:nvPr/>
         </p:nvSpPr>
         <p:spPr>
           <a:xfrm>
-            <a:off x="5201177" y="5289880"/>
-            <a:ext cx="1684866" cy="523220"/>
+            <a:off x="5227955" y="5245735"/>
+            <a:ext cx="1892300" cy="521970"/>
           </a:xfrm>
           <a:prstGeom prst="rect">
             <a:avLst/>
@@ -5719,32 +6638,20 @@
           <a:p>
             <a:r>
               <a:rPr lang="en-US" sz="1400" dirty="0"/>
-              <a:t>elevator(</a:t>
-            </a:r>
-            <a:r>
-              <a:rPr lang="ja-JP" altLang="en-US" sz="1400" dirty="0"/>
-              <a:t>昇降舵</a:t>
-            </a:r>
-            <a:r>
-              <a:rPr lang="en-US" sz="1400" dirty="0"/>
-              <a:t>)</a:t>
-            </a:r>
-            <a:r>
-              <a:rPr lang="ja-JP" altLang="en-US" sz="1400" dirty="0"/>
-              <a:t>指令信号</a:t>
+              <a:t>elevator command</a:t>
+            </a:r>
+          </a:p>
+          <a:p>
+            <a:r>
+              <a:rPr lang="en-US" altLang="ja-JP" sz="1400" dirty="0"/>
+              <a:t>(negative == pull-up)</a:t>
             </a:r>
           </a:p>
         </p:txBody>
       </p:sp>
       <p:pic>
         <p:nvPicPr>
-          <p:cNvPr id="5" name="図 4">
-            <a:extLst>
-              <a:ext uri="{FF2B5EF4-FFF2-40B4-BE49-F238E27FC236}">
-                <a16:creationId xmlns:a16="http://schemas.microsoft.com/office/drawing/2014/main" id="{DCFF6EE8-ED7F-4085-9994-240D0B1AD259}"/>
-              </a:ext>
-            </a:extLst>
-          </p:cNvPr>
+          <p:cNvPr id="5" name="図 4"/>
           <p:cNvPicPr>
             <a:picLocks noChangeAspect="1"/>
           </p:cNvPicPr>
@@ -5753,7 +6660,9 @@
         <p:blipFill rotWithShape="1">
           <a:blip r:embed="rId3"/>
           <a:srcRect l="3226" t="13033" r="2737" b="20534"/>
-          <a:stretch/>
+          <a:stretch>
+            <a:fillRect/>
+          </a:stretch>
         </p:blipFill>
         <p:spPr>
           <a:xfrm>
@@ -5767,20 +6676,14 @@
       </p:pic>
       <p:sp>
         <p:nvSpPr>
-          <p:cNvPr id="6" name="Text Box 9">
-            <a:extLst>
-              <a:ext uri="{FF2B5EF4-FFF2-40B4-BE49-F238E27FC236}">
-                <a16:creationId xmlns:a16="http://schemas.microsoft.com/office/drawing/2014/main" id="{8B9F73ED-848F-423B-A830-92CC7EF81FF3}"/>
-              </a:ext>
-            </a:extLst>
-          </p:cNvPr>
+          <p:cNvPr id="6" name="Text Box 9"/>
           <p:cNvSpPr txBox="1"/>
           <p:nvPr/>
         </p:nvSpPr>
         <p:spPr>
           <a:xfrm>
             <a:off x="4134718" y="3779837"/>
-            <a:ext cx="1150786" cy="307777"/>
+            <a:ext cx="1150786" cy="306705"/>
           </a:xfrm>
           <a:prstGeom prst="rect">
             <a:avLst/>
@@ -5794,30 +6697,23 @@
           <a:lstStyle/>
           <a:p>
             <a:r>
-              <a:rPr lang="ja-JP" altLang="en-US" sz="1400" dirty="0"/>
-              <a:t>ピッチ角度</a:t>
+              <a:rPr lang="en-US" altLang="ja-JP" sz="1400" dirty="0"/>
+              <a:t>pitch angle</a:t>
             </a:r>
           </a:p>
         </p:txBody>
       </p:sp>
       <p:cxnSp>
         <p:nvCxnSpPr>
-          <p:cNvPr id="7" name="Straight Connector 12">
-            <a:extLst>
-              <a:ext uri="{FF2B5EF4-FFF2-40B4-BE49-F238E27FC236}">
-                <a16:creationId xmlns:a16="http://schemas.microsoft.com/office/drawing/2014/main" id="{5C14E917-34A2-41DB-9B11-C286AC202853}"/>
-              </a:ext>
-            </a:extLst>
-          </p:cNvPr>
+          <p:cNvPr id="7" name="Straight Connector 12"/>
           <p:cNvCxnSpPr>
-            <a:cxnSpLocks/>
             <a:stCxn id="6" idx="2"/>
           </p:cNvCxnSpPr>
           <p:nvPr/>
         </p:nvCxnSpPr>
         <p:spPr>
           <a:xfrm>
-            <a:off x="4710111" y="4087614"/>
+            <a:off x="4710111" y="4086344"/>
             <a:ext cx="330200" cy="509786"/>
           </a:xfrm>
           <a:prstGeom prst="line">
@@ -5842,22 +6738,15 @@
       </p:cxnSp>
       <p:cxnSp>
         <p:nvCxnSpPr>
-          <p:cNvPr id="10" name="Straight Connector 12">
-            <a:extLst>
-              <a:ext uri="{FF2B5EF4-FFF2-40B4-BE49-F238E27FC236}">
-                <a16:creationId xmlns:a16="http://schemas.microsoft.com/office/drawing/2014/main" id="{3AA7E28F-EB8A-4E46-80C4-6535B8CDB3CC}"/>
-              </a:ext>
-            </a:extLst>
-          </p:cNvPr>
+          <p:cNvPr id="10" name="Straight Connector 12"/>
           <p:cNvCxnSpPr>
-            <a:cxnSpLocks/>
             <a:endCxn id="4" idx="2"/>
           </p:cNvCxnSpPr>
           <p:nvPr/>
         </p:nvCxnSpPr>
         <p:spPr>
           <a:xfrm flipV="1">
-            <a:off x="5757333" y="5813100"/>
+            <a:off x="5888143" y="5768015"/>
             <a:ext cx="286277" cy="441016"/>
           </a:xfrm>
           <a:prstGeom prst="line">
@@ -5881,11 +6770,6 @@
         </p:style>
       </p:cxnSp>
     </p:spTree>
-    <p:extLst>
-      <p:ext uri="{BB962C8B-B14F-4D97-AF65-F5344CB8AC3E}">
-        <p14:creationId xmlns:p14="http://schemas.microsoft.com/office/powerpoint/2010/main" val="778867789"/>
-      </p:ext>
-    </p:extLst>
   </p:cSld>
   <p:clrMapOvr>
     <a:masterClrMapping/>
@@ -5912,13 +6796,7 @@
       </p:grpSpPr>
       <p:pic>
         <p:nvPicPr>
-          <p:cNvPr id="2" name="図 1">
-            <a:extLst>
-              <a:ext uri="{FF2B5EF4-FFF2-40B4-BE49-F238E27FC236}">
-                <a16:creationId xmlns:a16="http://schemas.microsoft.com/office/drawing/2014/main" id="{91E232C7-B911-4DA5-96F2-87E44ADB0290}"/>
-              </a:ext>
-            </a:extLst>
-          </p:cNvPr>
+          <p:cNvPr id="2" name="図 1"/>
           <p:cNvPicPr>
             <a:picLocks noChangeAspect="1"/>
           </p:cNvPicPr>
@@ -5927,7 +6805,9 @@
         <p:blipFill rotWithShape="1">
           <a:blip r:embed="rId2"/>
           <a:srcRect l="3226" t="13033" r="2737" b="20534"/>
-          <a:stretch/>
+          <a:stretch>
+            <a:fillRect/>
+          </a:stretch>
         </p:blipFill>
         <p:spPr>
           <a:xfrm>
@@ -5941,13 +6821,7 @@
       </p:pic>
       <p:pic>
         <p:nvPicPr>
-          <p:cNvPr id="3" name="図 2">
-            <a:extLst>
-              <a:ext uri="{FF2B5EF4-FFF2-40B4-BE49-F238E27FC236}">
-                <a16:creationId xmlns:a16="http://schemas.microsoft.com/office/drawing/2014/main" id="{FC9364EC-CD72-49D0-9F6D-008267D40C00}"/>
-              </a:ext>
-            </a:extLst>
-          </p:cNvPr>
+          <p:cNvPr id="3" name="図 2"/>
           <p:cNvPicPr>
             <a:picLocks noChangeAspect="1"/>
           </p:cNvPicPr>
@@ -5971,20 +6845,14 @@
       </p:pic>
       <p:sp>
         <p:nvSpPr>
-          <p:cNvPr id="4" name="Text Box 9">
-            <a:extLst>
-              <a:ext uri="{FF2B5EF4-FFF2-40B4-BE49-F238E27FC236}">
-                <a16:creationId xmlns:a16="http://schemas.microsoft.com/office/drawing/2014/main" id="{EF8D9DFC-183A-4CDF-B065-B667C8D8FAD8}"/>
-              </a:ext>
-            </a:extLst>
-          </p:cNvPr>
+          <p:cNvPr id="4" name="Text Box 9"/>
           <p:cNvSpPr txBox="1"/>
           <p:nvPr/>
         </p:nvSpPr>
         <p:spPr>
           <a:xfrm>
-            <a:off x="4887911" y="5239081"/>
-            <a:ext cx="1684866" cy="523220"/>
+            <a:off x="4716461" y="5401641"/>
+            <a:ext cx="1684866" cy="306705"/>
           </a:xfrm>
           <a:prstGeom prst="rect">
             <a:avLst/>
@@ -5999,41 +6867,23 @@
           <a:p>
             <a:r>
               <a:rPr lang="en-US" sz="1400" dirty="0"/>
-              <a:t>elevator(</a:t>
-            </a:r>
-            <a:r>
-              <a:rPr lang="ja-JP" altLang="en-US" sz="1400" dirty="0"/>
-              <a:t>昇降舵</a:t>
-            </a:r>
-            <a:r>
-              <a:rPr lang="en-US" sz="1400" dirty="0"/>
-              <a:t>)</a:t>
-            </a:r>
-            <a:r>
-              <a:rPr lang="ja-JP" altLang="en-US" sz="1400" dirty="0"/>
-              <a:t>指令信号</a:t>
-            </a:r>
+              <a:t>elevator command</a:t>
+            </a:r>
+            <a:endParaRPr lang="ja-JP" altLang="en-US" sz="1400" dirty="0"/>
           </a:p>
         </p:txBody>
       </p:sp>
       <p:cxnSp>
         <p:nvCxnSpPr>
-          <p:cNvPr id="5" name="Straight Connector 12">
-            <a:extLst>
-              <a:ext uri="{FF2B5EF4-FFF2-40B4-BE49-F238E27FC236}">
-                <a16:creationId xmlns:a16="http://schemas.microsoft.com/office/drawing/2014/main" id="{9F3D37C8-FA54-4F35-9EC9-76219BBBACA1}"/>
-              </a:ext>
-            </a:extLst>
-          </p:cNvPr>
+          <p:cNvPr id="5" name="Straight Connector 12"/>
           <p:cNvCxnSpPr>
-            <a:cxnSpLocks/>
             <a:endCxn id="4" idx="2"/>
           </p:cNvCxnSpPr>
           <p:nvPr/>
         </p:nvCxnSpPr>
         <p:spPr>
           <a:xfrm flipV="1">
-            <a:off x="5503334" y="5762301"/>
+            <a:off x="5331884" y="5708961"/>
             <a:ext cx="227010" cy="587700"/>
           </a:xfrm>
           <a:prstGeom prst="line">
@@ -6058,20 +6908,14 @@
       </p:cxnSp>
       <p:sp>
         <p:nvSpPr>
-          <p:cNvPr id="7" name="Text Box 9">
-            <a:extLst>
-              <a:ext uri="{FF2B5EF4-FFF2-40B4-BE49-F238E27FC236}">
-                <a16:creationId xmlns:a16="http://schemas.microsoft.com/office/drawing/2014/main" id="{C622F454-80FB-49B8-94AF-84E6FD9C8026}"/>
-              </a:ext>
-            </a:extLst>
-          </p:cNvPr>
+          <p:cNvPr id="7" name="Text Box 9"/>
           <p:cNvSpPr txBox="1"/>
           <p:nvPr/>
         </p:nvSpPr>
         <p:spPr>
           <a:xfrm>
-            <a:off x="4904844" y="2742680"/>
-            <a:ext cx="1684866" cy="307777"/>
+            <a:off x="4904740" y="2742565"/>
+            <a:ext cx="1198880" cy="306705"/>
           </a:xfrm>
           <a:prstGeom prst="rect">
             <a:avLst/>
@@ -6085,30 +6929,23 @@
           <a:lstStyle/>
           <a:p>
             <a:r>
-              <a:rPr lang="ja-JP" altLang="en-US" sz="1400" dirty="0"/>
-              <a:t>ピッチ角速度</a:t>
+              <a:rPr lang="en-US" altLang="ja-JP" sz="1400" dirty="0"/>
+              <a:t>pitch rate</a:t>
             </a:r>
           </a:p>
         </p:txBody>
       </p:sp>
       <p:cxnSp>
         <p:nvCxnSpPr>
-          <p:cNvPr id="8" name="Straight Connector 12">
-            <a:extLst>
-              <a:ext uri="{FF2B5EF4-FFF2-40B4-BE49-F238E27FC236}">
-                <a16:creationId xmlns:a16="http://schemas.microsoft.com/office/drawing/2014/main" id="{839A8EF7-E7A2-4DB6-9C34-B06BD847DD6B}"/>
-              </a:ext>
-            </a:extLst>
-          </p:cNvPr>
+          <p:cNvPr id="8" name="Straight Connector 12"/>
           <p:cNvCxnSpPr>
-            <a:cxnSpLocks/>
             <a:endCxn id="7" idx="2"/>
           </p:cNvCxnSpPr>
           <p:nvPr/>
         </p:nvCxnSpPr>
         <p:spPr>
           <a:xfrm flipV="1">
-            <a:off x="5359400" y="3050457"/>
+            <a:off x="5116195" y="3049187"/>
             <a:ext cx="387877" cy="1098211"/>
           </a:xfrm>
           <a:prstGeom prst="line">
@@ -6132,11 +6969,6 @@
         </p:style>
       </p:cxnSp>
     </p:spTree>
-    <p:extLst>
-      <p:ext uri="{BB962C8B-B14F-4D97-AF65-F5344CB8AC3E}">
-        <p14:creationId xmlns:p14="http://schemas.microsoft.com/office/powerpoint/2010/main" val="3753344542"/>
-      </p:ext>
-    </p:extLst>
   </p:cSld>
   <p:clrMapOvr>
     <a:masterClrMapping/>
@@ -6163,13 +6995,7 @@
       </p:grpSpPr>
       <p:pic>
         <p:nvPicPr>
-          <p:cNvPr id="9" name="図 8">
-            <a:extLst>
-              <a:ext uri="{FF2B5EF4-FFF2-40B4-BE49-F238E27FC236}">
-                <a16:creationId xmlns:a16="http://schemas.microsoft.com/office/drawing/2014/main" id="{78867061-FC33-4637-AFAE-0CD14FA7C0C1}"/>
-              </a:ext>
-            </a:extLst>
-          </p:cNvPr>
+          <p:cNvPr id="9" name="図 8"/>
           <p:cNvPicPr>
             <a:picLocks noChangeAspect="1"/>
           </p:cNvPicPr>
@@ -6193,13 +7019,7 @@
       </p:pic>
       <p:pic>
         <p:nvPicPr>
-          <p:cNvPr id="2" name="図 1">
-            <a:extLst>
-              <a:ext uri="{FF2B5EF4-FFF2-40B4-BE49-F238E27FC236}">
-                <a16:creationId xmlns:a16="http://schemas.microsoft.com/office/drawing/2014/main" id="{7DEA2858-A9EF-4936-833B-F1C9DE651DBB}"/>
-              </a:ext>
-            </a:extLst>
-          </p:cNvPr>
+          <p:cNvPr id="2" name="図 1"/>
           <p:cNvPicPr>
             <a:picLocks noChangeAspect="1"/>
           </p:cNvPicPr>
@@ -6208,7 +7028,9 @@
         <p:blipFill rotWithShape="1">
           <a:blip r:embed="rId3"/>
           <a:srcRect l="2773" b="28632"/>
-          <a:stretch/>
+          <a:stretch>
+            <a:fillRect/>
+          </a:stretch>
         </p:blipFill>
         <p:spPr>
           <a:xfrm>
@@ -6222,20 +7044,14 @@
       </p:pic>
       <p:sp>
         <p:nvSpPr>
-          <p:cNvPr id="4" name="Text Box 9">
-            <a:extLst>
-              <a:ext uri="{FF2B5EF4-FFF2-40B4-BE49-F238E27FC236}">
-                <a16:creationId xmlns:a16="http://schemas.microsoft.com/office/drawing/2014/main" id="{291E0AA1-7583-4E88-9B29-12F11518B3C0}"/>
-              </a:ext>
-            </a:extLst>
-          </p:cNvPr>
+          <p:cNvPr id="4" name="Text Box 9"/>
           <p:cNvSpPr txBox="1"/>
           <p:nvPr/>
         </p:nvSpPr>
         <p:spPr>
           <a:xfrm>
-            <a:off x="1041399" y="587360"/>
-            <a:ext cx="1803401" cy="307777"/>
+            <a:off x="1041399" y="401090"/>
+            <a:ext cx="1803401" cy="523220"/>
           </a:xfrm>
           <a:prstGeom prst="rect">
             <a:avLst/>
@@ -6249,28 +7065,31 @@
           <a:lstStyle/>
           <a:p>
             <a:r>
+              <a:rPr lang="en-US" altLang="ja-JP" sz="1400" dirty="0"/>
+              <a:t>Elevator</a:t>
+            </a:r>
+            <a:r>
               <a:rPr lang="ja-JP" altLang="en-US" sz="1400" dirty="0"/>
-              <a:t>パルス状の指令信号</a:t>
-            </a:r>
-          </a:p>
-        </p:txBody>
-      </p:sp>
-      <p:sp>
-        <p:nvSpPr>
-          <p:cNvPr id="5" name="Text Box 9">
-            <a:extLst>
-              <a:ext uri="{FF2B5EF4-FFF2-40B4-BE49-F238E27FC236}">
-                <a16:creationId xmlns:a16="http://schemas.microsoft.com/office/drawing/2014/main" id="{5392EAFC-8283-4762-A62B-2E3DE0F15235}"/>
-              </a:ext>
-            </a:extLst>
-          </p:cNvPr>
+              <a:t> </a:t>
+            </a:r>
+            <a:r>
+              <a:rPr lang="en-US" altLang="ja-JP" sz="1400" dirty="0"/>
+              <a:t>command with pulse shape</a:t>
+            </a:r>
+            <a:endParaRPr lang="ja-JP" altLang="en-US" sz="1400" dirty="0"/>
+          </a:p>
+        </p:txBody>
+      </p:sp>
+      <p:sp>
+        <p:nvSpPr>
+          <p:cNvPr id="5" name="Text Box 9"/>
           <p:cNvSpPr txBox="1"/>
           <p:nvPr/>
         </p:nvSpPr>
         <p:spPr>
           <a:xfrm>
             <a:off x="4837111" y="5772480"/>
-            <a:ext cx="1684866" cy="523220"/>
+            <a:ext cx="1684866" cy="306705"/>
           </a:xfrm>
           <a:prstGeom prst="rect">
             <a:avLst/>
@@ -6285,41 +7104,23 @@
           <a:p>
             <a:r>
               <a:rPr lang="en-US" sz="1400" dirty="0"/>
-              <a:t>elevator(</a:t>
-            </a:r>
-            <a:r>
-              <a:rPr lang="ja-JP" altLang="en-US" sz="1400" dirty="0"/>
-              <a:t>昇降舵</a:t>
-            </a:r>
-            <a:r>
-              <a:rPr lang="en-US" sz="1400" dirty="0"/>
-              <a:t>)</a:t>
-            </a:r>
-            <a:r>
-              <a:rPr lang="ja-JP" altLang="en-US" sz="1400" dirty="0"/>
-              <a:t>指令信号</a:t>
-            </a:r>
+              <a:t>elevator command</a:t>
+            </a:r>
+            <a:endParaRPr lang="ja-JP" altLang="en-US" sz="1400" dirty="0"/>
           </a:p>
         </p:txBody>
       </p:sp>
       <p:cxnSp>
         <p:nvCxnSpPr>
-          <p:cNvPr id="6" name="Straight Connector 12">
-            <a:extLst>
-              <a:ext uri="{FF2B5EF4-FFF2-40B4-BE49-F238E27FC236}">
-                <a16:creationId xmlns:a16="http://schemas.microsoft.com/office/drawing/2014/main" id="{8EA5B0C4-BF6B-41AC-859D-A160CBB908F3}"/>
-              </a:ext>
-            </a:extLst>
-          </p:cNvPr>
+          <p:cNvPr id="6" name="Straight Connector 12"/>
           <p:cNvCxnSpPr>
-            <a:cxnSpLocks/>
             <a:endCxn id="5" idx="1"/>
           </p:cNvCxnSpPr>
           <p:nvPr/>
         </p:nvCxnSpPr>
         <p:spPr>
           <a:xfrm>
-            <a:off x="4377267" y="5579532"/>
+            <a:off x="4377267" y="5471582"/>
             <a:ext cx="459844" cy="454558"/>
           </a:xfrm>
           <a:prstGeom prst="line">
@@ -6344,20 +7145,14 @@
       </p:cxnSp>
       <p:sp>
         <p:nvSpPr>
-          <p:cNvPr id="10" name="Text Box 9">
-            <a:extLst>
-              <a:ext uri="{FF2B5EF4-FFF2-40B4-BE49-F238E27FC236}">
-                <a16:creationId xmlns:a16="http://schemas.microsoft.com/office/drawing/2014/main" id="{F894DC7C-8CAB-4B6B-9381-81B3602AFF01}"/>
-              </a:ext>
-            </a:extLst>
-          </p:cNvPr>
+          <p:cNvPr id="10" name="Text Box 9"/>
           <p:cNvSpPr txBox="1"/>
           <p:nvPr/>
         </p:nvSpPr>
         <p:spPr>
           <a:xfrm>
             <a:off x="4517228" y="3983696"/>
-            <a:ext cx="1046169" cy="307777"/>
+            <a:ext cx="1046169" cy="306705"/>
           </a:xfrm>
           <a:prstGeom prst="rect">
             <a:avLst/>
@@ -6371,23 +7166,16 @@
           <a:lstStyle/>
           <a:p>
             <a:r>
-              <a:rPr lang="ja-JP" altLang="en-US" sz="1400" dirty="0"/>
-              <a:t>ピッチ角</a:t>
+              <a:rPr lang="en-US" altLang="ja-JP" sz="1400" dirty="0"/>
+              <a:t>pitch angle</a:t>
             </a:r>
           </a:p>
         </p:txBody>
       </p:sp>
       <p:cxnSp>
         <p:nvCxnSpPr>
-          <p:cNvPr id="11" name="Straight Connector 12">
-            <a:extLst>
-              <a:ext uri="{FF2B5EF4-FFF2-40B4-BE49-F238E27FC236}">
-                <a16:creationId xmlns:a16="http://schemas.microsoft.com/office/drawing/2014/main" id="{4164B6F3-CEEA-4F02-82E5-DEA1092BA0A9}"/>
-              </a:ext>
-            </a:extLst>
-          </p:cNvPr>
+          <p:cNvPr id="11" name="Straight Connector 12"/>
           <p:cNvCxnSpPr>
-            <a:cxnSpLocks/>
             <a:endCxn id="10" idx="0"/>
           </p:cNvCxnSpPr>
           <p:nvPr/>
@@ -6418,11 +7206,6 @@
         </p:style>
       </p:cxnSp>
     </p:spTree>
-    <p:extLst>
-      <p:ext uri="{BB962C8B-B14F-4D97-AF65-F5344CB8AC3E}">
-        <p14:creationId xmlns:p14="http://schemas.microsoft.com/office/powerpoint/2010/main" val="525765438"/>
-      </p:ext>
-    </p:extLst>
   </p:cSld>
   <p:clrMapOvr>
     <a:masterClrMapping/>
@@ -6449,13 +7232,7 @@
       </p:grpSpPr>
       <p:pic>
         <p:nvPicPr>
-          <p:cNvPr id="2" name="図 1">
-            <a:extLst>
-              <a:ext uri="{FF2B5EF4-FFF2-40B4-BE49-F238E27FC236}">
-                <a16:creationId xmlns:a16="http://schemas.microsoft.com/office/drawing/2014/main" id="{57AC2E26-87B1-4580-B6A2-D1548A09CB4E}"/>
-              </a:ext>
-            </a:extLst>
-          </p:cNvPr>
+          <p:cNvPr id="2" name="図 1"/>
           <p:cNvPicPr>
             <a:picLocks noChangeAspect="1"/>
           </p:cNvPicPr>
@@ -6464,7 +7241,9 @@
         <p:blipFill rotWithShape="1">
           <a:blip r:embed="rId2"/>
           <a:srcRect l="2773" b="28632"/>
-          <a:stretch/>
+          <a:stretch>
+            <a:fillRect/>
+          </a:stretch>
         </p:blipFill>
         <p:spPr>
           <a:xfrm>
@@ -6478,20 +7257,14 @@
       </p:pic>
       <p:sp>
         <p:nvSpPr>
-          <p:cNvPr id="3" name="Text Box 9">
-            <a:extLst>
-              <a:ext uri="{FF2B5EF4-FFF2-40B4-BE49-F238E27FC236}">
-                <a16:creationId xmlns:a16="http://schemas.microsoft.com/office/drawing/2014/main" id="{2C3FBE71-BC07-4B44-9666-72844ACCC085}"/>
-              </a:ext>
-            </a:extLst>
-          </p:cNvPr>
+          <p:cNvPr id="3" name="Text Box 9"/>
           <p:cNvSpPr txBox="1"/>
           <p:nvPr/>
         </p:nvSpPr>
         <p:spPr>
           <a:xfrm>
-            <a:off x="1041399" y="587360"/>
-            <a:ext cx="1803401" cy="307777"/>
+            <a:off x="1041399" y="418027"/>
+            <a:ext cx="1803401" cy="523220"/>
           </a:xfrm>
           <a:prstGeom prst="rect">
             <a:avLst/>
@@ -6505,21 +7278,24 @@
           <a:lstStyle/>
           <a:p>
             <a:r>
+              <a:rPr lang="en-US" altLang="ja-JP" sz="1400" dirty="0"/>
+              <a:t>Elevator</a:t>
+            </a:r>
+            <a:r>
               <a:rPr lang="ja-JP" altLang="en-US" sz="1400" dirty="0"/>
-              <a:t>パルス状の指令信号</a:t>
-            </a:r>
+              <a:t> </a:t>
+            </a:r>
+            <a:r>
+              <a:rPr lang="en-US" altLang="ja-JP" sz="1400" dirty="0"/>
+              <a:t>command with pulse shape</a:t>
+            </a:r>
+            <a:endParaRPr lang="ja-JP" altLang="en-US" sz="1400" dirty="0"/>
           </a:p>
         </p:txBody>
       </p:sp>
       <p:pic>
         <p:nvPicPr>
-          <p:cNvPr id="4" name="図 3">
-            <a:extLst>
-              <a:ext uri="{FF2B5EF4-FFF2-40B4-BE49-F238E27FC236}">
-                <a16:creationId xmlns:a16="http://schemas.microsoft.com/office/drawing/2014/main" id="{2CE1C6E9-DA74-494A-9136-24D55C46575A}"/>
-              </a:ext>
-            </a:extLst>
-          </p:cNvPr>
+          <p:cNvPr id="4" name="図 3"/>
           <p:cNvPicPr>
             <a:picLocks noChangeAspect="1"/>
           </p:cNvPicPr>
@@ -6543,20 +7319,14 @@
       </p:pic>
       <p:sp>
         <p:nvSpPr>
-          <p:cNvPr id="7" name="Text Box 9">
-            <a:extLst>
-              <a:ext uri="{FF2B5EF4-FFF2-40B4-BE49-F238E27FC236}">
-                <a16:creationId xmlns:a16="http://schemas.microsoft.com/office/drawing/2014/main" id="{6569165F-B1A4-4507-9454-D209807A3DCA}"/>
-              </a:ext>
-            </a:extLst>
-          </p:cNvPr>
+          <p:cNvPr id="7" name="Text Box 9"/>
           <p:cNvSpPr txBox="1"/>
           <p:nvPr/>
         </p:nvSpPr>
         <p:spPr>
           <a:xfrm>
-            <a:off x="3778648" y="2727108"/>
-            <a:ext cx="1392451" cy="307777"/>
+            <a:off x="3778885" y="2727325"/>
+            <a:ext cx="1130935" cy="306705"/>
           </a:xfrm>
           <a:prstGeom prst="rect">
             <a:avLst/>
@@ -6570,30 +7340,23 @@
           <a:lstStyle/>
           <a:p>
             <a:r>
-              <a:rPr lang="ja-JP" altLang="en-US" sz="1400" dirty="0"/>
-              <a:t>ピッチ角速度</a:t>
+              <a:rPr lang="en-US" altLang="ja-JP" sz="1400" dirty="0"/>
+              <a:t>pitch rate</a:t>
             </a:r>
           </a:p>
         </p:txBody>
       </p:sp>
       <p:cxnSp>
         <p:nvCxnSpPr>
-          <p:cNvPr id="8" name="Straight Connector 12">
-            <a:extLst>
-              <a:ext uri="{FF2B5EF4-FFF2-40B4-BE49-F238E27FC236}">
-                <a16:creationId xmlns:a16="http://schemas.microsoft.com/office/drawing/2014/main" id="{94C98B88-05EB-4004-A4B0-AB3F91DDDE39}"/>
-              </a:ext>
-            </a:extLst>
-          </p:cNvPr>
+          <p:cNvPr id="8" name="Straight Connector 12"/>
           <p:cNvCxnSpPr>
-            <a:cxnSpLocks/>
             <a:endCxn id="7" idx="2"/>
           </p:cNvCxnSpPr>
           <p:nvPr/>
         </p:nvCxnSpPr>
         <p:spPr>
           <a:xfrm flipV="1">
-            <a:off x="4086996" y="3034885"/>
+            <a:off x="3956821" y="3034250"/>
             <a:ext cx="387878" cy="1098212"/>
           </a:xfrm>
           <a:prstGeom prst="line">
@@ -6618,20 +7381,14 @@
       </p:cxnSp>
       <p:sp>
         <p:nvSpPr>
-          <p:cNvPr id="9" name="Text Box 9">
-            <a:extLst>
-              <a:ext uri="{FF2B5EF4-FFF2-40B4-BE49-F238E27FC236}">
-                <a16:creationId xmlns:a16="http://schemas.microsoft.com/office/drawing/2014/main" id="{CA1FAD9C-4F1C-4DFB-919A-CF5C115CFE77}"/>
-              </a:ext>
-            </a:extLst>
-          </p:cNvPr>
+          <p:cNvPr id="9" name="Text Box 9"/>
           <p:cNvSpPr txBox="1"/>
           <p:nvPr/>
         </p:nvSpPr>
         <p:spPr>
           <a:xfrm>
             <a:off x="5074180" y="6221213"/>
-            <a:ext cx="1684866" cy="523220"/>
+            <a:ext cx="1684866" cy="306705"/>
           </a:xfrm>
           <a:prstGeom prst="rect">
             <a:avLst/>
@@ -6646,41 +7403,23 @@
           <a:p>
             <a:r>
               <a:rPr lang="en-US" sz="1400" dirty="0"/>
-              <a:t>elevator(</a:t>
-            </a:r>
-            <a:r>
-              <a:rPr lang="ja-JP" altLang="en-US" sz="1400" dirty="0"/>
-              <a:t>昇降舵</a:t>
-            </a:r>
-            <a:r>
-              <a:rPr lang="en-US" sz="1400" dirty="0"/>
-              <a:t>)</a:t>
-            </a:r>
-            <a:r>
-              <a:rPr lang="ja-JP" altLang="en-US" sz="1400" dirty="0"/>
-              <a:t>指令信号</a:t>
-            </a:r>
+              <a:t>elevator command</a:t>
+            </a:r>
+            <a:endParaRPr lang="ja-JP" altLang="en-US" sz="1400" dirty="0"/>
           </a:p>
         </p:txBody>
       </p:sp>
       <p:cxnSp>
         <p:nvCxnSpPr>
-          <p:cNvPr id="10" name="Straight Connector 12">
-            <a:extLst>
-              <a:ext uri="{FF2B5EF4-FFF2-40B4-BE49-F238E27FC236}">
-                <a16:creationId xmlns:a16="http://schemas.microsoft.com/office/drawing/2014/main" id="{58241A54-510B-420A-9F4F-8D13225F759F}"/>
-              </a:ext>
-            </a:extLst>
-          </p:cNvPr>
+          <p:cNvPr id="10" name="Straight Connector 12"/>
           <p:cNvCxnSpPr>
-            <a:cxnSpLocks/>
             <a:endCxn id="9" idx="1"/>
           </p:cNvCxnSpPr>
           <p:nvPr/>
         </p:nvCxnSpPr>
         <p:spPr>
           <a:xfrm>
-            <a:off x="4508742" y="6282267"/>
+            <a:off x="4508742" y="6174317"/>
             <a:ext cx="565438" cy="200556"/>
           </a:xfrm>
           <a:prstGeom prst="line">
@@ -6704,11 +7443,6 @@
         </p:style>
       </p:cxnSp>
     </p:spTree>
-    <p:extLst>
-      <p:ext uri="{BB962C8B-B14F-4D97-AF65-F5344CB8AC3E}">
-        <p14:creationId xmlns:p14="http://schemas.microsoft.com/office/powerpoint/2010/main" val="1385826245"/>
-      </p:ext>
-    </p:extLst>
   </p:cSld>
   <p:clrMapOvr>
     <a:masterClrMapping/>
@@ -6735,13 +7469,7 @@
       </p:grpSpPr>
       <p:pic>
         <p:nvPicPr>
-          <p:cNvPr id="8" name="図 7">
-            <a:extLst>
-              <a:ext uri="{FF2B5EF4-FFF2-40B4-BE49-F238E27FC236}">
-                <a16:creationId xmlns:a16="http://schemas.microsoft.com/office/drawing/2014/main" id="{29B83053-B038-43F6-BC8A-7D028011CE5A}"/>
-              </a:ext>
-            </a:extLst>
-          </p:cNvPr>
+          <p:cNvPr id="2" name="Picture 1"/>
           <p:cNvPicPr>
             <a:picLocks noChangeAspect="1"/>
           </p:cNvPicPr>
@@ -6755,8 +7483,8 @@
         </p:blipFill>
         <p:spPr>
           <a:xfrm>
-            <a:off x="-1" y="1700920"/>
-            <a:ext cx="10080625" cy="4157834"/>
+            <a:off x="183515" y="1783080"/>
+            <a:ext cx="9570720" cy="3992880"/>
           </a:xfrm>
           <a:prstGeom prst="rect">
             <a:avLst/>
@@ -6765,13 +7493,7 @@
       </p:pic>
       <p:sp>
         <p:nvSpPr>
-          <p:cNvPr id="3" name="Text Box 9">
-            <a:extLst>
-              <a:ext uri="{FF2B5EF4-FFF2-40B4-BE49-F238E27FC236}">
-                <a16:creationId xmlns:a16="http://schemas.microsoft.com/office/drawing/2014/main" id="{25098E9B-7007-4B50-942F-6D4D23726220}"/>
-              </a:ext>
-            </a:extLst>
-          </p:cNvPr>
+          <p:cNvPr id="3" name="Text Box 9"/>
           <p:cNvSpPr txBox="1"/>
           <p:nvPr/>
         </p:nvSpPr>
@@ -6801,13 +7523,7 @@
       </p:sp>
       <p:sp>
         <p:nvSpPr>
-          <p:cNvPr id="4" name="正方形/長方形 3">
-            <a:extLst>
-              <a:ext uri="{FF2B5EF4-FFF2-40B4-BE49-F238E27FC236}">
-                <a16:creationId xmlns:a16="http://schemas.microsoft.com/office/drawing/2014/main" id="{384A53EE-6DEE-4D50-8047-D082111FF7D8}"/>
-              </a:ext>
-            </a:extLst>
-          </p:cNvPr>
+          <p:cNvPr id="4" name="正方形/長方形 3"/>
           <p:cNvSpPr/>
           <p:nvPr/>
         </p:nvSpPr>
@@ -6854,20 +7570,14 @@
       </p:sp>
       <p:sp>
         <p:nvSpPr>
-          <p:cNvPr id="5" name="Text Box 9">
-            <a:extLst>
-              <a:ext uri="{FF2B5EF4-FFF2-40B4-BE49-F238E27FC236}">
-                <a16:creationId xmlns:a16="http://schemas.microsoft.com/office/drawing/2014/main" id="{32C8F347-856E-41DE-A449-4697F9CB08E1}"/>
-              </a:ext>
-            </a:extLst>
-          </p:cNvPr>
+          <p:cNvPr id="5" name="Text Box 9"/>
           <p:cNvSpPr txBox="1"/>
           <p:nvPr/>
         </p:nvSpPr>
         <p:spPr>
           <a:xfrm>
             <a:off x="2946400" y="906411"/>
-            <a:ext cx="3352800" cy="738664"/>
+            <a:ext cx="3352800" cy="737235"/>
           </a:xfrm>
           <a:prstGeom prst="rect">
             <a:avLst/>
@@ -6882,7 +7592,7 @@
           <a:p>
             <a:r>
               <a:rPr lang="en-US" altLang="ja-JP" sz="1400" dirty="0"/>
-              <a:t>Aviator decides elevator angle command </a:t>
+              <a:t>Aviator decides elevator angle command</a:t>
             </a:r>
           </a:p>
           <a:p>
@@ -6895,13 +7605,7 @@
       </p:sp>
       <p:sp>
         <p:nvSpPr>
-          <p:cNvPr id="6" name="Text Box 9">
-            <a:extLst>
-              <a:ext uri="{FF2B5EF4-FFF2-40B4-BE49-F238E27FC236}">
-                <a16:creationId xmlns:a16="http://schemas.microsoft.com/office/drawing/2014/main" id="{449352DE-2AF8-4D24-B5C5-F508635B65E9}"/>
-              </a:ext>
-            </a:extLst>
-          </p:cNvPr>
+          <p:cNvPr id="6" name="Text Box 9"/>
           <p:cNvSpPr txBox="1"/>
           <p:nvPr/>
         </p:nvSpPr>
@@ -6935,15 +7639,8 @@
       </p:sp>
       <p:cxnSp>
         <p:nvCxnSpPr>
-          <p:cNvPr id="7" name="Straight Connector 12">
-            <a:extLst>
-              <a:ext uri="{FF2B5EF4-FFF2-40B4-BE49-F238E27FC236}">
-                <a16:creationId xmlns:a16="http://schemas.microsoft.com/office/drawing/2014/main" id="{16CDCDDB-A46D-49BB-BD46-60BE51C3EF98}"/>
-              </a:ext>
-            </a:extLst>
-          </p:cNvPr>
+          <p:cNvPr id="7" name="Straight Connector 12"/>
           <p:cNvCxnSpPr>
-            <a:cxnSpLocks/>
             <a:endCxn id="6" idx="1"/>
           </p:cNvCxnSpPr>
           <p:nvPr/>
@@ -6979,15 +7676,8 @@
       </p:cxnSp>
       <p:cxnSp>
         <p:nvCxnSpPr>
-          <p:cNvPr id="13" name="Straight Connector 12">
-            <a:extLst>
-              <a:ext uri="{FF2B5EF4-FFF2-40B4-BE49-F238E27FC236}">
-                <a16:creationId xmlns:a16="http://schemas.microsoft.com/office/drawing/2014/main" id="{6070306E-23F4-4798-AEF6-86B11FF59E42}"/>
-              </a:ext>
-            </a:extLst>
-          </p:cNvPr>
+          <p:cNvPr id="13" name="Straight Connector 12"/>
           <p:cNvCxnSpPr>
-            <a:cxnSpLocks/>
             <a:endCxn id="6" idx="1"/>
           </p:cNvCxnSpPr>
           <p:nvPr/>
@@ -7023,15 +7713,8 @@
       </p:cxnSp>
       <p:cxnSp>
         <p:nvCxnSpPr>
-          <p:cNvPr id="16" name="Straight Connector 12">
-            <a:extLst>
-              <a:ext uri="{FF2B5EF4-FFF2-40B4-BE49-F238E27FC236}">
-                <a16:creationId xmlns:a16="http://schemas.microsoft.com/office/drawing/2014/main" id="{362CBF1C-CDE0-445B-9D1D-E2BD9393FD64}"/>
-              </a:ext>
-            </a:extLst>
-          </p:cNvPr>
+          <p:cNvPr id="16" name="Straight Connector 12"/>
           <p:cNvCxnSpPr>
-            <a:cxnSpLocks/>
             <a:endCxn id="6" idx="1"/>
           </p:cNvCxnSpPr>
           <p:nvPr/>
@@ -7067,13 +7750,7 @@
       </p:cxnSp>
       <p:sp>
         <p:nvSpPr>
-          <p:cNvPr id="11" name="Text Box 9">
-            <a:extLst>
-              <a:ext uri="{FF2B5EF4-FFF2-40B4-BE49-F238E27FC236}">
-                <a16:creationId xmlns:a16="http://schemas.microsoft.com/office/drawing/2014/main" id="{096C08C9-40B1-4E96-8108-F7F18DC860E9}"/>
-              </a:ext>
-            </a:extLst>
-          </p:cNvPr>
+          <p:cNvPr id="11" name="Text Box 9"/>
           <p:cNvSpPr txBox="1"/>
           <p:nvPr/>
         </p:nvSpPr>
@@ -7102,11 +7779,6 @@
         </p:txBody>
       </p:sp>
     </p:spTree>
-    <p:extLst>
-      <p:ext uri="{BB962C8B-B14F-4D97-AF65-F5344CB8AC3E}">
-        <p14:creationId xmlns:p14="http://schemas.microsoft.com/office/powerpoint/2010/main" val="299069594"/>
-      </p:ext>
-    </p:extLst>
   </p:cSld>
   <p:clrMapOvr>
     <a:masterClrMapping/>
@@ -7131,107 +7803,9 @@
           <a:chExt cx="0" cy="0"/>
         </a:xfrm>
       </p:grpSpPr>
-      <p:sp>
-        <p:nvSpPr>
-          <p:cNvPr id="3" name="Text Box 9">
-            <a:extLst>
-              <a:ext uri="{FF2B5EF4-FFF2-40B4-BE49-F238E27FC236}">
-                <a16:creationId xmlns:a16="http://schemas.microsoft.com/office/drawing/2014/main" id="{69D525F8-97BF-456B-8600-B75422F592B8}"/>
-              </a:ext>
-            </a:extLst>
-          </p:cNvPr>
-          <p:cNvSpPr txBox="1">
-            <a:spLocks/>
-          </p:cNvSpPr>
-          <p:nvPr/>
-        </p:nvSpPr>
-        <p:spPr>
-          <a:xfrm>
-            <a:off x="5862248" y="1080688"/>
-            <a:ext cx="2647932" cy="1384995"/>
-          </a:xfrm>
-          <a:prstGeom prst="rect">
-            <a:avLst/>
-          </a:prstGeom>
-          <a:noFill/>
-        </p:spPr>
-        <p:txBody>
-          <a:bodyPr wrap="square" rtlCol="0">
-            <a:spAutoFit/>
-          </a:bodyPr>
-          <a:lstStyle/>
-          <a:p>
-            <a:r>
-              <a:rPr lang="en-US" altLang="ja-JP" sz="1400" dirty="0"/>
-              <a:t>P</a:t>
-            </a:r>
-            <a:r>
-              <a:rPr lang="ja-JP" altLang="en-US" sz="1400" dirty="0"/>
-              <a:t>ゲイン：</a:t>
-            </a:r>
-            <a:r>
-              <a:rPr lang="en-US" altLang="ja-JP" sz="1400" dirty="0"/>
-              <a:t>-1</a:t>
-            </a:r>
-          </a:p>
-          <a:p>
-            <a:r>
-              <a:rPr lang="en-US" altLang="ja-JP" sz="1400" dirty="0"/>
-              <a:t>I</a:t>
-            </a:r>
-            <a:r>
-              <a:rPr lang="ja-JP" altLang="en-US" sz="1400" dirty="0"/>
-              <a:t>ゲイン：</a:t>
-            </a:r>
-            <a:r>
-              <a:rPr lang="en-US" altLang="ja-JP" sz="1400" dirty="0"/>
-              <a:t>0</a:t>
-            </a:r>
-          </a:p>
-          <a:p>
-            <a:r>
-              <a:rPr lang="en-US" altLang="ja-JP" sz="1400" dirty="0"/>
-              <a:t>D</a:t>
-            </a:r>
-            <a:r>
-              <a:rPr lang="ja-JP" altLang="en-US" sz="1400" dirty="0"/>
-              <a:t>ゲイン：</a:t>
-            </a:r>
-            <a:r>
-              <a:rPr lang="en-US" altLang="ja-JP" sz="1400" dirty="0"/>
-              <a:t>0</a:t>
-            </a:r>
-          </a:p>
-          <a:p>
-            <a:r>
-              <a:rPr lang="en-US" altLang="ja-JP" sz="1400" dirty="0"/>
-              <a:t>* </a:t>
-            </a:r>
-            <a:r>
-              <a:rPr lang="ja-JP" altLang="en-US" sz="1400" dirty="0"/>
-              <a:t>負の</a:t>
-            </a:r>
-            <a:r>
-              <a:rPr lang="en-US" altLang="ja-JP" sz="1400" dirty="0"/>
-              <a:t>elevator</a:t>
-            </a:r>
-            <a:r>
-              <a:rPr lang="ja-JP" altLang="en-US" sz="1400" dirty="0"/>
-              <a:t>角に対して正のピッチ角応答なので制御ゲインが負</a:t>
-            </a:r>
-            <a:endParaRPr lang="en-US" altLang="ja-JP" sz="1400" dirty="0"/>
-          </a:p>
-        </p:txBody>
-      </p:sp>
       <p:pic>
         <p:nvPicPr>
-          <p:cNvPr id="4" name="図 3">
-            <a:extLst>
-              <a:ext uri="{FF2B5EF4-FFF2-40B4-BE49-F238E27FC236}">
-                <a16:creationId xmlns:a16="http://schemas.microsoft.com/office/drawing/2014/main" id="{98BE73A8-4FA0-47CD-8E3A-DB6A0EFA5F4B}"/>
-              </a:ext>
-            </a:extLst>
-          </p:cNvPr>
+          <p:cNvPr id="10" name="Picture 9"/>
           <p:cNvPicPr>
             <a:picLocks noChangeAspect="1"/>
           </p:cNvPicPr>
@@ -7245,8 +7819,8 @@
         </p:blipFill>
         <p:spPr>
           <a:xfrm>
-            <a:off x="1513040" y="2551293"/>
-            <a:ext cx="6885203" cy="4878553"/>
+            <a:off x="1510030" y="2546985"/>
+            <a:ext cx="6322060" cy="4801235"/>
           </a:xfrm>
           <a:prstGeom prst="rect">
             <a:avLst/>
@@ -7255,20 +7829,14 @@
       </p:pic>
       <p:sp>
         <p:nvSpPr>
-          <p:cNvPr id="5" name="Text Box 9">
-            <a:extLst>
-              <a:ext uri="{FF2B5EF4-FFF2-40B4-BE49-F238E27FC236}">
-                <a16:creationId xmlns:a16="http://schemas.microsoft.com/office/drawing/2014/main" id="{0274975C-C48C-4A49-8B04-8A6B6A69162B}"/>
-              </a:ext>
-            </a:extLst>
-          </p:cNvPr>
+          <p:cNvPr id="3" name="Text Box 9"/>
           <p:cNvSpPr txBox="1"/>
           <p:nvPr/>
         </p:nvSpPr>
         <p:spPr>
           <a:xfrm>
-            <a:off x="4816079" y="4686431"/>
-            <a:ext cx="1046169" cy="307777"/>
+            <a:off x="5862248" y="1080688"/>
+            <a:ext cx="2647932" cy="1383665"/>
           </a:xfrm>
           <a:prstGeom prst="rect">
             <a:avLst/>
@@ -7282,30 +7850,98 @@
           <a:lstStyle/>
           <a:p>
             <a:r>
+              <a:rPr lang="en-US" altLang="ja-JP" sz="1400" dirty="0"/>
+              <a:t>P gain</a:t>
+            </a:r>
+            <a:r>
               <a:rPr lang="ja-JP" altLang="en-US" sz="1400" dirty="0"/>
-              <a:t>ピッチ角</a:t>
+              <a:t>：</a:t>
+            </a:r>
+            <a:r>
+              <a:rPr lang="en-US" altLang="ja-JP" sz="1400" dirty="0"/>
+              <a:t>-0.5</a:t>
+            </a:r>
+          </a:p>
+          <a:p>
+            <a:r>
+              <a:rPr lang="en-US" altLang="ja-JP" sz="1400" dirty="0"/>
+              <a:t>I gain</a:t>
+            </a:r>
+            <a:r>
+              <a:rPr lang="ja-JP" altLang="en-US" sz="1400" dirty="0"/>
+              <a:t>：</a:t>
+            </a:r>
+            <a:r>
+              <a:rPr lang="en-US" altLang="ja-JP" sz="1400" dirty="0"/>
+              <a:t>0</a:t>
+            </a:r>
+          </a:p>
+          <a:p>
+            <a:r>
+              <a:rPr lang="en-US" altLang="ja-JP" sz="1400" dirty="0"/>
+              <a:t>D gain </a:t>
+            </a:r>
+            <a:r>
+              <a:rPr lang="ja-JP" altLang="en-US" sz="1400" dirty="0"/>
+              <a:t>：</a:t>
+            </a:r>
+            <a:r>
+              <a:rPr lang="en-US" altLang="ja-JP" sz="1400" dirty="0"/>
+              <a:t>0</a:t>
+            </a:r>
+          </a:p>
+          <a:p>
+            <a:r>
+              <a:rPr lang="en-US" altLang="ja-JP" sz="1400" dirty="0"/>
+              <a:t>* </a:t>
+            </a:r>
+            <a:r>
+              <a:rPr lang="en-US" sz="1400" dirty="0"/>
+              <a:t>gains are negative because pitch increases with input of negative elevator angle</a:t>
+            </a:r>
+          </a:p>
+        </p:txBody>
+      </p:sp>
+      <p:sp>
+        <p:nvSpPr>
+          <p:cNvPr id="5" name="Text Box 9"/>
+          <p:cNvSpPr txBox="1"/>
+          <p:nvPr/>
+        </p:nvSpPr>
+        <p:spPr>
+          <a:xfrm>
+            <a:off x="4395470" y="2684780"/>
+            <a:ext cx="1290320" cy="306705"/>
+          </a:xfrm>
+          <a:prstGeom prst="rect">
+            <a:avLst/>
+          </a:prstGeom>
+          <a:noFill/>
+        </p:spPr>
+        <p:txBody>
+          <a:bodyPr wrap="square" rtlCol="0">
+            <a:spAutoFit/>
+          </a:bodyPr>
+          <a:lstStyle/>
+          <a:p>
+            <a:r>
+              <a:rPr lang="en-US" altLang="ja-JP" sz="1400" dirty="0"/>
+              <a:t>pitch angle</a:t>
             </a:r>
           </a:p>
         </p:txBody>
       </p:sp>
       <p:cxnSp>
         <p:nvCxnSpPr>
-          <p:cNvPr id="6" name="Straight Connector 12">
-            <a:extLst>
-              <a:ext uri="{FF2B5EF4-FFF2-40B4-BE49-F238E27FC236}">
-                <a16:creationId xmlns:a16="http://schemas.microsoft.com/office/drawing/2014/main" id="{09E37266-5A08-4A3C-BB78-078AB6597692}"/>
-              </a:ext>
-            </a:extLst>
-          </p:cNvPr>
+          <p:cNvPr id="6" name="Straight Connector 12"/>
           <p:cNvCxnSpPr>
-            <a:cxnSpLocks/>
             <a:endCxn id="5" idx="2"/>
           </p:cNvCxnSpPr>
           <p:nvPr/>
         </p:nvCxnSpPr>
         <p:spPr>
           <a:xfrm flipH="1" flipV="1">
-            <a:off x="5339164" y="4994208"/>
+            <a:off x="5040714" y="2991418"/>
             <a:ext cx="217488" cy="534528"/>
           </a:xfrm>
           <a:prstGeom prst="line">
@@ -7330,23 +7966,16 @@
       </p:cxnSp>
       <p:cxnSp>
         <p:nvCxnSpPr>
-          <p:cNvPr id="7" name="Straight Connector 12">
-            <a:extLst>
-              <a:ext uri="{FF2B5EF4-FFF2-40B4-BE49-F238E27FC236}">
-                <a16:creationId xmlns:a16="http://schemas.microsoft.com/office/drawing/2014/main" id="{71A8577F-3288-4FBF-8638-C6F42D78C187}"/>
-              </a:ext>
-            </a:extLst>
-          </p:cNvPr>
+          <p:cNvPr id="7" name="Straight Connector 12"/>
           <p:cNvCxnSpPr>
-            <a:cxnSpLocks/>
             <a:endCxn id="8" idx="2"/>
           </p:cNvCxnSpPr>
           <p:nvPr/>
         </p:nvCxnSpPr>
         <p:spPr>
           <a:xfrm flipH="1" flipV="1">
-            <a:off x="2424111" y="4601105"/>
-            <a:ext cx="623889" cy="538163"/>
+            <a:off x="2280920" y="4040505"/>
+            <a:ext cx="687705" cy="356235"/>
           </a:xfrm>
           <a:prstGeom prst="line">
             <a:avLst/>
@@ -7370,20 +7999,14 @@
       </p:cxnSp>
       <p:sp>
         <p:nvSpPr>
-          <p:cNvPr id="8" name="Text Box 9">
-            <a:extLst>
-              <a:ext uri="{FF2B5EF4-FFF2-40B4-BE49-F238E27FC236}">
-                <a16:creationId xmlns:a16="http://schemas.microsoft.com/office/drawing/2014/main" id="{67BC8DDD-4919-4F17-8413-A7FF56F634B6}"/>
-              </a:ext>
-            </a:extLst>
-          </p:cNvPr>
+          <p:cNvPr id="8" name="Text Box 9"/>
           <p:cNvSpPr txBox="1"/>
           <p:nvPr/>
         </p:nvSpPr>
         <p:spPr>
           <a:xfrm>
-            <a:off x="1901026" y="4077885"/>
-            <a:ext cx="1046169" cy="523220"/>
+            <a:off x="1757516" y="3518450"/>
+            <a:ext cx="1046169" cy="521970"/>
           </a:xfrm>
           <a:prstGeom prst="rect">
             <a:avLst/>
@@ -7397,21 +8020,15 @@
           <a:lstStyle/>
           <a:p>
             <a:r>
-              <a:rPr lang="ja-JP" altLang="en-US" sz="1400" dirty="0"/>
-              <a:t>ピッチ角目標値</a:t>
+              <a:rPr lang="en-US" altLang="ja-JP" sz="1400" dirty="0"/>
+              <a:t>target pitch angle</a:t>
             </a:r>
           </a:p>
         </p:txBody>
       </p:sp>
       <p:pic>
         <p:nvPicPr>
-          <p:cNvPr id="9" name="図 8">
-            <a:extLst>
-              <a:ext uri="{FF2B5EF4-FFF2-40B4-BE49-F238E27FC236}">
-                <a16:creationId xmlns:a16="http://schemas.microsoft.com/office/drawing/2014/main" id="{C8A4EC74-8682-4FB8-A0FB-A01B783302E8}"/>
-              </a:ext>
-            </a:extLst>
-          </p:cNvPr>
+          <p:cNvPr id="2" name="Picture 1"/>
           <p:cNvPicPr>
             <a:picLocks noChangeAspect="1"/>
           </p:cNvPicPr>
@@ -7425,20 +8042,77 @@
         </p:blipFill>
         <p:spPr>
           <a:xfrm>
-            <a:off x="1480327" y="747638"/>
-            <a:ext cx="4275169" cy="1763326"/>
+            <a:off x="1450340" y="697865"/>
+            <a:ext cx="4358640" cy="1818640"/>
           </a:xfrm>
           <a:prstGeom prst="rect">
             <a:avLst/>
           </a:prstGeom>
         </p:spPr>
       </p:pic>
+      <p:cxnSp>
+        <p:nvCxnSpPr>
+          <p:cNvPr id="11" name="Straight Connector 12"/>
+          <p:cNvCxnSpPr>
+            <a:endCxn id="12" idx="2"/>
+          </p:cNvCxnSpPr>
+          <p:nvPr/>
+        </p:nvCxnSpPr>
+        <p:spPr>
+          <a:xfrm flipH="1" flipV="1">
+            <a:off x="5456555" y="5041265"/>
+            <a:ext cx="229235" cy="642620"/>
+          </a:xfrm>
+          <a:prstGeom prst="line">
+            <a:avLst/>
+          </a:prstGeom>
+          <a:ln w="19050"/>
+        </p:spPr>
+        <p:style>
+          <a:lnRef idx="2">
+            <a:schemeClr val="accent1"/>
+          </a:lnRef>
+          <a:fillRef idx="0">
+            <a:schemeClr val="accent1"/>
+          </a:fillRef>
+          <a:effectRef idx="1">
+            <a:schemeClr val="accent1"/>
+          </a:effectRef>
+          <a:fontRef idx="minor">
+            <a:schemeClr val="tx1"/>
+          </a:fontRef>
+        </p:style>
+      </p:cxnSp>
+      <p:sp>
+        <p:nvSpPr>
+          <p:cNvPr id="12" name="Text Box 9"/>
+          <p:cNvSpPr txBox="1"/>
+          <p:nvPr/>
+        </p:nvSpPr>
+        <p:spPr>
+          <a:xfrm>
+            <a:off x="4811395" y="4519295"/>
+            <a:ext cx="1290320" cy="521970"/>
+          </a:xfrm>
+          <a:prstGeom prst="rect">
+            <a:avLst/>
+          </a:prstGeom>
+          <a:noFill/>
+        </p:spPr>
+        <p:txBody>
+          <a:bodyPr wrap="square" rtlCol="0">
+            <a:spAutoFit/>
+          </a:bodyPr>
+          <a:lstStyle/>
+          <a:p>
+            <a:r>
+              <a:rPr lang="en-US" altLang="ja-JP" sz="1400" dirty="0"/>
+              <a:t>elevator command</a:t>
+            </a:r>
+          </a:p>
+        </p:txBody>
+      </p:sp>
     </p:spTree>
-    <p:extLst>
-      <p:ext uri="{BB962C8B-B14F-4D97-AF65-F5344CB8AC3E}">
-        <p14:creationId xmlns:p14="http://schemas.microsoft.com/office/powerpoint/2010/main" val="1247150611"/>
-      </p:ext>
-    </p:extLst>
   </p:cSld>
   <p:clrMapOvr>
     <a:masterClrMapping/>

--- a/figs/makeFig.pptx
+++ b/figs/makeFig.pptx
@@ -20,15 +20,17 @@
     <p:sldId id="284" r:id="rId14"/>
     <p:sldId id="285" r:id="rId15"/>
     <p:sldId id="286" r:id="rId16"/>
-    <p:sldId id="280" r:id="rId17"/>
-    <p:sldId id="287" r:id="rId18"/>
-    <p:sldId id="279" r:id="rId19"/>
-    <p:sldId id="264" r:id="rId20"/>
-    <p:sldId id="265" r:id="rId21"/>
-    <p:sldId id="270" r:id="rId22"/>
-    <p:sldId id="268" r:id="rId23"/>
-    <p:sldId id="269" r:id="rId24"/>
-    <p:sldId id="267" r:id="rId25"/>
+    <p:sldId id="288" r:id="rId17"/>
+    <p:sldId id="280" r:id="rId18"/>
+    <p:sldId id="287" r:id="rId19"/>
+    <p:sldId id="279" r:id="rId20"/>
+    <p:sldId id="289" r:id="rId21"/>
+    <p:sldId id="264" r:id="rId22"/>
+    <p:sldId id="265" r:id="rId23"/>
+    <p:sldId id="270" r:id="rId24"/>
+    <p:sldId id="268" r:id="rId25"/>
+    <p:sldId id="269" r:id="rId26"/>
+    <p:sldId id="267" r:id="rId27"/>
   </p:sldIdLst>
   <p:sldSz cx="10080625" cy="7559675"/>
   <p:notesSz cx="7559675" cy="10691813"/>
@@ -4075,6 +4077,452 @@
       </p:grpSpPr>
       <p:pic>
         <p:nvPicPr>
+          <p:cNvPr id="19" name="図 18">
+            <a:extLst>
+              <a:ext uri="{FF2B5EF4-FFF2-40B4-BE49-F238E27FC236}">
+                <a16:creationId xmlns:a16="http://schemas.microsoft.com/office/drawing/2014/main" id="{837DE93B-8DE6-4D05-872C-088575B60056}"/>
+              </a:ext>
+            </a:extLst>
+          </p:cNvPr>
+          <p:cNvPicPr>
+            <a:picLocks noChangeAspect="1"/>
+          </p:cNvPicPr>
+          <p:nvPr/>
+        </p:nvPicPr>
+        <p:blipFill>
+          <a:blip r:embed="rId2"/>
+          <a:stretch>
+            <a:fillRect/>
+          </a:stretch>
+        </p:blipFill>
+        <p:spPr>
+          <a:xfrm>
+            <a:off x="1360639" y="2390644"/>
+            <a:ext cx="6885203" cy="4471716"/>
+          </a:xfrm>
+          <a:prstGeom prst="rect">
+            <a:avLst/>
+          </a:prstGeom>
+        </p:spPr>
+      </p:pic>
+      <p:sp>
+        <p:nvSpPr>
+          <p:cNvPr id="3" name="Text Box 9"/>
+          <p:cNvSpPr txBox="1"/>
+          <p:nvPr/>
+        </p:nvSpPr>
+        <p:spPr>
+          <a:xfrm>
+            <a:off x="3363512" y="3019537"/>
+            <a:ext cx="1046169" cy="278823"/>
+          </a:xfrm>
+          <a:prstGeom prst="rect">
+            <a:avLst/>
+          </a:prstGeom>
+          <a:noFill/>
+        </p:spPr>
+        <p:txBody>
+          <a:bodyPr wrap="square" rtlCol="0">
+            <a:spAutoFit/>
+          </a:bodyPr>
+          <a:lstStyle/>
+          <a:p>
+            <a:r>
+              <a:rPr lang="en-US" altLang="ja-JP" sz="1400" dirty="0"/>
+              <a:t>pitch angle</a:t>
+            </a:r>
+          </a:p>
+        </p:txBody>
+      </p:sp>
+      <p:cxnSp>
+        <p:nvCxnSpPr>
+          <p:cNvPr id="4" name="Straight Connector 12"/>
+          <p:cNvCxnSpPr>
+            <a:cxnSpLocks/>
+            <a:endCxn id="3" idx="2"/>
+          </p:cNvCxnSpPr>
+          <p:nvPr/>
+        </p:nvCxnSpPr>
+        <p:spPr>
+          <a:xfrm flipV="1">
+            <a:off x="3784600" y="3298360"/>
+            <a:ext cx="101997" cy="281891"/>
+          </a:xfrm>
+          <a:prstGeom prst="line">
+            <a:avLst/>
+          </a:prstGeom>
+          <a:ln w="19050"/>
+        </p:spPr>
+        <p:style>
+          <a:lnRef idx="2">
+            <a:schemeClr val="accent1"/>
+          </a:lnRef>
+          <a:fillRef idx="0">
+            <a:schemeClr val="accent1"/>
+          </a:fillRef>
+          <a:effectRef idx="1">
+            <a:schemeClr val="accent1"/>
+          </a:effectRef>
+          <a:fontRef idx="minor">
+            <a:schemeClr val="tx1"/>
+          </a:fontRef>
+        </p:style>
+      </p:cxnSp>
+      <p:cxnSp>
+        <p:nvCxnSpPr>
+          <p:cNvPr id="7" name="Straight Connector 12"/>
+          <p:cNvCxnSpPr>
+            <a:cxnSpLocks/>
+            <a:endCxn id="8" idx="2"/>
+          </p:cNvCxnSpPr>
+          <p:nvPr/>
+        </p:nvCxnSpPr>
+        <p:spPr>
+          <a:xfrm flipH="1" flipV="1">
+            <a:off x="2190420" y="3423229"/>
+            <a:ext cx="650007" cy="356608"/>
+          </a:xfrm>
+          <a:prstGeom prst="line">
+            <a:avLst/>
+          </a:prstGeom>
+          <a:ln w="19050"/>
+        </p:spPr>
+        <p:style>
+          <a:lnRef idx="2">
+            <a:schemeClr val="accent1"/>
+          </a:lnRef>
+          <a:fillRef idx="0">
+            <a:schemeClr val="accent1"/>
+          </a:fillRef>
+          <a:effectRef idx="1">
+            <a:schemeClr val="accent1"/>
+          </a:effectRef>
+          <a:fontRef idx="minor">
+            <a:schemeClr val="tx1"/>
+          </a:fontRef>
+        </p:style>
+      </p:cxnSp>
+      <p:sp>
+        <p:nvSpPr>
+          <p:cNvPr id="8" name="Text Box 9"/>
+          <p:cNvSpPr txBox="1"/>
+          <p:nvPr/>
+        </p:nvSpPr>
+        <p:spPr>
+          <a:xfrm>
+            <a:off x="1667335" y="2901259"/>
+            <a:ext cx="1046169" cy="521970"/>
+          </a:xfrm>
+          <a:prstGeom prst="rect">
+            <a:avLst/>
+          </a:prstGeom>
+          <a:noFill/>
+        </p:spPr>
+        <p:txBody>
+          <a:bodyPr wrap="square" rtlCol="0">
+            <a:spAutoFit/>
+          </a:bodyPr>
+          <a:lstStyle/>
+          <a:p>
+            <a:r>
+              <a:rPr lang="en-US" altLang="ja-JP" sz="1400" dirty="0"/>
+              <a:t>target pitch angle</a:t>
+            </a:r>
+          </a:p>
+        </p:txBody>
+      </p:sp>
+      <p:sp>
+        <p:nvSpPr>
+          <p:cNvPr id="15" name="Text Box 9"/>
+          <p:cNvSpPr txBox="1"/>
+          <p:nvPr/>
+        </p:nvSpPr>
+        <p:spPr>
+          <a:xfrm>
+            <a:off x="5862248" y="725088"/>
+            <a:ext cx="2647932" cy="1383665"/>
+          </a:xfrm>
+          <a:prstGeom prst="rect">
+            <a:avLst/>
+          </a:prstGeom>
+          <a:noFill/>
+        </p:spPr>
+        <p:txBody>
+          <a:bodyPr wrap="square" rtlCol="0">
+            <a:spAutoFit/>
+          </a:bodyPr>
+          <a:lstStyle/>
+          <a:p>
+            <a:r>
+              <a:rPr lang="en-US" altLang="ja-JP" sz="1400" dirty="0"/>
+              <a:t>P gain</a:t>
+            </a:r>
+            <a:r>
+              <a:rPr lang="ja-JP" altLang="en-US" sz="1400" dirty="0"/>
+              <a:t>：</a:t>
+            </a:r>
+            <a:r>
+              <a:rPr lang="en-US" altLang="ja-JP" sz="1400" dirty="0"/>
+              <a:t>-2</a:t>
+            </a:r>
+          </a:p>
+          <a:p>
+            <a:r>
+              <a:rPr lang="en-US" altLang="ja-JP" sz="1400" dirty="0"/>
+              <a:t>I gain</a:t>
+            </a:r>
+            <a:r>
+              <a:rPr lang="ja-JP" altLang="en-US" sz="1400" dirty="0"/>
+              <a:t>：</a:t>
+            </a:r>
+            <a:r>
+              <a:rPr lang="en-US" altLang="ja-JP" sz="1400" dirty="0"/>
+              <a:t>-1</a:t>
+            </a:r>
+          </a:p>
+          <a:p>
+            <a:r>
+              <a:rPr lang="en-US" altLang="ja-JP" sz="1400" dirty="0"/>
+              <a:t>D gain</a:t>
+            </a:r>
+            <a:r>
+              <a:rPr lang="ja-JP" altLang="en-US" sz="1400" dirty="0"/>
+              <a:t>：</a:t>
+            </a:r>
+            <a:r>
+              <a:rPr lang="en-US" altLang="ja-JP" sz="1400" dirty="0"/>
+              <a:t>-2</a:t>
+            </a:r>
+          </a:p>
+          <a:p>
+            <a:r>
+              <a:rPr lang="en-US" altLang="ja-JP" sz="1400" dirty="0"/>
+              <a:t>* </a:t>
+            </a:r>
+            <a:r>
+              <a:rPr lang="en-US" sz="1400" dirty="0">
+                <a:sym typeface="+mn-ea"/>
+              </a:rPr>
+              <a:t>gains are negative because pitch increases with input of negative elevator angle</a:t>
+            </a:r>
+            <a:endParaRPr lang="en-US" altLang="ja-JP" sz="1400" dirty="0"/>
+          </a:p>
+        </p:txBody>
+      </p:sp>
+      <p:pic>
+        <p:nvPicPr>
+          <p:cNvPr id="5" name="Picture 4"/>
+          <p:cNvPicPr>
+            <a:picLocks noChangeAspect="1"/>
+          </p:cNvPicPr>
+          <p:nvPr/>
+        </p:nvPicPr>
+        <p:blipFill>
+          <a:blip r:embed="rId3"/>
+          <a:stretch>
+            <a:fillRect/>
+          </a:stretch>
+        </p:blipFill>
+        <p:spPr>
+          <a:xfrm>
+            <a:off x="1345565" y="526415"/>
+            <a:ext cx="4358640" cy="1818640"/>
+          </a:xfrm>
+          <a:prstGeom prst="rect">
+            <a:avLst/>
+          </a:prstGeom>
+        </p:spPr>
+      </p:pic>
+      <p:sp>
+        <p:nvSpPr>
+          <p:cNvPr id="9" name="Text Box 9">
+            <a:extLst>
+              <a:ext uri="{FF2B5EF4-FFF2-40B4-BE49-F238E27FC236}">
+                <a16:creationId xmlns:a16="http://schemas.microsoft.com/office/drawing/2014/main" id="{B26D8FB6-1148-4585-A64F-86DEE0592DB8}"/>
+              </a:ext>
+            </a:extLst>
+          </p:cNvPr>
+          <p:cNvSpPr txBox="1"/>
+          <p:nvPr/>
+        </p:nvSpPr>
+        <p:spPr>
+          <a:xfrm>
+            <a:off x="3102626" y="5025327"/>
+            <a:ext cx="1290320" cy="521970"/>
+          </a:xfrm>
+          <a:prstGeom prst="rect">
+            <a:avLst/>
+          </a:prstGeom>
+          <a:noFill/>
+        </p:spPr>
+        <p:txBody>
+          <a:bodyPr wrap="square" rtlCol="0">
+            <a:spAutoFit/>
+          </a:bodyPr>
+          <a:lstStyle/>
+          <a:p>
+            <a:r>
+              <a:rPr lang="en-US" altLang="ja-JP" sz="1400" dirty="0"/>
+              <a:t>elevator command</a:t>
+            </a:r>
+          </a:p>
+        </p:txBody>
+      </p:sp>
+      <p:cxnSp>
+        <p:nvCxnSpPr>
+          <p:cNvPr id="10" name="Straight Connector 12">
+            <a:extLst>
+              <a:ext uri="{FF2B5EF4-FFF2-40B4-BE49-F238E27FC236}">
+                <a16:creationId xmlns:a16="http://schemas.microsoft.com/office/drawing/2014/main" id="{65F172DD-1684-4D9C-A259-4934A5ED9783}"/>
+              </a:ext>
+            </a:extLst>
+          </p:cNvPr>
+          <p:cNvCxnSpPr>
+            <a:cxnSpLocks/>
+            <a:endCxn id="9" idx="0"/>
+          </p:cNvCxnSpPr>
+          <p:nvPr/>
+        </p:nvCxnSpPr>
+        <p:spPr>
+          <a:xfrm>
+            <a:off x="3208867" y="4622800"/>
+            <a:ext cx="538919" cy="402527"/>
+          </a:xfrm>
+          <a:prstGeom prst="line">
+            <a:avLst/>
+          </a:prstGeom>
+          <a:ln w="19050"/>
+        </p:spPr>
+        <p:style>
+          <a:lnRef idx="2">
+            <a:schemeClr val="accent1"/>
+          </a:lnRef>
+          <a:fillRef idx="0">
+            <a:schemeClr val="accent1"/>
+          </a:fillRef>
+          <a:effectRef idx="1">
+            <a:schemeClr val="accent1"/>
+          </a:effectRef>
+          <a:fontRef idx="minor">
+            <a:schemeClr val="tx1"/>
+          </a:fontRef>
+        </p:style>
+      </p:cxnSp>
+      <p:sp>
+        <p:nvSpPr>
+          <p:cNvPr id="11" name="Text Box 9">
+            <a:extLst>
+              <a:ext uri="{FF2B5EF4-FFF2-40B4-BE49-F238E27FC236}">
+                <a16:creationId xmlns:a16="http://schemas.microsoft.com/office/drawing/2014/main" id="{00AF2CA2-C04E-4915-B464-B34D2C080538}"/>
+              </a:ext>
+            </a:extLst>
+          </p:cNvPr>
+          <p:cNvSpPr txBox="1"/>
+          <p:nvPr/>
+        </p:nvSpPr>
+        <p:spPr>
+          <a:xfrm>
+            <a:off x="4024458" y="1473350"/>
+            <a:ext cx="1645998" cy="738664"/>
+          </a:xfrm>
+          <a:prstGeom prst="rect">
+            <a:avLst/>
+          </a:prstGeom>
+          <a:noFill/>
+        </p:spPr>
+        <p:txBody>
+          <a:bodyPr wrap="square" rtlCol="0">
+            <a:spAutoFit/>
+          </a:bodyPr>
+          <a:lstStyle/>
+          <a:p>
+            <a:r>
+              <a:rPr lang="en-US" altLang="ja-JP" sz="1400" dirty="0">
+                <a:solidFill>
+                  <a:srgbClr val="FF0000"/>
+                </a:solidFill>
+              </a:rPr>
+              <a:t>pitch rate limit:±10000 (extremely large)</a:t>
+            </a:r>
+          </a:p>
+        </p:txBody>
+      </p:sp>
+      <p:cxnSp>
+        <p:nvCxnSpPr>
+          <p:cNvPr id="12" name="Straight Connector 12">
+            <a:extLst>
+              <a:ext uri="{FF2B5EF4-FFF2-40B4-BE49-F238E27FC236}">
+                <a16:creationId xmlns:a16="http://schemas.microsoft.com/office/drawing/2014/main" id="{28E15215-811C-4753-8317-4715D6D24D6E}"/>
+              </a:ext>
+            </a:extLst>
+          </p:cNvPr>
+          <p:cNvCxnSpPr>
+            <a:cxnSpLocks/>
+            <a:endCxn id="11" idx="0"/>
+          </p:cNvCxnSpPr>
+          <p:nvPr/>
+        </p:nvCxnSpPr>
+        <p:spPr>
+          <a:xfrm>
+            <a:off x="4167293" y="770465"/>
+            <a:ext cx="680164" cy="702885"/>
+          </a:xfrm>
+          <a:prstGeom prst="line">
+            <a:avLst/>
+          </a:prstGeom>
+          <a:ln w="19050">
+            <a:solidFill>
+              <a:srgbClr val="FF0000"/>
+            </a:solidFill>
+          </a:ln>
+        </p:spPr>
+        <p:style>
+          <a:lnRef idx="2">
+            <a:schemeClr val="accent1"/>
+          </a:lnRef>
+          <a:fillRef idx="0">
+            <a:schemeClr val="accent1"/>
+          </a:fillRef>
+          <a:effectRef idx="1">
+            <a:schemeClr val="accent1"/>
+          </a:effectRef>
+          <a:fontRef idx="minor">
+            <a:schemeClr val="tx1"/>
+          </a:fontRef>
+        </p:style>
+      </p:cxnSp>
+    </p:spTree>
+    <p:extLst>
+      <p:ext uri="{BB962C8B-B14F-4D97-AF65-F5344CB8AC3E}">
+        <p14:creationId xmlns:p14="http://schemas.microsoft.com/office/powerpoint/2010/main" val="1904576427"/>
+      </p:ext>
+    </p:extLst>
+  </p:cSld>
+  <p:clrMapOvr>
+    <a:masterClrMapping/>
+  </p:clrMapOvr>
+</p:sld>
+</file>
+
+<file path=ppt/slides/slide17.xml><?xml version="1.0" encoding="utf-8"?>
+<p:sld xmlns:a="http://schemas.openxmlformats.org/drawingml/2006/main" xmlns:r="http://schemas.openxmlformats.org/officeDocument/2006/relationships" xmlns:p="http://schemas.openxmlformats.org/presentationml/2006/main">
+  <p:cSld>
+    <p:spTree>
+      <p:nvGrpSpPr>
+        <p:cNvPr id="1" name=""/>
+        <p:cNvGrpSpPr/>
+        <p:nvPr/>
+      </p:nvGrpSpPr>
+      <p:grpSpPr>
+        <a:xfrm>
+          <a:off x="0" y="0"/>
+          <a:ext cx="0" cy="0"/>
+          <a:chOff x="0" y="0"/>
+          <a:chExt cx="0" cy="0"/>
+        </a:xfrm>
+      </p:grpSpPr>
+      <p:pic>
+        <p:nvPicPr>
           <p:cNvPr id="3" name="Picture 2"/>
           <p:cNvPicPr>
             <a:picLocks noChangeAspect="1"/>
@@ -4369,7 +4817,7 @@
 </p:sld>
 </file>
 
-<file path=ppt/slides/slide17.xml><?xml version="1.0" encoding="utf-8"?>
+<file path=ppt/slides/slide18.xml><?xml version="1.0" encoding="utf-8"?>
 <p:sld xmlns:a="http://schemas.openxmlformats.org/drawingml/2006/main" xmlns:r="http://schemas.openxmlformats.org/officeDocument/2006/relationships" xmlns:p="http://schemas.openxmlformats.org/presentationml/2006/main">
   <p:cSld>
     <p:spTree>
@@ -4738,31 +5186,6 @@
 </p:sld>
 </file>
 
-<file path=ppt/slides/slide18.xml><?xml version="1.0" encoding="utf-8"?>
-<p:sld xmlns:a="http://schemas.openxmlformats.org/drawingml/2006/main" xmlns:r="http://schemas.openxmlformats.org/officeDocument/2006/relationships" xmlns:p="http://schemas.openxmlformats.org/presentationml/2006/main">
-  <p:cSld>
-    <p:spTree>
-      <p:nvGrpSpPr>
-        <p:cNvPr id="1" name=""/>
-        <p:cNvGrpSpPr/>
-        <p:nvPr/>
-      </p:nvGrpSpPr>
-      <p:grpSpPr>
-        <a:xfrm>
-          <a:off x="0" y="0"/>
-          <a:ext cx="0" cy="0"/>
-          <a:chOff x="0" y="0"/>
-          <a:chExt cx="0" cy="0"/>
-        </a:xfrm>
-      </p:grpSpPr>
-    </p:spTree>
-  </p:cSld>
-  <p:clrMapOvr>
-    <a:masterClrMapping/>
-  </p:clrMapOvr>
-</p:sld>
-</file>
-
 <file path=ppt/slides/slide19.xml><?xml version="1.0" encoding="utf-8"?>
 <p:sld xmlns:a="http://schemas.openxmlformats.org/drawingml/2006/main" xmlns:r="http://schemas.openxmlformats.org/officeDocument/2006/relationships" xmlns:p="http://schemas.openxmlformats.org/presentationml/2006/main">
   <p:cSld>
@@ -4780,337 +5203,6 @@
           <a:chExt cx="0" cy="0"/>
         </a:xfrm>
       </p:grpSpPr>
-      <p:pic>
-        <p:nvPicPr>
-          <p:cNvPr id="3" name="Picture 2"/>
-          <p:cNvPicPr>
-            <a:picLocks noChangeAspect="1"/>
-          </p:cNvPicPr>
-          <p:nvPr/>
-        </p:nvPicPr>
-        <p:blipFill>
-          <a:blip r:embed="rId2"/>
-          <a:srcRect l="21514" t="8919" r="33448" b="68057"/>
-          <a:stretch>
-            <a:fillRect/>
-          </a:stretch>
-        </p:blipFill>
-        <p:spPr>
-          <a:xfrm>
-            <a:off x="3556000" y="277495"/>
-            <a:ext cx="2951608" cy="1836000"/>
-          </a:xfrm>
-          <a:prstGeom prst="rect">
-            <a:avLst/>
-          </a:prstGeom>
-        </p:spPr>
-      </p:pic>
-      <p:sp>
-        <p:nvSpPr>
-          <p:cNvPr id="10" name="Text Box 9"/>
-          <p:cNvSpPr txBox="1"/>
-          <p:nvPr/>
-        </p:nvSpPr>
-        <p:spPr>
-          <a:xfrm>
-            <a:off x="1551940" y="934720"/>
-            <a:ext cx="1544320" cy="521970"/>
-          </a:xfrm>
-          <a:prstGeom prst="rect">
-            <a:avLst/>
-          </a:prstGeom>
-          <a:noFill/>
-        </p:spPr>
-        <p:txBody>
-          <a:bodyPr wrap="square" rtlCol="0">
-            <a:spAutoFit/>
-          </a:bodyPr>
-          <a:lstStyle/>
-          <a:p>
-            <a:r>
-              <a:rPr lang="en-US" sz="1400"/>
-              <a:t>input</a:t>
-            </a:r>
-            <a:r>
-              <a:rPr lang="ja-JP" altLang="en-US" sz="1400"/>
-              <a:t>信号のみ異なる</a:t>
-            </a:r>
-          </a:p>
-        </p:txBody>
-      </p:sp>
-      <p:cxnSp>
-        <p:nvCxnSpPr>
-          <p:cNvPr id="13" name="Straight Connector 12"/>
-          <p:cNvCxnSpPr>
-            <a:stCxn id="10" idx="3"/>
-          </p:cNvCxnSpPr>
-          <p:nvPr/>
-        </p:nvCxnSpPr>
-        <p:spPr>
-          <a:xfrm flipV="1">
-            <a:off x="3096260" y="570865"/>
-            <a:ext cx="847090" cy="624840"/>
-          </a:xfrm>
-          <a:prstGeom prst="line">
-            <a:avLst/>
-          </a:prstGeom>
-        </p:spPr>
-        <p:style>
-          <a:lnRef idx="1">
-            <a:schemeClr val="accent1"/>
-          </a:lnRef>
-          <a:fillRef idx="0">
-            <a:schemeClr val="accent1"/>
-          </a:fillRef>
-          <a:effectRef idx="0">
-            <a:schemeClr val="accent1"/>
-          </a:effectRef>
-          <a:fontRef idx="minor">
-            <a:schemeClr val="tx1"/>
-          </a:fontRef>
-        </p:style>
-      </p:cxnSp>
-      <p:cxnSp>
-        <p:nvCxnSpPr>
-          <p:cNvPr id="2" name="Straight Connector 1"/>
-          <p:cNvCxnSpPr>
-            <a:stCxn id="10" idx="3"/>
-          </p:cNvCxnSpPr>
-          <p:nvPr/>
-        </p:nvCxnSpPr>
-        <p:spPr>
-          <a:xfrm>
-            <a:off x="3096260" y="1195705"/>
-            <a:ext cx="774700" cy="466725"/>
-          </a:xfrm>
-          <a:prstGeom prst="line">
-            <a:avLst/>
-          </a:prstGeom>
-        </p:spPr>
-        <p:style>
-          <a:lnRef idx="1">
-            <a:schemeClr val="accent1"/>
-          </a:lnRef>
-          <a:fillRef idx="0">
-            <a:schemeClr val="accent1"/>
-          </a:fillRef>
-          <a:effectRef idx="0">
-            <a:schemeClr val="accent1"/>
-          </a:effectRef>
-          <a:fontRef idx="minor">
-            <a:schemeClr val="tx1"/>
-          </a:fontRef>
-        </p:style>
-      </p:cxnSp>
-      <p:pic>
-        <p:nvPicPr>
-          <p:cNvPr id="4" name="Picture 3"/>
-          <p:cNvPicPr>
-            <a:picLocks noChangeAspect="1"/>
-          </p:cNvPicPr>
-          <p:nvPr/>
-        </p:nvPicPr>
-        <p:blipFill>
-          <a:blip r:embed="rId3"/>
-          <a:stretch>
-            <a:fillRect/>
-          </a:stretch>
-        </p:blipFill>
-        <p:spPr>
-          <a:xfrm>
-            <a:off x="2166620" y="2780665"/>
-            <a:ext cx="5782722" cy="4680000"/>
-          </a:xfrm>
-          <a:prstGeom prst="rect">
-            <a:avLst/>
-          </a:prstGeom>
-        </p:spPr>
-      </p:pic>
-      <p:cxnSp>
-        <p:nvCxnSpPr>
-          <p:cNvPr id="11" name="Straight Connector 10"/>
-          <p:cNvCxnSpPr/>
-          <p:nvPr/>
-        </p:nvCxnSpPr>
-        <p:spPr>
-          <a:xfrm flipH="1">
-            <a:off x="2553335" y="1833880"/>
-            <a:ext cx="2003425" cy="1155700"/>
-          </a:xfrm>
-          <a:prstGeom prst="line">
-            <a:avLst/>
-          </a:prstGeom>
-          <a:ln w="19050">
-            <a:solidFill>
-              <a:schemeClr val="accent1"/>
-            </a:solidFill>
-          </a:ln>
-        </p:spPr>
-        <p:style>
-          <a:lnRef idx="1">
-            <a:schemeClr val="accent1"/>
-          </a:lnRef>
-          <a:fillRef idx="0">
-            <a:schemeClr val="accent1"/>
-          </a:fillRef>
-          <a:effectRef idx="0">
-            <a:schemeClr val="accent1"/>
-          </a:effectRef>
-          <a:fontRef idx="minor">
-            <a:schemeClr val="tx1"/>
-          </a:fontRef>
-        </p:style>
-      </p:cxnSp>
-      <p:cxnSp>
-        <p:nvCxnSpPr>
-          <p:cNvPr id="5" name="Straight Connector 4"/>
-          <p:cNvCxnSpPr/>
-          <p:nvPr/>
-        </p:nvCxnSpPr>
-        <p:spPr>
-          <a:xfrm>
-            <a:off x="5134610" y="1816100"/>
-            <a:ext cx="2445385" cy="1073785"/>
-          </a:xfrm>
-          <a:prstGeom prst="line">
-            <a:avLst/>
-          </a:prstGeom>
-          <a:ln w="19050">
-            <a:solidFill>
-              <a:schemeClr val="accent1"/>
-            </a:solidFill>
-          </a:ln>
-        </p:spPr>
-        <p:style>
-          <a:lnRef idx="1">
-            <a:schemeClr val="accent1"/>
-          </a:lnRef>
-          <a:fillRef idx="0">
-            <a:schemeClr val="accent1"/>
-          </a:fillRef>
-          <a:effectRef idx="0">
-            <a:schemeClr val="accent1"/>
-          </a:effectRef>
-          <a:fontRef idx="minor">
-            <a:schemeClr val="tx1"/>
-          </a:fontRef>
-        </p:style>
-      </p:cxnSp>
-      <p:sp>
-        <p:nvSpPr>
-          <p:cNvPr id="6" name="Text Box 5"/>
-          <p:cNvSpPr txBox="1"/>
-          <p:nvPr/>
-        </p:nvSpPr>
-        <p:spPr>
-          <a:xfrm>
-            <a:off x="2212340" y="3012440"/>
-            <a:ext cx="1859280" cy="521970"/>
-          </a:xfrm>
-          <a:prstGeom prst="rect">
-            <a:avLst/>
-          </a:prstGeom>
-          <a:noFill/>
-        </p:spPr>
-        <p:txBody>
-          <a:bodyPr wrap="square" rtlCol="0">
-            <a:spAutoFit/>
-          </a:bodyPr>
-          <a:lstStyle/>
-          <a:p>
-            <a:r>
-              <a:rPr lang="en-US" sz="1400"/>
-              <a:t>PID</a:t>
-            </a:r>
-            <a:r>
-              <a:rPr lang="ja-JP" altLang="en-US" sz="1400"/>
-              <a:t>による</a:t>
-            </a:r>
-            <a:r>
-              <a:rPr lang="en-US" altLang="ja-JP" sz="1400"/>
-              <a:t>pitch</a:t>
-            </a:r>
-            <a:r>
-              <a:rPr lang="ja-JP" altLang="en-US" sz="1400"/>
-              <a:t>角速度制御</a:t>
-            </a:r>
-          </a:p>
-        </p:txBody>
-      </p:sp>
-      <p:sp>
-        <p:nvSpPr>
-          <p:cNvPr id="7" name="Text Box 6"/>
-          <p:cNvSpPr txBox="1"/>
-          <p:nvPr/>
-        </p:nvSpPr>
-        <p:spPr>
-          <a:xfrm>
-            <a:off x="3556000" y="6180455"/>
-            <a:ext cx="1859280" cy="521970"/>
-          </a:xfrm>
-          <a:prstGeom prst="rect">
-            <a:avLst/>
-          </a:prstGeom>
-          <a:noFill/>
-        </p:spPr>
-        <p:txBody>
-          <a:bodyPr wrap="square" rtlCol="0">
-            <a:spAutoFit/>
-          </a:bodyPr>
-          <a:lstStyle/>
-          <a:p>
-            <a:r>
-              <a:rPr lang="en-US" altLang="ja-JP" sz="1400"/>
-              <a:t>pitch</a:t>
-            </a:r>
-            <a:r>
-              <a:rPr lang="ja-JP" altLang="en-US" sz="1400"/>
-              <a:t>角速度フィードバック信号</a:t>
-            </a:r>
-            <a:r>
-              <a:rPr lang="en-US" altLang="ja-JP" sz="1400"/>
-              <a:t>input</a:t>
-            </a:r>
-          </a:p>
-        </p:txBody>
-      </p:sp>
-      <p:sp>
-        <p:nvSpPr>
-          <p:cNvPr id="8" name="Text Box 7"/>
-          <p:cNvSpPr txBox="1"/>
-          <p:nvPr/>
-        </p:nvSpPr>
-        <p:spPr>
-          <a:xfrm>
-            <a:off x="1236980" y="4637405"/>
-            <a:ext cx="1859280" cy="521970"/>
-          </a:xfrm>
-          <a:prstGeom prst="rect">
-            <a:avLst/>
-          </a:prstGeom>
-          <a:noFill/>
-        </p:spPr>
-        <p:txBody>
-          <a:bodyPr wrap="square" rtlCol="0">
-            <a:spAutoFit/>
-          </a:bodyPr>
-          <a:lstStyle/>
-          <a:p>
-            <a:r>
-              <a:rPr lang="en-US" altLang="ja-JP" sz="1400"/>
-              <a:t>pitch</a:t>
-            </a:r>
-            <a:r>
-              <a:rPr lang="ja-JP" altLang="en-US" sz="1400"/>
-              <a:t>角速度指令信号</a:t>
-            </a:r>
-            <a:r>
-              <a:rPr lang="en-US" altLang="ja-JP" sz="1400"/>
-              <a:t>input</a:t>
-            </a:r>
-          </a:p>
-        </p:txBody>
-      </p:sp>
     </p:spTree>
   </p:cSld>
   <p:clrMapOvr>
@@ -6001,31 +6093,12 @@
           <a:chExt cx="0" cy="0"/>
         </a:xfrm>
       </p:grpSpPr>
-      <p:pic>
-        <p:nvPicPr>
-          <p:cNvPr id="3" name="Picture 2"/>
-          <p:cNvPicPr>
-            <a:picLocks noChangeAspect="1"/>
-          </p:cNvPicPr>
-          <p:nvPr/>
-        </p:nvPicPr>
-        <p:blipFill>
-          <a:blip r:embed="rId2"/>
-          <a:stretch>
-            <a:fillRect/>
-          </a:stretch>
-        </p:blipFill>
-        <p:spPr>
-          <a:xfrm>
-            <a:off x="3810000" y="1318260"/>
-            <a:ext cx="4991100" cy="6073140"/>
-          </a:xfrm>
-          <a:prstGeom prst="rect">
-            <a:avLst/>
-          </a:prstGeom>
-        </p:spPr>
-      </p:pic>
     </p:spTree>
+    <p:extLst>
+      <p:ext uri="{BB962C8B-B14F-4D97-AF65-F5344CB8AC3E}">
+        <p14:creationId xmlns:p14="http://schemas.microsoft.com/office/powerpoint/2010/main" val="2267069286"/>
+      </p:ext>
+    </p:extLst>
   </p:cSld>
   <p:clrMapOvr>
     <a:masterClrMapping/>
@@ -6050,41 +6123,334 @@
           <a:chExt cx="0" cy="0"/>
         </a:xfrm>
       </p:grpSpPr>
-      <p:sp>
-        <p:nvSpPr>
-          <p:cNvPr id="2" name="Title 1"/>
-          <p:cNvSpPr>
-            <a:spLocks noGrp="1"/>
-          </p:cNvSpPr>
-          <p:nvPr>
-            <p:ph type="title"/>
-          </p:nvPr>
-        </p:nvSpPr>
-        <p:spPr/>
-        <p:txBody>
-          <a:bodyPr/>
-          <a:lstStyle/>
-          <a:p>
-            <a:endParaRPr lang="en-US"/>
-          </a:p>
-        </p:txBody>
-      </p:sp>
-      <p:sp>
-        <p:nvSpPr>
-          <p:cNvPr id="3" name="Text Placeholder 2"/>
-          <p:cNvSpPr>
-            <a:spLocks noGrp="1"/>
-          </p:cNvSpPr>
-          <p:nvPr>
-            <p:ph type="body"/>
-          </p:nvPr>
-        </p:nvSpPr>
-        <p:spPr/>
-        <p:txBody>
-          <a:bodyPr/>
-          <a:lstStyle/>
-          <a:p>
-            <a:endParaRPr lang="en-US"/>
+      <p:pic>
+        <p:nvPicPr>
+          <p:cNvPr id="3" name="Picture 2"/>
+          <p:cNvPicPr>
+            <a:picLocks noChangeAspect="1"/>
+          </p:cNvPicPr>
+          <p:nvPr/>
+        </p:nvPicPr>
+        <p:blipFill>
+          <a:blip r:embed="rId2"/>
+          <a:srcRect l="21514" t="8919" r="33448" b="68057"/>
+          <a:stretch>
+            <a:fillRect/>
+          </a:stretch>
+        </p:blipFill>
+        <p:spPr>
+          <a:xfrm>
+            <a:off x="3556000" y="277495"/>
+            <a:ext cx="2951608" cy="1836000"/>
+          </a:xfrm>
+          <a:prstGeom prst="rect">
+            <a:avLst/>
+          </a:prstGeom>
+        </p:spPr>
+      </p:pic>
+      <p:sp>
+        <p:nvSpPr>
+          <p:cNvPr id="10" name="Text Box 9"/>
+          <p:cNvSpPr txBox="1"/>
+          <p:nvPr/>
+        </p:nvSpPr>
+        <p:spPr>
+          <a:xfrm>
+            <a:off x="1551940" y="934720"/>
+            <a:ext cx="1544320" cy="521970"/>
+          </a:xfrm>
+          <a:prstGeom prst="rect">
+            <a:avLst/>
+          </a:prstGeom>
+          <a:noFill/>
+        </p:spPr>
+        <p:txBody>
+          <a:bodyPr wrap="square" rtlCol="0">
+            <a:spAutoFit/>
+          </a:bodyPr>
+          <a:lstStyle/>
+          <a:p>
+            <a:r>
+              <a:rPr lang="en-US" sz="1400"/>
+              <a:t>input</a:t>
+            </a:r>
+            <a:r>
+              <a:rPr lang="ja-JP" altLang="en-US" sz="1400"/>
+              <a:t>信号のみ異なる</a:t>
+            </a:r>
+          </a:p>
+        </p:txBody>
+      </p:sp>
+      <p:cxnSp>
+        <p:nvCxnSpPr>
+          <p:cNvPr id="13" name="Straight Connector 12"/>
+          <p:cNvCxnSpPr>
+            <a:stCxn id="10" idx="3"/>
+          </p:cNvCxnSpPr>
+          <p:nvPr/>
+        </p:nvCxnSpPr>
+        <p:spPr>
+          <a:xfrm flipV="1">
+            <a:off x="3096260" y="570865"/>
+            <a:ext cx="847090" cy="624840"/>
+          </a:xfrm>
+          <a:prstGeom prst="line">
+            <a:avLst/>
+          </a:prstGeom>
+        </p:spPr>
+        <p:style>
+          <a:lnRef idx="1">
+            <a:schemeClr val="accent1"/>
+          </a:lnRef>
+          <a:fillRef idx="0">
+            <a:schemeClr val="accent1"/>
+          </a:fillRef>
+          <a:effectRef idx="0">
+            <a:schemeClr val="accent1"/>
+          </a:effectRef>
+          <a:fontRef idx="minor">
+            <a:schemeClr val="tx1"/>
+          </a:fontRef>
+        </p:style>
+      </p:cxnSp>
+      <p:cxnSp>
+        <p:nvCxnSpPr>
+          <p:cNvPr id="2" name="Straight Connector 1"/>
+          <p:cNvCxnSpPr>
+            <a:stCxn id="10" idx="3"/>
+          </p:cNvCxnSpPr>
+          <p:nvPr/>
+        </p:nvCxnSpPr>
+        <p:spPr>
+          <a:xfrm>
+            <a:off x="3096260" y="1195705"/>
+            <a:ext cx="774700" cy="466725"/>
+          </a:xfrm>
+          <a:prstGeom prst="line">
+            <a:avLst/>
+          </a:prstGeom>
+        </p:spPr>
+        <p:style>
+          <a:lnRef idx="1">
+            <a:schemeClr val="accent1"/>
+          </a:lnRef>
+          <a:fillRef idx="0">
+            <a:schemeClr val="accent1"/>
+          </a:fillRef>
+          <a:effectRef idx="0">
+            <a:schemeClr val="accent1"/>
+          </a:effectRef>
+          <a:fontRef idx="minor">
+            <a:schemeClr val="tx1"/>
+          </a:fontRef>
+        </p:style>
+      </p:cxnSp>
+      <p:pic>
+        <p:nvPicPr>
+          <p:cNvPr id="4" name="Picture 3"/>
+          <p:cNvPicPr>
+            <a:picLocks noChangeAspect="1"/>
+          </p:cNvPicPr>
+          <p:nvPr/>
+        </p:nvPicPr>
+        <p:blipFill>
+          <a:blip r:embed="rId3"/>
+          <a:stretch>
+            <a:fillRect/>
+          </a:stretch>
+        </p:blipFill>
+        <p:spPr>
+          <a:xfrm>
+            <a:off x="2166620" y="2780665"/>
+            <a:ext cx="5782722" cy="4680000"/>
+          </a:xfrm>
+          <a:prstGeom prst="rect">
+            <a:avLst/>
+          </a:prstGeom>
+        </p:spPr>
+      </p:pic>
+      <p:cxnSp>
+        <p:nvCxnSpPr>
+          <p:cNvPr id="11" name="Straight Connector 10"/>
+          <p:cNvCxnSpPr/>
+          <p:nvPr/>
+        </p:nvCxnSpPr>
+        <p:spPr>
+          <a:xfrm flipH="1">
+            <a:off x="2553335" y="1833880"/>
+            <a:ext cx="2003425" cy="1155700"/>
+          </a:xfrm>
+          <a:prstGeom prst="line">
+            <a:avLst/>
+          </a:prstGeom>
+          <a:ln w="19050">
+            <a:solidFill>
+              <a:schemeClr val="accent1"/>
+            </a:solidFill>
+          </a:ln>
+        </p:spPr>
+        <p:style>
+          <a:lnRef idx="1">
+            <a:schemeClr val="accent1"/>
+          </a:lnRef>
+          <a:fillRef idx="0">
+            <a:schemeClr val="accent1"/>
+          </a:fillRef>
+          <a:effectRef idx="0">
+            <a:schemeClr val="accent1"/>
+          </a:effectRef>
+          <a:fontRef idx="minor">
+            <a:schemeClr val="tx1"/>
+          </a:fontRef>
+        </p:style>
+      </p:cxnSp>
+      <p:cxnSp>
+        <p:nvCxnSpPr>
+          <p:cNvPr id="5" name="Straight Connector 4"/>
+          <p:cNvCxnSpPr/>
+          <p:nvPr/>
+        </p:nvCxnSpPr>
+        <p:spPr>
+          <a:xfrm>
+            <a:off x="5134610" y="1816100"/>
+            <a:ext cx="2445385" cy="1073785"/>
+          </a:xfrm>
+          <a:prstGeom prst="line">
+            <a:avLst/>
+          </a:prstGeom>
+          <a:ln w="19050">
+            <a:solidFill>
+              <a:schemeClr val="accent1"/>
+            </a:solidFill>
+          </a:ln>
+        </p:spPr>
+        <p:style>
+          <a:lnRef idx="1">
+            <a:schemeClr val="accent1"/>
+          </a:lnRef>
+          <a:fillRef idx="0">
+            <a:schemeClr val="accent1"/>
+          </a:fillRef>
+          <a:effectRef idx="0">
+            <a:schemeClr val="accent1"/>
+          </a:effectRef>
+          <a:fontRef idx="minor">
+            <a:schemeClr val="tx1"/>
+          </a:fontRef>
+        </p:style>
+      </p:cxnSp>
+      <p:sp>
+        <p:nvSpPr>
+          <p:cNvPr id="6" name="Text Box 5"/>
+          <p:cNvSpPr txBox="1"/>
+          <p:nvPr/>
+        </p:nvSpPr>
+        <p:spPr>
+          <a:xfrm>
+            <a:off x="2212340" y="3012440"/>
+            <a:ext cx="1859280" cy="521970"/>
+          </a:xfrm>
+          <a:prstGeom prst="rect">
+            <a:avLst/>
+          </a:prstGeom>
+          <a:noFill/>
+        </p:spPr>
+        <p:txBody>
+          <a:bodyPr wrap="square" rtlCol="0">
+            <a:spAutoFit/>
+          </a:bodyPr>
+          <a:lstStyle/>
+          <a:p>
+            <a:r>
+              <a:rPr lang="en-US" sz="1400"/>
+              <a:t>PID</a:t>
+            </a:r>
+            <a:r>
+              <a:rPr lang="ja-JP" altLang="en-US" sz="1400"/>
+              <a:t>による</a:t>
+            </a:r>
+            <a:r>
+              <a:rPr lang="en-US" altLang="ja-JP" sz="1400"/>
+              <a:t>pitch</a:t>
+            </a:r>
+            <a:r>
+              <a:rPr lang="ja-JP" altLang="en-US" sz="1400"/>
+              <a:t>角速度制御</a:t>
+            </a:r>
+          </a:p>
+        </p:txBody>
+      </p:sp>
+      <p:sp>
+        <p:nvSpPr>
+          <p:cNvPr id="7" name="Text Box 6"/>
+          <p:cNvSpPr txBox="1"/>
+          <p:nvPr/>
+        </p:nvSpPr>
+        <p:spPr>
+          <a:xfrm>
+            <a:off x="3556000" y="6180455"/>
+            <a:ext cx="1859280" cy="521970"/>
+          </a:xfrm>
+          <a:prstGeom prst="rect">
+            <a:avLst/>
+          </a:prstGeom>
+          <a:noFill/>
+        </p:spPr>
+        <p:txBody>
+          <a:bodyPr wrap="square" rtlCol="0">
+            <a:spAutoFit/>
+          </a:bodyPr>
+          <a:lstStyle/>
+          <a:p>
+            <a:r>
+              <a:rPr lang="en-US" altLang="ja-JP" sz="1400"/>
+              <a:t>pitch</a:t>
+            </a:r>
+            <a:r>
+              <a:rPr lang="ja-JP" altLang="en-US" sz="1400"/>
+              <a:t>角速度フィードバック信号</a:t>
+            </a:r>
+            <a:r>
+              <a:rPr lang="en-US" altLang="ja-JP" sz="1400"/>
+              <a:t>input</a:t>
+            </a:r>
+          </a:p>
+        </p:txBody>
+      </p:sp>
+      <p:sp>
+        <p:nvSpPr>
+          <p:cNvPr id="8" name="Text Box 7"/>
+          <p:cNvSpPr txBox="1"/>
+          <p:nvPr/>
+        </p:nvSpPr>
+        <p:spPr>
+          <a:xfrm>
+            <a:off x="1236980" y="4637405"/>
+            <a:ext cx="1859280" cy="521970"/>
+          </a:xfrm>
+          <a:prstGeom prst="rect">
+            <a:avLst/>
+          </a:prstGeom>
+          <a:noFill/>
+        </p:spPr>
+        <p:txBody>
+          <a:bodyPr wrap="square" rtlCol="0">
+            <a:spAutoFit/>
+          </a:bodyPr>
+          <a:lstStyle/>
+          <a:p>
+            <a:r>
+              <a:rPr lang="en-US" altLang="ja-JP" sz="1400"/>
+              <a:t>pitch</a:t>
+            </a:r>
+            <a:r>
+              <a:rPr lang="ja-JP" altLang="en-US" sz="1400"/>
+              <a:t>角速度指令信号</a:t>
+            </a:r>
+            <a:r>
+              <a:rPr lang="en-US" altLang="ja-JP" sz="1400"/>
+              <a:t>input</a:t>
+            </a:r>
           </a:p>
         </p:txBody>
       </p:sp>
@@ -6113,6 +6479,30 @@
           <a:chExt cx="0" cy="0"/>
         </a:xfrm>
       </p:grpSpPr>
+      <p:pic>
+        <p:nvPicPr>
+          <p:cNvPr id="3" name="Picture 2"/>
+          <p:cNvPicPr>
+            <a:picLocks noChangeAspect="1"/>
+          </p:cNvPicPr>
+          <p:nvPr/>
+        </p:nvPicPr>
+        <p:blipFill>
+          <a:blip r:embed="rId2"/>
+          <a:stretch>
+            <a:fillRect/>
+          </a:stretch>
+        </p:blipFill>
+        <p:spPr>
+          <a:xfrm>
+            <a:off x="3810000" y="1318260"/>
+            <a:ext cx="4991100" cy="6073140"/>
+          </a:xfrm>
+          <a:prstGeom prst="rect">
+            <a:avLst/>
+          </a:prstGeom>
+        </p:spPr>
+      </p:pic>
     </p:spTree>
   </p:cSld>
   <p:clrMapOvr>
@@ -6138,6 +6528,44 @@
           <a:chExt cx="0" cy="0"/>
         </a:xfrm>
       </p:grpSpPr>
+      <p:sp>
+        <p:nvSpPr>
+          <p:cNvPr id="2" name="Title 1"/>
+          <p:cNvSpPr>
+            <a:spLocks noGrp="1"/>
+          </p:cNvSpPr>
+          <p:nvPr>
+            <p:ph type="title"/>
+          </p:nvPr>
+        </p:nvSpPr>
+        <p:spPr/>
+        <p:txBody>
+          <a:bodyPr/>
+          <a:lstStyle/>
+          <a:p>
+            <a:endParaRPr lang="en-US"/>
+          </a:p>
+        </p:txBody>
+      </p:sp>
+      <p:sp>
+        <p:nvSpPr>
+          <p:cNvPr id="3" name="Text Placeholder 2"/>
+          <p:cNvSpPr>
+            <a:spLocks noGrp="1"/>
+          </p:cNvSpPr>
+          <p:nvPr>
+            <p:ph type="body"/>
+          </p:nvPr>
+        </p:nvSpPr>
+        <p:spPr/>
+        <p:txBody>
+          <a:bodyPr/>
+          <a:lstStyle/>
+          <a:p>
+            <a:endParaRPr lang="en-US"/>
+          </a:p>
+        </p:txBody>
+      </p:sp>
     </p:spTree>
   </p:cSld>
   <p:clrMapOvr>
@@ -6147,6 +6575,56 @@
 </file>
 
 <file path=ppt/slides/slide24.xml><?xml version="1.0" encoding="utf-8"?>
+<p:sld xmlns:a="http://schemas.openxmlformats.org/drawingml/2006/main" xmlns:r="http://schemas.openxmlformats.org/officeDocument/2006/relationships" xmlns:p="http://schemas.openxmlformats.org/presentationml/2006/main">
+  <p:cSld>
+    <p:spTree>
+      <p:nvGrpSpPr>
+        <p:cNvPr id="1" name=""/>
+        <p:cNvGrpSpPr/>
+        <p:nvPr/>
+      </p:nvGrpSpPr>
+      <p:grpSpPr>
+        <a:xfrm>
+          <a:off x="0" y="0"/>
+          <a:ext cx="0" cy="0"/>
+          <a:chOff x="0" y="0"/>
+          <a:chExt cx="0" cy="0"/>
+        </a:xfrm>
+      </p:grpSpPr>
+    </p:spTree>
+  </p:cSld>
+  <p:clrMapOvr>
+    <a:masterClrMapping/>
+  </p:clrMapOvr>
+</p:sld>
+</file>
+
+<file path=ppt/slides/slide25.xml><?xml version="1.0" encoding="utf-8"?>
+<p:sld xmlns:a="http://schemas.openxmlformats.org/drawingml/2006/main" xmlns:r="http://schemas.openxmlformats.org/officeDocument/2006/relationships" xmlns:p="http://schemas.openxmlformats.org/presentationml/2006/main">
+  <p:cSld>
+    <p:spTree>
+      <p:nvGrpSpPr>
+        <p:cNvPr id="1" name=""/>
+        <p:cNvGrpSpPr/>
+        <p:nvPr/>
+      </p:nvGrpSpPr>
+      <p:grpSpPr>
+        <a:xfrm>
+          <a:off x="0" y="0"/>
+          <a:ext cx="0" cy="0"/>
+          <a:chOff x="0" y="0"/>
+          <a:chExt cx="0" cy="0"/>
+        </a:xfrm>
+      </p:grpSpPr>
+    </p:spTree>
+  </p:cSld>
+  <p:clrMapOvr>
+    <a:masterClrMapping/>
+  </p:clrMapOvr>
+</p:sld>
+</file>
+
+<file path=ppt/slides/slide26.xml><?xml version="1.0" encoding="utf-8"?>
 <p:sld xmlns:a="http://schemas.openxmlformats.org/drawingml/2006/main" xmlns:r="http://schemas.openxmlformats.org/officeDocument/2006/relationships" xmlns:p="http://schemas.openxmlformats.org/presentationml/2006/main">
   <p:cSld>
     <p:spTree>

--- a/figs/makeFig.pptx
+++ b/figs/makeFig.pptx
@@ -9,28 +9,30 @@
     <p:sldId id="263" r:id="rId3"/>
     <p:sldId id="266" r:id="rId4"/>
     <p:sldId id="271" r:id="rId5"/>
-    <p:sldId id="272" r:id="rId6"/>
-    <p:sldId id="273" r:id="rId7"/>
-    <p:sldId id="274" r:id="rId8"/>
-    <p:sldId id="275" r:id="rId9"/>
-    <p:sldId id="278" r:id="rId10"/>
-    <p:sldId id="282" r:id="rId11"/>
-    <p:sldId id="276" r:id="rId12"/>
-    <p:sldId id="283" r:id="rId13"/>
-    <p:sldId id="284" r:id="rId14"/>
-    <p:sldId id="285" r:id="rId15"/>
-    <p:sldId id="286" r:id="rId16"/>
-    <p:sldId id="288" r:id="rId17"/>
-    <p:sldId id="280" r:id="rId18"/>
-    <p:sldId id="287" r:id="rId19"/>
-    <p:sldId id="279" r:id="rId20"/>
-    <p:sldId id="289" r:id="rId21"/>
-    <p:sldId id="264" r:id="rId22"/>
-    <p:sldId id="265" r:id="rId23"/>
-    <p:sldId id="270" r:id="rId24"/>
-    <p:sldId id="268" r:id="rId25"/>
-    <p:sldId id="269" r:id="rId26"/>
-    <p:sldId id="267" r:id="rId27"/>
+    <p:sldId id="290" r:id="rId6"/>
+    <p:sldId id="272" r:id="rId7"/>
+    <p:sldId id="273" r:id="rId8"/>
+    <p:sldId id="274" r:id="rId9"/>
+    <p:sldId id="291" r:id="rId10"/>
+    <p:sldId id="275" r:id="rId11"/>
+    <p:sldId id="278" r:id="rId12"/>
+    <p:sldId id="282" r:id="rId13"/>
+    <p:sldId id="276" r:id="rId14"/>
+    <p:sldId id="283" r:id="rId15"/>
+    <p:sldId id="284" r:id="rId16"/>
+    <p:sldId id="285" r:id="rId17"/>
+    <p:sldId id="286" r:id="rId18"/>
+    <p:sldId id="288" r:id="rId19"/>
+    <p:sldId id="280" r:id="rId20"/>
+    <p:sldId id="287" r:id="rId21"/>
+    <p:sldId id="279" r:id="rId22"/>
+    <p:sldId id="289" r:id="rId23"/>
+    <p:sldId id="264" r:id="rId24"/>
+    <p:sldId id="265" r:id="rId25"/>
+    <p:sldId id="270" r:id="rId26"/>
+    <p:sldId id="268" r:id="rId27"/>
+    <p:sldId id="269" r:id="rId28"/>
+    <p:sldId id="267" r:id="rId29"/>
   </p:sldIdLst>
   <p:sldSz cx="10080625" cy="7559675"/>
   <p:notesSz cx="7559675" cy="10691813"/>
@@ -1963,7 +1965,7 @@
       </p:grpSpPr>
       <p:pic>
         <p:nvPicPr>
-          <p:cNvPr id="4" name="Picture 3"/>
+          <p:cNvPr id="2" name="Picture 1"/>
           <p:cNvPicPr>
             <a:picLocks noChangeAspect="1"/>
           </p:cNvPicPr>
@@ -1977,8 +1979,8 @@
         </p:blipFill>
         <p:spPr>
           <a:xfrm>
-            <a:off x="1440180" y="2516505"/>
-            <a:ext cx="7199630" cy="4904740"/>
+            <a:off x="183515" y="1783080"/>
+            <a:ext cx="9570720" cy="3992880"/>
           </a:xfrm>
           <a:prstGeom prst="rect">
             <a:avLst/>
@@ -1993,8 +1995,8 @@
         </p:nvSpPr>
         <p:spPr>
           <a:xfrm>
-            <a:off x="5862248" y="1080688"/>
-            <a:ext cx="2647932" cy="1383665"/>
+            <a:off x="490301" y="1390259"/>
+            <a:ext cx="1054791" cy="523220"/>
           </a:xfrm>
           <a:prstGeom prst="rect">
             <a:avLst/>
@@ -2009,57 +2011,56 @@
           <a:p>
             <a:r>
               <a:rPr lang="en-US" altLang="ja-JP" sz="1400" dirty="0"/>
-              <a:t>P gain</a:t>
-            </a:r>
-            <a:r>
-              <a:rPr lang="ja-JP" altLang="en-US" sz="1400" dirty="0"/>
-              <a:t>：</a:t>
-            </a:r>
-            <a:r>
-              <a:rPr lang="en-US" altLang="ja-JP" sz="1400" dirty="0"/>
-              <a:t>-1</a:t>
-            </a:r>
-          </a:p>
-          <a:p>
-            <a:r>
-              <a:rPr lang="en-US" altLang="ja-JP" sz="1400" dirty="0"/>
-              <a:t>I gain</a:t>
-            </a:r>
-            <a:r>
-              <a:rPr lang="ja-JP" altLang="en-US" sz="1400" dirty="0"/>
-              <a:t>：</a:t>
-            </a:r>
-            <a:r>
-              <a:rPr lang="en-US" altLang="ja-JP" sz="1400" dirty="0"/>
-              <a:t>0</a:t>
-            </a:r>
-          </a:p>
-          <a:p>
-            <a:r>
-              <a:rPr lang="en-US" altLang="ja-JP" sz="1400" dirty="0"/>
-              <a:t>D gain</a:t>
-            </a:r>
-            <a:r>
-              <a:rPr lang="ja-JP" altLang="en-US" sz="1400" dirty="0"/>
-              <a:t>：</a:t>
-            </a:r>
-            <a:r>
-              <a:rPr lang="en-US" altLang="ja-JP" sz="1400" dirty="0"/>
-              <a:t>0</a:t>
-            </a:r>
-          </a:p>
-          <a:p>
-            <a:r>
-              <a:rPr lang="en-US" altLang="ja-JP" sz="1400" dirty="0"/>
-              <a:t>* </a:t>
-            </a:r>
-            <a:r>
-              <a:rPr lang="en-US" sz="1400" dirty="0">
-                <a:sym typeface="+mn-ea"/>
-              </a:rPr>
-              <a:t>gains are negative because pitch increases with input of negative elevator angle</a:t>
-            </a:r>
-            <a:endParaRPr lang="en-US" altLang="ja-JP" sz="1400" dirty="0"/>
+              <a:t>Target of pitch angle</a:t>
+            </a:r>
+            <a:endParaRPr lang="ja-JP" altLang="en-US" sz="1400" dirty="0"/>
+          </a:p>
+        </p:txBody>
+      </p:sp>
+      <p:sp>
+        <p:nvSpPr>
+          <p:cNvPr id="4" name="正方形/長方形 3"/>
+          <p:cNvSpPr/>
+          <p:nvPr/>
+        </p:nvSpPr>
+        <p:spPr>
+          <a:xfrm>
+            <a:off x="1523022" y="1693332"/>
+            <a:ext cx="5487378" cy="4064001"/>
+          </a:xfrm>
+          <a:prstGeom prst="rect">
+            <a:avLst/>
+          </a:prstGeom>
+          <a:noFill/>
+          <a:ln>
+            <a:solidFill>
+              <a:srgbClr val="FF0000"/>
+            </a:solidFill>
+            <a:prstDash val="dash"/>
+          </a:ln>
+        </p:spPr>
+        <p:style>
+          <a:lnRef idx="2">
+            <a:schemeClr val="accent1">
+              <a:shade val="50000"/>
+            </a:schemeClr>
+          </a:lnRef>
+          <a:fillRef idx="1">
+            <a:schemeClr val="accent1"/>
+          </a:fillRef>
+          <a:effectRef idx="0">
+            <a:schemeClr val="accent1"/>
+          </a:effectRef>
+          <a:fontRef idx="minor">
+            <a:schemeClr val="lt1"/>
+          </a:fontRef>
+        </p:style>
+        <p:txBody>
+          <a:bodyPr rtlCol="0" anchor="ctr"/>
+          <a:lstStyle/>
+          <a:p>
+            <a:pPr algn="ctr"/>
+            <a:endParaRPr kumimoji="1" lang="ja-JP" altLang="en-US"/>
           </a:p>
         </p:txBody>
       </p:sp>
@@ -2071,8 +2072,8 @@
         </p:nvSpPr>
         <p:spPr>
           <a:xfrm>
-            <a:off x="5457928" y="2855926"/>
-            <a:ext cx="1046169" cy="306705"/>
+            <a:off x="2946400" y="906411"/>
+            <a:ext cx="3352800" cy="737235"/>
           </a:xfrm>
           <a:prstGeom prst="rect">
             <a:avLst/>
@@ -2087,28 +2088,72 @@
           <a:p>
             <a:r>
               <a:rPr lang="en-US" altLang="ja-JP" sz="1400" dirty="0"/>
-              <a:t>pitch angle</a:t>
-            </a:r>
+              <a:t>Aviator decides elevator angle command</a:t>
+            </a:r>
+          </a:p>
+          <a:p>
+            <a:r>
+              <a:rPr lang="en-US" altLang="ja-JP" sz="1400" dirty="0"/>
+              <a:t>= Feedback control system</a:t>
+            </a:r>
+          </a:p>
+        </p:txBody>
+      </p:sp>
+      <p:sp>
+        <p:nvSpPr>
+          <p:cNvPr id="6" name="Text Box 9"/>
+          <p:cNvSpPr txBox="1"/>
+          <p:nvPr/>
+        </p:nvSpPr>
+        <p:spPr>
+          <a:xfrm>
+            <a:off x="7327971" y="3839307"/>
+            <a:ext cx="1646692" cy="523220"/>
+          </a:xfrm>
+          <a:prstGeom prst="rect">
+            <a:avLst/>
+          </a:prstGeom>
+          <a:noFill/>
+        </p:spPr>
+        <p:txBody>
+          <a:bodyPr wrap="square" rtlCol="0">
+            <a:spAutoFit/>
+          </a:bodyPr>
+          <a:lstStyle/>
+          <a:p>
+            <a:r>
+              <a:rPr lang="en-US" altLang="ja-JP" sz="1400" dirty="0"/>
+              <a:t>Set gains by </a:t>
+            </a:r>
+            <a:r>
+              <a:rPr lang="en-US" altLang="ja-JP" sz="1400" dirty="0" err="1"/>
+              <a:t>try&amp;error</a:t>
+            </a:r>
+            <a:endParaRPr lang="ja-JP" altLang="en-US" sz="1400" dirty="0"/>
           </a:p>
         </p:txBody>
       </p:sp>
       <p:cxnSp>
         <p:nvCxnSpPr>
-          <p:cNvPr id="6" name="Straight Connector 12"/>
+          <p:cNvPr id="7" name="Straight Connector 12"/>
           <p:cNvCxnSpPr>
-            <a:endCxn id="5" idx="2"/>
+            <a:endCxn id="6" idx="1"/>
           </p:cNvCxnSpPr>
           <p:nvPr/>
         </p:nvCxnSpPr>
         <p:spPr>
-          <a:xfrm flipH="1" flipV="1">
-            <a:off x="5981013" y="3163068"/>
-            <a:ext cx="121468" cy="620129"/>
+          <a:xfrm>
+            <a:off x="4597397" y="2751664"/>
+            <a:ext cx="2730574" cy="1349253"/>
           </a:xfrm>
           <a:prstGeom prst="line">
             <a:avLst/>
           </a:prstGeom>
-          <a:ln w="19050"/>
+          <a:ln w="19050">
+            <a:solidFill>
+              <a:srgbClr val="FF0000"/>
+            </a:solidFill>
+          </a:ln>
         </p:spPr>
         <p:style>
           <a:lnRef idx="2">
@@ -2127,21 +2172,25 @@
       </p:cxnSp>
       <p:cxnSp>
         <p:nvCxnSpPr>
-          <p:cNvPr id="7" name="Straight Connector 12"/>
+          <p:cNvPr id="13" name="Straight Connector 12"/>
           <p:cNvCxnSpPr>
-            <a:endCxn id="8" idx="2"/>
+            <a:endCxn id="6" idx="1"/>
           </p:cNvCxnSpPr>
           <p:nvPr/>
         </p:nvCxnSpPr>
         <p:spPr>
-          <a:xfrm flipH="1" flipV="1">
-            <a:off x="2380508" y="3928005"/>
-            <a:ext cx="623889" cy="538163"/>
+          <a:xfrm>
+            <a:off x="4597397" y="4021664"/>
+            <a:ext cx="2730574" cy="79253"/>
           </a:xfrm>
           <a:prstGeom prst="line">
             <a:avLst/>
           </a:prstGeom>
-          <a:ln w="19050"/>
+          <a:ln w="19050">
+            <a:solidFill>
+              <a:srgbClr val="FF0000"/>
+            </a:solidFill>
+          </a:ln>
         </p:spPr>
         <p:style>
           <a:lnRef idx="2">
@@ -2158,76 +2207,27 @@
           </a:fontRef>
         </p:style>
       </p:cxnSp>
-      <p:sp>
-        <p:nvSpPr>
-          <p:cNvPr id="8" name="Text Box 9"/>
-          <p:cNvSpPr txBox="1"/>
-          <p:nvPr/>
-        </p:nvSpPr>
-        <p:spPr>
-          <a:xfrm>
-            <a:off x="1857423" y="3406055"/>
-            <a:ext cx="1046169" cy="521970"/>
-          </a:xfrm>
-          <a:prstGeom prst="rect">
-            <a:avLst/>
-          </a:prstGeom>
-          <a:noFill/>
-        </p:spPr>
-        <p:txBody>
-          <a:bodyPr wrap="square" rtlCol="0">
-            <a:spAutoFit/>
-          </a:bodyPr>
-          <a:lstStyle/>
-          <a:p>
-            <a:r>
-              <a:rPr lang="en-US" altLang="ja-JP" sz="1400" dirty="0"/>
-              <a:t>target pitch angle</a:t>
-            </a:r>
-          </a:p>
-        </p:txBody>
-      </p:sp>
-      <p:pic>
-        <p:nvPicPr>
-          <p:cNvPr id="2" name="Picture 1"/>
-          <p:cNvPicPr>
-            <a:picLocks noChangeAspect="1"/>
-          </p:cNvPicPr>
-          <p:nvPr/>
-        </p:nvPicPr>
-        <p:blipFill>
-          <a:blip r:embed="rId3"/>
-          <a:stretch>
-            <a:fillRect/>
-          </a:stretch>
-        </p:blipFill>
-        <p:spPr>
-          <a:xfrm>
-            <a:off x="1450340" y="697865"/>
-            <a:ext cx="4358640" cy="1818640"/>
-          </a:xfrm>
-          <a:prstGeom prst="rect">
-            <a:avLst/>
-          </a:prstGeom>
-        </p:spPr>
-      </p:pic>
       <p:cxnSp>
         <p:nvCxnSpPr>
-          <p:cNvPr id="11" name="Straight Connector 12"/>
+          <p:cNvPr id="16" name="Straight Connector 12"/>
           <p:cNvCxnSpPr>
-            <a:endCxn id="12" idx="0"/>
+            <a:endCxn id="6" idx="1"/>
           </p:cNvCxnSpPr>
           <p:nvPr/>
         </p:nvCxnSpPr>
         <p:spPr>
-          <a:xfrm>
-            <a:off x="5558790" y="5946775"/>
-            <a:ext cx="222885" cy="494665"/>
+          <a:xfrm flipV="1">
+            <a:off x="4597397" y="4100917"/>
+            <a:ext cx="2730574" cy="1139949"/>
           </a:xfrm>
           <a:prstGeom prst="line">
             <a:avLst/>
           </a:prstGeom>
-          <a:ln w="19050"/>
+          <a:ln w="19050">
+            <a:solidFill>
+              <a:srgbClr val="FF0000"/>
+            </a:solidFill>
+          </a:ln>
         </p:spPr>
         <p:style>
           <a:lnRef idx="2">
@@ -2246,14 +2246,14 @@
       </p:cxnSp>
       <p:sp>
         <p:nvSpPr>
-          <p:cNvPr id="12" name="Text Box 9"/>
+          <p:cNvPr id="11" name="Text Box 9"/>
           <p:cNvSpPr txBox="1"/>
           <p:nvPr/>
         </p:nvSpPr>
         <p:spPr>
           <a:xfrm>
-            <a:off x="5136515" y="6441440"/>
-            <a:ext cx="1290320" cy="521970"/>
+            <a:off x="2201921" y="3083593"/>
+            <a:ext cx="1054791" cy="646331"/>
           </a:xfrm>
           <a:prstGeom prst="rect">
             <a:avLst/>
@@ -2267,9 +2267,10 @@
           <a:lstStyle/>
           <a:p>
             <a:r>
-              <a:rPr lang="en-US" altLang="ja-JP" sz="1400" dirty="0"/>
-              <a:t>elevator command</a:t>
-            </a:r>
+              <a:rPr lang="en-US" altLang="ja-JP" sz="1200" dirty="0"/>
+              <a:t>Delay of human response</a:t>
+            </a:r>
+            <a:endParaRPr lang="ja-JP" altLang="en-US" sz="1200" dirty="0"/>
           </a:p>
         </p:txBody>
       </p:sp>
@@ -2300,7 +2301,7 @@
       </p:grpSpPr>
       <p:pic>
         <p:nvPicPr>
-          <p:cNvPr id="6" name="Picture 5"/>
+          <p:cNvPr id="10" name="Picture 9"/>
           <p:cNvPicPr>
             <a:picLocks noChangeAspect="1"/>
           </p:cNvPicPr>
@@ -2314,8 +2315,8 @@
         </p:blipFill>
         <p:spPr>
           <a:xfrm>
-            <a:off x="1414780" y="2516505"/>
-            <a:ext cx="7108190" cy="4843780"/>
+            <a:off x="1510030" y="2546985"/>
+            <a:ext cx="6322060" cy="4801235"/>
           </a:xfrm>
           <a:prstGeom prst="rect">
             <a:avLst/>
@@ -2330,8 +2331,8 @@
         </p:nvSpPr>
         <p:spPr>
           <a:xfrm>
-            <a:off x="2893531" y="3472734"/>
-            <a:ext cx="1046169" cy="306705"/>
+            <a:off x="5862248" y="1080688"/>
+            <a:ext cx="2647932" cy="1383665"/>
           </a:xfrm>
           <a:prstGeom prst="rect">
             <a:avLst/>
@@ -2346,6 +2347,81 @@
           <a:p>
             <a:r>
               <a:rPr lang="en-US" altLang="ja-JP" sz="1400" dirty="0"/>
+              <a:t>P gain</a:t>
+            </a:r>
+            <a:r>
+              <a:rPr lang="ja-JP" altLang="en-US" sz="1400" dirty="0"/>
+              <a:t>：</a:t>
+            </a:r>
+            <a:r>
+              <a:rPr lang="en-US" altLang="ja-JP" sz="1400" dirty="0"/>
+              <a:t>-0.5</a:t>
+            </a:r>
+          </a:p>
+          <a:p>
+            <a:r>
+              <a:rPr lang="en-US" altLang="ja-JP" sz="1400" dirty="0"/>
+              <a:t>I gain</a:t>
+            </a:r>
+            <a:r>
+              <a:rPr lang="ja-JP" altLang="en-US" sz="1400" dirty="0"/>
+              <a:t>：</a:t>
+            </a:r>
+            <a:r>
+              <a:rPr lang="en-US" altLang="ja-JP" sz="1400" dirty="0"/>
+              <a:t>0</a:t>
+            </a:r>
+          </a:p>
+          <a:p>
+            <a:r>
+              <a:rPr lang="en-US" altLang="ja-JP" sz="1400" dirty="0"/>
+              <a:t>D gain </a:t>
+            </a:r>
+            <a:r>
+              <a:rPr lang="ja-JP" altLang="en-US" sz="1400" dirty="0"/>
+              <a:t>：</a:t>
+            </a:r>
+            <a:r>
+              <a:rPr lang="en-US" altLang="ja-JP" sz="1400" dirty="0"/>
+              <a:t>0</a:t>
+            </a:r>
+          </a:p>
+          <a:p>
+            <a:r>
+              <a:rPr lang="en-US" altLang="ja-JP" sz="1400" dirty="0"/>
+              <a:t>* </a:t>
+            </a:r>
+            <a:r>
+              <a:rPr lang="en-US" sz="1400" dirty="0"/>
+              <a:t>gains are negative because pitch increases with input of negative elevator angle</a:t>
+            </a:r>
+          </a:p>
+        </p:txBody>
+      </p:sp>
+      <p:sp>
+        <p:nvSpPr>
+          <p:cNvPr id="5" name="Text Box 9"/>
+          <p:cNvSpPr txBox="1"/>
+          <p:nvPr/>
+        </p:nvSpPr>
+        <p:spPr>
+          <a:xfrm>
+            <a:off x="4395470" y="2684780"/>
+            <a:ext cx="1290320" cy="306705"/>
+          </a:xfrm>
+          <a:prstGeom prst="rect">
+            <a:avLst/>
+          </a:prstGeom>
+          <a:noFill/>
+        </p:spPr>
+        <p:txBody>
+          <a:bodyPr wrap="square" rtlCol="0">
+            <a:spAutoFit/>
+          </a:bodyPr>
+          <a:lstStyle/>
+          <a:p>
+            <a:r>
+              <a:rPr lang="en-US" altLang="ja-JP" sz="1400" dirty="0"/>
               <a:t>pitch angle</a:t>
             </a:r>
           </a:p>
@@ -2353,15 +2429,15 @@
       </p:sp>
       <p:cxnSp>
         <p:nvCxnSpPr>
-          <p:cNvPr id="4" name="Straight Connector 12"/>
+          <p:cNvPr id="6" name="Straight Connector 12"/>
           <p:cNvCxnSpPr>
-            <a:endCxn id="3" idx="2"/>
+            <a:endCxn id="5" idx="2"/>
           </p:cNvCxnSpPr>
           <p:nvPr/>
         </p:nvCxnSpPr>
         <p:spPr>
           <a:xfrm flipH="1" flipV="1">
-            <a:off x="3417251" y="3779241"/>
+            <a:off x="5040714" y="2991418"/>
             <a:ext cx="217488" cy="534528"/>
           </a:xfrm>
           <a:prstGeom prst="line">
@@ -2394,8 +2470,8 @@
         </p:nvCxnSpPr>
         <p:spPr>
           <a:xfrm flipH="1" flipV="1">
-            <a:off x="2370771" y="4175655"/>
-            <a:ext cx="623889" cy="538163"/>
+            <a:off x="2280920" y="4040505"/>
+            <a:ext cx="687705" cy="356235"/>
           </a:xfrm>
           <a:prstGeom prst="line">
             <a:avLst/>
@@ -2425,7 +2501,7 @@
         </p:nvSpPr>
         <p:spPr>
           <a:xfrm>
-            <a:off x="1847051" y="3653705"/>
+            <a:off x="1757516" y="3518450"/>
             <a:ext cx="1046169" cy="521970"/>
           </a:xfrm>
           <a:prstGeom prst="rect">
@@ -2446,87 +2522,9 @@
           </a:p>
         </p:txBody>
       </p:sp>
-      <p:sp>
-        <p:nvSpPr>
-          <p:cNvPr id="15" name="Text Box 9"/>
-          <p:cNvSpPr txBox="1"/>
-          <p:nvPr/>
-        </p:nvSpPr>
-        <p:spPr>
-          <a:xfrm>
-            <a:off x="5862248" y="1080688"/>
-            <a:ext cx="2647932" cy="1383665"/>
-          </a:xfrm>
-          <a:prstGeom prst="rect">
-            <a:avLst/>
-          </a:prstGeom>
-          <a:noFill/>
-        </p:spPr>
-        <p:txBody>
-          <a:bodyPr wrap="square" rtlCol="0">
-            <a:spAutoFit/>
-          </a:bodyPr>
-          <a:lstStyle/>
-          <a:p>
-            <a:r>
-              <a:rPr lang="en-US" altLang="ja-JP" sz="1400" dirty="0"/>
-              <a:t>P gain</a:t>
-            </a:r>
-            <a:r>
-              <a:rPr lang="ja-JP" altLang="en-US" sz="1400" dirty="0"/>
-              <a:t>：</a:t>
-            </a:r>
-            <a:r>
-              <a:rPr lang="en-US" altLang="ja-JP" sz="1400" dirty="0"/>
-              <a:t>-2</a:t>
-            </a:r>
-          </a:p>
-          <a:p>
-            <a:r>
-              <a:rPr lang="en-US" altLang="ja-JP" sz="1400" dirty="0"/>
-              <a:t>I gain</a:t>
-            </a:r>
-            <a:r>
-              <a:rPr lang="ja-JP" altLang="en-US" sz="1400" dirty="0"/>
-              <a:t>：</a:t>
-            </a:r>
-            <a:r>
-              <a:rPr lang="en-US" altLang="ja-JP" sz="1400" dirty="0"/>
-              <a:t>0</a:t>
-            </a:r>
-          </a:p>
-          <a:p>
-            <a:r>
-              <a:rPr lang="en-US" altLang="ja-JP" sz="1400" dirty="0"/>
-              <a:t>D gain</a:t>
-            </a:r>
-            <a:r>
-              <a:rPr lang="ja-JP" altLang="en-US" sz="1400" dirty="0"/>
-              <a:t>：</a:t>
-            </a:r>
-            <a:r>
-              <a:rPr lang="en-US" altLang="ja-JP" sz="1400" dirty="0"/>
-              <a:t>0</a:t>
-            </a:r>
-          </a:p>
-          <a:p>
-            <a:r>
-              <a:rPr lang="en-US" altLang="ja-JP" sz="1400" dirty="0"/>
-              <a:t>* </a:t>
-            </a:r>
-            <a:r>
-              <a:rPr lang="en-US" sz="1400" dirty="0">
-                <a:sym typeface="+mn-ea"/>
-              </a:rPr>
-              <a:t>gains are negative because pitch increases with input of negative elevator angle</a:t>
-            </a:r>
-            <a:endParaRPr lang="en-US" altLang="ja-JP" sz="1400" dirty="0"/>
-          </a:p>
-        </p:txBody>
-      </p:sp>
       <p:pic>
         <p:nvPicPr>
-          <p:cNvPr id="5" name="Picture 4"/>
+          <p:cNvPr id="2" name="Picture 1"/>
           <p:cNvPicPr>
             <a:picLocks noChangeAspect="1"/>
           </p:cNvPicPr>
@@ -2540,7 +2538,7 @@
         </p:blipFill>
         <p:spPr>
           <a:xfrm>
-            <a:off x="1414780" y="697865"/>
+            <a:off x="1450340" y="697865"/>
             <a:ext cx="4358640" cy="1818640"/>
           </a:xfrm>
           <a:prstGeom prst="rect">
@@ -2552,14 +2550,14 @@
         <p:nvCxnSpPr>
           <p:cNvPr id="11" name="Straight Connector 12"/>
           <p:cNvCxnSpPr>
-            <a:endCxn id="12" idx="0"/>
+            <a:endCxn id="12" idx="2"/>
           </p:cNvCxnSpPr>
           <p:nvPr/>
         </p:nvCxnSpPr>
         <p:spPr>
-          <a:xfrm>
-            <a:off x="5422265" y="6072505"/>
-            <a:ext cx="222885" cy="494665"/>
+          <a:xfrm flipH="1" flipV="1">
+            <a:off x="5456555" y="5041265"/>
+            <a:ext cx="229235" cy="642620"/>
           </a:xfrm>
           <a:prstGeom prst="line">
             <a:avLst/>
@@ -2589,7 +2587,7 @@
         </p:nvSpPr>
         <p:spPr>
           <a:xfrm>
-            <a:off x="4999990" y="6567170"/>
+            <a:off x="4811395" y="4519295"/>
             <a:ext cx="1290320" cy="521970"/>
           </a:xfrm>
           <a:prstGeom prst="rect">
@@ -2619,6 +2617,680 @@
 </file>
 
 <file path=ppt/slides/slide12.xml><?xml version="1.0" encoding="utf-8"?>
+<p:sld xmlns:a="http://schemas.openxmlformats.org/drawingml/2006/main" xmlns:r="http://schemas.openxmlformats.org/officeDocument/2006/relationships" xmlns:p="http://schemas.openxmlformats.org/presentationml/2006/main">
+  <p:cSld>
+    <p:spTree>
+      <p:nvGrpSpPr>
+        <p:cNvPr id="1" name=""/>
+        <p:cNvGrpSpPr/>
+        <p:nvPr/>
+      </p:nvGrpSpPr>
+      <p:grpSpPr>
+        <a:xfrm>
+          <a:off x="0" y="0"/>
+          <a:ext cx="0" cy="0"/>
+          <a:chOff x="0" y="0"/>
+          <a:chExt cx="0" cy="0"/>
+        </a:xfrm>
+      </p:grpSpPr>
+      <p:pic>
+        <p:nvPicPr>
+          <p:cNvPr id="4" name="Picture 3"/>
+          <p:cNvPicPr>
+            <a:picLocks noChangeAspect="1"/>
+          </p:cNvPicPr>
+          <p:nvPr/>
+        </p:nvPicPr>
+        <p:blipFill>
+          <a:blip r:embed="rId2"/>
+          <a:stretch>
+            <a:fillRect/>
+          </a:stretch>
+        </p:blipFill>
+        <p:spPr>
+          <a:xfrm>
+            <a:off x="1440180" y="2516505"/>
+            <a:ext cx="7199630" cy="4904740"/>
+          </a:xfrm>
+          <a:prstGeom prst="rect">
+            <a:avLst/>
+          </a:prstGeom>
+        </p:spPr>
+      </p:pic>
+      <p:sp>
+        <p:nvSpPr>
+          <p:cNvPr id="3" name="Text Box 9"/>
+          <p:cNvSpPr txBox="1"/>
+          <p:nvPr/>
+        </p:nvSpPr>
+        <p:spPr>
+          <a:xfrm>
+            <a:off x="5862248" y="1080688"/>
+            <a:ext cx="2647932" cy="1383665"/>
+          </a:xfrm>
+          <a:prstGeom prst="rect">
+            <a:avLst/>
+          </a:prstGeom>
+          <a:noFill/>
+        </p:spPr>
+        <p:txBody>
+          <a:bodyPr wrap="square" rtlCol="0">
+            <a:spAutoFit/>
+          </a:bodyPr>
+          <a:lstStyle/>
+          <a:p>
+            <a:r>
+              <a:rPr lang="en-US" altLang="ja-JP" sz="1400" dirty="0"/>
+              <a:t>P gain</a:t>
+            </a:r>
+            <a:r>
+              <a:rPr lang="ja-JP" altLang="en-US" sz="1400" dirty="0"/>
+              <a:t>：</a:t>
+            </a:r>
+            <a:r>
+              <a:rPr lang="en-US" altLang="ja-JP" sz="1400" dirty="0"/>
+              <a:t>-1</a:t>
+            </a:r>
+          </a:p>
+          <a:p>
+            <a:r>
+              <a:rPr lang="en-US" altLang="ja-JP" sz="1400" dirty="0"/>
+              <a:t>I gain</a:t>
+            </a:r>
+            <a:r>
+              <a:rPr lang="ja-JP" altLang="en-US" sz="1400" dirty="0"/>
+              <a:t>：</a:t>
+            </a:r>
+            <a:r>
+              <a:rPr lang="en-US" altLang="ja-JP" sz="1400" dirty="0"/>
+              <a:t>0</a:t>
+            </a:r>
+          </a:p>
+          <a:p>
+            <a:r>
+              <a:rPr lang="en-US" altLang="ja-JP" sz="1400" dirty="0"/>
+              <a:t>D gain</a:t>
+            </a:r>
+            <a:r>
+              <a:rPr lang="ja-JP" altLang="en-US" sz="1400" dirty="0"/>
+              <a:t>：</a:t>
+            </a:r>
+            <a:r>
+              <a:rPr lang="en-US" altLang="ja-JP" sz="1400" dirty="0"/>
+              <a:t>0</a:t>
+            </a:r>
+          </a:p>
+          <a:p>
+            <a:r>
+              <a:rPr lang="en-US" altLang="ja-JP" sz="1400" dirty="0"/>
+              <a:t>* </a:t>
+            </a:r>
+            <a:r>
+              <a:rPr lang="en-US" sz="1400" dirty="0">
+                <a:sym typeface="+mn-ea"/>
+              </a:rPr>
+              <a:t>gains are negative because pitch increases with input of negative elevator angle</a:t>
+            </a:r>
+            <a:endParaRPr lang="en-US" altLang="ja-JP" sz="1400" dirty="0"/>
+          </a:p>
+        </p:txBody>
+      </p:sp>
+      <p:sp>
+        <p:nvSpPr>
+          <p:cNvPr id="5" name="Text Box 9"/>
+          <p:cNvSpPr txBox="1"/>
+          <p:nvPr/>
+        </p:nvSpPr>
+        <p:spPr>
+          <a:xfrm>
+            <a:off x="5457928" y="2855926"/>
+            <a:ext cx="1046169" cy="306705"/>
+          </a:xfrm>
+          <a:prstGeom prst="rect">
+            <a:avLst/>
+          </a:prstGeom>
+          <a:noFill/>
+        </p:spPr>
+        <p:txBody>
+          <a:bodyPr wrap="square" rtlCol="0">
+            <a:spAutoFit/>
+          </a:bodyPr>
+          <a:lstStyle/>
+          <a:p>
+            <a:r>
+              <a:rPr lang="en-US" altLang="ja-JP" sz="1400" dirty="0"/>
+              <a:t>pitch angle</a:t>
+            </a:r>
+          </a:p>
+        </p:txBody>
+      </p:sp>
+      <p:cxnSp>
+        <p:nvCxnSpPr>
+          <p:cNvPr id="6" name="Straight Connector 12"/>
+          <p:cNvCxnSpPr>
+            <a:endCxn id="5" idx="2"/>
+          </p:cNvCxnSpPr>
+          <p:nvPr/>
+        </p:nvCxnSpPr>
+        <p:spPr>
+          <a:xfrm flipH="1" flipV="1">
+            <a:off x="5981013" y="3163068"/>
+            <a:ext cx="121468" cy="620129"/>
+          </a:xfrm>
+          <a:prstGeom prst="line">
+            <a:avLst/>
+          </a:prstGeom>
+          <a:ln w="19050"/>
+        </p:spPr>
+        <p:style>
+          <a:lnRef idx="2">
+            <a:schemeClr val="accent1"/>
+          </a:lnRef>
+          <a:fillRef idx="0">
+            <a:schemeClr val="accent1"/>
+          </a:fillRef>
+          <a:effectRef idx="1">
+            <a:schemeClr val="accent1"/>
+          </a:effectRef>
+          <a:fontRef idx="minor">
+            <a:schemeClr val="tx1"/>
+          </a:fontRef>
+        </p:style>
+      </p:cxnSp>
+      <p:cxnSp>
+        <p:nvCxnSpPr>
+          <p:cNvPr id="7" name="Straight Connector 12"/>
+          <p:cNvCxnSpPr>
+            <a:endCxn id="8" idx="2"/>
+          </p:cNvCxnSpPr>
+          <p:nvPr/>
+        </p:nvCxnSpPr>
+        <p:spPr>
+          <a:xfrm flipH="1" flipV="1">
+            <a:off x="2380508" y="3928005"/>
+            <a:ext cx="623889" cy="538163"/>
+          </a:xfrm>
+          <a:prstGeom prst="line">
+            <a:avLst/>
+          </a:prstGeom>
+          <a:ln w="19050"/>
+        </p:spPr>
+        <p:style>
+          <a:lnRef idx="2">
+            <a:schemeClr val="accent1"/>
+          </a:lnRef>
+          <a:fillRef idx="0">
+            <a:schemeClr val="accent1"/>
+          </a:fillRef>
+          <a:effectRef idx="1">
+            <a:schemeClr val="accent1"/>
+          </a:effectRef>
+          <a:fontRef idx="minor">
+            <a:schemeClr val="tx1"/>
+          </a:fontRef>
+        </p:style>
+      </p:cxnSp>
+      <p:sp>
+        <p:nvSpPr>
+          <p:cNvPr id="8" name="Text Box 9"/>
+          <p:cNvSpPr txBox="1"/>
+          <p:nvPr/>
+        </p:nvSpPr>
+        <p:spPr>
+          <a:xfrm>
+            <a:off x="1857423" y="3406055"/>
+            <a:ext cx="1046169" cy="521970"/>
+          </a:xfrm>
+          <a:prstGeom prst="rect">
+            <a:avLst/>
+          </a:prstGeom>
+          <a:noFill/>
+        </p:spPr>
+        <p:txBody>
+          <a:bodyPr wrap="square" rtlCol="0">
+            <a:spAutoFit/>
+          </a:bodyPr>
+          <a:lstStyle/>
+          <a:p>
+            <a:r>
+              <a:rPr lang="en-US" altLang="ja-JP" sz="1400" dirty="0"/>
+              <a:t>target pitch angle</a:t>
+            </a:r>
+          </a:p>
+        </p:txBody>
+      </p:sp>
+      <p:pic>
+        <p:nvPicPr>
+          <p:cNvPr id="2" name="Picture 1"/>
+          <p:cNvPicPr>
+            <a:picLocks noChangeAspect="1"/>
+          </p:cNvPicPr>
+          <p:nvPr/>
+        </p:nvPicPr>
+        <p:blipFill>
+          <a:blip r:embed="rId3"/>
+          <a:stretch>
+            <a:fillRect/>
+          </a:stretch>
+        </p:blipFill>
+        <p:spPr>
+          <a:xfrm>
+            <a:off x="1450340" y="697865"/>
+            <a:ext cx="4358640" cy="1818640"/>
+          </a:xfrm>
+          <a:prstGeom prst="rect">
+            <a:avLst/>
+          </a:prstGeom>
+        </p:spPr>
+      </p:pic>
+      <p:cxnSp>
+        <p:nvCxnSpPr>
+          <p:cNvPr id="11" name="Straight Connector 12"/>
+          <p:cNvCxnSpPr>
+            <a:endCxn id="12" idx="0"/>
+          </p:cNvCxnSpPr>
+          <p:nvPr/>
+        </p:nvCxnSpPr>
+        <p:spPr>
+          <a:xfrm>
+            <a:off x="5558790" y="5946775"/>
+            <a:ext cx="222885" cy="494665"/>
+          </a:xfrm>
+          <a:prstGeom prst="line">
+            <a:avLst/>
+          </a:prstGeom>
+          <a:ln w="19050"/>
+        </p:spPr>
+        <p:style>
+          <a:lnRef idx="2">
+            <a:schemeClr val="accent1"/>
+          </a:lnRef>
+          <a:fillRef idx="0">
+            <a:schemeClr val="accent1"/>
+          </a:fillRef>
+          <a:effectRef idx="1">
+            <a:schemeClr val="accent1"/>
+          </a:effectRef>
+          <a:fontRef idx="minor">
+            <a:schemeClr val="tx1"/>
+          </a:fontRef>
+        </p:style>
+      </p:cxnSp>
+      <p:sp>
+        <p:nvSpPr>
+          <p:cNvPr id="12" name="Text Box 9"/>
+          <p:cNvSpPr txBox="1"/>
+          <p:nvPr/>
+        </p:nvSpPr>
+        <p:spPr>
+          <a:xfrm>
+            <a:off x="5136515" y="6441440"/>
+            <a:ext cx="1290320" cy="521970"/>
+          </a:xfrm>
+          <a:prstGeom prst="rect">
+            <a:avLst/>
+          </a:prstGeom>
+          <a:noFill/>
+        </p:spPr>
+        <p:txBody>
+          <a:bodyPr wrap="square" rtlCol="0">
+            <a:spAutoFit/>
+          </a:bodyPr>
+          <a:lstStyle/>
+          <a:p>
+            <a:r>
+              <a:rPr lang="en-US" altLang="ja-JP" sz="1400" dirty="0"/>
+              <a:t>elevator command</a:t>
+            </a:r>
+          </a:p>
+        </p:txBody>
+      </p:sp>
+    </p:spTree>
+  </p:cSld>
+  <p:clrMapOvr>
+    <a:masterClrMapping/>
+  </p:clrMapOvr>
+</p:sld>
+</file>
+
+<file path=ppt/slides/slide13.xml><?xml version="1.0" encoding="utf-8"?>
+<p:sld xmlns:a="http://schemas.openxmlformats.org/drawingml/2006/main" xmlns:r="http://schemas.openxmlformats.org/officeDocument/2006/relationships" xmlns:p="http://schemas.openxmlformats.org/presentationml/2006/main">
+  <p:cSld>
+    <p:spTree>
+      <p:nvGrpSpPr>
+        <p:cNvPr id="1" name=""/>
+        <p:cNvGrpSpPr/>
+        <p:nvPr/>
+      </p:nvGrpSpPr>
+      <p:grpSpPr>
+        <a:xfrm>
+          <a:off x="0" y="0"/>
+          <a:ext cx="0" cy="0"/>
+          <a:chOff x="0" y="0"/>
+          <a:chExt cx="0" cy="0"/>
+        </a:xfrm>
+      </p:grpSpPr>
+      <p:pic>
+        <p:nvPicPr>
+          <p:cNvPr id="6" name="Picture 5"/>
+          <p:cNvPicPr>
+            <a:picLocks noChangeAspect="1"/>
+          </p:cNvPicPr>
+          <p:nvPr/>
+        </p:nvPicPr>
+        <p:blipFill>
+          <a:blip r:embed="rId2"/>
+          <a:stretch>
+            <a:fillRect/>
+          </a:stretch>
+        </p:blipFill>
+        <p:spPr>
+          <a:xfrm>
+            <a:off x="1414780" y="2516505"/>
+            <a:ext cx="7108190" cy="4843780"/>
+          </a:xfrm>
+          <a:prstGeom prst="rect">
+            <a:avLst/>
+          </a:prstGeom>
+        </p:spPr>
+      </p:pic>
+      <p:sp>
+        <p:nvSpPr>
+          <p:cNvPr id="3" name="Text Box 9"/>
+          <p:cNvSpPr txBox="1"/>
+          <p:nvPr/>
+        </p:nvSpPr>
+        <p:spPr>
+          <a:xfrm>
+            <a:off x="2893531" y="3472734"/>
+            <a:ext cx="1046169" cy="306705"/>
+          </a:xfrm>
+          <a:prstGeom prst="rect">
+            <a:avLst/>
+          </a:prstGeom>
+          <a:noFill/>
+        </p:spPr>
+        <p:txBody>
+          <a:bodyPr wrap="square" rtlCol="0">
+            <a:spAutoFit/>
+          </a:bodyPr>
+          <a:lstStyle/>
+          <a:p>
+            <a:r>
+              <a:rPr lang="en-US" altLang="ja-JP" sz="1400" dirty="0"/>
+              <a:t>pitch angle</a:t>
+            </a:r>
+          </a:p>
+        </p:txBody>
+      </p:sp>
+      <p:cxnSp>
+        <p:nvCxnSpPr>
+          <p:cNvPr id="4" name="Straight Connector 12"/>
+          <p:cNvCxnSpPr>
+            <a:endCxn id="3" idx="2"/>
+          </p:cNvCxnSpPr>
+          <p:nvPr/>
+        </p:nvCxnSpPr>
+        <p:spPr>
+          <a:xfrm flipH="1" flipV="1">
+            <a:off x="3417251" y="3779241"/>
+            <a:ext cx="217488" cy="534528"/>
+          </a:xfrm>
+          <a:prstGeom prst="line">
+            <a:avLst/>
+          </a:prstGeom>
+          <a:ln w="19050"/>
+        </p:spPr>
+        <p:style>
+          <a:lnRef idx="2">
+            <a:schemeClr val="accent1"/>
+          </a:lnRef>
+          <a:fillRef idx="0">
+            <a:schemeClr val="accent1"/>
+          </a:fillRef>
+          <a:effectRef idx="1">
+            <a:schemeClr val="accent1"/>
+          </a:effectRef>
+          <a:fontRef idx="minor">
+            <a:schemeClr val="tx1"/>
+          </a:fontRef>
+        </p:style>
+      </p:cxnSp>
+      <p:cxnSp>
+        <p:nvCxnSpPr>
+          <p:cNvPr id="7" name="Straight Connector 12"/>
+          <p:cNvCxnSpPr>
+            <a:endCxn id="8" idx="2"/>
+          </p:cNvCxnSpPr>
+          <p:nvPr/>
+        </p:nvCxnSpPr>
+        <p:spPr>
+          <a:xfrm flipH="1" flipV="1">
+            <a:off x="2370771" y="4175655"/>
+            <a:ext cx="623889" cy="538163"/>
+          </a:xfrm>
+          <a:prstGeom prst="line">
+            <a:avLst/>
+          </a:prstGeom>
+          <a:ln w="19050"/>
+        </p:spPr>
+        <p:style>
+          <a:lnRef idx="2">
+            <a:schemeClr val="accent1"/>
+          </a:lnRef>
+          <a:fillRef idx="0">
+            <a:schemeClr val="accent1"/>
+          </a:fillRef>
+          <a:effectRef idx="1">
+            <a:schemeClr val="accent1"/>
+          </a:effectRef>
+          <a:fontRef idx="minor">
+            <a:schemeClr val="tx1"/>
+          </a:fontRef>
+        </p:style>
+      </p:cxnSp>
+      <p:sp>
+        <p:nvSpPr>
+          <p:cNvPr id="8" name="Text Box 9"/>
+          <p:cNvSpPr txBox="1"/>
+          <p:nvPr/>
+        </p:nvSpPr>
+        <p:spPr>
+          <a:xfrm>
+            <a:off x="1847051" y="3653705"/>
+            <a:ext cx="1046169" cy="521970"/>
+          </a:xfrm>
+          <a:prstGeom prst="rect">
+            <a:avLst/>
+          </a:prstGeom>
+          <a:noFill/>
+        </p:spPr>
+        <p:txBody>
+          <a:bodyPr wrap="square" rtlCol="0">
+            <a:spAutoFit/>
+          </a:bodyPr>
+          <a:lstStyle/>
+          <a:p>
+            <a:r>
+              <a:rPr lang="en-US" altLang="ja-JP" sz="1400" dirty="0"/>
+              <a:t>target pitch angle</a:t>
+            </a:r>
+          </a:p>
+        </p:txBody>
+      </p:sp>
+      <p:sp>
+        <p:nvSpPr>
+          <p:cNvPr id="15" name="Text Box 9"/>
+          <p:cNvSpPr txBox="1"/>
+          <p:nvPr/>
+        </p:nvSpPr>
+        <p:spPr>
+          <a:xfrm>
+            <a:off x="5862248" y="1080688"/>
+            <a:ext cx="2647932" cy="1383665"/>
+          </a:xfrm>
+          <a:prstGeom prst="rect">
+            <a:avLst/>
+          </a:prstGeom>
+          <a:noFill/>
+        </p:spPr>
+        <p:txBody>
+          <a:bodyPr wrap="square" rtlCol="0">
+            <a:spAutoFit/>
+          </a:bodyPr>
+          <a:lstStyle/>
+          <a:p>
+            <a:r>
+              <a:rPr lang="en-US" altLang="ja-JP" sz="1400" dirty="0"/>
+              <a:t>P gain</a:t>
+            </a:r>
+            <a:r>
+              <a:rPr lang="ja-JP" altLang="en-US" sz="1400" dirty="0"/>
+              <a:t>：</a:t>
+            </a:r>
+            <a:r>
+              <a:rPr lang="en-US" altLang="ja-JP" sz="1400" dirty="0"/>
+              <a:t>-2</a:t>
+            </a:r>
+          </a:p>
+          <a:p>
+            <a:r>
+              <a:rPr lang="en-US" altLang="ja-JP" sz="1400" dirty="0"/>
+              <a:t>I gain</a:t>
+            </a:r>
+            <a:r>
+              <a:rPr lang="ja-JP" altLang="en-US" sz="1400" dirty="0"/>
+              <a:t>：</a:t>
+            </a:r>
+            <a:r>
+              <a:rPr lang="en-US" altLang="ja-JP" sz="1400" dirty="0"/>
+              <a:t>0</a:t>
+            </a:r>
+          </a:p>
+          <a:p>
+            <a:r>
+              <a:rPr lang="en-US" altLang="ja-JP" sz="1400" dirty="0"/>
+              <a:t>D gain</a:t>
+            </a:r>
+            <a:r>
+              <a:rPr lang="ja-JP" altLang="en-US" sz="1400" dirty="0"/>
+              <a:t>：</a:t>
+            </a:r>
+            <a:r>
+              <a:rPr lang="en-US" altLang="ja-JP" sz="1400" dirty="0"/>
+              <a:t>0</a:t>
+            </a:r>
+          </a:p>
+          <a:p>
+            <a:r>
+              <a:rPr lang="en-US" altLang="ja-JP" sz="1400" dirty="0"/>
+              <a:t>* </a:t>
+            </a:r>
+            <a:r>
+              <a:rPr lang="en-US" sz="1400" dirty="0">
+                <a:sym typeface="+mn-ea"/>
+              </a:rPr>
+              <a:t>gains are negative because pitch increases with input of negative elevator angle</a:t>
+            </a:r>
+            <a:endParaRPr lang="en-US" altLang="ja-JP" sz="1400" dirty="0"/>
+          </a:p>
+        </p:txBody>
+      </p:sp>
+      <p:pic>
+        <p:nvPicPr>
+          <p:cNvPr id="5" name="Picture 4"/>
+          <p:cNvPicPr>
+            <a:picLocks noChangeAspect="1"/>
+          </p:cNvPicPr>
+          <p:nvPr/>
+        </p:nvPicPr>
+        <p:blipFill>
+          <a:blip r:embed="rId3"/>
+          <a:stretch>
+            <a:fillRect/>
+          </a:stretch>
+        </p:blipFill>
+        <p:spPr>
+          <a:xfrm>
+            <a:off x="1414780" y="697865"/>
+            <a:ext cx="4358640" cy="1818640"/>
+          </a:xfrm>
+          <a:prstGeom prst="rect">
+            <a:avLst/>
+          </a:prstGeom>
+        </p:spPr>
+      </p:pic>
+      <p:cxnSp>
+        <p:nvCxnSpPr>
+          <p:cNvPr id="11" name="Straight Connector 12"/>
+          <p:cNvCxnSpPr>
+            <a:endCxn id="12" idx="0"/>
+          </p:cNvCxnSpPr>
+          <p:nvPr/>
+        </p:nvCxnSpPr>
+        <p:spPr>
+          <a:xfrm>
+            <a:off x="5422265" y="6072505"/>
+            <a:ext cx="222885" cy="494665"/>
+          </a:xfrm>
+          <a:prstGeom prst="line">
+            <a:avLst/>
+          </a:prstGeom>
+          <a:ln w="19050"/>
+        </p:spPr>
+        <p:style>
+          <a:lnRef idx="2">
+            <a:schemeClr val="accent1"/>
+          </a:lnRef>
+          <a:fillRef idx="0">
+            <a:schemeClr val="accent1"/>
+          </a:fillRef>
+          <a:effectRef idx="1">
+            <a:schemeClr val="accent1"/>
+          </a:effectRef>
+          <a:fontRef idx="minor">
+            <a:schemeClr val="tx1"/>
+          </a:fontRef>
+        </p:style>
+      </p:cxnSp>
+      <p:sp>
+        <p:nvSpPr>
+          <p:cNvPr id="12" name="Text Box 9"/>
+          <p:cNvSpPr txBox="1"/>
+          <p:nvPr/>
+        </p:nvSpPr>
+        <p:spPr>
+          <a:xfrm>
+            <a:off x="4999990" y="6567170"/>
+            <a:ext cx="1290320" cy="521970"/>
+          </a:xfrm>
+          <a:prstGeom prst="rect">
+            <a:avLst/>
+          </a:prstGeom>
+          <a:noFill/>
+        </p:spPr>
+        <p:txBody>
+          <a:bodyPr wrap="square" rtlCol="0">
+            <a:spAutoFit/>
+          </a:bodyPr>
+          <a:lstStyle/>
+          <a:p>
+            <a:r>
+              <a:rPr lang="en-US" altLang="ja-JP" sz="1400" dirty="0"/>
+              <a:t>elevator command</a:t>
+            </a:r>
+          </a:p>
+        </p:txBody>
+      </p:sp>
+    </p:spTree>
+  </p:cSld>
+  <p:clrMapOvr>
+    <a:masterClrMapping/>
+  </p:clrMapOvr>
+</p:sld>
+</file>
+
+<file path=ppt/slides/slide14.xml><?xml version="1.0" encoding="utf-8"?>
 <p:sld xmlns:a="http://schemas.openxmlformats.org/drawingml/2006/main" xmlns:r="http://schemas.openxmlformats.org/officeDocument/2006/relationships" xmlns:p="http://schemas.openxmlformats.org/presentationml/2006/main">
   <p:cSld>
     <p:spTree>
@@ -2967,727 +3639,6 @@
         </p:style>
       </p:cxnSp>
     </p:spTree>
-  </p:cSld>
-  <p:clrMapOvr>
-    <a:masterClrMapping/>
-  </p:clrMapOvr>
-</p:sld>
-</file>
-
-<file path=ppt/slides/slide13.xml><?xml version="1.0" encoding="utf-8"?>
-<p:sld xmlns:a="http://schemas.openxmlformats.org/drawingml/2006/main" xmlns:r="http://schemas.openxmlformats.org/officeDocument/2006/relationships" xmlns:p="http://schemas.openxmlformats.org/presentationml/2006/main">
-  <p:cSld>
-    <p:spTree>
-      <p:nvGrpSpPr>
-        <p:cNvPr id="1" name=""/>
-        <p:cNvGrpSpPr/>
-        <p:nvPr/>
-      </p:nvGrpSpPr>
-      <p:grpSpPr>
-        <a:xfrm>
-          <a:off x="0" y="0"/>
-          <a:ext cx="0" cy="0"/>
-          <a:chOff x="0" y="0"/>
-          <a:chExt cx="0" cy="0"/>
-        </a:xfrm>
-      </p:grpSpPr>
-      <p:pic>
-        <p:nvPicPr>
-          <p:cNvPr id="2" name="図 1">
-            <a:extLst>
-              <a:ext uri="{FF2B5EF4-FFF2-40B4-BE49-F238E27FC236}">
-                <a16:creationId xmlns:a16="http://schemas.microsoft.com/office/drawing/2014/main" id="{8ED40D28-8A13-4790-AF37-1205C5E06777}"/>
-              </a:ext>
-            </a:extLst>
-          </p:cNvPr>
-          <p:cNvPicPr>
-            <a:picLocks noChangeAspect="1"/>
-          </p:cNvPicPr>
-          <p:nvPr/>
-        </p:nvPicPr>
-        <p:blipFill>
-          <a:blip r:embed="rId2"/>
-          <a:stretch>
-            <a:fillRect/>
-          </a:stretch>
-        </p:blipFill>
-        <p:spPr>
-          <a:xfrm>
-            <a:off x="1345565" y="2441153"/>
-            <a:ext cx="6885203" cy="4557486"/>
-          </a:xfrm>
-          <a:prstGeom prst="rect">
-            <a:avLst/>
-          </a:prstGeom>
-        </p:spPr>
-      </p:pic>
-      <p:sp>
-        <p:nvSpPr>
-          <p:cNvPr id="3" name="Text Box 9"/>
-          <p:cNvSpPr txBox="1"/>
-          <p:nvPr/>
-        </p:nvSpPr>
-        <p:spPr>
-          <a:xfrm>
-            <a:off x="4517227" y="2754314"/>
-            <a:ext cx="1046169" cy="306705"/>
-          </a:xfrm>
-          <a:prstGeom prst="rect">
-            <a:avLst/>
-          </a:prstGeom>
-          <a:noFill/>
-        </p:spPr>
-        <p:txBody>
-          <a:bodyPr wrap="square" rtlCol="0">
-            <a:spAutoFit/>
-          </a:bodyPr>
-          <a:lstStyle/>
-          <a:p>
-            <a:r>
-              <a:rPr lang="en-US" altLang="ja-JP" sz="1400" dirty="0"/>
-              <a:t>pitch angle</a:t>
-            </a:r>
-          </a:p>
-        </p:txBody>
-      </p:sp>
-      <p:cxnSp>
-        <p:nvCxnSpPr>
-          <p:cNvPr id="4" name="Straight Connector 12"/>
-          <p:cNvCxnSpPr>
-            <a:cxnSpLocks/>
-            <a:endCxn id="3" idx="2"/>
-          </p:cNvCxnSpPr>
-          <p:nvPr/>
-        </p:nvCxnSpPr>
-        <p:spPr>
-          <a:xfrm flipH="1" flipV="1">
-            <a:off x="5040312" y="3061019"/>
-            <a:ext cx="166688" cy="437312"/>
-          </a:xfrm>
-          <a:prstGeom prst="line">
-            <a:avLst/>
-          </a:prstGeom>
-          <a:ln w="19050"/>
-        </p:spPr>
-        <p:style>
-          <a:lnRef idx="2">
-            <a:schemeClr val="accent1"/>
-          </a:lnRef>
-          <a:fillRef idx="0">
-            <a:schemeClr val="accent1"/>
-          </a:fillRef>
-          <a:effectRef idx="1">
-            <a:schemeClr val="accent1"/>
-          </a:effectRef>
-          <a:fontRef idx="minor">
-            <a:schemeClr val="tx1"/>
-          </a:fontRef>
-        </p:style>
-      </p:cxnSp>
-      <p:cxnSp>
-        <p:nvCxnSpPr>
-          <p:cNvPr id="7" name="Straight Connector 12"/>
-          <p:cNvCxnSpPr>
-            <a:cxnSpLocks/>
-            <a:endCxn id="8" idx="2"/>
-          </p:cNvCxnSpPr>
-          <p:nvPr/>
-        </p:nvCxnSpPr>
-        <p:spPr>
-          <a:xfrm flipH="1" flipV="1">
-            <a:off x="2372942" y="3498331"/>
-            <a:ext cx="523084" cy="332400"/>
-          </a:xfrm>
-          <a:prstGeom prst="line">
-            <a:avLst/>
-          </a:prstGeom>
-          <a:ln w="19050"/>
-        </p:spPr>
-        <p:style>
-          <a:lnRef idx="2">
-            <a:schemeClr val="accent1"/>
-          </a:lnRef>
-          <a:fillRef idx="0">
-            <a:schemeClr val="accent1"/>
-          </a:fillRef>
-          <a:effectRef idx="1">
-            <a:schemeClr val="accent1"/>
-          </a:effectRef>
-          <a:fontRef idx="minor">
-            <a:schemeClr val="tx1"/>
-          </a:fontRef>
-        </p:style>
-      </p:cxnSp>
-      <p:sp>
-        <p:nvSpPr>
-          <p:cNvPr id="8" name="Text Box 9"/>
-          <p:cNvSpPr txBox="1"/>
-          <p:nvPr/>
-        </p:nvSpPr>
-        <p:spPr>
-          <a:xfrm>
-            <a:off x="1849857" y="2976361"/>
-            <a:ext cx="1046169" cy="521970"/>
-          </a:xfrm>
-          <a:prstGeom prst="rect">
-            <a:avLst/>
-          </a:prstGeom>
-          <a:noFill/>
-        </p:spPr>
-        <p:txBody>
-          <a:bodyPr wrap="square" rtlCol="0">
-            <a:spAutoFit/>
-          </a:bodyPr>
-          <a:lstStyle/>
-          <a:p>
-            <a:r>
-              <a:rPr lang="en-US" altLang="ja-JP" sz="1400" dirty="0"/>
-              <a:t>target pitch angle</a:t>
-            </a:r>
-          </a:p>
-        </p:txBody>
-      </p:sp>
-      <p:sp>
-        <p:nvSpPr>
-          <p:cNvPr id="15" name="Text Box 9"/>
-          <p:cNvSpPr txBox="1"/>
-          <p:nvPr/>
-        </p:nvSpPr>
-        <p:spPr>
-          <a:xfrm>
-            <a:off x="5862248" y="725088"/>
-            <a:ext cx="2647932" cy="1383665"/>
-          </a:xfrm>
-          <a:prstGeom prst="rect">
-            <a:avLst/>
-          </a:prstGeom>
-          <a:noFill/>
-        </p:spPr>
-        <p:txBody>
-          <a:bodyPr wrap="square" rtlCol="0">
-            <a:spAutoFit/>
-          </a:bodyPr>
-          <a:lstStyle/>
-          <a:p>
-            <a:r>
-              <a:rPr lang="en-US" altLang="ja-JP" sz="1400" dirty="0"/>
-              <a:t>P gain</a:t>
-            </a:r>
-            <a:r>
-              <a:rPr lang="ja-JP" altLang="en-US" sz="1400" dirty="0"/>
-              <a:t>：</a:t>
-            </a:r>
-            <a:r>
-              <a:rPr lang="en-US" altLang="ja-JP" sz="1400" dirty="0"/>
-              <a:t>-2</a:t>
-            </a:r>
-          </a:p>
-          <a:p>
-            <a:r>
-              <a:rPr lang="en-US" altLang="ja-JP" sz="1400" dirty="0"/>
-              <a:t>I gain</a:t>
-            </a:r>
-            <a:r>
-              <a:rPr lang="ja-JP" altLang="en-US" sz="1400" dirty="0"/>
-              <a:t>：</a:t>
-            </a:r>
-            <a:r>
-              <a:rPr lang="en-US" altLang="ja-JP" sz="1400" dirty="0"/>
-              <a:t>-1</a:t>
-            </a:r>
-          </a:p>
-          <a:p>
-            <a:r>
-              <a:rPr lang="en-US" altLang="ja-JP" sz="1400" dirty="0"/>
-              <a:t>D gain</a:t>
-            </a:r>
-            <a:r>
-              <a:rPr lang="ja-JP" altLang="en-US" sz="1400" dirty="0"/>
-              <a:t>：</a:t>
-            </a:r>
-            <a:r>
-              <a:rPr lang="en-US" altLang="ja-JP" sz="1400" dirty="0"/>
-              <a:t>-0.5</a:t>
-            </a:r>
-          </a:p>
-          <a:p>
-            <a:r>
-              <a:rPr lang="en-US" altLang="ja-JP" sz="1400" dirty="0"/>
-              <a:t>* </a:t>
-            </a:r>
-            <a:r>
-              <a:rPr lang="en-US" sz="1400" dirty="0">
-                <a:sym typeface="+mn-ea"/>
-              </a:rPr>
-              <a:t>gains are negative because pitch increases with input of negative elevator angle</a:t>
-            </a:r>
-            <a:endParaRPr lang="en-US" altLang="ja-JP" sz="1400" dirty="0"/>
-          </a:p>
-        </p:txBody>
-      </p:sp>
-      <p:pic>
-        <p:nvPicPr>
-          <p:cNvPr id="5" name="Picture 4"/>
-          <p:cNvPicPr>
-            <a:picLocks noChangeAspect="1"/>
-          </p:cNvPicPr>
-          <p:nvPr/>
-        </p:nvPicPr>
-        <p:blipFill>
-          <a:blip r:embed="rId3"/>
-          <a:stretch>
-            <a:fillRect/>
-          </a:stretch>
-        </p:blipFill>
-        <p:spPr>
-          <a:xfrm>
-            <a:off x="1345565" y="526415"/>
-            <a:ext cx="4358640" cy="1818640"/>
-          </a:xfrm>
-          <a:prstGeom prst="rect">
-            <a:avLst/>
-          </a:prstGeom>
-        </p:spPr>
-      </p:pic>
-      <p:sp>
-        <p:nvSpPr>
-          <p:cNvPr id="9" name="Text Box 9">
-            <a:extLst>
-              <a:ext uri="{FF2B5EF4-FFF2-40B4-BE49-F238E27FC236}">
-                <a16:creationId xmlns:a16="http://schemas.microsoft.com/office/drawing/2014/main" id="{B26D8FB6-1148-4585-A64F-86DEE0592DB8}"/>
-              </a:ext>
-            </a:extLst>
-          </p:cNvPr>
-          <p:cNvSpPr txBox="1"/>
-          <p:nvPr/>
-        </p:nvSpPr>
-        <p:spPr>
-          <a:xfrm>
-            <a:off x="3872067" y="5813638"/>
-            <a:ext cx="1290320" cy="521970"/>
-          </a:xfrm>
-          <a:prstGeom prst="rect">
-            <a:avLst/>
-          </a:prstGeom>
-          <a:noFill/>
-        </p:spPr>
-        <p:txBody>
-          <a:bodyPr wrap="square" rtlCol="0">
-            <a:spAutoFit/>
-          </a:bodyPr>
-          <a:lstStyle/>
-          <a:p>
-            <a:r>
-              <a:rPr lang="en-US" altLang="ja-JP" sz="1400" dirty="0"/>
-              <a:t>elevator command</a:t>
-            </a:r>
-          </a:p>
-        </p:txBody>
-      </p:sp>
-      <p:cxnSp>
-        <p:nvCxnSpPr>
-          <p:cNvPr id="10" name="Straight Connector 12">
-            <a:extLst>
-              <a:ext uri="{FF2B5EF4-FFF2-40B4-BE49-F238E27FC236}">
-                <a16:creationId xmlns:a16="http://schemas.microsoft.com/office/drawing/2014/main" id="{65F172DD-1684-4D9C-A259-4934A5ED9783}"/>
-              </a:ext>
-            </a:extLst>
-          </p:cNvPr>
-          <p:cNvCxnSpPr>
-            <a:cxnSpLocks/>
-            <a:endCxn id="9" idx="0"/>
-          </p:cNvCxnSpPr>
-          <p:nvPr/>
-        </p:nvCxnSpPr>
-        <p:spPr>
-          <a:xfrm>
-            <a:off x="4426210" y="5401733"/>
-            <a:ext cx="91017" cy="411905"/>
-          </a:xfrm>
-          <a:prstGeom prst="line">
-            <a:avLst/>
-          </a:prstGeom>
-          <a:ln w="19050"/>
-        </p:spPr>
-        <p:style>
-          <a:lnRef idx="2">
-            <a:schemeClr val="accent1"/>
-          </a:lnRef>
-          <a:fillRef idx="0">
-            <a:schemeClr val="accent1"/>
-          </a:fillRef>
-          <a:effectRef idx="1">
-            <a:schemeClr val="accent1"/>
-          </a:effectRef>
-          <a:fontRef idx="minor">
-            <a:schemeClr val="tx1"/>
-          </a:fontRef>
-        </p:style>
-      </p:cxnSp>
-    </p:spTree>
-  </p:cSld>
-  <p:clrMapOvr>
-    <a:masterClrMapping/>
-  </p:clrMapOvr>
-</p:sld>
-</file>
-
-<file path=ppt/slides/slide14.xml><?xml version="1.0" encoding="utf-8"?>
-<p:sld xmlns:a="http://schemas.openxmlformats.org/drawingml/2006/main" xmlns:r="http://schemas.openxmlformats.org/officeDocument/2006/relationships" xmlns:p="http://schemas.openxmlformats.org/presentationml/2006/main">
-  <p:cSld>
-    <p:spTree>
-      <p:nvGrpSpPr>
-        <p:cNvPr id="1" name=""/>
-        <p:cNvGrpSpPr/>
-        <p:nvPr/>
-      </p:nvGrpSpPr>
-      <p:grpSpPr>
-        <a:xfrm>
-          <a:off x="0" y="0"/>
-          <a:ext cx="0" cy="0"/>
-          <a:chOff x="0" y="0"/>
-          <a:chExt cx="0" cy="0"/>
-        </a:xfrm>
-      </p:grpSpPr>
-      <p:pic>
-        <p:nvPicPr>
-          <p:cNvPr id="2" name="図 1">
-            <a:extLst>
-              <a:ext uri="{FF2B5EF4-FFF2-40B4-BE49-F238E27FC236}">
-                <a16:creationId xmlns:a16="http://schemas.microsoft.com/office/drawing/2014/main" id="{5F2DA021-3916-43C6-B0CB-F0F02BEE6F58}"/>
-              </a:ext>
-            </a:extLst>
-          </p:cNvPr>
-          <p:cNvPicPr>
-            <a:picLocks noChangeAspect="1"/>
-          </p:cNvPicPr>
-          <p:nvPr/>
-        </p:nvPicPr>
-        <p:blipFill>
-          <a:blip r:embed="rId2"/>
-          <a:stretch>
-            <a:fillRect/>
-          </a:stretch>
-        </p:blipFill>
-        <p:spPr>
-          <a:xfrm>
-            <a:off x="1345565" y="2345055"/>
-            <a:ext cx="6885203" cy="4565188"/>
-          </a:xfrm>
-          <a:prstGeom prst="rect">
-            <a:avLst/>
-          </a:prstGeom>
-        </p:spPr>
-      </p:pic>
-      <p:sp>
-        <p:nvSpPr>
-          <p:cNvPr id="3" name="Text Box 9"/>
-          <p:cNvSpPr txBox="1"/>
-          <p:nvPr/>
-        </p:nvSpPr>
-        <p:spPr>
-          <a:xfrm>
-            <a:off x="3582981" y="3802444"/>
-            <a:ext cx="1046169" cy="306705"/>
-          </a:xfrm>
-          <a:prstGeom prst="rect">
-            <a:avLst/>
-          </a:prstGeom>
-          <a:noFill/>
-        </p:spPr>
-        <p:txBody>
-          <a:bodyPr wrap="square" rtlCol="0">
-            <a:spAutoFit/>
-          </a:bodyPr>
-          <a:lstStyle/>
-          <a:p>
-            <a:r>
-              <a:rPr lang="en-US" altLang="ja-JP" sz="1400" dirty="0"/>
-              <a:t>pitch angle</a:t>
-            </a:r>
-          </a:p>
-        </p:txBody>
-      </p:sp>
-      <p:cxnSp>
-        <p:nvCxnSpPr>
-          <p:cNvPr id="4" name="Straight Connector 12"/>
-          <p:cNvCxnSpPr>
-            <a:cxnSpLocks/>
-            <a:endCxn id="3" idx="0"/>
-          </p:cNvCxnSpPr>
-          <p:nvPr/>
-        </p:nvCxnSpPr>
-        <p:spPr>
-          <a:xfrm>
-            <a:off x="3776133" y="3337464"/>
-            <a:ext cx="329933" cy="464980"/>
-          </a:xfrm>
-          <a:prstGeom prst="line">
-            <a:avLst/>
-          </a:prstGeom>
-          <a:ln w="19050"/>
-        </p:spPr>
-        <p:style>
-          <a:lnRef idx="2">
-            <a:schemeClr val="accent1"/>
-          </a:lnRef>
-          <a:fillRef idx="0">
-            <a:schemeClr val="accent1"/>
-          </a:fillRef>
-          <a:effectRef idx="1">
-            <a:schemeClr val="accent1"/>
-          </a:effectRef>
-          <a:fontRef idx="minor">
-            <a:schemeClr val="tx1"/>
-          </a:fontRef>
-        </p:style>
-      </p:cxnSp>
-      <p:cxnSp>
-        <p:nvCxnSpPr>
-          <p:cNvPr id="7" name="Straight Connector 12"/>
-          <p:cNvCxnSpPr>
-            <a:cxnSpLocks/>
-            <a:endCxn id="8" idx="2"/>
-          </p:cNvCxnSpPr>
-          <p:nvPr/>
-        </p:nvCxnSpPr>
-        <p:spPr>
-          <a:xfrm flipH="1" flipV="1">
-            <a:off x="2148596" y="3168131"/>
-            <a:ext cx="713137" cy="334011"/>
-          </a:xfrm>
-          <a:prstGeom prst="line">
-            <a:avLst/>
-          </a:prstGeom>
-          <a:ln w="19050"/>
-        </p:spPr>
-        <p:style>
-          <a:lnRef idx="2">
-            <a:schemeClr val="accent1"/>
-          </a:lnRef>
-          <a:fillRef idx="0">
-            <a:schemeClr val="accent1"/>
-          </a:fillRef>
-          <a:effectRef idx="1">
-            <a:schemeClr val="accent1"/>
-          </a:effectRef>
-          <a:fontRef idx="minor">
-            <a:schemeClr val="tx1"/>
-          </a:fontRef>
-        </p:style>
-      </p:cxnSp>
-      <p:sp>
-        <p:nvSpPr>
-          <p:cNvPr id="8" name="Text Box 9"/>
-          <p:cNvSpPr txBox="1"/>
-          <p:nvPr/>
-        </p:nvSpPr>
-        <p:spPr>
-          <a:xfrm>
-            <a:off x="1625511" y="2646161"/>
-            <a:ext cx="1046169" cy="521970"/>
-          </a:xfrm>
-          <a:prstGeom prst="rect">
-            <a:avLst/>
-          </a:prstGeom>
-          <a:noFill/>
-        </p:spPr>
-        <p:txBody>
-          <a:bodyPr wrap="square" rtlCol="0">
-            <a:spAutoFit/>
-          </a:bodyPr>
-          <a:lstStyle/>
-          <a:p>
-            <a:r>
-              <a:rPr lang="en-US" altLang="ja-JP" sz="1400" dirty="0"/>
-              <a:t>target pitch angle</a:t>
-            </a:r>
-          </a:p>
-        </p:txBody>
-      </p:sp>
-      <p:sp>
-        <p:nvSpPr>
-          <p:cNvPr id="15" name="Text Box 9"/>
-          <p:cNvSpPr txBox="1"/>
-          <p:nvPr/>
-        </p:nvSpPr>
-        <p:spPr>
-          <a:xfrm>
-            <a:off x="5862248" y="725088"/>
-            <a:ext cx="2647932" cy="1383665"/>
-          </a:xfrm>
-          <a:prstGeom prst="rect">
-            <a:avLst/>
-          </a:prstGeom>
-          <a:noFill/>
-        </p:spPr>
-        <p:txBody>
-          <a:bodyPr wrap="square" rtlCol="0">
-            <a:spAutoFit/>
-          </a:bodyPr>
-          <a:lstStyle/>
-          <a:p>
-            <a:r>
-              <a:rPr lang="en-US" altLang="ja-JP" sz="1400" dirty="0"/>
-              <a:t>P gain</a:t>
-            </a:r>
-            <a:r>
-              <a:rPr lang="ja-JP" altLang="en-US" sz="1400" dirty="0"/>
-              <a:t>：</a:t>
-            </a:r>
-            <a:r>
-              <a:rPr lang="en-US" altLang="ja-JP" sz="1400" dirty="0"/>
-              <a:t>-2</a:t>
-            </a:r>
-          </a:p>
-          <a:p>
-            <a:r>
-              <a:rPr lang="en-US" altLang="ja-JP" sz="1400" dirty="0"/>
-              <a:t>I gain</a:t>
-            </a:r>
-            <a:r>
-              <a:rPr lang="ja-JP" altLang="en-US" sz="1400" dirty="0"/>
-              <a:t>：</a:t>
-            </a:r>
-            <a:r>
-              <a:rPr lang="en-US" altLang="ja-JP" sz="1400" dirty="0"/>
-              <a:t>-1</a:t>
-            </a:r>
-          </a:p>
-          <a:p>
-            <a:r>
-              <a:rPr lang="en-US" altLang="ja-JP" sz="1400" dirty="0"/>
-              <a:t>D gain</a:t>
-            </a:r>
-            <a:r>
-              <a:rPr lang="ja-JP" altLang="en-US" sz="1400" dirty="0"/>
-              <a:t>：</a:t>
-            </a:r>
-            <a:r>
-              <a:rPr lang="en-US" altLang="ja-JP" sz="1400" dirty="0"/>
-              <a:t>-1</a:t>
-            </a:r>
-          </a:p>
-          <a:p>
-            <a:r>
-              <a:rPr lang="en-US" altLang="ja-JP" sz="1400" dirty="0"/>
-              <a:t>* </a:t>
-            </a:r>
-            <a:r>
-              <a:rPr lang="en-US" sz="1400" dirty="0">
-                <a:sym typeface="+mn-ea"/>
-              </a:rPr>
-              <a:t>gains are negative because pitch increases with input of negative elevator angle</a:t>
-            </a:r>
-            <a:endParaRPr lang="en-US" altLang="ja-JP" sz="1400" dirty="0"/>
-          </a:p>
-        </p:txBody>
-      </p:sp>
-      <p:pic>
-        <p:nvPicPr>
-          <p:cNvPr id="5" name="Picture 4"/>
-          <p:cNvPicPr>
-            <a:picLocks noChangeAspect="1"/>
-          </p:cNvPicPr>
-          <p:nvPr/>
-        </p:nvPicPr>
-        <p:blipFill>
-          <a:blip r:embed="rId3"/>
-          <a:stretch>
-            <a:fillRect/>
-          </a:stretch>
-        </p:blipFill>
-        <p:spPr>
-          <a:xfrm>
-            <a:off x="1345565" y="526415"/>
-            <a:ext cx="4358640" cy="1818640"/>
-          </a:xfrm>
-          <a:prstGeom prst="rect">
-            <a:avLst/>
-          </a:prstGeom>
-        </p:spPr>
-      </p:pic>
-      <p:sp>
-        <p:nvSpPr>
-          <p:cNvPr id="9" name="Text Box 9">
-            <a:extLst>
-              <a:ext uri="{FF2B5EF4-FFF2-40B4-BE49-F238E27FC236}">
-                <a16:creationId xmlns:a16="http://schemas.microsoft.com/office/drawing/2014/main" id="{B26D8FB6-1148-4585-A64F-86DEE0592DB8}"/>
-              </a:ext>
-            </a:extLst>
-          </p:cNvPr>
-          <p:cNvSpPr txBox="1"/>
-          <p:nvPr/>
-        </p:nvSpPr>
-        <p:spPr>
-          <a:xfrm>
-            <a:off x="3899323" y="6032989"/>
-            <a:ext cx="1290320" cy="521970"/>
-          </a:xfrm>
-          <a:prstGeom prst="rect">
-            <a:avLst/>
-          </a:prstGeom>
-          <a:noFill/>
-        </p:spPr>
-        <p:txBody>
-          <a:bodyPr wrap="square" rtlCol="0">
-            <a:spAutoFit/>
-          </a:bodyPr>
-          <a:lstStyle/>
-          <a:p>
-            <a:r>
-              <a:rPr lang="en-US" altLang="ja-JP" sz="1400" dirty="0"/>
-              <a:t>elevator command</a:t>
-            </a:r>
-          </a:p>
-        </p:txBody>
-      </p:sp>
-      <p:cxnSp>
-        <p:nvCxnSpPr>
-          <p:cNvPr id="10" name="Straight Connector 12">
-            <a:extLst>
-              <a:ext uri="{FF2B5EF4-FFF2-40B4-BE49-F238E27FC236}">
-                <a16:creationId xmlns:a16="http://schemas.microsoft.com/office/drawing/2014/main" id="{65F172DD-1684-4D9C-A259-4934A5ED9783}"/>
-              </a:ext>
-            </a:extLst>
-          </p:cNvPr>
-          <p:cNvCxnSpPr>
-            <a:cxnSpLocks/>
-            <a:endCxn id="9" idx="0"/>
-          </p:cNvCxnSpPr>
-          <p:nvPr/>
-        </p:nvCxnSpPr>
-        <p:spPr>
-          <a:xfrm>
-            <a:off x="4453466" y="5621084"/>
-            <a:ext cx="91017" cy="411905"/>
-          </a:xfrm>
-          <a:prstGeom prst="line">
-            <a:avLst/>
-          </a:prstGeom>
-          <a:ln w="19050"/>
-        </p:spPr>
-        <p:style>
-          <a:lnRef idx="2">
-            <a:schemeClr val="accent1"/>
-          </a:lnRef>
-          <a:fillRef idx="0">
-            <a:schemeClr val="accent1"/>
-          </a:fillRef>
-          <a:effectRef idx="1">
-            <a:schemeClr val="accent1"/>
-          </a:effectRef>
-          <a:fontRef idx="minor">
-            <a:schemeClr val="tx1"/>
-          </a:fontRef>
-        </p:style>
-      </p:cxnSp>
-    </p:spTree>
-    <p:extLst>
-      <p:ext uri="{BB962C8B-B14F-4D97-AF65-F5344CB8AC3E}">
-        <p14:creationId xmlns:p14="http://schemas.microsoft.com/office/powerpoint/2010/main" val="441307867"/>
-      </p:ext>
-    </p:extLst>
   </p:cSld>
   <p:clrMapOvr>
     <a:masterClrMapping/>
@@ -3717,6 +3668,727 @@
           <p:cNvPr id="2" name="図 1">
             <a:extLst>
               <a:ext uri="{FF2B5EF4-FFF2-40B4-BE49-F238E27FC236}">
+                <a16:creationId xmlns:a16="http://schemas.microsoft.com/office/drawing/2014/main" id="{8ED40D28-8A13-4790-AF37-1205C5E06777}"/>
+              </a:ext>
+            </a:extLst>
+          </p:cNvPr>
+          <p:cNvPicPr>
+            <a:picLocks noChangeAspect="1"/>
+          </p:cNvPicPr>
+          <p:nvPr/>
+        </p:nvPicPr>
+        <p:blipFill>
+          <a:blip r:embed="rId2"/>
+          <a:stretch>
+            <a:fillRect/>
+          </a:stretch>
+        </p:blipFill>
+        <p:spPr>
+          <a:xfrm>
+            <a:off x="1345565" y="2441153"/>
+            <a:ext cx="6885203" cy="4557486"/>
+          </a:xfrm>
+          <a:prstGeom prst="rect">
+            <a:avLst/>
+          </a:prstGeom>
+        </p:spPr>
+      </p:pic>
+      <p:sp>
+        <p:nvSpPr>
+          <p:cNvPr id="3" name="Text Box 9"/>
+          <p:cNvSpPr txBox="1"/>
+          <p:nvPr/>
+        </p:nvSpPr>
+        <p:spPr>
+          <a:xfrm>
+            <a:off x="4517227" y="2754314"/>
+            <a:ext cx="1046169" cy="306705"/>
+          </a:xfrm>
+          <a:prstGeom prst="rect">
+            <a:avLst/>
+          </a:prstGeom>
+          <a:noFill/>
+        </p:spPr>
+        <p:txBody>
+          <a:bodyPr wrap="square" rtlCol="0">
+            <a:spAutoFit/>
+          </a:bodyPr>
+          <a:lstStyle/>
+          <a:p>
+            <a:r>
+              <a:rPr lang="en-US" altLang="ja-JP" sz="1400" dirty="0"/>
+              <a:t>pitch angle</a:t>
+            </a:r>
+          </a:p>
+        </p:txBody>
+      </p:sp>
+      <p:cxnSp>
+        <p:nvCxnSpPr>
+          <p:cNvPr id="4" name="Straight Connector 12"/>
+          <p:cNvCxnSpPr>
+            <a:cxnSpLocks/>
+            <a:endCxn id="3" idx="2"/>
+          </p:cNvCxnSpPr>
+          <p:nvPr/>
+        </p:nvCxnSpPr>
+        <p:spPr>
+          <a:xfrm flipH="1" flipV="1">
+            <a:off x="5040312" y="3061019"/>
+            <a:ext cx="166688" cy="437312"/>
+          </a:xfrm>
+          <a:prstGeom prst="line">
+            <a:avLst/>
+          </a:prstGeom>
+          <a:ln w="19050"/>
+        </p:spPr>
+        <p:style>
+          <a:lnRef idx="2">
+            <a:schemeClr val="accent1"/>
+          </a:lnRef>
+          <a:fillRef idx="0">
+            <a:schemeClr val="accent1"/>
+          </a:fillRef>
+          <a:effectRef idx="1">
+            <a:schemeClr val="accent1"/>
+          </a:effectRef>
+          <a:fontRef idx="minor">
+            <a:schemeClr val="tx1"/>
+          </a:fontRef>
+        </p:style>
+      </p:cxnSp>
+      <p:cxnSp>
+        <p:nvCxnSpPr>
+          <p:cNvPr id="7" name="Straight Connector 12"/>
+          <p:cNvCxnSpPr>
+            <a:cxnSpLocks/>
+            <a:endCxn id="8" idx="2"/>
+          </p:cNvCxnSpPr>
+          <p:nvPr/>
+        </p:nvCxnSpPr>
+        <p:spPr>
+          <a:xfrm flipH="1" flipV="1">
+            <a:off x="2372942" y="3498331"/>
+            <a:ext cx="523084" cy="332400"/>
+          </a:xfrm>
+          <a:prstGeom prst="line">
+            <a:avLst/>
+          </a:prstGeom>
+          <a:ln w="19050"/>
+        </p:spPr>
+        <p:style>
+          <a:lnRef idx="2">
+            <a:schemeClr val="accent1"/>
+          </a:lnRef>
+          <a:fillRef idx="0">
+            <a:schemeClr val="accent1"/>
+          </a:fillRef>
+          <a:effectRef idx="1">
+            <a:schemeClr val="accent1"/>
+          </a:effectRef>
+          <a:fontRef idx="minor">
+            <a:schemeClr val="tx1"/>
+          </a:fontRef>
+        </p:style>
+      </p:cxnSp>
+      <p:sp>
+        <p:nvSpPr>
+          <p:cNvPr id="8" name="Text Box 9"/>
+          <p:cNvSpPr txBox="1"/>
+          <p:nvPr/>
+        </p:nvSpPr>
+        <p:spPr>
+          <a:xfrm>
+            <a:off x="1849857" y="2976361"/>
+            <a:ext cx="1046169" cy="521970"/>
+          </a:xfrm>
+          <a:prstGeom prst="rect">
+            <a:avLst/>
+          </a:prstGeom>
+          <a:noFill/>
+        </p:spPr>
+        <p:txBody>
+          <a:bodyPr wrap="square" rtlCol="0">
+            <a:spAutoFit/>
+          </a:bodyPr>
+          <a:lstStyle/>
+          <a:p>
+            <a:r>
+              <a:rPr lang="en-US" altLang="ja-JP" sz="1400" dirty="0"/>
+              <a:t>target pitch angle</a:t>
+            </a:r>
+          </a:p>
+        </p:txBody>
+      </p:sp>
+      <p:sp>
+        <p:nvSpPr>
+          <p:cNvPr id="15" name="Text Box 9"/>
+          <p:cNvSpPr txBox="1"/>
+          <p:nvPr/>
+        </p:nvSpPr>
+        <p:spPr>
+          <a:xfrm>
+            <a:off x="5862248" y="725088"/>
+            <a:ext cx="2647932" cy="1383665"/>
+          </a:xfrm>
+          <a:prstGeom prst="rect">
+            <a:avLst/>
+          </a:prstGeom>
+          <a:noFill/>
+        </p:spPr>
+        <p:txBody>
+          <a:bodyPr wrap="square" rtlCol="0">
+            <a:spAutoFit/>
+          </a:bodyPr>
+          <a:lstStyle/>
+          <a:p>
+            <a:r>
+              <a:rPr lang="en-US" altLang="ja-JP" sz="1400" dirty="0"/>
+              <a:t>P gain</a:t>
+            </a:r>
+            <a:r>
+              <a:rPr lang="ja-JP" altLang="en-US" sz="1400" dirty="0"/>
+              <a:t>：</a:t>
+            </a:r>
+            <a:r>
+              <a:rPr lang="en-US" altLang="ja-JP" sz="1400" dirty="0"/>
+              <a:t>-2</a:t>
+            </a:r>
+          </a:p>
+          <a:p>
+            <a:r>
+              <a:rPr lang="en-US" altLang="ja-JP" sz="1400" dirty="0"/>
+              <a:t>I gain</a:t>
+            </a:r>
+            <a:r>
+              <a:rPr lang="ja-JP" altLang="en-US" sz="1400" dirty="0"/>
+              <a:t>：</a:t>
+            </a:r>
+            <a:r>
+              <a:rPr lang="en-US" altLang="ja-JP" sz="1400" dirty="0"/>
+              <a:t>-1</a:t>
+            </a:r>
+          </a:p>
+          <a:p>
+            <a:r>
+              <a:rPr lang="en-US" altLang="ja-JP" sz="1400" dirty="0"/>
+              <a:t>D gain</a:t>
+            </a:r>
+            <a:r>
+              <a:rPr lang="ja-JP" altLang="en-US" sz="1400" dirty="0"/>
+              <a:t>：</a:t>
+            </a:r>
+            <a:r>
+              <a:rPr lang="en-US" altLang="ja-JP" sz="1400" dirty="0"/>
+              <a:t>-0.5</a:t>
+            </a:r>
+          </a:p>
+          <a:p>
+            <a:r>
+              <a:rPr lang="en-US" altLang="ja-JP" sz="1400" dirty="0"/>
+              <a:t>* </a:t>
+            </a:r>
+            <a:r>
+              <a:rPr lang="en-US" sz="1400" dirty="0">
+                <a:sym typeface="+mn-ea"/>
+              </a:rPr>
+              <a:t>gains are negative because pitch increases with input of negative elevator angle</a:t>
+            </a:r>
+            <a:endParaRPr lang="en-US" altLang="ja-JP" sz="1400" dirty="0"/>
+          </a:p>
+        </p:txBody>
+      </p:sp>
+      <p:pic>
+        <p:nvPicPr>
+          <p:cNvPr id="5" name="Picture 4"/>
+          <p:cNvPicPr>
+            <a:picLocks noChangeAspect="1"/>
+          </p:cNvPicPr>
+          <p:nvPr/>
+        </p:nvPicPr>
+        <p:blipFill>
+          <a:blip r:embed="rId3"/>
+          <a:stretch>
+            <a:fillRect/>
+          </a:stretch>
+        </p:blipFill>
+        <p:spPr>
+          <a:xfrm>
+            <a:off x="1345565" y="526415"/>
+            <a:ext cx="4358640" cy="1818640"/>
+          </a:xfrm>
+          <a:prstGeom prst="rect">
+            <a:avLst/>
+          </a:prstGeom>
+        </p:spPr>
+      </p:pic>
+      <p:sp>
+        <p:nvSpPr>
+          <p:cNvPr id="9" name="Text Box 9">
+            <a:extLst>
+              <a:ext uri="{FF2B5EF4-FFF2-40B4-BE49-F238E27FC236}">
+                <a16:creationId xmlns:a16="http://schemas.microsoft.com/office/drawing/2014/main" id="{B26D8FB6-1148-4585-A64F-86DEE0592DB8}"/>
+              </a:ext>
+            </a:extLst>
+          </p:cNvPr>
+          <p:cNvSpPr txBox="1"/>
+          <p:nvPr/>
+        </p:nvSpPr>
+        <p:spPr>
+          <a:xfrm>
+            <a:off x="3872067" y="5813638"/>
+            <a:ext cx="1290320" cy="521970"/>
+          </a:xfrm>
+          <a:prstGeom prst="rect">
+            <a:avLst/>
+          </a:prstGeom>
+          <a:noFill/>
+        </p:spPr>
+        <p:txBody>
+          <a:bodyPr wrap="square" rtlCol="0">
+            <a:spAutoFit/>
+          </a:bodyPr>
+          <a:lstStyle/>
+          <a:p>
+            <a:r>
+              <a:rPr lang="en-US" altLang="ja-JP" sz="1400" dirty="0"/>
+              <a:t>elevator command</a:t>
+            </a:r>
+          </a:p>
+        </p:txBody>
+      </p:sp>
+      <p:cxnSp>
+        <p:nvCxnSpPr>
+          <p:cNvPr id="10" name="Straight Connector 12">
+            <a:extLst>
+              <a:ext uri="{FF2B5EF4-FFF2-40B4-BE49-F238E27FC236}">
+                <a16:creationId xmlns:a16="http://schemas.microsoft.com/office/drawing/2014/main" id="{65F172DD-1684-4D9C-A259-4934A5ED9783}"/>
+              </a:ext>
+            </a:extLst>
+          </p:cNvPr>
+          <p:cNvCxnSpPr>
+            <a:cxnSpLocks/>
+            <a:endCxn id="9" idx="0"/>
+          </p:cNvCxnSpPr>
+          <p:nvPr/>
+        </p:nvCxnSpPr>
+        <p:spPr>
+          <a:xfrm>
+            <a:off x="4426210" y="5401733"/>
+            <a:ext cx="91017" cy="411905"/>
+          </a:xfrm>
+          <a:prstGeom prst="line">
+            <a:avLst/>
+          </a:prstGeom>
+          <a:ln w="19050"/>
+        </p:spPr>
+        <p:style>
+          <a:lnRef idx="2">
+            <a:schemeClr val="accent1"/>
+          </a:lnRef>
+          <a:fillRef idx="0">
+            <a:schemeClr val="accent1"/>
+          </a:fillRef>
+          <a:effectRef idx="1">
+            <a:schemeClr val="accent1"/>
+          </a:effectRef>
+          <a:fontRef idx="minor">
+            <a:schemeClr val="tx1"/>
+          </a:fontRef>
+        </p:style>
+      </p:cxnSp>
+    </p:spTree>
+  </p:cSld>
+  <p:clrMapOvr>
+    <a:masterClrMapping/>
+  </p:clrMapOvr>
+</p:sld>
+</file>
+
+<file path=ppt/slides/slide16.xml><?xml version="1.0" encoding="utf-8"?>
+<p:sld xmlns:a="http://schemas.openxmlformats.org/drawingml/2006/main" xmlns:r="http://schemas.openxmlformats.org/officeDocument/2006/relationships" xmlns:p="http://schemas.openxmlformats.org/presentationml/2006/main">
+  <p:cSld>
+    <p:spTree>
+      <p:nvGrpSpPr>
+        <p:cNvPr id="1" name=""/>
+        <p:cNvGrpSpPr/>
+        <p:nvPr/>
+      </p:nvGrpSpPr>
+      <p:grpSpPr>
+        <a:xfrm>
+          <a:off x="0" y="0"/>
+          <a:ext cx="0" cy="0"/>
+          <a:chOff x="0" y="0"/>
+          <a:chExt cx="0" cy="0"/>
+        </a:xfrm>
+      </p:grpSpPr>
+      <p:pic>
+        <p:nvPicPr>
+          <p:cNvPr id="2" name="図 1">
+            <a:extLst>
+              <a:ext uri="{FF2B5EF4-FFF2-40B4-BE49-F238E27FC236}">
+                <a16:creationId xmlns:a16="http://schemas.microsoft.com/office/drawing/2014/main" id="{5F2DA021-3916-43C6-B0CB-F0F02BEE6F58}"/>
+              </a:ext>
+            </a:extLst>
+          </p:cNvPr>
+          <p:cNvPicPr>
+            <a:picLocks noChangeAspect="1"/>
+          </p:cNvPicPr>
+          <p:nvPr/>
+        </p:nvPicPr>
+        <p:blipFill>
+          <a:blip r:embed="rId2"/>
+          <a:stretch>
+            <a:fillRect/>
+          </a:stretch>
+        </p:blipFill>
+        <p:spPr>
+          <a:xfrm>
+            <a:off x="1345565" y="2345055"/>
+            <a:ext cx="6885203" cy="4565188"/>
+          </a:xfrm>
+          <a:prstGeom prst="rect">
+            <a:avLst/>
+          </a:prstGeom>
+        </p:spPr>
+      </p:pic>
+      <p:sp>
+        <p:nvSpPr>
+          <p:cNvPr id="3" name="Text Box 9"/>
+          <p:cNvSpPr txBox="1"/>
+          <p:nvPr/>
+        </p:nvSpPr>
+        <p:spPr>
+          <a:xfrm>
+            <a:off x="3582981" y="3802444"/>
+            <a:ext cx="1046169" cy="306705"/>
+          </a:xfrm>
+          <a:prstGeom prst="rect">
+            <a:avLst/>
+          </a:prstGeom>
+          <a:noFill/>
+        </p:spPr>
+        <p:txBody>
+          <a:bodyPr wrap="square" rtlCol="0">
+            <a:spAutoFit/>
+          </a:bodyPr>
+          <a:lstStyle/>
+          <a:p>
+            <a:r>
+              <a:rPr lang="en-US" altLang="ja-JP" sz="1400" dirty="0"/>
+              <a:t>pitch angle</a:t>
+            </a:r>
+          </a:p>
+        </p:txBody>
+      </p:sp>
+      <p:cxnSp>
+        <p:nvCxnSpPr>
+          <p:cNvPr id="4" name="Straight Connector 12"/>
+          <p:cNvCxnSpPr>
+            <a:cxnSpLocks/>
+            <a:endCxn id="3" idx="0"/>
+          </p:cNvCxnSpPr>
+          <p:nvPr/>
+        </p:nvCxnSpPr>
+        <p:spPr>
+          <a:xfrm>
+            <a:off x="3776133" y="3337464"/>
+            <a:ext cx="329933" cy="464980"/>
+          </a:xfrm>
+          <a:prstGeom prst="line">
+            <a:avLst/>
+          </a:prstGeom>
+          <a:ln w="19050"/>
+        </p:spPr>
+        <p:style>
+          <a:lnRef idx="2">
+            <a:schemeClr val="accent1"/>
+          </a:lnRef>
+          <a:fillRef idx="0">
+            <a:schemeClr val="accent1"/>
+          </a:fillRef>
+          <a:effectRef idx="1">
+            <a:schemeClr val="accent1"/>
+          </a:effectRef>
+          <a:fontRef idx="minor">
+            <a:schemeClr val="tx1"/>
+          </a:fontRef>
+        </p:style>
+      </p:cxnSp>
+      <p:cxnSp>
+        <p:nvCxnSpPr>
+          <p:cNvPr id="7" name="Straight Connector 12"/>
+          <p:cNvCxnSpPr>
+            <a:cxnSpLocks/>
+            <a:endCxn id="8" idx="2"/>
+          </p:cNvCxnSpPr>
+          <p:nvPr/>
+        </p:nvCxnSpPr>
+        <p:spPr>
+          <a:xfrm flipH="1" flipV="1">
+            <a:off x="2148596" y="3168131"/>
+            <a:ext cx="713137" cy="334011"/>
+          </a:xfrm>
+          <a:prstGeom prst="line">
+            <a:avLst/>
+          </a:prstGeom>
+          <a:ln w="19050"/>
+        </p:spPr>
+        <p:style>
+          <a:lnRef idx="2">
+            <a:schemeClr val="accent1"/>
+          </a:lnRef>
+          <a:fillRef idx="0">
+            <a:schemeClr val="accent1"/>
+          </a:fillRef>
+          <a:effectRef idx="1">
+            <a:schemeClr val="accent1"/>
+          </a:effectRef>
+          <a:fontRef idx="minor">
+            <a:schemeClr val="tx1"/>
+          </a:fontRef>
+        </p:style>
+      </p:cxnSp>
+      <p:sp>
+        <p:nvSpPr>
+          <p:cNvPr id="8" name="Text Box 9"/>
+          <p:cNvSpPr txBox="1"/>
+          <p:nvPr/>
+        </p:nvSpPr>
+        <p:spPr>
+          <a:xfrm>
+            <a:off x="1625511" y="2646161"/>
+            <a:ext cx="1046169" cy="521970"/>
+          </a:xfrm>
+          <a:prstGeom prst="rect">
+            <a:avLst/>
+          </a:prstGeom>
+          <a:noFill/>
+        </p:spPr>
+        <p:txBody>
+          <a:bodyPr wrap="square" rtlCol="0">
+            <a:spAutoFit/>
+          </a:bodyPr>
+          <a:lstStyle/>
+          <a:p>
+            <a:r>
+              <a:rPr lang="en-US" altLang="ja-JP" sz="1400" dirty="0"/>
+              <a:t>target pitch angle</a:t>
+            </a:r>
+          </a:p>
+        </p:txBody>
+      </p:sp>
+      <p:sp>
+        <p:nvSpPr>
+          <p:cNvPr id="15" name="Text Box 9"/>
+          <p:cNvSpPr txBox="1"/>
+          <p:nvPr/>
+        </p:nvSpPr>
+        <p:spPr>
+          <a:xfrm>
+            <a:off x="5862248" y="725088"/>
+            <a:ext cx="2647932" cy="1383665"/>
+          </a:xfrm>
+          <a:prstGeom prst="rect">
+            <a:avLst/>
+          </a:prstGeom>
+          <a:noFill/>
+        </p:spPr>
+        <p:txBody>
+          <a:bodyPr wrap="square" rtlCol="0">
+            <a:spAutoFit/>
+          </a:bodyPr>
+          <a:lstStyle/>
+          <a:p>
+            <a:r>
+              <a:rPr lang="en-US" altLang="ja-JP" sz="1400" dirty="0"/>
+              <a:t>P gain</a:t>
+            </a:r>
+            <a:r>
+              <a:rPr lang="ja-JP" altLang="en-US" sz="1400" dirty="0"/>
+              <a:t>：</a:t>
+            </a:r>
+            <a:r>
+              <a:rPr lang="en-US" altLang="ja-JP" sz="1400" dirty="0"/>
+              <a:t>-2</a:t>
+            </a:r>
+          </a:p>
+          <a:p>
+            <a:r>
+              <a:rPr lang="en-US" altLang="ja-JP" sz="1400" dirty="0"/>
+              <a:t>I gain</a:t>
+            </a:r>
+            <a:r>
+              <a:rPr lang="ja-JP" altLang="en-US" sz="1400" dirty="0"/>
+              <a:t>：</a:t>
+            </a:r>
+            <a:r>
+              <a:rPr lang="en-US" altLang="ja-JP" sz="1400" dirty="0"/>
+              <a:t>-1</a:t>
+            </a:r>
+          </a:p>
+          <a:p>
+            <a:r>
+              <a:rPr lang="en-US" altLang="ja-JP" sz="1400" dirty="0"/>
+              <a:t>D gain</a:t>
+            </a:r>
+            <a:r>
+              <a:rPr lang="ja-JP" altLang="en-US" sz="1400" dirty="0"/>
+              <a:t>：</a:t>
+            </a:r>
+            <a:r>
+              <a:rPr lang="en-US" altLang="ja-JP" sz="1400" dirty="0"/>
+              <a:t>-1</a:t>
+            </a:r>
+          </a:p>
+          <a:p>
+            <a:r>
+              <a:rPr lang="en-US" altLang="ja-JP" sz="1400" dirty="0"/>
+              <a:t>* </a:t>
+            </a:r>
+            <a:r>
+              <a:rPr lang="en-US" sz="1400" dirty="0">
+                <a:sym typeface="+mn-ea"/>
+              </a:rPr>
+              <a:t>gains are negative because pitch increases with input of negative elevator angle</a:t>
+            </a:r>
+            <a:endParaRPr lang="en-US" altLang="ja-JP" sz="1400" dirty="0"/>
+          </a:p>
+        </p:txBody>
+      </p:sp>
+      <p:pic>
+        <p:nvPicPr>
+          <p:cNvPr id="5" name="Picture 4"/>
+          <p:cNvPicPr>
+            <a:picLocks noChangeAspect="1"/>
+          </p:cNvPicPr>
+          <p:nvPr/>
+        </p:nvPicPr>
+        <p:blipFill>
+          <a:blip r:embed="rId3"/>
+          <a:stretch>
+            <a:fillRect/>
+          </a:stretch>
+        </p:blipFill>
+        <p:spPr>
+          <a:xfrm>
+            <a:off x="1345565" y="526415"/>
+            <a:ext cx="4358640" cy="1818640"/>
+          </a:xfrm>
+          <a:prstGeom prst="rect">
+            <a:avLst/>
+          </a:prstGeom>
+        </p:spPr>
+      </p:pic>
+      <p:sp>
+        <p:nvSpPr>
+          <p:cNvPr id="9" name="Text Box 9">
+            <a:extLst>
+              <a:ext uri="{FF2B5EF4-FFF2-40B4-BE49-F238E27FC236}">
+                <a16:creationId xmlns:a16="http://schemas.microsoft.com/office/drawing/2014/main" id="{B26D8FB6-1148-4585-A64F-86DEE0592DB8}"/>
+              </a:ext>
+            </a:extLst>
+          </p:cNvPr>
+          <p:cNvSpPr txBox="1"/>
+          <p:nvPr/>
+        </p:nvSpPr>
+        <p:spPr>
+          <a:xfrm>
+            <a:off x="3899323" y="6032989"/>
+            <a:ext cx="1290320" cy="521970"/>
+          </a:xfrm>
+          <a:prstGeom prst="rect">
+            <a:avLst/>
+          </a:prstGeom>
+          <a:noFill/>
+        </p:spPr>
+        <p:txBody>
+          <a:bodyPr wrap="square" rtlCol="0">
+            <a:spAutoFit/>
+          </a:bodyPr>
+          <a:lstStyle/>
+          <a:p>
+            <a:r>
+              <a:rPr lang="en-US" altLang="ja-JP" sz="1400" dirty="0"/>
+              <a:t>elevator command</a:t>
+            </a:r>
+          </a:p>
+        </p:txBody>
+      </p:sp>
+      <p:cxnSp>
+        <p:nvCxnSpPr>
+          <p:cNvPr id="10" name="Straight Connector 12">
+            <a:extLst>
+              <a:ext uri="{FF2B5EF4-FFF2-40B4-BE49-F238E27FC236}">
+                <a16:creationId xmlns:a16="http://schemas.microsoft.com/office/drawing/2014/main" id="{65F172DD-1684-4D9C-A259-4934A5ED9783}"/>
+              </a:ext>
+            </a:extLst>
+          </p:cNvPr>
+          <p:cNvCxnSpPr>
+            <a:cxnSpLocks/>
+            <a:endCxn id="9" idx="0"/>
+          </p:cNvCxnSpPr>
+          <p:nvPr/>
+        </p:nvCxnSpPr>
+        <p:spPr>
+          <a:xfrm>
+            <a:off x="4453466" y="5621084"/>
+            <a:ext cx="91017" cy="411905"/>
+          </a:xfrm>
+          <a:prstGeom prst="line">
+            <a:avLst/>
+          </a:prstGeom>
+          <a:ln w="19050"/>
+        </p:spPr>
+        <p:style>
+          <a:lnRef idx="2">
+            <a:schemeClr val="accent1"/>
+          </a:lnRef>
+          <a:fillRef idx="0">
+            <a:schemeClr val="accent1"/>
+          </a:fillRef>
+          <a:effectRef idx="1">
+            <a:schemeClr val="accent1"/>
+          </a:effectRef>
+          <a:fontRef idx="minor">
+            <a:schemeClr val="tx1"/>
+          </a:fontRef>
+        </p:style>
+      </p:cxnSp>
+    </p:spTree>
+    <p:extLst>
+      <p:ext uri="{BB962C8B-B14F-4D97-AF65-F5344CB8AC3E}">
+        <p14:creationId xmlns:p14="http://schemas.microsoft.com/office/powerpoint/2010/main" val="441307867"/>
+      </p:ext>
+    </p:extLst>
+  </p:cSld>
+  <p:clrMapOvr>
+    <a:masterClrMapping/>
+  </p:clrMapOvr>
+</p:sld>
+</file>
+
+<file path=ppt/slides/slide17.xml><?xml version="1.0" encoding="utf-8"?>
+<p:sld xmlns:a="http://schemas.openxmlformats.org/drawingml/2006/main" xmlns:r="http://schemas.openxmlformats.org/officeDocument/2006/relationships" xmlns:p="http://schemas.openxmlformats.org/presentationml/2006/main">
+  <p:cSld>
+    <p:spTree>
+      <p:nvGrpSpPr>
+        <p:cNvPr id="1" name=""/>
+        <p:cNvGrpSpPr/>
+        <p:nvPr/>
+      </p:nvGrpSpPr>
+      <p:grpSpPr>
+        <a:xfrm>
+          <a:off x="0" y="0"/>
+          <a:ext cx="0" cy="0"/>
+          <a:chOff x="0" y="0"/>
+          <a:chExt cx="0" cy="0"/>
+        </a:xfrm>
+      </p:grpSpPr>
+      <p:pic>
+        <p:nvPicPr>
+          <p:cNvPr id="2" name="図 1">
+            <a:extLst>
+              <a:ext uri="{FF2B5EF4-FFF2-40B4-BE49-F238E27FC236}">
                 <a16:creationId xmlns:a16="http://schemas.microsoft.com/office/drawing/2014/main" id="{C7C85C41-25CD-41A0-889F-3F1C5C5E969A}"/>
               </a:ext>
             </a:extLst>
@@ -4058,7 +4730,7 @@
 </p:sld>
 </file>
 
-<file path=ppt/slides/slide16.xml><?xml version="1.0" encoding="utf-8"?>
+<file path=ppt/slides/slide18.xml><?xml version="1.0" encoding="utf-8"?>
 <p:sld xmlns:a="http://schemas.openxmlformats.org/drawingml/2006/main" xmlns:r="http://schemas.openxmlformats.org/officeDocument/2006/relationships" xmlns:p="http://schemas.openxmlformats.org/presentationml/2006/main">
   <p:cSld>
     <p:spTree>
@@ -4504,7 +5176,7 @@
 </p:sld>
 </file>
 
-<file path=ppt/slides/slide17.xml><?xml version="1.0" encoding="utf-8"?>
+<file path=ppt/slides/slide19.xml><?xml version="1.0" encoding="utf-8"?>
 <p:sld xmlns:a="http://schemas.openxmlformats.org/drawingml/2006/main" xmlns:r="http://schemas.openxmlformats.org/officeDocument/2006/relationships" xmlns:p="http://schemas.openxmlformats.org/presentationml/2006/main">
   <p:cSld>
     <p:spTree>
@@ -4809,400 +5481,6 @@
           </a:fontRef>
         </p:style>
       </p:cxnSp>
-    </p:spTree>
-  </p:cSld>
-  <p:clrMapOvr>
-    <a:masterClrMapping/>
-  </p:clrMapOvr>
-</p:sld>
-</file>
-
-<file path=ppt/slides/slide18.xml><?xml version="1.0" encoding="utf-8"?>
-<p:sld xmlns:a="http://schemas.openxmlformats.org/drawingml/2006/main" xmlns:r="http://schemas.openxmlformats.org/officeDocument/2006/relationships" xmlns:p="http://schemas.openxmlformats.org/presentationml/2006/main">
-  <p:cSld>
-    <p:spTree>
-      <p:nvGrpSpPr>
-        <p:cNvPr id="1" name=""/>
-        <p:cNvGrpSpPr/>
-        <p:nvPr/>
-      </p:nvGrpSpPr>
-      <p:grpSpPr>
-        <a:xfrm>
-          <a:off x="0" y="0"/>
-          <a:ext cx="0" cy="0"/>
-          <a:chOff x="0" y="0"/>
-          <a:chExt cx="0" cy="0"/>
-        </a:xfrm>
-      </p:grpSpPr>
-      <p:pic>
-        <p:nvPicPr>
-          <p:cNvPr id="6" name="図 5">
-            <a:extLst>
-              <a:ext uri="{FF2B5EF4-FFF2-40B4-BE49-F238E27FC236}">
-                <a16:creationId xmlns:a16="http://schemas.microsoft.com/office/drawing/2014/main" id="{C0D24CCC-F2E5-4EAA-8286-CC56D4986A4C}"/>
-              </a:ext>
-            </a:extLst>
-          </p:cNvPr>
-          <p:cNvPicPr>
-            <a:picLocks noChangeAspect="1"/>
-          </p:cNvPicPr>
-          <p:nvPr/>
-        </p:nvPicPr>
-        <p:blipFill>
-          <a:blip r:embed="rId2"/>
-          <a:stretch>
-            <a:fillRect/>
-          </a:stretch>
-        </p:blipFill>
-        <p:spPr>
-          <a:xfrm>
-            <a:off x="1269275" y="2418075"/>
-            <a:ext cx="6885203" cy="4570945"/>
-          </a:xfrm>
-          <a:prstGeom prst="rect">
-            <a:avLst/>
-          </a:prstGeom>
-        </p:spPr>
-      </p:pic>
-      <p:sp>
-        <p:nvSpPr>
-          <p:cNvPr id="3" name="Text Box 9"/>
-          <p:cNvSpPr txBox="1"/>
-          <p:nvPr/>
-        </p:nvSpPr>
-        <p:spPr>
-          <a:xfrm>
-            <a:off x="2918347" y="3043378"/>
-            <a:ext cx="1507863" cy="954107"/>
-          </a:xfrm>
-          <a:prstGeom prst="rect">
-            <a:avLst/>
-          </a:prstGeom>
-          <a:noFill/>
-        </p:spPr>
-        <p:txBody>
-          <a:bodyPr wrap="square" rtlCol="0">
-            <a:spAutoFit/>
-          </a:bodyPr>
-          <a:lstStyle/>
-          <a:p>
-            <a:r>
-              <a:rPr lang="en-US" altLang="ja-JP" sz="1400" dirty="0"/>
-              <a:t>pitch angle without rate &amp; acceleration feedback</a:t>
-            </a:r>
-          </a:p>
-        </p:txBody>
-      </p:sp>
-      <p:cxnSp>
-        <p:nvCxnSpPr>
-          <p:cNvPr id="4" name="Straight Connector 12"/>
-          <p:cNvCxnSpPr>
-            <a:cxnSpLocks/>
-            <a:endCxn id="3" idx="2"/>
-          </p:cNvCxnSpPr>
-          <p:nvPr/>
-        </p:nvCxnSpPr>
-        <p:spPr>
-          <a:xfrm flipH="1" flipV="1">
-            <a:off x="3672279" y="3997485"/>
-            <a:ext cx="753931" cy="625303"/>
-          </a:xfrm>
-          <a:prstGeom prst="line">
-            <a:avLst/>
-          </a:prstGeom>
-          <a:ln w="19050"/>
-        </p:spPr>
-        <p:style>
-          <a:lnRef idx="2">
-            <a:schemeClr val="accent1"/>
-          </a:lnRef>
-          <a:fillRef idx="0">
-            <a:schemeClr val="accent1"/>
-          </a:fillRef>
-          <a:effectRef idx="1">
-            <a:schemeClr val="accent1"/>
-          </a:effectRef>
-          <a:fontRef idx="minor">
-            <a:schemeClr val="tx1"/>
-          </a:fontRef>
-        </p:style>
-      </p:cxnSp>
-      <p:cxnSp>
-        <p:nvCxnSpPr>
-          <p:cNvPr id="7" name="Straight Connector 12"/>
-          <p:cNvCxnSpPr>
-            <a:cxnSpLocks/>
-            <a:endCxn id="8" idx="2"/>
-          </p:cNvCxnSpPr>
-          <p:nvPr/>
-        </p:nvCxnSpPr>
-        <p:spPr>
-          <a:xfrm flipH="1" flipV="1">
-            <a:off x="2262876" y="4622788"/>
-            <a:ext cx="523084" cy="332400"/>
-          </a:xfrm>
-          <a:prstGeom prst="line">
-            <a:avLst/>
-          </a:prstGeom>
-          <a:ln w="19050"/>
-        </p:spPr>
-        <p:style>
-          <a:lnRef idx="2">
-            <a:schemeClr val="accent1"/>
-          </a:lnRef>
-          <a:fillRef idx="0">
-            <a:schemeClr val="accent1"/>
-          </a:fillRef>
-          <a:effectRef idx="1">
-            <a:schemeClr val="accent1"/>
-          </a:effectRef>
-          <a:fontRef idx="minor">
-            <a:schemeClr val="tx1"/>
-          </a:fontRef>
-        </p:style>
-      </p:cxnSp>
-      <p:sp>
-        <p:nvSpPr>
-          <p:cNvPr id="8" name="Text Box 9"/>
-          <p:cNvSpPr txBox="1"/>
-          <p:nvPr/>
-        </p:nvSpPr>
-        <p:spPr>
-          <a:xfrm>
-            <a:off x="1739791" y="4100818"/>
-            <a:ext cx="1046169" cy="521970"/>
-          </a:xfrm>
-          <a:prstGeom prst="rect">
-            <a:avLst/>
-          </a:prstGeom>
-          <a:noFill/>
-        </p:spPr>
-        <p:txBody>
-          <a:bodyPr wrap="square" rtlCol="0">
-            <a:spAutoFit/>
-          </a:bodyPr>
-          <a:lstStyle/>
-          <a:p>
-            <a:r>
-              <a:rPr lang="en-US" altLang="ja-JP" sz="1400" dirty="0"/>
-              <a:t>target pitch angle</a:t>
-            </a:r>
-          </a:p>
-        </p:txBody>
-      </p:sp>
-      <p:sp>
-        <p:nvSpPr>
-          <p:cNvPr id="15" name="Text Box 9"/>
-          <p:cNvSpPr txBox="1"/>
-          <p:nvPr/>
-        </p:nvSpPr>
-        <p:spPr>
-          <a:xfrm>
-            <a:off x="6268649" y="725088"/>
-            <a:ext cx="2647932" cy="1383665"/>
-          </a:xfrm>
-          <a:prstGeom prst="rect">
-            <a:avLst/>
-          </a:prstGeom>
-          <a:noFill/>
-        </p:spPr>
-        <p:txBody>
-          <a:bodyPr wrap="square" rtlCol="0">
-            <a:spAutoFit/>
-          </a:bodyPr>
-          <a:lstStyle/>
-          <a:p>
-            <a:r>
-              <a:rPr lang="en-US" altLang="ja-JP" sz="1400" dirty="0"/>
-              <a:t>P gain</a:t>
-            </a:r>
-            <a:r>
-              <a:rPr lang="ja-JP" altLang="en-US" sz="1400" dirty="0"/>
-              <a:t>：</a:t>
-            </a:r>
-            <a:r>
-              <a:rPr lang="en-US" altLang="ja-JP" sz="1400" dirty="0"/>
-              <a:t>-2</a:t>
-            </a:r>
-          </a:p>
-          <a:p>
-            <a:r>
-              <a:rPr lang="en-US" altLang="ja-JP" sz="1400" dirty="0"/>
-              <a:t>I gain</a:t>
-            </a:r>
-            <a:r>
-              <a:rPr lang="ja-JP" altLang="en-US" sz="1400" dirty="0"/>
-              <a:t>：</a:t>
-            </a:r>
-            <a:r>
-              <a:rPr lang="en-US" altLang="ja-JP" sz="1400" dirty="0"/>
-              <a:t>-1</a:t>
-            </a:r>
-          </a:p>
-          <a:p>
-            <a:r>
-              <a:rPr lang="en-US" altLang="ja-JP" sz="1400" dirty="0"/>
-              <a:t>D gain</a:t>
-            </a:r>
-            <a:r>
-              <a:rPr lang="ja-JP" altLang="en-US" sz="1400" dirty="0"/>
-              <a:t>：</a:t>
-            </a:r>
-            <a:r>
-              <a:rPr lang="en-US" altLang="ja-JP" sz="1400" dirty="0"/>
-              <a:t>-0.5</a:t>
-            </a:r>
-          </a:p>
-          <a:p>
-            <a:r>
-              <a:rPr lang="en-US" altLang="ja-JP" sz="1400" dirty="0"/>
-              <a:t>* </a:t>
-            </a:r>
-            <a:r>
-              <a:rPr lang="en-US" sz="1400" dirty="0">
-                <a:sym typeface="+mn-ea"/>
-              </a:rPr>
-              <a:t>gains are negative because pitch increases with input of negative elevator angle</a:t>
-            </a:r>
-            <a:endParaRPr lang="en-US" altLang="ja-JP" sz="1400" dirty="0"/>
-          </a:p>
-        </p:txBody>
-      </p:sp>
-      <p:sp>
-        <p:nvSpPr>
-          <p:cNvPr id="9" name="Text Box 9">
-            <a:extLst>
-              <a:ext uri="{FF2B5EF4-FFF2-40B4-BE49-F238E27FC236}">
-                <a16:creationId xmlns:a16="http://schemas.microsoft.com/office/drawing/2014/main" id="{B26D8FB6-1148-4585-A64F-86DEE0592DB8}"/>
-              </a:ext>
-            </a:extLst>
-          </p:cNvPr>
-          <p:cNvSpPr txBox="1"/>
-          <p:nvPr/>
-        </p:nvSpPr>
-        <p:spPr>
-          <a:xfrm>
-            <a:off x="2745179" y="5841272"/>
-            <a:ext cx="1854199" cy="738664"/>
-          </a:xfrm>
-          <a:prstGeom prst="rect">
-            <a:avLst/>
-          </a:prstGeom>
-          <a:noFill/>
-        </p:spPr>
-        <p:txBody>
-          <a:bodyPr wrap="square" rtlCol="0">
-            <a:spAutoFit/>
-          </a:bodyPr>
-          <a:lstStyle/>
-          <a:p>
-            <a:r>
-              <a:rPr lang="en-US" altLang="ja-JP" sz="1400" dirty="0"/>
-              <a:t>Pitch angle with rate &amp; acceleration feedback</a:t>
-            </a:r>
-          </a:p>
-        </p:txBody>
-      </p:sp>
-      <p:cxnSp>
-        <p:nvCxnSpPr>
-          <p:cNvPr id="10" name="Straight Connector 12">
-            <a:extLst>
-              <a:ext uri="{FF2B5EF4-FFF2-40B4-BE49-F238E27FC236}">
-                <a16:creationId xmlns:a16="http://schemas.microsoft.com/office/drawing/2014/main" id="{65F172DD-1684-4D9C-A259-4934A5ED9783}"/>
-              </a:ext>
-            </a:extLst>
-          </p:cNvPr>
-          <p:cNvCxnSpPr>
-            <a:cxnSpLocks/>
-            <a:endCxn id="9" idx="0"/>
-          </p:cNvCxnSpPr>
-          <p:nvPr/>
-        </p:nvCxnSpPr>
-        <p:spPr>
-          <a:xfrm flipH="1">
-            <a:off x="3672279" y="5418667"/>
-            <a:ext cx="611854" cy="422605"/>
-          </a:xfrm>
-          <a:prstGeom prst="line">
-            <a:avLst/>
-          </a:prstGeom>
-          <a:ln w="19050"/>
-        </p:spPr>
-        <p:style>
-          <a:lnRef idx="2">
-            <a:schemeClr val="accent1"/>
-          </a:lnRef>
-          <a:fillRef idx="0">
-            <a:schemeClr val="accent1"/>
-          </a:fillRef>
-          <a:effectRef idx="1">
-            <a:schemeClr val="accent1"/>
-          </a:effectRef>
-          <a:fontRef idx="minor">
-            <a:schemeClr val="tx1"/>
-          </a:fontRef>
-        </p:style>
-      </p:cxnSp>
-      <p:pic>
-        <p:nvPicPr>
-          <p:cNvPr id="12" name="Picture 2">
-            <a:extLst>
-              <a:ext uri="{FF2B5EF4-FFF2-40B4-BE49-F238E27FC236}">
-                <a16:creationId xmlns:a16="http://schemas.microsoft.com/office/drawing/2014/main" id="{D3C5230E-88E1-4B6D-B32F-BE371828EDC1}"/>
-              </a:ext>
-            </a:extLst>
-          </p:cNvPr>
-          <p:cNvPicPr>
-            <a:picLocks noChangeAspect="1"/>
-          </p:cNvPicPr>
-          <p:nvPr/>
-        </p:nvPicPr>
-        <p:blipFill>
-          <a:blip r:embed="rId3"/>
-          <a:stretch>
-            <a:fillRect/>
-          </a:stretch>
-        </p:blipFill>
-        <p:spPr>
-          <a:xfrm>
-            <a:off x="1269275" y="474347"/>
-            <a:ext cx="5046523" cy="1943728"/>
-          </a:xfrm>
-          <a:prstGeom prst="rect">
-            <a:avLst/>
-          </a:prstGeom>
-        </p:spPr>
-      </p:pic>
-    </p:spTree>
-    <p:extLst>
-      <p:ext uri="{BB962C8B-B14F-4D97-AF65-F5344CB8AC3E}">
-        <p14:creationId xmlns:p14="http://schemas.microsoft.com/office/powerpoint/2010/main" val="2889692125"/>
-      </p:ext>
-    </p:extLst>
-  </p:cSld>
-  <p:clrMapOvr>
-    <a:masterClrMapping/>
-  </p:clrMapOvr>
-</p:sld>
-</file>
-
-<file path=ppt/slides/slide19.xml><?xml version="1.0" encoding="utf-8"?>
-<p:sld xmlns:a="http://schemas.openxmlformats.org/drawingml/2006/main" xmlns:r="http://schemas.openxmlformats.org/officeDocument/2006/relationships" xmlns:p="http://schemas.openxmlformats.org/presentationml/2006/main">
-  <p:cSld>
-    <p:spTree>
-      <p:nvGrpSpPr>
-        <p:cNvPr id="1" name=""/>
-        <p:cNvGrpSpPr/>
-        <p:nvPr/>
-      </p:nvGrpSpPr>
-      <p:grpSpPr>
-        <a:xfrm>
-          <a:off x="0" y="0"/>
-          <a:ext cx="0" cy="0"/>
-          <a:chOff x="0" y="0"/>
-          <a:chExt cx="0" cy="0"/>
-        </a:xfrm>
-      </p:grpSpPr>
     </p:spTree>
   </p:cSld>
   <p:clrMapOvr>
@@ -6093,10 +6371,349 @@
           <a:chExt cx="0" cy="0"/>
         </a:xfrm>
       </p:grpSpPr>
+      <p:pic>
+        <p:nvPicPr>
+          <p:cNvPr id="6" name="図 5">
+            <a:extLst>
+              <a:ext uri="{FF2B5EF4-FFF2-40B4-BE49-F238E27FC236}">
+                <a16:creationId xmlns:a16="http://schemas.microsoft.com/office/drawing/2014/main" id="{C0D24CCC-F2E5-4EAA-8286-CC56D4986A4C}"/>
+              </a:ext>
+            </a:extLst>
+          </p:cNvPr>
+          <p:cNvPicPr>
+            <a:picLocks noChangeAspect="1"/>
+          </p:cNvPicPr>
+          <p:nvPr/>
+        </p:nvPicPr>
+        <p:blipFill>
+          <a:blip r:embed="rId2"/>
+          <a:stretch>
+            <a:fillRect/>
+          </a:stretch>
+        </p:blipFill>
+        <p:spPr>
+          <a:xfrm>
+            <a:off x="1269275" y="2418075"/>
+            <a:ext cx="6885203" cy="4570945"/>
+          </a:xfrm>
+          <a:prstGeom prst="rect">
+            <a:avLst/>
+          </a:prstGeom>
+        </p:spPr>
+      </p:pic>
+      <p:sp>
+        <p:nvSpPr>
+          <p:cNvPr id="3" name="Text Box 9"/>
+          <p:cNvSpPr txBox="1"/>
+          <p:nvPr/>
+        </p:nvSpPr>
+        <p:spPr>
+          <a:xfrm>
+            <a:off x="2918347" y="3043378"/>
+            <a:ext cx="1507863" cy="954107"/>
+          </a:xfrm>
+          <a:prstGeom prst="rect">
+            <a:avLst/>
+          </a:prstGeom>
+          <a:noFill/>
+        </p:spPr>
+        <p:txBody>
+          <a:bodyPr wrap="square" rtlCol="0">
+            <a:spAutoFit/>
+          </a:bodyPr>
+          <a:lstStyle/>
+          <a:p>
+            <a:r>
+              <a:rPr lang="en-US" altLang="ja-JP" sz="1400" dirty="0"/>
+              <a:t>pitch angle without rate &amp; acceleration feedback</a:t>
+            </a:r>
+          </a:p>
+        </p:txBody>
+      </p:sp>
+      <p:cxnSp>
+        <p:nvCxnSpPr>
+          <p:cNvPr id="4" name="Straight Connector 12"/>
+          <p:cNvCxnSpPr>
+            <a:cxnSpLocks/>
+            <a:endCxn id="3" idx="2"/>
+          </p:cNvCxnSpPr>
+          <p:nvPr/>
+        </p:nvCxnSpPr>
+        <p:spPr>
+          <a:xfrm flipH="1" flipV="1">
+            <a:off x="3672279" y="3997485"/>
+            <a:ext cx="753931" cy="625303"/>
+          </a:xfrm>
+          <a:prstGeom prst="line">
+            <a:avLst/>
+          </a:prstGeom>
+          <a:ln w="19050"/>
+        </p:spPr>
+        <p:style>
+          <a:lnRef idx="2">
+            <a:schemeClr val="accent1"/>
+          </a:lnRef>
+          <a:fillRef idx="0">
+            <a:schemeClr val="accent1"/>
+          </a:fillRef>
+          <a:effectRef idx="1">
+            <a:schemeClr val="accent1"/>
+          </a:effectRef>
+          <a:fontRef idx="minor">
+            <a:schemeClr val="tx1"/>
+          </a:fontRef>
+        </p:style>
+      </p:cxnSp>
+      <p:cxnSp>
+        <p:nvCxnSpPr>
+          <p:cNvPr id="7" name="Straight Connector 12"/>
+          <p:cNvCxnSpPr>
+            <a:cxnSpLocks/>
+            <a:endCxn id="8" idx="2"/>
+          </p:cNvCxnSpPr>
+          <p:nvPr/>
+        </p:nvCxnSpPr>
+        <p:spPr>
+          <a:xfrm flipH="1" flipV="1">
+            <a:off x="2262876" y="4622788"/>
+            <a:ext cx="523084" cy="332400"/>
+          </a:xfrm>
+          <a:prstGeom prst="line">
+            <a:avLst/>
+          </a:prstGeom>
+          <a:ln w="19050"/>
+        </p:spPr>
+        <p:style>
+          <a:lnRef idx="2">
+            <a:schemeClr val="accent1"/>
+          </a:lnRef>
+          <a:fillRef idx="0">
+            <a:schemeClr val="accent1"/>
+          </a:fillRef>
+          <a:effectRef idx="1">
+            <a:schemeClr val="accent1"/>
+          </a:effectRef>
+          <a:fontRef idx="minor">
+            <a:schemeClr val="tx1"/>
+          </a:fontRef>
+        </p:style>
+      </p:cxnSp>
+      <p:sp>
+        <p:nvSpPr>
+          <p:cNvPr id="8" name="Text Box 9"/>
+          <p:cNvSpPr txBox="1"/>
+          <p:nvPr/>
+        </p:nvSpPr>
+        <p:spPr>
+          <a:xfrm>
+            <a:off x="1739791" y="4100818"/>
+            <a:ext cx="1046169" cy="521970"/>
+          </a:xfrm>
+          <a:prstGeom prst="rect">
+            <a:avLst/>
+          </a:prstGeom>
+          <a:noFill/>
+        </p:spPr>
+        <p:txBody>
+          <a:bodyPr wrap="square" rtlCol="0">
+            <a:spAutoFit/>
+          </a:bodyPr>
+          <a:lstStyle/>
+          <a:p>
+            <a:r>
+              <a:rPr lang="en-US" altLang="ja-JP" sz="1400" dirty="0"/>
+              <a:t>target pitch angle</a:t>
+            </a:r>
+          </a:p>
+        </p:txBody>
+      </p:sp>
+      <p:sp>
+        <p:nvSpPr>
+          <p:cNvPr id="15" name="Text Box 9"/>
+          <p:cNvSpPr txBox="1"/>
+          <p:nvPr/>
+        </p:nvSpPr>
+        <p:spPr>
+          <a:xfrm>
+            <a:off x="6268649" y="725088"/>
+            <a:ext cx="2647932" cy="1383665"/>
+          </a:xfrm>
+          <a:prstGeom prst="rect">
+            <a:avLst/>
+          </a:prstGeom>
+          <a:noFill/>
+        </p:spPr>
+        <p:txBody>
+          <a:bodyPr wrap="square" rtlCol="0">
+            <a:spAutoFit/>
+          </a:bodyPr>
+          <a:lstStyle/>
+          <a:p>
+            <a:r>
+              <a:rPr lang="en-US" altLang="ja-JP" sz="1400" dirty="0"/>
+              <a:t>P gain</a:t>
+            </a:r>
+            <a:r>
+              <a:rPr lang="ja-JP" altLang="en-US" sz="1400" dirty="0"/>
+              <a:t>：</a:t>
+            </a:r>
+            <a:r>
+              <a:rPr lang="en-US" altLang="ja-JP" sz="1400" dirty="0"/>
+              <a:t>-2</a:t>
+            </a:r>
+          </a:p>
+          <a:p>
+            <a:r>
+              <a:rPr lang="en-US" altLang="ja-JP" sz="1400" dirty="0"/>
+              <a:t>I gain</a:t>
+            </a:r>
+            <a:r>
+              <a:rPr lang="ja-JP" altLang="en-US" sz="1400" dirty="0"/>
+              <a:t>：</a:t>
+            </a:r>
+            <a:r>
+              <a:rPr lang="en-US" altLang="ja-JP" sz="1400" dirty="0"/>
+              <a:t>-1</a:t>
+            </a:r>
+          </a:p>
+          <a:p>
+            <a:r>
+              <a:rPr lang="en-US" altLang="ja-JP" sz="1400" dirty="0"/>
+              <a:t>D gain</a:t>
+            </a:r>
+            <a:r>
+              <a:rPr lang="ja-JP" altLang="en-US" sz="1400" dirty="0"/>
+              <a:t>：</a:t>
+            </a:r>
+            <a:r>
+              <a:rPr lang="en-US" altLang="ja-JP" sz="1400" dirty="0"/>
+              <a:t>-0.5</a:t>
+            </a:r>
+          </a:p>
+          <a:p>
+            <a:r>
+              <a:rPr lang="en-US" altLang="ja-JP" sz="1400" dirty="0"/>
+              <a:t>* </a:t>
+            </a:r>
+            <a:r>
+              <a:rPr lang="en-US" sz="1400" dirty="0">
+                <a:sym typeface="+mn-ea"/>
+              </a:rPr>
+              <a:t>gains are negative because pitch increases with input of negative elevator angle</a:t>
+            </a:r>
+            <a:endParaRPr lang="en-US" altLang="ja-JP" sz="1400" dirty="0"/>
+          </a:p>
+        </p:txBody>
+      </p:sp>
+      <p:sp>
+        <p:nvSpPr>
+          <p:cNvPr id="9" name="Text Box 9">
+            <a:extLst>
+              <a:ext uri="{FF2B5EF4-FFF2-40B4-BE49-F238E27FC236}">
+                <a16:creationId xmlns:a16="http://schemas.microsoft.com/office/drawing/2014/main" id="{B26D8FB6-1148-4585-A64F-86DEE0592DB8}"/>
+              </a:ext>
+            </a:extLst>
+          </p:cNvPr>
+          <p:cNvSpPr txBox="1"/>
+          <p:nvPr/>
+        </p:nvSpPr>
+        <p:spPr>
+          <a:xfrm>
+            <a:off x="2745179" y="5841272"/>
+            <a:ext cx="1854199" cy="738664"/>
+          </a:xfrm>
+          <a:prstGeom prst="rect">
+            <a:avLst/>
+          </a:prstGeom>
+          <a:noFill/>
+        </p:spPr>
+        <p:txBody>
+          <a:bodyPr wrap="square" rtlCol="0">
+            <a:spAutoFit/>
+          </a:bodyPr>
+          <a:lstStyle/>
+          <a:p>
+            <a:r>
+              <a:rPr lang="en-US" altLang="ja-JP" sz="1400" dirty="0"/>
+              <a:t>Pitch angle with rate &amp; acceleration feedback</a:t>
+            </a:r>
+          </a:p>
+        </p:txBody>
+      </p:sp>
+      <p:cxnSp>
+        <p:nvCxnSpPr>
+          <p:cNvPr id="10" name="Straight Connector 12">
+            <a:extLst>
+              <a:ext uri="{FF2B5EF4-FFF2-40B4-BE49-F238E27FC236}">
+                <a16:creationId xmlns:a16="http://schemas.microsoft.com/office/drawing/2014/main" id="{65F172DD-1684-4D9C-A259-4934A5ED9783}"/>
+              </a:ext>
+            </a:extLst>
+          </p:cNvPr>
+          <p:cNvCxnSpPr>
+            <a:cxnSpLocks/>
+            <a:endCxn id="9" idx="0"/>
+          </p:cNvCxnSpPr>
+          <p:nvPr/>
+        </p:nvCxnSpPr>
+        <p:spPr>
+          <a:xfrm flipH="1">
+            <a:off x="3672279" y="5418667"/>
+            <a:ext cx="611854" cy="422605"/>
+          </a:xfrm>
+          <a:prstGeom prst="line">
+            <a:avLst/>
+          </a:prstGeom>
+          <a:ln w="19050"/>
+        </p:spPr>
+        <p:style>
+          <a:lnRef idx="2">
+            <a:schemeClr val="accent1"/>
+          </a:lnRef>
+          <a:fillRef idx="0">
+            <a:schemeClr val="accent1"/>
+          </a:fillRef>
+          <a:effectRef idx="1">
+            <a:schemeClr val="accent1"/>
+          </a:effectRef>
+          <a:fontRef idx="minor">
+            <a:schemeClr val="tx1"/>
+          </a:fontRef>
+        </p:style>
+      </p:cxnSp>
+      <p:pic>
+        <p:nvPicPr>
+          <p:cNvPr id="12" name="Picture 2">
+            <a:extLst>
+              <a:ext uri="{FF2B5EF4-FFF2-40B4-BE49-F238E27FC236}">
+                <a16:creationId xmlns:a16="http://schemas.microsoft.com/office/drawing/2014/main" id="{D3C5230E-88E1-4B6D-B32F-BE371828EDC1}"/>
+              </a:ext>
+            </a:extLst>
+          </p:cNvPr>
+          <p:cNvPicPr>
+            <a:picLocks noChangeAspect="1"/>
+          </p:cNvPicPr>
+          <p:nvPr/>
+        </p:nvPicPr>
+        <p:blipFill>
+          <a:blip r:embed="rId3"/>
+          <a:stretch>
+            <a:fillRect/>
+          </a:stretch>
+        </p:blipFill>
+        <p:spPr>
+          <a:xfrm>
+            <a:off x="1269275" y="474347"/>
+            <a:ext cx="5046523" cy="1943728"/>
+          </a:xfrm>
+          <a:prstGeom prst="rect">
+            <a:avLst/>
+          </a:prstGeom>
+        </p:spPr>
+      </p:pic>
     </p:spTree>
     <p:extLst>
       <p:ext uri="{BB962C8B-B14F-4D97-AF65-F5344CB8AC3E}">
-        <p14:creationId xmlns:p14="http://schemas.microsoft.com/office/powerpoint/2010/main" val="2267069286"/>
+        <p14:creationId xmlns:p14="http://schemas.microsoft.com/office/powerpoint/2010/main" val="2889692125"/>
       </p:ext>
     </p:extLst>
   </p:cSld>
@@ -6123,337 +6740,6 @@
           <a:chExt cx="0" cy="0"/>
         </a:xfrm>
       </p:grpSpPr>
-      <p:pic>
-        <p:nvPicPr>
-          <p:cNvPr id="3" name="Picture 2"/>
-          <p:cNvPicPr>
-            <a:picLocks noChangeAspect="1"/>
-          </p:cNvPicPr>
-          <p:nvPr/>
-        </p:nvPicPr>
-        <p:blipFill>
-          <a:blip r:embed="rId2"/>
-          <a:srcRect l="21514" t="8919" r="33448" b="68057"/>
-          <a:stretch>
-            <a:fillRect/>
-          </a:stretch>
-        </p:blipFill>
-        <p:spPr>
-          <a:xfrm>
-            <a:off x="3556000" y="277495"/>
-            <a:ext cx="2951608" cy="1836000"/>
-          </a:xfrm>
-          <a:prstGeom prst="rect">
-            <a:avLst/>
-          </a:prstGeom>
-        </p:spPr>
-      </p:pic>
-      <p:sp>
-        <p:nvSpPr>
-          <p:cNvPr id="10" name="Text Box 9"/>
-          <p:cNvSpPr txBox="1"/>
-          <p:nvPr/>
-        </p:nvSpPr>
-        <p:spPr>
-          <a:xfrm>
-            <a:off x="1551940" y="934720"/>
-            <a:ext cx="1544320" cy="521970"/>
-          </a:xfrm>
-          <a:prstGeom prst="rect">
-            <a:avLst/>
-          </a:prstGeom>
-          <a:noFill/>
-        </p:spPr>
-        <p:txBody>
-          <a:bodyPr wrap="square" rtlCol="0">
-            <a:spAutoFit/>
-          </a:bodyPr>
-          <a:lstStyle/>
-          <a:p>
-            <a:r>
-              <a:rPr lang="en-US" sz="1400"/>
-              <a:t>input</a:t>
-            </a:r>
-            <a:r>
-              <a:rPr lang="ja-JP" altLang="en-US" sz="1400"/>
-              <a:t>信号のみ異なる</a:t>
-            </a:r>
-          </a:p>
-        </p:txBody>
-      </p:sp>
-      <p:cxnSp>
-        <p:nvCxnSpPr>
-          <p:cNvPr id="13" name="Straight Connector 12"/>
-          <p:cNvCxnSpPr>
-            <a:stCxn id="10" idx="3"/>
-          </p:cNvCxnSpPr>
-          <p:nvPr/>
-        </p:nvCxnSpPr>
-        <p:spPr>
-          <a:xfrm flipV="1">
-            <a:off x="3096260" y="570865"/>
-            <a:ext cx="847090" cy="624840"/>
-          </a:xfrm>
-          <a:prstGeom prst="line">
-            <a:avLst/>
-          </a:prstGeom>
-        </p:spPr>
-        <p:style>
-          <a:lnRef idx="1">
-            <a:schemeClr val="accent1"/>
-          </a:lnRef>
-          <a:fillRef idx="0">
-            <a:schemeClr val="accent1"/>
-          </a:fillRef>
-          <a:effectRef idx="0">
-            <a:schemeClr val="accent1"/>
-          </a:effectRef>
-          <a:fontRef idx="minor">
-            <a:schemeClr val="tx1"/>
-          </a:fontRef>
-        </p:style>
-      </p:cxnSp>
-      <p:cxnSp>
-        <p:nvCxnSpPr>
-          <p:cNvPr id="2" name="Straight Connector 1"/>
-          <p:cNvCxnSpPr>
-            <a:stCxn id="10" idx="3"/>
-          </p:cNvCxnSpPr>
-          <p:nvPr/>
-        </p:nvCxnSpPr>
-        <p:spPr>
-          <a:xfrm>
-            <a:off x="3096260" y="1195705"/>
-            <a:ext cx="774700" cy="466725"/>
-          </a:xfrm>
-          <a:prstGeom prst="line">
-            <a:avLst/>
-          </a:prstGeom>
-        </p:spPr>
-        <p:style>
-          <a:lnRef idx="1">
-            <a:schemeClr val="accent1"/>
-          </a:lnRef>
-          <a:fillRef idx="0">
-            <a:schemeClr val="accent1"/>
-          </a:fillRef>
-          <a:effectRef idx="0">
-            <a:schemeClr val="accent1"/>
-          </a:effectRef>
-          <a:fontRef idx="minor">
-            <a:schemeClr val="tx1"/>
-          </a:fontRef>
-        </p:style>
-      </p:cxnSp>
-      <p:pic>
-        <p:nvPicPr>
-          <p:cNvPr id="4" name="Picture 3"/>
-          <p:cNvPicPr>
-            <a:picLocks noChangeAspect="1"/>
-          </p:cNvPicPr>
-          <p:nvPr/>
-        </p:nvPicPr>
-        <p:blipFill>
-          <a:blip r:embed="rId3"/>
-          <a:stretch>
-            <a:fillRect/>
-          </a:stretch>
-        </p:blipFill>
-        <p:spPr>
-          <a:xfrm>
-            <a:off x="2166620" y="2780665"/>
-            <a:ext cx="5782722" cy="4680000"/>
-          </a:xfrm>
-          <a:prstGeom prst="rect">
-            <a:avLst/>
-          </a:prstGeom>
-        </p:spPr>
-      </p:pic>
-      <p:cxnSp>
-        <p:nvCxnSpPr>
-          <p:cNvPr id="11" name="Straight Connector 10"/>
-          <p:cNvCxnSpPr/>
-          <p:nvPr/>
-        </p:nvCxnSpPr>
-        <p:spPr>
-          <a:xfrm flipH="1">
-            <a:off x="2553335" y="1833880"/>
-            <a:ext cx="2003425" cy="1155700"/>
-          </a:xfrm>
-          <a:prstGeom prst="line">
-            <a:avLst/>
-          </a:prstGeom>
-          <a:ln w="19050">
-            <a:solidFill>
-              <a:schemeClr val="accent1"/>
-            </a:solidFill>
-          </a:ln>
-        </p:spPr>
-        <p:style>
-          <a:lnRef idx="1">
-            <a:schemeClr val="accent1"/>
-          </a:lnRef>
-          <a:fillRef idx="0">
-            <a:schemeClr val="accent1"/>
-          </a:fillRef>
-          <a:effectRef idx="0">
-            <a:schemeClr val="accent1"/>
-          </a:effectRef>
-          <a:fontRef idx="minor">
-            <a:schemeClr val="tx1"/>
-          </a:fontRef>
-        </p:style>
-      </p:cxnSp>
-      <p:cxnSp>
-        <p:nvCxnSpPr>
-          <p:cNvPr id="5" name="Straight Connector 4"/>
-          <p:cNvCxnSpPr/>
-          <p:nvPr/>
-        </p:nvCxnSpPr>
-        <p:spPr>
-          <a:xfrm>
-            <a:off x="5134610" y="1816100"/>
-            <a:ext cx="2445385" cy="1073785"/>
-          </a:xfrm>
-          <a:prstGeom prst="line">
-            <a:avLst/>
-          </a:prstGeom>
-          <a:ln w="19050">
-            <a:solidFill>
-              <a:schemeClr val="accent1"/>
-            </a:solidFill>
-          </a:ln>
-        </p:spPr>
-        <p:style>
-          <a:lnRef idx="1">
-            <a:schemeClr val="accent1"/>
-          </a:lnRef>
-          <a:fillRef idx="0">
-            <a:schemeClr val="accent1"/>
-          </a:fillRef>
-          <a:effectRef idx="0">
-            <a:schemeClr val="accent1"/>
-          </a:effectRef>
-          <a:fontRef idx="minor">
-            <a:schemeClr val="tx1"/>
-          </a:fontRef>
-        </p:style>
-      </p:cxnSp>
-      <p:sp>
-        <p:nvSpPr>
-          <p:cNvPr id="6" name="Text Box 5"/>
-          <p:cNvSpPr txBox="1"/>
-          <p:nvPr/>
-        </p:nvSpPr>
-        <p:spPr>
-          <a:xfrm>
-            <a:off x="2212340" y="3012440"/>
-            <a:ext cx="1859280" cy="521970"/>
-          </a:xfrm>
-          <a:prstGeom prst="rect">
-            <a:avLst/>
-          </a:prstGeom>
-          <a:noFill/>
-        </p:spPr>
-        <p:txBody>
-          <a:bodyPr wrap="square" rtlCol="0">
-            <a:spAutoFit/>
-          </a:bodyPr>
-          <a:lstStyle/>
-          <a:p>
-            <a:r>
-              <a:rPr lang="en-US" sz="1400"/>
-              <a:t>PID</a:t>
-            </a:r>
-            <a:r>
-              <a:rPr lang="ja-JP" altLang="en-US" sz="1400"/>
-              <a:t>による</a:t>
-            </a:r>
-            <a:r>
-              <a:rPr lang="en-US" altLang="ja-JP" sz="1400"/>
-              <a:t>pitch</a:t>
-            </a:r>
-            <a:r>
-              <a:rPr lang="ja-JP" altLang="en-US" sz="1400"/>
-              <a:t>角速度制御</a:t>
-            </a:r>
-          </a:p>
-        </p:txBody>
-      </p:sp>
-      <p:sp>
-        <p:nvSpPr>
-          <p:cNvPr id="7" name="Text Box 6"/>
-          <p:cNvSpPr txBox="1"/>
-          <p:nvPr/>
-        </p:nvSpPr>
-        <p:spPr>
-          <a:xfrm>
-            <a:off x="3556000" y="6180455"/>
-            <a:ext cx="1859280" cy="521970"/>
-          </a:xfrm>
-          <a:prstGeom prst="rect">
-            <a:avLst/>
-          </a:prstGeom>
-          <a:noFill/>
-        </p:spPr>
-        <p:txBody>
-          <a:bodyPr wrap="square" rtlCol="0">
-            <a:spAutoFit/>
-          </a:bodyPr>
-          <a:lstStyle/>
-          <a:p>
-            <a:r>
-              <a:rPr lang="en-US" altLang="ja-JP" sz="1400"/>
-              <a:t>pitch</a:t>
-            </a:r>
-            <a:r>
-              <a:rPr lang="ja-JP" altLang="en-US" sz="1400"/>
-              <a:t>角速度フィードバック信号</a:t>
-            </a:r>
-            <a:r>
-              <a:rPr lang="en-US" altLang="ja-JP" sz="1400"/>
-              <a:t>input</a:t>
-            </a:r>
-          </a:p>
-        </p:txBody>
-      </p:sp>
-      <p:sp>
-        <p:nvSpPr>
-          <p:cNvPr id="8" name="Text Box 7"/>
-          <p:cNvSpPr txBox="1"/>
-          <p:nvPr/>
-        </p:nvSpPr>
-        <p:spPr>
-          <a:xfrm>
-            <a:off x="1236980" y="4637405"/>
-            <a:ext cx="1859280" cy="521970"/>
-          </a:xfrm>
-          <a:prstGeom prst="rect">
-            <a:avLst/>
-          </a:prstGeom>
-          <a:noFill/>
-        </p:spPr>
-        <p:txBody>
-          <a:bodyPr wrap="square" rtlCol="0">
-            <a:spAutoFit/>
-          </a:bodyPr>
-          <a:lstStyle/>
-          <a:p>
-            <a:r>
-              <a:rPr lang="en-US" altLang="ja-JP" sz="1400"/>
-              <a:t>pitch</a:t>
-            </a:r>
-            <a:r>
-              <a:rPr lang="ja-JP" altLang="en-US" sz="1400"/>
-              <a:t>角速度指令信号</a:t>
-            </a:r>
-            <a:r>
-              <a:rPr lang="en-US" altLang="ja-JP" sz="1400"/>
-              <a:t>input</a:t>
-            </a:r>
-          </a:p>
-        </p:txBody>
-      </p:sp>
     </p:spTree>
   </p:cSld>
   <p:clrMapOvr>
@@ -6479,31 +6765,12 @@
           <a:chExt cx="0" cy="0"/>
         </a:xfrm>
       </p:grpSpPr>
-      <p:pic>
-        <p:nvPicPr>
-          <p:cNvPr id="3" name="Picture 2"/>
-          <p:cNvPicPr>
-            <a:picLocks noChangeAspect="1"/>
-          </p:cNvPicPr>
-          <p:nvPr/>
-        </p:nvPicPr>
-        <p:blipFill>
-          <a:blip r:embed="rId2"/>
-          <a:stretch>
-            <a:fillRect/>
-          </a:stretch>
-        </p:blipFill>
-        <p:spPr>
-          <a:xfrm>
-            <a:off x="3810000" y="1318260"/>
-            <a:ext cx="4991100" cy="6073140"/>
-          </a:xfrm>
-          <a:prstGeom prst="rect">
-            <a:avLst/>
-          </a:prstGeom>
-        </p:spPr>
-      </p:pic>
     </p:spTree>
+    <p:extLst>
+      <p:ext uri="{BB962C8B-B14F-4D97-AF65-F5344CB8AC3E}">
+        <p14:creationId xmlns:p14="http://schemas.microsoft.com/office/powerpoint/2010/main" val="2267069286"/>
+      </p:ext>
+    </p:extLst>
   </p:cSld>
   <p:clrMapOvr>
     <a:masterClrMapping/>
@@ -6528,41 +6795,334 @@
           <a:chExt cx="0" cy="0"/>
         </a:xfrm>
       </p:grpSpPr>
-      <p:sp>
-        <p:nvSpPr>
-          <p:cNvPr id="2" name="Title 1"/>
-          <p:cNvSpPr>
-            <a:spLocks noGrp="1"/>
-          </p:cNvSpPr>
-          <p:nvPr>
-            <p:ph type="title"/>
-          </p:nvPr>
-        </p:nvSpPr>
-        <p:spPr/>
-        <p:txBody>
-          <a:bodyPr/>
-          <a:lstStyle/>
-          <a:p>
-            <a:endParaRPr lang="en-US"/>
-          </a:p>
-        </p:txBody>
-      </p:sp>
-      <p:sp>
-        <p:nvSpPr>
-          <p:cNvPr id="3" name="Text Placeholder 2"/>
-          <p:cNvSpPr>
-            <a:spLocks noGrp="1"/>
-          </p:cNvSpPr>
-          <p:nvPr>
-            <p:ph type="body"/>
-          </p:nvPr>
-        </p:nvSpPr>
-        <p:spPr/>
-        <p:txBody>
-          <a:bodyPr/>
-          <a:lstStyle/>
-          <a:p>
-            <a:endParaRPr lang="en-US"/>
+      <p:pic>
+        <p:nvPicPr>
+          <p:cNvPr id="3" name="Picture 2"/>
+          <p:cNvPicPr>
+            <a:picLocks noChangeAspect="1"/>
+          </p:cNvPicPr>
+          <p:nvPr/>
+        </p:nvPicPr>
+        <p:blipFill>
+          <a:blip r:embed="rId2"/>
+          <a:srcRect l="21514" t="8919" r="33448" b="68057"/>
+          <a:stretch>
+            <a:fillRect/>
+          </a:stretch>
+        </p:blipFill>
+        <p:spPr>
+          <a:xfrm>
+            <a:off x="3556000" y="277495"/>
+            <a:ext cx="2951608" cy="1836000"/>
+          </a:xfrm>
+          <a:prstGeom prst="rect">
+            <a:avLst/>
+          </a:prstGeom>
+        </p:spPr>
+      </p:pic>
+      <p:sp>
+        <p:nvSpPr>
+          <p:cNvPr id="10" name="Text Box 9"/>
+          <p:cNvSpPr txBox="1"/>
+          <p:nvPr/>
+        </p:nvSpPr>
+        <p:spPr>
+          <a:xfrm>
+            <a:off x="1551940" y="934720"/>
+            <a:ext cx="1544320" cy="521970"/>
+          </a:xfrm>
+          <a:prstGeom prst="rect">
+            <a:avLst/>
+          </a:prstGeom>
+          <a:noFill/>
+        </p:spPr>
+        <p:txBody>
+          <a:bodyPr wrap="square" rtlCol="0">
+            <a:spAutoFit/>
+          </a:bodyPr>
+          <a:lstStyle/>
+          <a:p>
+            <a:r>
+              <a:rPr lang="en-US" sz="1400"/>
+              <a:t>input</a:t>
+            </a:r>
+            <a:r>
+              <a:rPr lang="ja-JP" altLang="en-US" sz="1400"/>
+              <a:t>信号のみ異なる</a:t>
+            </a:r>
+          </a:p>
+        </p:txBody>
+      </p:sp>
+      <p:cxnSp>
+        <p:nvCxnSpPr>
+          <p:cNvPr id="13" name="Straight Connector 12"/>
+          <p:cNvCxnSpPr>
+            <a:stCxn id="10" idx="3"/>
+          </p:cNvCxnSpPr>
+          <p:nvPr/>
+        </p:nvCxnSpPr>
+        <p:spPr>
+          <a:xfrm flipV="1">
+            <a:off x="3096260" y="570865"/>
+            <a:ext cx="847090" cy="624840"/>
+          </a:xfrm>
+          <a:prstGeom prst="line">
+            <a:avLst/>
+          </a:prstGeom>
+        </p:spPr>
+        <p:style>
+          <a:lnRef idx="1">
+            <a:schemeClr val="accent1"/>
+          </a:lnRef>
+          <a:fillRef idx="0">
+            <a:schemeClr val="accent1"/>
+          </a:fillRef>
+          <a:effectRef idx="0">
+            <a:schemeClr val="accent1"/>
+          </a:effectRef>
+          <a:fontRef idx="minor">
+            <a:schemeClr val="tx1"/>
+          </a:fontRef>
+        </p:style>
+      </p:cxnSp>
+      <p:cxnSp>
+        <p:nvCxnSpPr>
+          <p:cNvPr id="2" name="Straight Connector 1"/>
+          <p:cNvCxnSpPr>
+            <a:stCxn id="10" idx="3"/>
+          </p:cNvCxnSpPr>
+          <p:nvPr/>
+        </p:nvCxnSpPr>
+        <p:spPr>
+          <a:xfrm>
+            <a:off x="3096260" y="1195705"/>
+            <a:ext cx="774700" cy="466725"/>
+          </a:xfrm>
+          <a:prstGeom prst="line">
+            <a:avLst/>
+          </a:prstGeom>
+        </p:spPr>
+        <p:style>
+          <a:lnRef idx="1">
+            <a:schemeClr val="accent1"/>
+          </a:lnRef>
+          <a:fillRef idx="0">
+            <a:schemeClr val="accent1"/>
+          </a:fillRef>
+          <a:effectRef idx="0">
+            <a:schemeClr val="accent1"/>
+          </a:effectRef>
+          <a:fontRef idx="minor">
+            <a:schemeClr val="tx1"/>
+          </a:fontRef>
+        </p:style>
+      </p:cxnSp>
+      <p:pic>
+        <p:nvPicPr>
+          <p:cNvPr id="4" name="Picture 3"/>
+          <p:cNvPicPr>
+            <a:picLocks noChangeAspect="1"/>
+          </p:cNvPicPr>
+          <p:nvPr/>
+        </p:nvPicPr>
+        <p:blipFill>
+          <a:blip r:embed="rId3"/>
+          <a:stretch>
+            <a:fillRect/>
+          </a:stretch>
+        </p:blipFill>
+        <p:spPr>
+          <a:xfrm>
+            <a:off x="2166620" y="2780665"/>
+            <a:ext cx="5782722" cy="4680000"/>
+          </a:xfrm>
+          <a:prstGeom prst="rect">
+            <a:avLst/>
+          </a:prstGeom>
+        </p:spPr>
+      </p:pic>
+      <p:cxnSp>
+        <p:nvCxnSpPr>
+          <p:cNvPr id="11" name="Straight Connector 10"/>
+          <p:cNvCxnSpPr/>
+          <p:nvPr/>
+        </p:nvCxnSpPr>
+        <p:spPr>
+          <a:xfrm flipH="1">
+            <a:off x="2553335" y="1833880"/>
+            <a:ext cx="2003425" cy="1155700"/>
+          </a:xfrm>
+          <a:prstGeom prst="line">
+            <a:avLst/>
+          </a:prstGeom>
+          <a:ln w="19050">
+            <a:solidFill>
+              <a:schemeClr val="accent1"/>
+            </a:solidFill>
+          </a:ln>
+        </p:spPr>
+        <p:style>
+          <a:lnRef idx="1">
+            <a:schemeClr val="accent1"/>
+          </a:lnRef>
+          <a:fillRef idx="0">
+            <a:schemeClr val="accent1"/>
+          </a:fillRef>
+          <a:effectRef idx="0">
+            <a:schemeClr val="accent1"/>
+          </a:effectRef>
+          <a:fontRef idx="minor">
+            <a:schemeClr val="tx1"/>
+          </a:fontRef>
+        </p:style>
+      </p:cxnSp>
+      <p:cxnSp>
+        <p:nvCxnSpPr>
+          <p:cNvPr id="5" name="Straight Connector 4"/>
+          <p:cNvCxnSpPr/>
+          <p:nvPr/>
+        </p:nvCxnSpPr>
+        <p:spPr>
+          <a:xfrm>
+            <a:off x="5134610" y="1816100"/>
+            <a:ext cx="2445385" cy="1073785"/>
+          </a:xfrm>
+          <a:prstGeom prst="line">
+            <a:avLst/>
+          </a:prstGeom>
+          <a:ln w="19050">
+            <a:solidFill>
+              <a:schemeClr val="accent1"/>
+            </a:solidFill>
+          </a:ln>
+        </p:spPr>
+        <p:style>
+          <a:lnRef idx="1">
+            <a:schemeClr val="accent1"/>
+          </a:lnRef>
+          <a:fillRef idx="0">
+            <a:schemeClr val="accent1"/>
+          </a:fillRef>
+          <a:effectRef idx="0">
+            <a:schemeClr val="accent1"/>
+          </a:effectRef>
+          <a:fontRef idx="minor">
+            <a:schemeClr val="tx1"/>
+          </a:fontRef>
+        </p:style>
+      </p:cxnSp>
+      <p:sp>
+        <p:nvSpPr>
+          <p:cNvPr id="6" name="Text Box 5"/>
+          <p:cNvSpPr txBox="1"/>
+          <p:nvPr/>
+        </p:nvSpPr>
+        <p:spPr>
+          <a:xfrm>
+            <a:off x="2212340" y="3012440"/>
+            <a:ext cx="1859280" cy="521970"/>
+          </a:xfrm>
+          <a:prstGeom prst="rect">
+            <a:avLst/>
+          </a:prstGeom>
+          <a:noFill/>
+        </p:spPr>
+        <p:txBody>
+          <a:bodyPr wrap="square" rtlCol="0">
+            <a:spAutoFit/>
+          </a:bodyPr>
+          <a:lstStyle/>
+          <a:p>
+            <a:r>
+              <a:rPr lang="en-US" sz="1400"/>
+              <a:t>PID</a:t>
+            </a:r>
+            <a:r>
+              <a:rPr lang="ja-JP" altLang="en-US" sz="1400"/>
+              <a:t>による</a:t>
+            </a:r>
+            <a:r>
+              <a:rPr lang="en-US" altLang="ja-JP" sz="1400"/>
+              <a:t>pitch</a:t>
+            </a:r>
+            <a:r>
+              <a:rPr lang="ja-JP" altLang="en-US" sz="1400"/>
+              <a:t>角速度制御</a:t>
+            </a:r>
+          </a:p>
+        </p:txBody>
+      </p:sp>
+      <p:sp>
+        <p:nvSpPr>
+          <p:cNvPr id="7" name="Text Box 6"/>
+          <p:cNvSpPr txBox="1"/>
+          <p:nvPr/>
+        </p:nvSpPr>
+        <p:spPr>
+          <a:xfrm>
+            <a:off x="3556000" y="6180455"/>
+            <a:ext cx="1859280" cy="521970"/>
+          </a:xfrm>
+          <a:prstGeom prst="rect">
+            <a:avLst/>
+          </a:prstGeom>
+          <a:noFill/>
+        </p:spPr>
+        <p:txBody>
+          <a:bodyPr wrap="square" rtlCol="0">
+            <a:spAutoFit/>
+          </a:bodyPr>
+          <a:lstStyle/>
+          <a:p>
+            <a:r>
+              <a:rPr lang="en-US" altLang="ja-JP" sz="1400"/>
+              <a:t>pitch</a:t>
+            </a:r>
+            <a:r>
+              <a:rPr lang="ja-JP" altLang="en-US" sz="1400"/>
+              <a:t>角速度フィードバック信号</a:t>
+            </a:r>
+            <a:r>
+              <a:rPr lang="en-US" altLang="ja-JP" sz="1400"/>
+              <a:t>input</a:t>
+            </a:r>
+          </a:p>
+        </p:txBody>
+      </p:sp>
+      <p:sp>
+        <p:nvSpPr>
+          <p:cNvPr id="8" name="Text Box 7"/>
+          <p:cNvSpPr txBox="1"/>
+          <p:nvPr/>
+        </p:nvSpPr>
+        <p:spPr>
+          <a:xfrm>
+            <a:off x="1236980" y="4637405"/>
+            <a:ext cx="1859280" cy="521970"/>
+          </a:xfrm>
+          <a:prstGeom prst="rect">
+            <a:avLst/>
+          </a:prstGeom>
+          <a:noFill/>
+        </p:spPr>
+        <p:txBody>
+          <a:bodyPr wrap="square" rtlCol="0">
+            <a:spAutoFit/>
+          </a:bodyPr>
+          <a:lstStyle/>
+          <a:p>
+            <a:r>
+              <a:rPr lang="en-US" altLang="ja-JP" sz="1400"/>
+              <a:t>pitch</a:t>
+            </a:r>
+            <a:r>
+              <a:rPr lang="ja-JP" altLang="en-US" sz="1400"/>
+              <a:t>角速度指令信号</a:t>
+            </a:r>
+            <a:r>
+              <a:rPr lang="en-US" altLang="ja-JP" sz="1400"/>
+              <a:t>input</a:t>
+            </a:r>
           </a:p>
         </p:txBody>
       </p:sp>
@@ -6591,6 +7151,30 @@
           <a:chExt cx="0" cy="0"/>
         </a:xfrm>
       </p:grpSpPr>
+      <p:pic>
+        <p:nvPicPr>
+          <p:cNvPr id="3" name="Picture 2"/>
+          <p:cNvPicPr>
+            <a:picLocks noChangeAspect="1"/>
+          </p:cNvPicPr>
+          <p:nvPr/>
+        </p:nvPicPr>
+        <p:blipFill>
+          <a:blip r:embed="rId2"/>
+          <a:stretch>
+            <a:fillRect/>
+          </a:stretch>
+        </p:blipFill>
+        <p:spPr>
+          <a:xfrm>
+            <a:off x="3810000" y="1318260"/>
+            <a:ext cx="4991100" cy="6073140"/>
+          </a:xfrm>
+          <a:prstGeom prst="rect">
+            <a:avLst/>
+          </a:prstGeom>
+        </p:spPr>
+      </p:pic>
     </p:spTree>
   </p:cSld>
   <p:clrMapOvr>
@@ -6616,6 +7200,44 @@
           <a:chExt cx="0" cy="0"/>
         </a:xfrm>
       </p:grpSpPr>
+      <p:sp>
+        <p:nvSpPr>
+          <p:cNvPr id="2" name="Title 1"/>
+          <p:cNvSpPr>
+            <a:spLocks noGrp="1"/>
+          </p:cNvSpPr>
+          <p:nvPr>
+            <p:ph type="title"/>
+          </p:nvPr>
+        </p:nvSpPr>
+        <p:spPr/>
+        <p:txBody>
+          <a:bodyPr/>
+          <a:lstStyle/>
+          <a:p>
+            <a:endParaRPr lang="en-US"/>
+          </a:p>
+        </p:txBody>
+      </p:sp>
+      <p:sp>
+        <p:nvSpPr>
+          <p:cNvPr id="3" name="Text Placeholder 2"/>
+          <p:cNvSpPr>
+            <a:spLocks noGrp="1"/>
+          </p:cNvSpPr>
+          <p:nvPr>
+            <p:ph type="body"/>
+          </p:nvPr>
+        </p:nvSpPr>
+        <p:spPr/>
+        <p:txBody>
+          <a:bodyPr/>
+          <a:lstStyle/>
+          <a:p>
+            <a:endParaRPr lang="en-US"/>
+          </a:p>
+        </p:txBody>
+      </p:sp>
     </p:spTree>
   </p:cSld>
   <p:clrMapOvr>
@@ -6625,6 +7247,56 @@
 </file>
 
 <file path=ppt/slides/slide26.xml><?xml version="1.0" encoding="utf-8"?>
+<p:sld xmlns:a="http://schemas.openxmlformats.org/drawingml/2006/main" xmlns:r="http://schemas.openxmlformats.org/officeDocument/2006/relationships" xmlns:p="http://schemas.openxmlformats.org/presentationml/2006/main">
+  <p:cSld>
+    <p:spTree>
+      <p:nvGrpSpPr>
+        <p:cNvPr id="1" name=""/>
+        <p:cNvGrpSpPr/>
+        <p:nvPr/>
+      </p:nvGrpSpPr>
+      <p:grpSpPr>
+        <a:xfrm>
+          <a:off x="0" y="0"/>
+          <a:ext cx="0" cy="0"/>
+          <a:chOff x="0" y="0"/>
+          <a:chExt cx="0" cy="0"/>
+        </a:xfrm>
+      </p:grpSpPr>
+    </p:spTree>
+  </p:cSld>
+  <p:clrMapOvr>
+    <a:masterClrMapping/>
+  </p:clrMapOvr>
+</p:sld>
+</file>
+
+<file path=ppt/slides/slide27.xml><?xml version="1.0" encoding="utf-8"?>
+<p:sld xmlns:a="http://schemas.openxmlformats.org/drawingml/2006/main" xmlns:r="http://schemas.openxmlformats.org/officeDocument/2006/relationships" xmlns:p="http://schemas.openxmlformats.org/presentationml/2006/main">
+  <p:cSld>
+    <p:spTree>
+      <p:nvGrpSpPr>
+        <p:cNvPr id="1" name=""/>
+        <p:cNvGrpSpPr/>
+        <p:nvPr/>
+      </p:nvGrpSpPr>
+      <p:grpSpPr>
+        <a:xfrm>
+          <a:off x="0" y="0"/>
+          <a:ext cx="0" cy="0"/>
+          <a:chOff x="0" y="0"/>
+          <a:chExt cx="0" cy="0"/>
+        </a:xfrm>
+      </p:grpSpPr>
+    </p:spTree>
+  </p:cSld>
+  <p:clrMapOvr>
+    <a:masterClrMapping/>
+  </p:clrMapOvr>
+</p:sld>
+</file>
+
+<file path=ppt/slides/slide28.xml><?xml version="1.0" encoding="utf-8"?>
 <p:sld xmlns:a="http://schemas.openxmlformats.org/drawingml/2006/main" xmlns:r="http://schemas.openxmlformats.org/officeDocument/2006/relationships" xmlns:p="http://schemas.openxmlformats.org/presentationml/2006/main">
   <p:cSld>
     <p:spTree>
@@ -7274,23 +7946,28 @@
       </p:grpSpPr>
       <p:pic>
         <p:nvPicPr>
-          <p:cNvPr id="2" name="図 1"/>
+          <p:cNvPr id="4" name="図 3">
+            <a:extLst>
+              <a:ext uri="{FF2B5EF4-FFF2-40B4-BE49-F238E27FC236}">
+                <a16:creationId xmlns:a16="http://schemas.microsoft.com/office/drawing/2014/main" id="{8FBD89BB-CB09-4A1A-8BD3-43A838582509}"/>
+              </a:ext>
+            </a:extLst>
+          </p:cNvPr>
           <p:cNvPicPr>
             <a:picLocks noChangeAspect="1"/>
           </p:cNvPicPr>
           <p:nvPr/>
         </p:nvPicPr>
-        <p:blipFill rotWithShape="1">
+        <p:blipFill>
           <a:blip r:embed="rId2"/>
-          <a:srcRect l="3226" t="13033" r="2737" b="20534"/>
           <a:stretch>
             <a:fillRect/>
           </a:stretch>
         </p:blipFill>
         <p:spPr>
           <a:xfrm>
-            <a:off x="1253450" y="554056"/>
-            <a:ext cx="4021667" cy="1202266"/>
+            <a:off x="3615934" y="460494"/>
+            <a:ext cx="3627686" cy="2368073"/>
           </a:xfrm>
           <a:prstGeom prst="rect">
             <a:avLst/>
@@ -7299,7 +7976,13 @@
       </p:pic>
       <p:pic>
         <p:nvPicPr>
-          <p:cNvPr id="3" name="図 2"/>
+          <p:cNvPr id="6" name="図 5">
+            <a:extLst>
+              <a:ext uri="{FF2B5EF4-FFF2-40B4-BE49-F238E27FC236}">
+                <a16:creationId xmlns:a16="http://schemas.microsoft.com/office/drawing/2014/main" id="{6BED0927-1B08-471B-9DB5-7E12CE388CA2}"/>
+              </a:ext>
+            </a:extLst>
+          </p:cNvPr>
           <p:cNvPicPr>
             <a:picLocks noChangeAspect="1"/>
           </p:cNvPicPr>
@@ -7313,24 +7996,60 @@
         </p:blipFill>
         <p:spPr>
           <a:xfrm>
-            <a:off x="1253450" y="1720095"/>
-            <a:ext cx="7573723" cy="5379908"/>
+            <a:off x="3615934" y="2828567"/>
+            <a:ext cx="3627686" cy="2368073"/>
           </a:xfrm>
           <a:prstGeom prst="rect">
             <a:avLst/>
           </a:prstGeom>
         </p:spPr>
       </p:pic>
-      <p:sp>
-        <p:nvSpPr>
-          <p:cNvPr id="4" name="Text Box 9"/>
+      <p:pic>
+        <p:nvPicPr>
+          <p:cNvPr id="7" name="図 6">
+            <a:extLst>
+              <a:ext uri="{FF2B5EF4-FFF2-40B4-BE49-F238E27FC236}">
+                <a16:creationId xmlns:a16="http://schemas.microsoft.com/office/drawing/2014/main" id="{BABEB3DC-E937-47FA-AD9D-00BC5AD163E8}"/>
+              </a:ext>
+            </a:extLst>
+          </p:cNvPr>
+          <p:cNvPicPr>
+            <a:picLocks noChangeAspect="1"/>
+          </p:cNvPicPr>
+          <p:nvPr/>
+        </p:nvPicPr>
+        <p:blipFill>
+          <a:blip r:embed="rId4"/>
+          <a:stretch>
+            <a:fillRect/>
+          </a:stretch>
+        </p:blipFill>
+        <p:spPr>
+          <a:xfrm>
+            <a:off x="3615934" y="5196640"/>
+            <a:ext cx="3627686" cy="2363035"/>
+          </a:xfrm>
+          <a:prstGeom prst="rect">
+            <a:avLst/>
+          </a:prstGeom>
+        </p:spPr>
+      </p:pic>
+      <p:sp>
+        <p:nvSpPr>
+          <p:cNvPr id="8" name="Text Box 9">
+            <a:extLst>
+              <a:ext uri="{FF2B5EF4-FFF2-40B4-BE49-F238E27FC236}">
+                <a16:creationId xmlns:a16="http://schemas.microsoft.com/office/drawing/2014/main" id="{AAD1D620-AC35-4B1D-B563-B97AD3065375}"/>
+              </a:ext>
+            </a:extLst>
+          </p:cNvPr>
           <p:cNvSpPr txBox="1"/>
           <p:nvPr/>
         </p:nvSpPr>
         <p:spPr>
           <a:xfrm>
-            <a:off x="4716461" y="5401641"/>
-            <a:ext cx="1684866" cy="306705"/>
+            <a:off x="3101783" y="189878"/>
+            <a:ext cx="2765615" cy="307777"/>
           </a:xfrm>
           <a:prstGeom prst="rect">
             <a:avLst/>
@@ -7344,109 +8063,18 @@
           <a:lstStyle/>
           <a:p>
             <a:r>
-              <a:rPr lang="en-US" sz="1400" dirty="0"/>
-              <a:t>elevator command</a:t>
-            </a:r>
-            <a:endParaRPr lang="ja-JP" altLang="en-US" sz="1400" dirty="0"/>
-          </a:p>
-        </p:txBody>
-      </p:sp>
-      <p:cxnSp>
-        <p:nvCxnSpPr>
-          <p:cNvPr id="5" name="Straight Connector 12"/>
-          <p:cNvCxnSpPr>
-            <a:endCxn id="4" idx="2"/>
-          </p:cNvCxnSpPr>
-          <p:nvPr/>
-        </p:nvCxnSpPr>
-        <p:spPr>
-          <a:xfrm flipV="1">
-            <a:off x="5331884" y="5708961"/>
-            <a:ext cx="227010" cy="587700"/>
-          </a:xfrm>
-          <a:prstGeom prst="line">
-            <a:avLst/>
-          </a:prstGeom>
-          <a:ln w="19050"/>
-        </p:spPr>
-        <p:style>
-          <a:lnRef idx="2">
-            <a:schemeClr val="accent1"/>
-          </a:lnRef>
-          <a:fillRef idx="0">
-            <a:schemeClr val="accent1"/>
-          </a:fillRef>
-          <a:effectRef idx="1">
-            <a:schemeClr val="accent1"/>
-          </a:effectRef>
-          <a:fontRef idx="minor">
-            <a:schemeClr val="tx1"/>
-          </a:fontRef>
-        </p:style>
-      </p:cxnSp>
-      <p:sp>
-        <p:nvSpPr>
-          <p:cNvPr id="7" name="Text Box 9"/>
-          <p:cNvSpPr txBox="1"/>
-          <p:nvPr/>
-        </p:nvSpPr>
-        <p:spPr>
-          <a:xfrm>
-            <a:off x="4904740" y="2742565"/>
-            <a:ext cx="1198880" cy="306705"/>
-          </a:xfrm>
-          <a:prstGeom prst="rect">
-            <a:avLst/>
-          </a:prstGeom>
-          <a:noFill/>
-        </p:spPr>
-        <p:txBody>
-          <a:bodyPr wrap="square" rtlCol="0">
-            <a:spAutoFit/>
-          </a:bodyPr>
-          <a:lstStyle/>
-          <a:p>
-            <a:r>
-              <a:rPr lang="en-US" altLang="ja-JP" sz="1400" dirty="0"/>
-              <a:t>pitch rate</a:t>
-            </a:r>
-          </a:p>
-        </p:txBody>
-      </p:sp>
-      <p:cxnSp>
-        <p:nvCxnSpPr>
-          <p:cNvPr id="8" name="Straight Connector 12"/>
-          <p:cNvCxnSpPr>
-            <a:endCxn id="7" idx="2"/>
-          </p:cNvCxnSpPr>
-          <p:nvPr/>
-        </p:nvCxnSpPr>
-        <p:spPr>
-          <a:xfrm flipV="1">
-            <a:off x="5116195" y="3049187"/>
-            <a:ext cx="387877" cy="1098211"/>
-          </a:xfrm>
-          <a:prstGeom prst="line">
-            <a:avLst/>
-          </a:prstGeom>
-          <a:ln w="19050"/>
-        </p:spPr>
-        <p:style>
-          <a:lnRef idx="2">
-            <a:schemeClr val="accent1"/>
-          </a:lnRef>
-          <a:fillRef idx="0">
-            <a:schemeClr val="accent1"/>
-          </a:fillRef>
-          <a:effectRef idx="1">
-            <a:schemeClr val="accent1"/>
-          </a:effectRef>
-          <a:fontRef idx="minor">
-            <a:schemeClr val="tx1"/>
-          </a:fontRef>
-        </p:style>
-      </p:cxnSp>
+              <a:rPr lang="en-US" altLang="ja-JP" sz="1400" dirty="0"/>
+              <a:t>X-plane 10, Cessna Citation-X</a:t>
+            </a:r>
+          </a:p>
+        </p:txBody>
+      </p:sp>
     </p:spTree>
+    <p:extLst>
+      <p:ext uri="{BB962C8B-B14F-4D97-AF65-F5344CB8AC3E}">
+        <p14:creationId xmlns:p14="http://schemas.microsoft.com/office/powerpoint/2010/main" val="2903932456"/>
+      </p:ext>
+    </p:extLst>
   </p:cSld>
   <p:clrMapOvr>
     <a:masterClrMapping/>
@@ -7473,22 +8101,23 @@
       </p:grpSpPr>
       <p:pic>
         <p:nvPicPr>
-          <p:cNvPr id="9" name="図 8"/>
+          <p:cNvPr id="2" name="図 1"/>
           <p:cNvPicPr>
             <a:picLocks noChangeAspect="1"/>
           </p:cNvPicPr>
           <p:nvPr/>
         </p:nvPicPr>
-        <p:blipFill>
+        <p:blipFill rotWithShape="1">
           <a:blip r:embed="rId2"/>
+          <a:srcRect l="3226" t="13033" r="2737" b="20534"/>
           <a:stretch>
             <a:fillRect/>
           </a:stretch>
         </p:blipFill>
         <p:spPr>
           <a:xfrm>
-            <a:off x="863981" y="1828201"/>
-            <a:ext cx="7573723" cy="5393409"/>
+            <a:off x="1253450" y="554056"/>
+            <a:ext cx="4021667" cy="1202266"/>
           </a:xfrm>
           <a:prstGeom prst="rect">
             <a:avLst/>
@@ -7497,23 +8126,22 @@
       </p:pic>
       <p:pic>
         <p:nvPicPr>
-          <p:cNvPr id="2" name="図 1"/>
+          <p:cNvPr id="3" name="図 2"/>
           <p:cNvPicPr>
             <a:picLocks noChangeAspect="1"/>
           </p:cNvPicPr>
           <p:nvPr/>
         </p:nvPicPr>
-        <p:blipFill rotWithShape="1">
+        <p:blipFill>
           <a:blip r:embed="rId3"/>
-          <a:srcRect l="2773" b="28632"/>
           <a:stretch>
             <a:fillRect/>
           </a:stretch>
         </p:blipFill>
         <p:spPr>
           <a:xfrm>
-            <a:off x="1041399" y="741249"/>
-            <a:ext cx="4275907" cy="1146818"/>
+            <a:off x="1253450" y="1720095"/>
+            <a:ext cx="7573723" cy="5379908"/>
           </a:xfrm>
           <a:prstGeom prst="rect">
             <a:avLst/>
@@ -7528,8 +8156,8 @@
         </p:nvSpPr>
         <p:spPr>
           <a:xfrm>
-            <a:off x="1041399" y="401090"/>
-            <a:ext cx="1803401" cy="523220"/>
+            <a:off x="4716461" y="5401641"/>
+            <a:ext cx="1684866" cy="306705"/>
           </a:xfrm>
           <a:prstGeom prst="rect">
             <a:avLst/>
@@ -7543,44 +8171,6 @@
           <a:lstStyle/>
           <a:p>
             <a:r>
-              <a:rPr lang="en-US" altLang="ja-JP" sz="1400" dirty="0"/>
-              <a:t>Elevator</a:t>
-            </a:r>
-            <a:r>
-              <a:rPr lang="ja-JP" altLang="en-US" sz="1400" dirty="0"/>
-              <a:t> </a:t>
-            </a:r>
-            <a:r>
-              <a:rPr lang="en-US" altLang="ja-JP" sz="1400" dirty="0"/>
-              <a:t>command with pulse shape</a:t>
-            </a:r>
-            <a:endParaRPr lang="ja-JP" altLang="en-US" sz="1400" dirty="0"/>
-          </a:p>
-        </p:txBody>
-      </p:sp>
-      <p:sp>
-        <p:nvSpPr>
-          <p:cNvPr id="5" name="Text Box 9"/>
-          <p:cNvSpPr txBox="1"/>
-          <p:nvPr/>
-        </p:nvSpPr>
-        <p:spPr>
-          <a:xfrm>
-            <a:off x="4837111" y="5772480"/>
-            <a:ext cx="1684866" cy="306705"/>
-          </a:xfrm>
-          <a:prstGeom prst="rect">
-            <a:avLst/>
-          </a:prstGeom>
-          <a:noFill/>
-        </p:spPr>
-        <p:txBody>
-          <a:bodyPr wrap="square" rtlCol="0">
-            <a:spAutoFit/>
-          </a:bodyPr>
-          <a:lstStyle/>
-          <a:p>
-            <a:r>
               <a:rPr lang="en-US" sz="1400" dirty="0"/>
               <a:t>elevator command</a:t>
             </a:r>
@@ -7590,16 +8180,16 @@
       </p:sp>
       <p:cxnSp>
         <p:nvCxnSpPr>
-          <p:cNvPr id="6" name="Straight Connector 12"/>
+          <p:cNvPr id="5" name="Straight Connector 12"/>
           <p:cNvCxnSpPr>
-            <a:endCxn id="5" idx="1"/>
+            <a:endCxn id="4" idx="2"/>
           </p:cNvCxnSpPr>
           <p:nvPr/>
         </p:nvCxnSpPr>
         <p:spPr>
-          <a:xfrm>
-            <a:off x="4377267" y="5471582"/>
-            <a:ext cx="459844" cy="454558"/>
+          <a:xfrm flipV="1">
+            <a:off x="5331884" y="5708961"/>
+            <a:ext cx="227010" cy="587700"/>
           </a:xfrm>
           <a:prstGeom prst="line">
             <a:avLst/>
@@ -7623,14 +8213,14 @@
       </p:cxnSp>
       <p:sp>
         <p:nvSpPr>
-          <p:cNvPr id="10" name="Text Box 9"/>
+          <p:cNvPr id="7" name="Text Box 9"/>
           <p:cNvSpPr txBox="1"/>
           <p:nvPr/>
         </p:nvSpPr>
         <p:spPr>
           <a:xfrm>
-            <a:off x="4517228" y="3983696"/>
-            <a:ext cx="1046169" cy="306705"/>
+            <a:off x="4904740" y="2742565"/>
+            <a:ext cx="1198880" cy="306705"/>
           </a:xfrm>
           <a:prstGeom prst="rect">
             <a:avLst/>
@@ -7645,23 +8235,23 @@
           <a:p>
             <a:r>
               <a:rPr lang="en-US" altLang="ja-JP" sz="1400" dirty="0"/>
-              <a:t>pitch angle</a:t>
+              <a:t>pitch rate</a:t>
             </a:r>
           </a:p>
         </p:txBody>
       </p:sp>
       <p:cxnSp>
         <p:nvCxnSpPr>
-          <p:cNvPr id="11" name="Straight Connector 12"/>
+          <p:cNvPr id="8" name="Straight Connector 12"/>
           <p:cNvCxnSpPr>
-            <a:endCxn id="10" idx="0"/>
+            <a:endCxn id="7" idx="2"/>
           </p:cNvCxnSpPr>
           <p:nvPr/>
         </p:nvCxnSpPr>
         <p:spPr>
-          <a:xfrm>
-            <a:off x="4837111" y="3212151"/>
-            <a:ext cx="203202" cy="771545"/>
+          <a:xfrm flipV="1">
+            <a:off x="5116195" y="3049187"/>
+            <a:ext cx="387877" cy="1098211"/>
           </a:xfrm>
           <a:prstGeom prst="line">
             <a:avLst/>
@@ -7710,6 +8300,30 @@
       </p:grpSpPr>
       <p:pic>
         <p:nvPicPr>
+          <p:cNvPr id="9" name="図 8"/>
+          <p:cNvPicPr>
+            <a:picLocks noChangeAspect="1"/>
+          </p:cNvPicPr>
+          <p:nvPr/>
+        </p:nvPicPr>
+        <p:blipFill>
+          <a:blip r:embed="rId2"/>
+          <a:stretch>
+            <a:fillRect/>
+          </a:stretch>
+        </p:blipFill>
+        <p:spPr>
+          <a:xfrm>
+            <a:off x="863981" y="1828201"/>
+            <a:ext cx="7573723" cy="5393409"/>
+          </a:xfrm>
+          <a:prstGeom prst="rect">
+            <a:avLst/>
+          </a:prstGeom>
+        </p:spPr>
+      </p:pic>
+      <p:pic>
+        <p:nvPicPr>
           <p:cNvPr id="2" name="図 1"/>
           <p:cNvPicPr>
             <a:picLocks noChangeAspect="1"/>
@@ -7717,7 +8331,7 @@
           <p:nvPr/>
         </p:nvPicPr>
         <p:blipFill rotWithShape="1">
-          <a:blip r:embed="rId2"/>
+          <a:blip r:embed="rId3"/>
           <a:srcRect l="2773" b="28632"/>
           <a:stretch>
             <a:fillRect/>
@@ -7735,13 +8349,13 @@
       </p:pic>
       <p:sp>
         <p:nvSpPr>
-          <p:cNvPr id="3" name="Text Box 9"/>
+          <p:cNvPr id="4" name="Text Box 9"/>
           <p:cNvSpPr txBox="1"/>
           <p:nvPr/>
         </p:nvSpPr>
         <p:spPr>
           <a:xfrm>
-            <a:off x="1041399" y="418027"/>
+            <a:off x="1041399" y="401090"/>
             <a:ext cx="1803401" cy="523220"/>
           </a:xfrm>
           <a:prstGeom prst="rect">
@@ -7771,40 +8385,16 @@
           </a:p>
         </p:txBody>
       </p:sp>
-      <p:pic>
-        <p:nvPicPr>
-          <p:cNvPr id="4" name="図 3"/>
-          <p:cNvPicPr>
-            <a:picLocks noChangeAspect="1"/>
-          </p:cNvPicPr>
-          <p:nvPr/>
-        </p:nvPicPr>
-        <p:blipFill>
-          <a:blip r:embed="rId3"/>
-          <a:stretch>
-            <a:fillRect/>
-          </a:stretch>
-        </p:blipFill>
-        <p:spPr>
-          <a:xfrm>
-            <a:off x="1041399" y="1888067"/>
-            <a:ext cx="7573723" cy="5391464"/>
-          </a:xfrm>
-          <a:prstGeom prst="rect">
-            <a:avLst/>
-          </a:prstGeom>
-        </p:spPr>
-      </p:pic>
-      <p:sp>
-        <p:nvSpPr>
-          <p:cNvPr id="7" name="Text Box 9"/>
+      <p:sp>
+        <p:nvSpPr>
+          <p:cNvPr id="5" name="Text Box 9"/>
           <p:cNvSpPr txBox="1"/>
           <p:nvPr/>
         </p:nvSpPr>
         <p:spPr>
           <a:xfrm>
-            <a:off x="3778885" y="2727325"/>
-            <a:ext cx="1130935" cy="306705"/>
+            <a:off x="4837111" y="5772480"/>
+            <a:ext cx="1684866" cy="306705"/>
           </a:xfrm>
           <a:prstGeom prst="rect">
             <a:avLst/>
@@ -7818,24 +8408,25 @@
           <a:lstStyle/>
           <a:p>
             <a:r>
-              <a:rPr lang="en-US" altLang="ja-JP" sz="1400" dirty="0"/>
-              <a:t>pitch rate</a:t>
-            </a:r>
+              <a:rPr lang="en-US" sz="1400" dirty="0"/>
+              <a:t>elevator command</a:t>
+            </a:r>
+            <a:endParaRPr lang="ja-JP" altLang="en-US" sz="1400" dirty="0"/>
           </a:p>
         </p:txBody>
       </p:sp>
       <p:cxnSp>
         <p:nvCxnSpPr>
-          <p:cNvPr id="8" name="Straight Connector 12"/>
+          <p:cNvPr id="6" name="Straight Connector 12"/>
           <p:cNvCxnSpPr>
-            <a:endCxn id="7" idx="2"/>
+            <a:endCxn id="5" idx="1"/>
           </p:cNvCxnSpPr>
           <p:nvPr/>
         </p:nvCxnSpPr>
         <p:spPr>
-          <a:xfrm flipV="1">
-            <a:off x="3956821" y="3034250"/>
-            <a:ext cx="387878" cy="1098212"/>
+          <a:xfrm>
+            <a:off x="4377267" y="5471582"/>
+            <a:ext cx="459844" cy="454558"/>
           </a:xfrm>
           <a:prstGeom prst="line">
             <a:avLst/>
@@ -7859,14 +8450,14 @@
       </p:cxnSp>
       <p:sp>
         <p:nvSpPr>
-          <p:cNvPr id="9" name="Text Box 9"/>
+          <p:cNvPr id="10" name="Text Box 9"/>
           <p:cNvSpPr txBox="1"/>
           <p:nvPr/>
         </p:nvSpPr>
         <p:spPr>
           <a:xfrm>
-            <a:off x="5074180" y="6221213"/>
-            <a:ext cx="1684866" cy="306705"/>
+            <a:off x="4517228" y="3983696"/>
+            <a:ext cx="1046169" cy="306705"/>
           </a:xfrm>
           <a:prstGeom prst="rect">
             <a:avLst/>
@@ -7880,25 +8471,24 @@
           <a:lstStyle/>
           <a:p>
             <a:r>
-              <a:rPr lang="en-US" sz="1400" dirty="0"/>
-              <a:t>elevator command</a:t>
-            </a:r>
-            <a:endParaRPr lang="ja-JP" altLang="en-US" sz="1400" dirty="0"/>
+              <a:rPr lang="en-US" altLang="ja-JP" sz="1400" dirty="0"/>
+              <a:t>pitch angle</a:t>
+            </a:r>
           </a:p>
         </p:txBody>
       </p:sp>
       <p:cxnSp>
         <p:nvCxnSpPr>
-          <p:cNvPr id="10" name="Straight Connector 12"/>
+          <p:cNvPr id="11" name="Straight Connector 12"/>
           <p:cNvCxnSpPr>
-            <a:endCxn id="9" idx="1"/>
+            <a:endCxn id="10" idx="0"/>
           </p:cNvCxnSpPr>
           <p:nvPr/>
         </p:nvCxnSpPr>
         <p:spPr>
           <a:xfrm>
-            <a:off x="4508742" y="6174317"/>
-            <a:ext cx="565438" cy="200556"/>
+            <a:off x="4837111" y="3212151"/>
+            <a:ext cx="203202" cy="771545"/>
           </a:xfrm>
           <a:prstGeom prst="line">
             <a:avLst/>
@@ -7947,22 +8537,23 @@
       </p:grpSpPr>
       <p:pic>
         <p:nvPicPr>
-          <p:cNvPr id="2" name="Picture 1"/>
+          <p:cNvPr id="2" name="図 1"/>
           <p:cNvPicPr>
             <a:picLocks noChangeAspect="1"/>
           </p:cNvPicPr>
           <p:nvPr/>
         </p:nvPicPr>
-        <p:blipFill>
+        <p:blipFill rotWithShape="1">
           <a:blip r:embed="rId2"/>
+          <a:srcRect l="2773" b="28632"/>
           <a:stretch>
             <a:fillRect/>
           </a:stretch>
         </p:blipFill>
         <p:spPr>
           <a:xfrm>
-            <a:off x="183515" y="1783080"/>
-            <a:ext cx="9570720" cy="3992880"/>
+            <a:off x="1041399" y="741249"/>
+            <a:ext cx="4275907" cy="1146818"/>
           </a:xfrm>
           <a:prstGeom prst="rect">
             <a:avLst/>
@@ -7977,8 +8568,8 @@
         </p:nvSpPr>
         <p:spPr>
           <a:xfrm>
-            <a:off x="490301" y="1390259"/>
-            <a:ext cx="1054791" cy="523220"/>
+            <a:off x="1041399" y="418027"/>
+            <a:ext cx="1803401" cy="523220"/>
           </a:xfrm>
           <a:prstGeom prst="rect">
             <a:avLst/>
@@ -7993,69 +8584,54 @@
           <a:p>
             <a:r>
               <a:rPr lang="en-US" altLang="ja-JP" sz="1400" dirty="0"/>
-              <a:t>Target of pitch angle</a:t>
+              <a:t>Elevator</a:t>
+            </a:r>
+            <a:r>
+              <a:rPr lang="ja-JP" altLang="en-US" sz="1400" dirty="0"/>
+              <a:t> </a:t>
+            </a:r>
+            <a:r>
+              <a:rPr lang="en-US" altLang="ja-JP" sz="1400" dirty="0"/>
+              <a:t>command with pulse shape</a:t>
             </a:r>
             <a:endParaRPr lang="ja-JP" altLang="en-US" sz="1400" dirty="0"/>
           </a:p>
         </p:txBody>
       </p:sp>
-      <p:sp>
-        <p:nvSpPr>
-          <p:cNvPr id="4" name="正方形/長方形 3"/>
-          <p:cNvSpPr/>
-          <p:nvPr/>
-        </p:nvSpPr>
-        <p:spPr>
-          <a:xfrm>
-            <a:off x="1523022" y="1693332"/>
-            <a:ext cx="5487378" cy="4064001"/>
-          </a:xfrm>
-          <a:prstGeom prst="rect">
-            <a:avLst/>
-          </a:prstGeom>
-          <a:noFill/>
-          <a:ln>
-            <a:solidFill>
-              <a:srgbClr val="FF0000"/>
-            </a:solidFill>
-            <a:prstDash val="dash"/>
-          </a:ln>
-        </p:spPr>
-        <p:style>
-          <a:lnRef idx="2">
-            <a:schemeClr val="accent1">
-              <a:shade val="50000"/>
-            </a:schemeClr>
-          </a:lnRef>
-          <a:fillRef idx="1">
-            <a:schemeClr val="accent1"/>
-          </a:fillRef>
-          <a:effectRef idx="0">
-            <a:schemeClr val="accent1"/>
-          </a:effectRef>
-          <a:fontRef idx="minor">
-            <a:schemeClr val="lt1"/>
-          </a:fontRef>
-        </p:style>
-        <p:txBody>
-          <a:bodyPr rtlCol="0" anchor="ctr"/>
-          <a:lstStyle/>
-          <a:p>
-            <a:pPr algn="ctr"/>
-            <a:endParaRPr kumimoji="1" lang="ja-JP" altLang="en-US"/>
-          </a:p>
-        </p:txBody>
-      </p:sp>
-      <p:sp>
-        <p:nvSpPr>
-          <p:cNvPr id="5" name="Text Box 9"/>
+      <p:pic>
+        <p:nvPicPr>
+          <p:cNvPr id="4" name="図 3"/>
+          <p:cNvPicPr>
+            <a:picLocks noChangeAspect="1"/>
+          </p:cNvPicPr>
+          <p:nvPr/>
+        </p:nvPicPr>
+        <p:blipFill>
+          <a:blip r:embed="rId3"/>
+          <a:stretch>
+            <a:fillRect/>
+          </a:stretch>
+        </p:blipFill>
+        <p:spPr>
+          <a:xfrm>
+            <a:off x="1041399" y="1888067"/>
+            <a:ext cx="7573723" cy="5391464"/>
+          </a:xfrm>
+          <a:prstGeom prst="rect">
+            <a:avLst/>
+          </a:prstGeom>
+        </p:spPr>
+      </p:pic>
+      <p:sp>
+        <p:nvSpPr>
+          <p:cNvPr id="7" name="Text Box 9"/>
           <p:cNvSpPr txBox="1"/>
           <p:nvPr/>
         </p:nvSpPr>
         <p:spPr>
           <a:xfrm>
-            <a:off x="2946400" y="906411"/>
-            <a:ext cx="3352800" cy="737235"/>
+            <a:off x="3778885" y="2727325"/>
+            <a:ext cx="1130935" cy="306705"/>
           </a:xfrm>
           <a:prstGeom prst="rect">
             <a:avLst/>
@@ -8070,72 +8646,28 @@
           <a:p>
             <a:r>
               <a:rPr lang="en-US" altLang="ja-JP" sz="1400" dirty="0"/>
-              <a:t>Aviator decides elevator angle command</a:t>
-            </a:r>
-          </a:p>
-          <a:p>
-            <a:r>
-              <a:rPr lang="en-US" altLang="ja-JP" sz="1400" dirty="0"/>
-              <a:t>= Feedback control system</a:t>
-            </a:r>
-          </a:p>
-        </p:txBody>
-      </p:sp>
-      <p:sp>
-        <p:nvSpPr>
-          <p:cNvPr id="6" name="Text Box 9"/>
-          <p:cNvSpPr txBox="1"/>
-          <p:nvPr/>
-        </p:nvSpPr>
-        <p:spPr>
-          <a:xfrm>
-            <a:off x="7327971" y="3839307"/>
-            <a:ext cx="1646692" cy="523220"/>
-          </a:xfrm>
-          <a:prstGeom prst="rect">
-            <a:avLst/>
-          </a:prstGeom>
-          <a:noFill/>
-        </p:spPr>
-        <p:txBody>
-          <a:bodyPr wrap="square" rtlCol="0">
-            <a:spAutoFit/>
-          </a:bodyPr>
-          <a:lstStyle/>
-          <a:p>
-            <a:r>
-              <a:rPr lang="en-US" altLang="ja-JP" sz="1400" dirty="0"/>
-              <a:t>Set gains by </a:t>
-            </a:r>
-            <a:r>
-              <a:rPr lang="en-US" altLang="ja-JP" sz="1400" dirty="0" err="1"/>
-              <a:t>try&amp;error</a:t>
-            </a:r>
-            <a:endParaRPr lang="ja-JP" altLang="en-US" sz="1400" dirty="0"/>
+              <a:t>pitch rate</a:t>
+            </a:r>
           </a:p>
         </p:txBody>
       </p:sp>
       <p:cxnSp>
         <p:nvCxnSpPr>
-          <p:cNvPr id="7" name="Straight Connector 12"/>
+          <p:cNvPr id="8" name="Straight Connector 12"/>
           <p:cNvCxnSpPr>
-            <a:endCxn id="6" idx="1"/>
+            <a:endCxn id="7" idx="2"/>
           </p:cNvCxnSpPr>
           <p:nvPr/>
         </p:nvCxnSpPr>
         <p:spPr>
-          <a:xfrm>
-            <a:off x="4597397" y="2751664"/>
-            <a:ext cx="2730574" cy="1349253"/>
+          <a:xfrm flipV="1">
+            <a:off x="3956821" y="3034250"/>
+            <a:ext cx="387878" cy="1098212"/>
           </a:xfrm>
           <a:prstGeom prst="line">
             <a:avLst/>
           </a:prstGeom>
-          <a:ln w="19050">
-            <a:solidFill>
-              <a:srgbClr val="FF0000"/>
-            </a:solidFill>
-          </a:ln>
+          <a:ln w="19050"/>
         </p:spPr>
         <p:style>
           <a:lnRef idx="2">
@@ -8152,27 +8684,53 @@
           </a:fontRef>
         </p:style>
       </p:cxnSp>
+      <p:sp>
+        <p:nvSpPr>
+          <p:cNvPr id="9" name="Text Box 9"/>
+          <p:cNvSpPr txBox="1"/>
+          <p:nvPr/>
+        </p:nvSpPr>
+        <p:spPr>
+          <a:xfrm>
+            <a:off x="5074180" y="6221213"/>
+            <a:ext cx="1684866" cy="306705"/>
+          </a:xfrm>
+          <a:prstGeom prst="rect">
+            <a:avLst/>
+          </a:prstGeom>
+          <a:noFill/>
+        </p:spPr>
+        <p:txBody>
+          <a:bodyPr wrap="square" rtlCol="0">
+            <a:spAutoFit/>
+          </a:bodyPr>
+          <a:lstStyle/>
+          <a:p>
+            <a:r>
+              <a:rPr lang="en-US" sz="1400" dirty="0"/>
+              <a:t>elevator command</a:t>
+            </a:r>
+            <a:endParaRPr lang="ja-JP" altLang="en-US" sz="1400" dirty="0"/>
+          </a:p>
+        </p:txBody>
+      </p:sp>
       <p:cxnSp>
         <p:nvCxnSpPr>
-          <p:cNvPr id="13" name="Straight Connector 12"/>
+          <p:cNvPr id="10" name="Straight Connector 12"/>
           <p:cNvCxnSpPr>
-            <a:endCxn id="6" idx="1"/>
+            <a:endCxn id="9" idx="1"/>
           </p:cNvCxnSpPr>
           <p:nvPr/>
         </p:nvCxnSpPr>
         <p:spPr>
           <a:xfrm>
-            <a:off x="4597397" y="4021664"/>
-            <a:ext cx="2730574" cy="79253"/>
+            <a:off x="4508742" y="6174317"/>
+            <a:ext cx="565438" cy="200556"/>
           </a:xfrm>
           <a:prstGeom prst="line">
             <a:avLst/>
           </a:prstGeom>
-          <a:ln w="19050">
-            <a:solidFill>
-              <a:srgbClr val="FF0000"/>
-            </a:solidFill>
-          </a:ln>
+          <a:ln w="19050"/>
         </p:spPr>
         <p:style>
           <a:lnRef idx="2">
@@ -8189,73 +8747,6 @@
           </a:fontRef>
         </p:style>
       </p:cxnSp>
-      <p:cxnSp>
-        <p:nvCxnSpPr>
-          <p:cNvPr id="16" name="Straight Connector 12"/>
-          <p:cNvCxnSpPr>
-            <a:endCxn id="6" idx="1"/>
-          </p:cNvCxnSpPr>
-          <p:nvPr/>
-        </p:nvCxnSpPr>
-        <p:spPr>
-          <a:xfrm flipV="1">
-            <a:off x="4597397" y="4100917"/>
-            <a:ext cx="2730574" cy="1139949"/>
-          </a:xfrm>
-          <a:prstGeom prst="line">
-            <a:avLst/>
-          </a:prstGeom>
-          <a:ln w="19050">
-            <a:solidFill>
-              <a:srgbClr val="FF0000"/>
-            </a:solidFill>
-          </a:ln>
-        </p:spPr>
-        <p:style>
-          <a:lnRef idx="2">
-            <a:schemeClr val="accent1"/>
-          </a:lnRef>
-          <a:fillRef idx="0">
-            <a:schemeClr val="accent1"/>
-          </a:fillRef>
-          <a:effectRef idx="1">
-            <a:schemeClr val="accent1"/>
-          </a:effectRef>
-          <a:fontRef idx="minor">
-            <a:schemeClr val="tx1"/>
-          </a:fontRef>
-        </p:style>
-      </p:cxnSp>
-      <p:sp>
-        <p:nvSpPr>
-          <p:cNvPr id="11" name="Text Box 9"/>
-          <p:cNvSpPr txBox="1"/>
-          <p:nvPr/>
-        </p:nvSpPr>
-        <p:spPr>
-          <a:xfrm>
-            <a:off x="2201921" y="3083593"/>
-            <a:ext cx="1054791" cy="646331"/>
-          </a:xfrm>
-          <a:prstGeom prst="rect">
-            <a:avLst/>
-          </a:prstGeom>
-          <a:noFill/>
-        </p:spPr>
-        <p:txBody>
-          <a:bodyPr wrap="square" rtlCol="0">
-            <a:spAutoFit/>
-          </a:bodyPr>
-          <a:lstStyle/>
-          <a:p>
-            <a:r>
-              <a:rPr lang="en-US" altLang="ja-JP" sz="1200" dirty="0"/>
-              <a:t>Delay of human response</a:t>
-            </a:r>
-            <a:endParaRPr lang="ja-JP" altLang="en-US" sz="1200" dirty="0"/>
-          </a:p>
-        </p:txBody>
-      </p:sp>
     </p:spTree>
   </p:cSld>
   <p:clrMapOvr>
@@ -8281,9 +8772,50 @@
           <a:chExt cx="0" cy="0"/>
         </a:xfrm>
       </p:grpSpPr>
+      <p:sp>
+        <p:nvSpPr>
+          <p:cNvPr id="4" name="Text Box 9">
+            <a:extLst>
+              <a:ext uri="{FF2B5EF4-FFF2-40B4-BE49-F238E27FC236}">
+                <a16:creationId xmlns:a16="http://schemas.microsoft.com/office/drawing/2014/main" id="{DF41307E-9172-4B50-B557-CAC07142EDCE}"/>
+              </a:ext>
+            </a:extLst>
+          </p:cNvPr>
+          <p:cNvSpPr txBox="1"/>
+          <p:nvPr/>
+        </p:nvSpPr>
+        <p:spPr>
+          <a:xfrm>
+            <a:off x="1179851" y="0"/>
+            <a:ext cx="2765615" cy="307777"/>
+          </a:xfrm>
+          <a:prstGeom prst="rect">
+            <a:avLst/>
+          </a:prstGeom>
+          <a:noFill/>
+        </p:spPr>
+        <p:txBody>
+          <a:bodyPr wrap="square" rtlCol="0">
+            <a:spAutoFit/>
+          </a:bodyPr>
+          <a:lstStyle/>
+          <a:p>
+            <a:r>
+              <a:rPr lang="en-US" altLang="ja-JP" sz="1400" dirty="0"/>
+              <a:t>X-plane 10, Cessna Citation-X</a:t>
+            </a:r>
+          </a:p>
+        </p:txBody>
+      </p:sp>
       <p:pic>
         <p:nvPicPr>
-          <p:cNvPr id="10" name="Picture 9"/>
+          <p:cNvPr id="5" name="図 4">
+            <a:extLst>
+              <a:ext uri="{FF2B5EF4-FFF2-40B4-BE49-F238E27FC236}">
+                <a16:creationId xmlns:a16="http://schemas.microsoft.com/office/drawing/2014/main" id="{CDBF0752-BF01-4BBB-9380-63F8D35109F8}"/>
+              </a:ext>
+            </a:extLst>
+          </p:cNvPr>
           <p:cNvPicPr>
             <a:picLocks noChangeAspect="1"/>
           </p:cNvPicPr>
@@ -8297,216 +8829,23 @@
         </p:blipFill>
         <p:spPr>
           <a:xfrm>
-            <a:off x="1510030" y="2546985"/>
-            <a:ext cx="6322060" cy="4801235"/>
+            <a:off x="1761736" y="307777"/>
+            <a:ext cx="3627686" cy="2368073"/>
           </a:xfrm>
           <a:prstGeom prst="rect">
             <a:avLst/>
           </a:prstGeom>
         </p:spPr>
       </p:pic>
-      <p:sp>
-        <p:nvSpPr>
-          <p:cNvPr id="3" name="Text Box 9"/>
-          <p:cNvSpPr txBox="1"/>
-          <p:nvPr/>
-        </p:nvSpPr>
-        <p:spPr>
-          <a:xfrm>
-            <a:off x="5862248" y="1080688"/>
-            <a:ext cx="2647932" cy="1383665"/>
-          </a:xfrm>
-          <a:prstGeom prst="rect">
-            <a:avLst/>
-          </a:prstGeom>
-          <a:noFill/>
-        </p:spPr>
-        <p:txBody>
-          <a:bodyPr wrap="square" rtlCol="0">
-            <a:spAutoFit/>
-          </a:bodyPr>
-          <a:lstStyle/>
-          <a:p>
-            <a:r>
-              <a:rPr lang="en-US" altLang="ja-JP" sz="1400" dirty="0"/>
-              <a:t>P gain</a:t>
-            </a:r>
-            <a:r>
-              <a:rPr lang="ja-JP" altLang="en-US" sz="1400" dirty="0"/>
-              <a:t>：</a:t>
-            </a:r>
-            <a:r>
-              <a:rPr lang="en-US" altLang="ja-JP" sz="1400" dirty="0"/>
-              <a:t>-0.5</a:t>
-            </a:r>
-          </a:p>
-          <a:p>
-            <a:r>
-              <a:rPr lang="en-US" altLang="ja-JP" sz="1400" dirty="0"/>
-              <a:t>I gain</a:t>
-            </a:r>
-            <a:r>
-              <a:rPr lang="ja-JP" altLang="en-US" sz="1400" dirty="0"/>
-              <a:t>：</a:t>
-            </a:r>
-            <a:r>
-              <a:rPr lang="en-US" altLang="ja-JP" sz="1400" dirty="0"/>
-              <a:t>0</a:t>
-            </a:r>
-          </a:p>
-          <a:p>
-            <a:r>
-              <a:rPr lang="en-US" altLang="ja-JP" sz="1400" dirty="0"/>
-              <a:t>D gain </a:t>
-            </a:r>
-            <a:r>
-              <a:rPr lang="ja-JP" altLang="en-US" sz="1400" dirty="0"/>
-              <a:t>：</a:t>
-            </a:r>
-            <a:r>
-              <a:rPr lang="en-US" altLang="ja-JP" sz="1400" dirty="0"/>
-              <a:t>0</a:t>
-            </a:r>
-          </a:p>
-          <a:p>
-            <a:r>
-              <a:rPr lang="en-US" altLang="ja-JP" sz="1400" dirty="0"/>
-              <a:t>* </a:t>
-            </a:r>
-            <a:r>
-              <a:rPr lang="en-US" sz="1400" dirty="0"/>
-              <a:t>gains are negative because pitch increases with input of negative elevator angle</a:t>
-            </a:r>
-          </a:p>
-        </p:txBody>
-      </p:sp>
-      <p:sp>
-        <p:nvSpPr>
-          <p:cNvPr id="5" name="Text Box 9"/>
-          <p:cNvSpPr txBox="1"/>
-          <p:nvPr/>
-        </p:nvSpPr>
-        <p:spPr>
-          <a:xfrm>
-            <a:off x="4395470" y="2684780"/>
-            <a:ext cx="1290320" cy="306705"/>
-          </a:xfrm>
-          <a:prstGeom prst="rect">
-            <a:avLst/>
-          </a:prstGeom>
-          <a:noFill/>
-        </p:spPr>
-        <p:txBody>
-          <a:bodyPr wrap="square" rtlCol="0">
-            <a:spAutoFit/>
-          </a:bodyPr>
-          <a:lstStyle/>
-          <a:p>
-            <a:r>
-              <a:rPr lang="en-US" altLang="ja-JP" sz="1400" dirty="0"/>
-              <a:t>pitch angle</a:t>
-            </a:r>
-          </a:p>
-        </p:txBody>
-      </p:sp>
-      <p:cxnSp>
-        <p:nvCxnSpPr>
-          <p:cNvPr id="6" name="Straight Connector 12"/>
-          <p:cNvCxnSpPr>
-            <a:endCxn id="5" idx="2"/>
-          </p:cNvCxnSpPr>
-          <p:nvPr/>
-        </p:nvCxnSpPr>
-        <p:spPr>
-          <a:xfrm flipH="1" flipV="1">
-            <a:off x="5040714" y="2991418"/>
-            <a:ext cx="217488" cy="534528"/>
-          </a:xfrm>
-          <a:prstGeom prst="line">
-            <a:avLst/>
-          </a:prstGeom>
-          <a:ln w="19050"/>
-        </p:spPr>
-        <p:style>
-          <a:lnRef idx="2">
-            <a:schemeClr val="accent1"/>
-          </a:lnRef>
-          <a:fillRef idx="0">
-            <a:schemeClr val="accent1"/>
-          </a:fillRef>
-          <a:effectRef idx="1">
-            <a:schemeClr val="accent1"/>
-          </a:effectRef>
-          <a:fontRef idx="minor">
-            <a:schemeClr val="tx1"/>
-          </a:fontRef>
-        </p:style>
-      </p:cxnSp>
-      <p:cxnSp>
-        <p:nvCxnSpPr>
-          <p:cNvPr id="7" name="Straight Connector 12"/>
-          <p:cNvCxnSpPr>
-            <a:endCxn id="8" idx="2"/>
-          </p:cNvCxnSpPr>
-          <p:nvPr/>
-        </p:nvCxnSpPr>
-        <p:spPr>
-          <a:xfrm flipH="1" flipV="1">
-            <a:off x="2280920" y="4040505"/>
-            <a:ext cx="687705" cy="356235"/>
-          </a:xfrm>
-          <a:prstGeom prst="line">
-            <a:avLst/>
-          </a:prstGeom>
-          <a:ln w="19050"/>
-        </p:spPr>
-        <p:style>
-          <a:lnRef idx="2">
-            <a:schemeClr val="accent1"/>
-          </a:lnRef>
-          <a:fillRef idx="0">
-            <a:schemeClr val="accent1"/>
-          </a:fillRef>
-          <a:effectRef idx="1">
-            <a:schemeClr val="accent1"/>
-          </a:effectRef>
-          <a:fontRef idx="minor">
-            <a:schemeClr val="tx1"/>
-          </a:fontRef>
-        </p:style>
-      </p:cxnSp>
-      <p:sp>
-        <p:nvSpPr>
-          <p:cNvPr id="8" name="Text Box 9"/>
-          <p:cNvSpPr txBox="1"/>
-          <p:nvPr/>
-        </p:nvSpPr>
-        <p:spPr>
-          <a:xfrm>
-            <a:off x="1757516" y="3518450"/>
-            <a:ext cx="1046169" cy="521970"/>
-          </a:xfrm>
-          <a:prstGeom prst="rect">
-            <a:avLst/>
-          </a:prstGeom>
-          <a:noFill/>
-        </p:spPr>
-        <p:txBody>
-          <a:bodyPr wrap="square" rtlCol="0">
-            <a:spAutoFit/>
-          </a:bodyPr>
-          <a:lstStyle/>
-          <a:p>
-            <a:r>
-              <a:rPr lang="en-US" altLang="ja-JP" sz="1400" dirty="0"/>
-              <a:t>target pitch angle</a:t>
-            </a:r>
-          </a:p>
-        </p:txBody>
-      </p:sp>
       <p:pic>
         <p:nvPicPr>
-          <p:cNvPr id="2" name="Picture 1"/>
+          <p:cNvPr id="6" name="図 5">
+            <a:extLst>
+              <a:ext uri="{FF2B5EF4-FFF2-40B4-BE49-F238E27FC236}">
+                <a16:creationId xmlns:a16="http://schemas.microsoft.com/office/drawing/2014/main" id="{241B0EAD-D48B-4549-9B1F-8D1B5A7AAB82}"/>
+              </a:ext>
+            </a:extLst>
+          </p:cNvPr>
           <p:cNvPicPr>
             <a:picLocks noChangeAspect="1"/>
           </p:cNvPicPr>
@@ -8520,77 +8859,50 @@
         </p:blipFill>
         <p:spPr>
           <a:xfrm>
-            <a:off x="1450340" y="697865"/>
-            <a:ext cx="4358640" cy="1818640"/>
+            <a:off x="1761736" y="2675850"/>
+            <a:ext cx="3627686" cy="2368073"/>
           </a:xfrm>
           <a:prstGeom prst="rect">
             <a:avLst/>
           </a:prstGeom>
         </p:spPr>
       </p:pic>
-      <p:cxnSp>
-        <p:nvCxnSpPr>
-          <p:cNvPr id="11" name="Straight Connector 12"/>
-          <p:cNvCxnSpPr>
-            <a:endCxn id="12" idx="2"/>
-          </p:cNvCxnSpPr>
-          <p:nvPr/>
-        </p:nvCxnSpPr>
-        <p:spPr>
-          <a:xfrm flipH="1" flipV="1">
-            <a:off x="5456555" y="5041265"/>
-            <a:ext cx="229235" cy="642620"/>
-          </a:xfrm>
-          <a:prstGeom prst="line">
-            <a:avLst/>
-          </a:prstGeom>
-          <a:ln w="19050"/>
-        </p:spPr>
-        <p:style>
-          <a:lnRef idx="2">
-            <a:schemeClr val="accent1"/>
-          </a:lnRef>
-          <a:fillRef idx="0">
-            <a:schemeClr val="accent1"/>
-          </a:fillRef>
-          <a:effectRef idx="1">
-            <a:schemeClr val="accent1"/>
-          </a:effectRef>
-          <a:fontRef idx="minor">
-            <a:schemeClr val="tx1"/>
-          </a:fontRef>
-        </p:style>
-      </p:cxnSp>
-      <p:sp>
-        <p:nvSpPr>
-          <p:cNvPr id="12" name="Text Box 9"/>
-          <p:cNvSpPr txBox="1"/>
-          <p:nvPr/>
-        </p:nvSpPr>
-        <p:spPr>
-          <a:xfrm>
-            <a:off x="4811395" y="4519295"/>
-            <a:ext cx="1290320" cy="521970"/>
-          </a:xfrm>
-          <a:prstGeom prst="rect">
-            <a:avLst/>
-          </a:prstGeom>
-          <a:noFill/>
-        </p:spPr>
-        <p:txBody>
-          <a:bodyPr wrap="square" rtlCol="0">
-            <a:spAutoFit/>
-          </a:bodyPr>
-          <a:lstStyle/>
-          <a:p>
-            <a:r>
-              <a:rPr lang="en-US" altLang="ja-JP" sz="1400" dirty="0"/>
-              <a:t>elevator command</a:t>
-            </a:r>
-          </a:p>
-        </p:txBody>
-      </p:sp>
+      <p:pic>
+        <p:nvPicPr>
+          <p:cNvPr id="7" name="図 6">
+            <a:extLst>
+              <a:ext uri="{FF2B5EF4-FFF2-40B4-BE49-F238E27FC236}">
+                <a16:creationId xmlns:a16="http://schemas.microsoft.com/office/drawing/2014/main" id="{8E8C4A9B-3CF5-4D87-9025-EE19D32A3C93}"/>
+              </a:ext>
+            </a:extLst>
+          </p:cNvPr>
+          <p:cNvPicPr>
+            <a:picLocks noChangeAspect="1"/>
+          </p:cNvPicPr>
+          <p:nvPr/>
+        </p:nvPicPr>
+        <p:blipFill>
+          <a:blip r:embed="rId4"/>
+          <a:stretch>
+            <a:fillRect/>
+          </a:stretch>
+        </p:blipFill>
+        <p:spPr>
+          <a:xfrm>
+            <a:off x="1761736" y="5043923"/>
+            <a:ext cx="3627686" cy="2363035"/>
+          </a:xfrm>
+          <a:prstGeom prst="rect">
+            <a:avLst/>
+          </a:prstGeom>
+        </p:spPr>
+      </p:pic>
     </p:spTree>
+    <p:extLst>
+      <p:ext uri="{BB962C8B-B14F-4D97-AF65-F5344CB8AC3E}">
+        <p14:creationId xmlns:p14="http://schemas.microsoft.com/office/powerpoint/2010/main" val="1618916903"/>
+      </p:ext>
+    </p:extLst>
   </p:cSld>
   <p:clrMapOvr>
     <a:masterClrMapping/>
